--- a/project_schematics.pptx
+++ b/project_schematics.pptx
@@ -3,11 +3,12 @@
 <p:presentation xmlns:a="http://schemas.openxmlformats.org/drawingml/2006/main" xmlns:p="http://schemas.openxmlformats.org/presentationml/2006/main" xmlns:r="http://schemas.openxmlformats.org/officeDocument/2006/relationships" xmlns:p14="http://schemas.microsoft.com/office/powerpoint/2010/main" xmlns:p15="http://schemas.microsoft.com/office/powerpoint/2012/main" xmlns:mc="http://schemas.openxmlformats.org/markup-compatibility/2006">
   <p:sldMasterIdLst>
     <p:sldMasterId id="2147483648" r:id="rId2"/>
+    <p:sldMasterId id="2147483661" r:id="rId3"/>
   </p:sldMasterIdLst>
   <p:sldIdLst>
-    <p:sldId id="256" r:id="rId3"/>
-    <p:sldId id="257" r:id="rId4"/>
-    <p:sldId id="258" r:id="rId5"/>
+    <p:sldId id="256" r:id="rId4"/>
+    <p:sldId id="257" r:id="rId5"/>
+    <p:sldId id="258" r:id="rId6"/>
   </p:sldIdLst>
   <p:sldSz cx="10080625" cy="5670550"/>
   <p:notesSz cx="7559675" cy="10691813"/>
@@ -38,7 +39,7 @@
             <a:spLocks noGrp="1"/>
           </p:cNvSpPr>
           <p:nvPr>
-            <p:ph type="ftr" idx="2"/>
+            <p:ph type="ftr" idx="1"/>
           </p:nvPr>
         </p:nvSpPr>
         <p:spPr/>
@@ -58,14 +59,14 @@
             <a:spLocks noGrp="1"/>
           </p:cNvSpPr>
           <p:nvPr>
-            <p:ph type="sldNum" idx="3"/>
+            <p:ph type="sldNum" idx="2"/>
           </p:nvPr>
         </p:nvSpPr>
         <p:spPr/>
         <p:txBody>
           <a:bodyPr/>
           <a:p>
-            <a:fld id="{5BA8952E-5511-45A3-B91C-1923492D2790}" type="slidenum">
+            <a:fld id="{E9FE5D8F-7CA4-420A-BD4C-A6150169F47E}" type="slidenum">
               <a:t>&lt;#&gt;</a:t>
             </a:fld>
           </a:p>
@@ -78,7 +79,7 @@
             <a:spLocks noGrp="1"/>
           </p:cNvSpPr>
           <p:nvPr>
-            <p:ph type="dt" idx="1"/>
+            <p:ph type="dt" idx="3"/>
           </p:nvPr>
         </p:nvSpPr>
         <p:spPr/>
@@ -127,7 +128,7 @@
         <p:spPr>
           <a:xfrm>
             <a:off x="504000" y="226080"/>
-            <a:ext cx="9071640" cy="946440"/>
+            <a:ext cx="9071280" cy="946080"/>
           </a:xfrm>
           <a:prstGeom prst="rect">
             <a:avLst/>
@@ -164,7 +165,7 @@
         <p:spPr>
           <a:xfrm>
             <a:off x="504000" y="1326600"/>
-            <a:ext cx="9071640" cy="1568160"/>
+            <a:ext cx="9071280" cy="1568160"/>
           </a:xfrm>
           <a:prstGeom prst="rect">
             <a:avLst/>
@@ -198,7 +199,7 @@
         <p:spPr>
           <a:xfrm>
             <a:off x="504000" y="3044160"/>
-            <a:ext cx="9071640" cy="1568160"/>
+            <a:ext cx="9071280" cy="1568160"/>
           </a:xfrm>
           <a:prstGeom prst="rect">
             <a:avLst/>
@@ -226,7 +227,7 @@
             <a:spLocks noGrp="1"/>
           </p:cNvSpPr>
           <p:nvPr>
-            <p:ph type="ftr" idx="2"/>
+            <p:ph type="ftr" idx="1"/>
           </p:nvPr>
         </p:nvSpPr>
         <p:spPr/>
@@ -246,14 +247,14 @@
             <a:spLocks noGrp="1"/>
           </p:cNvSpPr>
           <p:nvPr>
-            <p:ph type="sldNum" idx="3"/>
+            <p:ph type="sldNum" idx="2"/>
           </p:nvPr>
         </p:nvSpPr>
         <p:spPr/>
         <p:txBody>
           <a:bodyPr/>
           <a:p>
-            <a:fld id="{D8107DD9-C27C-49FF-A4A1-C620858856DA}" type="slidenum">
+            <a:fld id="{B7295424-BC54-4F1B-B5AA-F01A4DF5AF17}" type="slidenum">
               <a:t>&lt;#&gt;</a:t>
             </a:fld>
           </a:p>
@@ -266,7 +267,7 @@
             <a:spLocks noGrp="1"/>
           </p:cNvSpPr>
           <p:nvPr>
-            <p:ph type="dt" idx="1"/>
+            <p:ph type="dt" idx="3"/>
           </p:nvPr>
         </p:nvSpPr>
         <p:spPr/>
@@ -315,7 +316,7 @@
         <p:spPr>
           <a:xfrm>
             <a:off x="504000" y="226080"/>
-            <a:ext cx="9071640" cy="946440"/>
+            <a:ext cx="9071280" cy="946080"/>
           </a:xfrm>
           <a:prstGeom prst="rect">
             <a:avLst/>
@@ -352,7 +353,7 @@
         <p:spPr>
           <a:xfrm>
             <a:off x="504000" y="1326600"/>
-            <a:ext cx="4426920" cy="1568160"/>
+            <a:ext cx="4426560" cy="1568160"/>
           </a:xfrm>
           <a:prstGeom prst="rect">
             <a:avLst/>
@@ -385,8 +386,8 @@
         </p:nvSpPr>
         <p:spPr>
           <a:xfrm>
-            <a:off x="5152680" y="1326600"/>
-            <a:ext cx="4426920" cy="1568160"/>
+            <a:off x="5152320" y="1326600"/>
+            <a:ext cx="4426560" cy="1568160"/>
           </a:xfrm>
           <a:prstGeom prst="rect">
             <a:avLst/>
@@ -420,7 +421,7 @@
         <p:spPr>
           <a:xfrm>
             <a:off x="504000" y="3044160"/>
-            <a:ext cx="4426920" cy="1568160"/>
+            <a:ext cx="4426560" cy="1568160"/>
           </a:xfrm>
           <a:prstGeom prst="rect">
             <a:avLst/>
@@ -453,8 +454,8 @@
         </p:nvSpPr>
         <p:spPr>
           <a:xfrm>
-            <a:off x="5152680" y="3044160"/>
-            <a:ext cx="4426920" cy="1568160"/>
+            <a:off x="5152320" y="3044160"/>
+            <a:ext cx="4426560" cy="1568160"/>
           </a:xfrm>
           <a:prstGeom prst="rect">
             <a:avLst/>
@@ -482,7 +483,7 @@
             <a:spLocks noGrp="1"/>
           </p:cNvSpPr>
           <p:nvPr>
-            <p:ph type="ftr" idx="2"/>
+            <p:ph type="ftr" idx="1"/>
           </p:nvPr>
         </p:nvSpPr>
         <p:spPr/>
@@ -502,14 +503,14 @@
             <a:spLocks noGrp="1"/>
           </p:cNvSpPr>
           <p:nvPr>
-            <p:ph type="sldNum" idx="3"/>
+            <p:ph type="sldNum" idx="2"/>
           </p:nvPr>
         </p:nvSpPr>
         <p:spPr/>
         <p:txBody>
           <a:bodyPr/>
           <a:p>
-            <a:fld id="{F3A4ED29-4216-4D08-A718-5DBF14ECE192}" type="slidenum">
+            <a:fld id="{D801DB1D-9C87-4C72-BD24-146586D9AEB1}" type="slidenum">
               <a:t>&lt;#&gt;</a:t>
             </a:fld>
           </a:p>
@@ -522,7 +523,7 @@
             <a:spLocks noGrp="1"/>
           </p:cNvSpPr>
           <p:nvPr>
-            <p:ph type="dt" idx="1"/>
+            <p:ph type="dt" idx="3"/>
           </p:nvPr>
         </p:nvSpPr>
         <p:spPr/>
@@ -571,7 +572,7 @@
         <p:spPr>
           <a:xfrm>
             <a:off x="504000" y="226080"/>
-            <a:ext cx="9071640" cy="946440"/>
+            <a:ext cx="9071280" cy="946080"/>
           </a:xfrm>
           <a:prstGeom prst="rect">
             <a:avLst/>
@@ -806,7 +807,7 @@
             <a:spLocks noGrp="1"/>
           </p:cNvSpPr>
           <p:nvPr>
-            <p:ph type="ftr" idx="2"/>
+            <p:ph type="ftr" idx="1"/>
           </p:nvPr>
         </p:nvSpPr>
         <p:spPr/>
@@ -826,14 +827,14 @@
             <a:spLocks noGrp="1"/>
           </p:cNvSpPr>
           <p:nvPr>
-            <p:ph type="sldNum" idx="3"/>
+            <p:ph type="sldNum" idx="2"/>
           </p:nvPr>
         </p:nvSpPr>
         <p:spPr/>
         <p:txBody>
           <a:bodyPr/>
           <a:p>
-            <a:fld id="{D8F29463-FC48-42D7-AAB5-3B59F329FB8A}" type="slidenum">
+            <a:fld id="{7E8F76EC-21CE-4F5D-A0F3-D8390396CCBE}" type="slidenum">
               <a:t>&lt;#&gt;</a:t>
             </a:fld>
           </a:p>
@@ -846,7 +847,1051 @@
             <a:spLocks noGrp="1"/>
           </p:cNvSpPr>
           <p:nvPr>
-            <p:ph type="dt" idx="1"/>
+            <p:ph type="dt" idx="3"/>
+          </p:nvPr>
+        </p:nvSpPr>
+        <p:spPr/>
+        <p:txBody>
+          <a:bodyPr/>
+          <a:p>
+            <a:r>
+              <a:rPr lang="fr-CH"/>
+              <a:t/>
+            </a:r>
+          </a:p>
+        </p:txBody>
+      </p:sp>
+    </p:spTree>
+  </p:cSld>
+</p:sldLayout>
+</file>
+
+<file path=ppt/slideLayouts/slideLayout13.xml><?xml version="1.0" encoding="utf-8"?>
+<p:sldLayout xmlns:a="http://schemas.openxmlformats.org/drawingml/2006/main" xmlns:p="http://schemas.openxmlformats.org/presentationml/2006/main" xmlns:r="http://schemas.openxmlformats.org/officeDocument/2006/relationships" xmlns:p14="http://schemas.microsoft.com/office/powerpoint/2010/main" xmlns:p15="http://schemas.microsoft.com/office/powerpoint/2012/main" xmlns:mc="http://schemas.openxmlformats.org/markup-compatibility/2006" type="blank" preserve="1">
+  <p:cSld name="Blank Slide">
+    <p:spTree>
+      <p:nvGrpSpPr>
+        <p:cNvPr id="1" name=""/>
+        <p:cNvGrpSpPr/>
+        <p:nvPr/>
+      </p:nvGrpSpPr>
+      <p:grpSpPr>
+        <a:xfrm>
+          <a:off x="0" y="0"/>
+          <a:ext cx="0" cy="0"/>
+          <a:chOff x="0" y="0"/>
+          <a:chExt cx="0" cy="0"/>
+        </a:xfrm>
+      </p:grpSpPr>
+      <p:sp>
+        <p:nvSpPr>
+          <p:cNvPr id="2" name="PlaceHolder 1"/>
+          <p:cNvSpPr>
+            <a:spLocks noGrp="1"/>
+          </p:cNvSpPr>
+          <p:nvPr>
+            <p:ph type="ftr" idx="4"/>
+          </p:nvPr>
+        </p:nvSpPr>
+        <p:spPr/>
+        <p:txBody>
+          <a:bodyPr/>
+          <a:p>
+            <a:r>
+              <a:t>Footer</a:t>
+            </a:r>
+          </a:p>
+        </p:txBody>
+      </p:sp>
+      <p:sp>
+        <p:nvSpPr>
+          <p:cNvPr id="3" name="PlaceHolder 2"/>
+          <p:cNvSpPr>
+            <a:spLocks noGrp="1"/>
+          </p:cNvSpPr>
+          <p:nvPr>
+            <p:ph type="sldNum" idx="5"/>
+          </p:nvPr>
+        </p:nvSpPr>
+        <p:spPr/>
+        <p:txBody>
+          <a:bodyPr/>
+          <a:p>
+            <a:fld id="{7FF91BC2-9206-4EF3-84B9-EEF1D321F24E}" type="slidenum">
+              <a:t>&lt;#&gt;</a:t>
+            </a:fld>
+          </a:p>
+        </p:txBody>
+      </p:sp>
+      <p:sp>
+        <p:nvSpPr>
+          <p:cNvPr id="4" name="PlaceHolder 3"/>
+          <p:cNvSpPr>
+            <a:spLocks noGrp="1"/>
+          </p:cNvSpPr>
+          <p:nvPr>
+            <p:ph type="dt" idx="6"/>
+          </p:nvPr>
+        </p:nvSpPr>
+        <p:spPr/>
+        <p:txBody>
+          <a:bodyPr/>
+          <a:p>
+            <a:r>
+              <a:rPr lang="fr-CH"/>
+              <a:t/>
+            </a:r>
+          </a:p>
+        </p:txBody>
+      </p:sp>
+    </p:spTree>
+  </p:cSld>
+</p:sldLayout>
+</file>
+
+<file path=ppt/slideLayouts/slideLayout14.xml><?xml version="1.0" encoding="utf-8"?>
+<p:sldLayout xmlns:a="http://schemas.openxmlformats.org/drawingml/2006/main" xmlns:p="http://schemas.openxmlformats.org/presentationml/2006/main" xmlns:r="http://schemas.openxmlformats.org/officeDocument/2006/relationships" xmlns:p14="http://schemas.microsoft.com/office/powerpoint/2010/main" xmlns:p15="http://schemas.microsoft.com/office/powerpoint/2012/main" xmlns:mc="http://schemas.openxmlformats.org/markup-compatibility/2006" type="tx" preserve="1">
+  <p:cSld name="Title Slide">
+    <p:spTree>
+      <p:nvGrpSpPr>
+        <p:cNvPr id="1" name=""/>
+        <p:cNvGrpSpPr/>
+        <p:nvPr/>
+      </p:nvGrpSpPr>
+      <p:grpSpPr>
+        <a:xfrm>
+          <a:off x="0" y="0"/>
+          <a:ext cx="0" cy="0"/>
+          <a:chOff x="0" y="0"/>
+          <a:chExt cx="0" cy="0"/>
+        </a:xfrm>
+      </p:grpSpPr>
+      <p:sp>
+        <p:nvSpPr>
+          <p:cNvPr id="46" name="PlaceHolder 1"/>
+          <p:cNvSpPr>
+            <a:spLocks noGrp="1"/>
+          </p:cNvSpPr>
+          <p:nvPr>
+            <p:ph type="title"/>
+          </p:nvPr>
+        </p:nvSpPr>
+        <p:spPr>
+          <a:xfrm>
+            <a:off x="504000" y="226080"/>
+            <a:ext cx="9071280" cy="946080"/>
+          </a:xfrm>
+          <a:prstGeom prst="rect">
+            <a:avLst/>
+          </a:prstGeom>
+          <a:noFill/>
+          <a:ln w="0">
+            <a:noFill/>
+          </a:ln>
+        </p:spPr>
+        <p:txBody>
+          <a:bodyPr lIns="0" rIns="0" tIns="0" bIns="0" anchor="ctr">
+            <a:noAutofit/>
+          </a:bodyPr>
+          <a:p>
+            <a:pPr algn="ctr">
+              <a:buNone/>
+            </a:pPr>
+            <a:endParaRPr b="0" lang="fr-CH" sz="4400" spc="-1" strike="noStrike">
+              <a:latin typeface="Arial"/>
+            </a:endParaRPr>
+          </a:p>
+        </p:txBody>
+      </p:sp>
+      <p:sp>
+        <p:nvSpPr>
+          <p:cNvPr id="47" name="PlaceHolder 2"/>
+          <p:cNvSpPr>
+            <a:spLocks noGrp="1"/>
+          </p:cNvSpPr>
+          <p:nvPr>
+            <p:ph type="subTitle"/>
+          </p:nvPr>
+        </p:nvSpPr>
+        <p:spPr>
+          <a:xfrm>
+            <a:off x="504000" y="1326600"/>
+            <a:ext cx="9071280" cy="3287880"/>
+          </a:xfrm>
+          <a:prstGeom prst="rect">
+            <a:avLst/>
+          </a:prstGeom>
+          <a:noFill/>
+          <a:ln w="0">
+            <a:noFill/>
+          </a:ln>
+        </p:spPr>
+        <p:txBody>
+          <a:bodyPr lIns="0" rIns="0" tIns="0" bIns="0" anchor="ctr">
+            <a:noAutofit/>
+          </a:bodyPr>
+          <a:p>
+            <a:pPr algn="ctr">
+              <a:buNone/>
+            </a:pPr>
+            <a:endParaRPr b="0" lang="fr-CH" sz="3200" spc="-1" strike="noStrike">
+              <a:latin typeface="Arial"/>
+            </a:endParaRPr>
+          </a:p>
+        </p:txBody>
+      </p:sp>
+      <p:sp>
+        <p:nvSpPr>
+          <p:cNvPr id="4" name="PlaceHolder 3"/>
+          <p:cNvSpPr>
+            <a:spLocks noGrp="1"/>
+          </p:cNvSpPr>
+          <p:nvPr>
+            <p:ph type="ftr" idx="4"/>
+          </p:nvPr>
+        </p:nvSpPr>
+        <p:spPr/>
+        <p:txBody>
+          <a:bodyPr/>
+          <a:p>
+            <a:r>
+              <a:t>Footer</a:t>
+            </a:r>
+          </a:p>
+        </p:txBody>
+      </p:sp>
+      <p:sp>
+        <p:nvSpPr>
+          <p:cNvPr id="5" name="PlaceHolder 4"/>
+          <p:cNvSpPr>
+            <a:spLocks noGrp="1"/>
+          </p:cNvSpPr>
+          <p:nvPr>
+            <p:ph type="sldNum" idx="5"/>
+          </p:nvPr>
+        </p:nvSpPr>
+        <p:spPr/>
+        <p:txBody>
+          <a:bodyPr/>
+          <a:p>
+            <a:fld id="{A2FAAEC2-BA51-400E-B50C-FC0452CE88DE}" type="slidenum">
+              <a:t>&lt;#&gt;</a:t>
+            </a:fld>
+          </a:p>
+        </p:txBody>
+      </p:sp>
+      <p:sp>
+        <p:nvSpPr>
+          <p:cNvPr id="6" name="PlaceHolder 5"/>
+          <p:cNvSpPr>
+            <a:spLocks noGrp="1"/>
+          </p:cNvSpPr>
+          <p:nvPr>
+            <p:ph type="dt" idx="6"/>
+          </p:nvPr>
+        </p:nvSpPr>
+        <p:spPr/>
+        <p:txBody>
+          <a:bodyPr/>
+          <a:p>
+            <a:r>
+              <a:rPr lang="fr-CH"/>
+              <a:t/>
+            </a:r>
+          </a:p>
+        </p:txBody>
+      </p:sp>
+    </p:spTree>
+  </p:cSld>
+</p:sldLayout>
+</file>
+
+<file path=ppt/slideLayouts/slideLayout15.xml><?xml version="1.0" encoding="utf-8"?>
+<p:sldLayout xmlns:a="http://schemas.openxmlformats.org/drawingml/2006/main" xmlns:p="http://schemas.openxmlformats.org/presentationml/2006/main" xmlns:r="http://schemas.openxmlformats.org/officeDocument/2006/relationships" xmlns:p14="http://schemas.microsoft.com/office/powerpoint/2010/main" xmlns:p15="http://schemas.microsoft.com/office/powerpoint/2012/main" xmlns:mc="http://schemas.openxmlformats.org/markup-compatibility/2006" type="obj" preserve="1">
+  <p:cSld name="Title, Content">
+    <p:spTree>
+      <p:nvGrpSpPr>
+        <p:cNvPr id="1" name=""/>
+        <p:cNvGrpSpPr/>
+        <p:nvPr/>
+      </p:nvGrpSpPr>
+      <p:grpSpPr>
+        <a:xfrm>
+          <a:off x="0" y="0"/>
+          <a:ext cx="0" cy="0"/>
+          <a:chOff x="0" y="0"/>
+          <a:chExt cx="0" cy="0"/>
+        </a:xfrm>
+      </p:grpSpPr>
+      <p:sp>
+        <p:nvSpPr>
+          <p:cNvPr id="48" name="PlaceHolder 1"/>
+          <p:cNvSpPr>
+            <a:spLocks noGrp="1"/>
+          </p:cNvSpPr>
+          <p:nvPr>
+            <p:ph type="title"/>
+          </p:nvPr>
+        </p:nvSpPr>
+        <p:spPr>
+          <a:xfrm>
+            <a:off x="504000" y="226080"/>
+            <a:ext cx="9071280" cy="946080"/>
+          </a:xfrm>
+          <a:prstGeom prst="rect">
+            <a:avLst/>
+          </a:prstGeom>
+          <a:noFill/>
+          <a:ln w="0">
+            <a:noFill/>
+          </a:ln>
+        </p:spPr>
+        <p:txBody>
+          <a:bodyPr lIns="0" rIns="0" tIns="0" bIns="0" anchor="ctr">
+            <a:noAutofit/>
+          </a:bodyPr>
+          <a:p>
+            <a:pPr algn="ctr">
+              <a:buNone/>
+            </a:pPr>
+            <a:endParaRPr b="0" lang="fr-CH" sz="4400" spc="-1" strike="noStrike">
+              <a:latin typeface="Arial"/>
+            </a:endParaRPr>
+          </a:p>
+        </p:txBody>
+      </p:sp>
+      <p:sp>
+        <p:nvSpPr>
+          <p:cNvPr id="49" name="PlaceHolder 2"/>
+          <p:cNvSpPr>
+            <a:spLocks noGrp="1"/>
+          </p:cNvSpPr>
+          <p:nvPr>
+            <p:ph/>
+          </p:nvPr>
+        </p:nvSpPr>
+        <p:spPr>
+          <a:xfrm>
+            <a:off x="504000" y="1326600"/>
+            <a:ext cx="9071280" cy="3287880"/>
+          </a:xfrm>
+          <a:prstGeom prst="rect">
+            <a:avLst/>
+          </a:prstGeom>
+          <a:noFill/>
+          <a:ln w="0">
+            <a:noFill/>
+          </a:ln>
+        </p:spPr>
+        <p:txBody>
+          <a:bodyPr lIns="0" rIns="0" tIns="0" bIns="0" anchor="t">
+            <a:normAutofit/>
+          </a:bodyPr>
+          <a:p>
+            <a:endParaRPr b="0" lang="fr-CH" sz="3200" spc="-1" strike="noStrike">
+              <a:latin typeface="Arial"/>
+            </a:endParaRPr>
+          </a:p>
+        </p:txBody>
+      </p:sp>
+      <p:sp>
+        <p:nvSpPr>
+          <p:cNvPr id="4" name="PlaceHolder 3"/>
+          <p:cNvSpPr>
+            <a:spLocks noGrp="1"/>
+          </p:cNvSpPr>
+          <p:nvPr>
+            <p:ph type="ftr" idx="4"/>
+          </p:nvPr>
+        </p:nvSpPr>
+        <p:spPr/>
+        <p:txBody>
+          <a:bodyPr/>
+          <a:p>
+            <a:r>
+              <a:t>Footer</a:t>
+            </a:r>
+          </a:p>
+        </p:txBody>
+      </p:sp>
+      <p:sp>
+        <p:nvSpPr>
+          <p:cNvPr id="5" name="PlaceHolder 4"/>
+          <p:cNvSpPr>
+            <a:spLocks noGrp="1"/>
+          </p:cNvSpPr>
+          <p:nvPr>
+            <p:ph type="sldNum" idx="5"/>
+          </p:nvPr>
+        </p:nvSpPr>
+        <p:spPr/>
+        <p:txBody>
+          <a:bodyPr/>
+          <a:p>
+            <a:fld id="{4A2BC56D-C359-4DAD-83F3-C6B7D148D5F3}" type="slidenum">
+              <a:t>&lt;#&gt;</a:t>
+            </a:fld>
+          </a:p>
+        </p:txBody>
+      </p:sp>
+      <p:sp>
+        <p:nvSpPr>
+          <p:cNvPr id="6" name="PlaceHolder 5"/>
+          <p:cNvSpPr>
+            <a:spLocks noGrp="1"/>
+          </p:cNvSpPr>
+          <p:nvPr>
+            <p:ph type="dt" idx="6"/>
+          </p:nvPr>
+        </p:nvSpPr>
+        <p:spPr/>
+        <p:txBody>
+          <a:bodyPr/>
+          <a:p>
+            <a:r>
+              <a:rPr lang="fr-CH"/>
+              <a:t/>
+            </a:r>
+          </a:p>
+        </p:txBody>
+      </p:sp>
+    </p:spTree>
+  </p:cSld>
+</p:sldLayout>
+</file>
+
+<file path=ppt/slideLayouts/slideLayout16.xml><?xml version="1.0" encoding="utf-8"?>
+<p:sldLayout xmlns:a="http://schemas.openxmlformats.org/drawingml/2006/main" xmlns:p="http://schemas.openxmlformats.org/presentationml/2006/main" xmlns:r="http://schemas.openxmlformats.org/officeDocument/2006/relationships" xmlns:p14="http://schemas.microsoft.com/office/powerpoint/2010/main" xmlns:p15="http://schemas.microsoft.com/office/powerpoint/2012/main" xmlns:mc="http://schemas.openxmlformats.org/markup-compatibility/2006" type="twoObj" preserve="1">
+  <p:cSld name="Title, 2 Content">
+    <p:spTree>
+      <p:nvGrpSpPr>
+        <p:cNvPr id="1" name=""/>
+        <p:cNvGrpSpPr/>
+        <p:nvPr/>
+      </p:nvGrpSpPr>
+      <p:grpSpPr>
+        <a:xfrm>
+          <a:off x="0" y="0"/>
+          <a:ext cx="0" cy="0"/>
+          <a:chOff x="0" y="0"/>
+          <a:chExt cx="0" cy="0"/>
+        </a:xfrm>
+      </p:grpSpPr>
+      <p:sp>
+        <p:nvSpPr>
+          <p:cNvPr id="50" name="PlaceHolder 1"/>
+          <p:cNvSpPr>
+            <a:spLocks noGrp="1"/>
+          </p:cNvSpPr>
+          <p:nvPr>
+            <p:ph type="title"/>
+          </p:nvPr>
+        </p:nvSpPr>
+        <p:spPr>
+          <a:xfrm>
+            <a:off x="504000" y="226080"/>
+            <a:ext cx="9071280" cy="946080"/>
+          </a:xfrm>
+          <a:prstGeom prst="rect">
+            <a:avLst/>
+          </a:prstGeom>
+          <a:noFill/>
+          <a:ln w="0">
+            <a:noFill/>
+          </a:ln>
+        </p:spPr>
+        <p:txBody>
+          <a:bodyPr lIns="0" rIns="0" tIns="0" bIns="0" anchor="ctr">
+            <a:noAutofit/>
+          </a:bodyPr>
+          <a:p>
+            <a:pPr algn="ctr">
+              <a:buNone/>
+            </a:pPr>
+            <a:endParaRPr b="0" lang="fr-CH" sz="4400" spc="-1" strike="noStrike">
+              <a:latin typeface="Arial"/>
+            </a:endParaRPr>
+          </a:p>
+        </p:txBody>
+      </p:sp>
+      <p:sp>
+        <p:nvSpPr>
+          <p:cNvPr id="51" name="PlaceHolder 2"/>
+          <p:cNvSpPr>
+            <a:spLocks noGrp="1"/>
+          </p:cNvSpPr>
+          <p:nvPr>
+            <p:ph/>
+          </p:nvPr>
+        </p:nvSpPr>
+        <p:spPr>
+          <a:xfrm>
+            <a:off x="504000" y="1326600"/>
+            <a:ext cx="4426560" cy="3287880"/>
+          </a:xfrm>
+          <a:prstGeom prst="rect">
+            <a:avLst/>
+          </a:prstGeom>
+          <a:noFill/>
+          <a:ln w="0">
+            <a:noFill/>
+          </a:ln>
+        </p:spPr>
+        <p:txBody>
+          <a:bodyPr lIns="0" rIns="0" tIns="0" bIns="0" anchor="t">
+            <a:normAutofit/>
+          </a:bodyPr>
+          <a:p>
+            <a:endParaRPr b="0" lang="fr-CH" sz="3200" spc="-1" strike="noStrike">
+              <a:latin typeface="Arial"/>
+            </a:endParaRPr>
+          </a:p>
+        </p:txBody>
+      </p:sp>
+      <p:sp>
+        <p:nvSpPr>
+          <p:cNvPr id="52" name="PlaceHolder 3"/>
+          <p:cNvSpPr>
+            <a:spLocks noGrp="1"/>
+          </p:cNvSpPr>
+          <p:nvPr>
+            <p:ph/>
+          </p:nvPr>
+        </p:nvSpPr>
+        <p:spPr>
+          <a:xfrm>
+            <a:off x="5152320" y="1326600"/>
+            <a:ext cx="4426560" cy="3287880"/>
+          </a:xfrm>
+          <a:prstGeom prst="rect">
+            <a:avLst/>
+          </a:prstGeom>
+          <a:noFill/>
+          <a:ln w="0">
+            <a:noFill/>
+          </a:ln>
+        </p:spPr>
+        <p:txBody>
+          <a:bodyPr lIns="0" rIns="0" tIns="0" bIns="0" anchor="t">
+            <a:normAutofit/>
+          </a:bodyPr>
+          <a:p>
+            <a:endParaRPr b="0" lang="fr-CH" sz="3200" spc="-1" strike="noStrike">
+              <a:latin typeface="Arial"/>
+            </a:endParaRPr>
+          </a:p>
+        </p:txBody>
+      </p:sp>
+      <p:sp>
+        <p:nvSpPr>
+          <p:cNvPr id="5" name="PlaceHolder 4"/>
+          <p:cNvSpPr>
+            <a:spLocks noGrp="1"/>
+          </p:cNvSpPr>
+          <p:nvPr>
+            <p:ph type="ftr" idx="4"/>
+          </p:nvPr>
+        </p:nvSpPr>
+        <p:spPr/>
+        <p:txBody>
+          <a:bodyPr/>
+          <a:p>
+            <a:r>
+              <a:t>Footer</a:t>
+            </a:r>
+          </a:p>
+        </p:txBody>
+      </p:sp>
+      <p:sp>
+        <p:nvSpPr>
+          <p:cNvPr id="6" name="PlaceHolder 5"/>
+          <p:cNvSpPr>
+            <a:spLocks noGrp="1"/>
+          </p:cNvSpPr>
+          <p:nvPr>
+            <p:ph type="sldNum" idx="5"/>
+          </p:nvPr>
+        </p:nvSpPr>
+        <p:spPr/>
+        <p:txBody>
+          <a:bodyPr/>
+          <a:p>
+            <a:fld id="{9EA4D4C4-04D9-4E44-95FE-9733F9A5DE2E}" type="slidenum">
+              <a:t>&lt;#&gt;</a:t>
+            </a:fld>
+          </a:p>
+        </p:txBody>
+      </p:sp>
+      <p:sp>
+        <p:nvSpPr>
+          <p:cNvPr id="7" name="PlaceHolder 6"/>
+          <p:cNvSpPr>
+            <a:spLocks noGrp="1"/>
+          </p:cNvSpPr>
+          <p:nvPr>
+            <p:ph type="dt" idx="6"/>
+          </p:nvPr>
+        </p:nvSpPr>
+        <p:spPr/>
+        <p:txBody>
+          <a:bodyPr/>
+          <a:p>
+            <a:r>
+              <a:rPr lang="fr-CH"/>
+              <a:t/>
+            </a:r>
+          </a:p>
+        </p:txBody>
+      </p:sp>
+    </p:spTree>
+  </p:cSld>
+</p:sldLayout>
+</file>
+
+<file path=ppt/slideLayouts/slideLayout17.xml><?xml version="1.0" encoding="utf-8"?>
+<p:sldLayout xmlns:a="http://schemas.openxmlformats.org/drawingml/2006/main" xmlns:p="http://schemas.openxmlformats.org/presentationml/2006/main" xmlns:r="http://schemas.openxmlformats.org/officeDocument/2006/relationships" xmlns:p14="http://schemas.microsoft.com/office/powerpoint/2010/main" xmlns:p15="http://schemas.microsoft.com/office/powerpoint/2012/main" xmlns:mc="http://schemas.openxmlformats.org/markup-compatibility/2006" type="titleOnly" preserve="1">
+  <p:cSld name="Title Only">
+    <p:spTree>
+      <p:nvGrpSpPr>
+        <p:cNvPr id="1" name=""/>
+        <p:cNvGrpSpPr/>
+        <p:nvPr/>
+      </p:nvGrpSpPr>
+      <p:grpSpPr>
+        <a:xfrm>
+          <a:off x="0" y="0"/>
+          <a:ext cx="0" cy="0"/>
+          <a:chOff x="0" y="0"/>
+          <a:chExt cx="0" cy="0"/>
+        </a:xfrm>
+      </p:grpSpPr>
+      <p:sp>
+        <p:nvSpPr>
+          <p:cNvPr id="53" name="PlaceHolder 1"/>
+          <p:cNvSpPr>
+            <a:spLocks noGrp="1"/>
+          </p:cNvSpPr>
+          <p:nvPr>
+            <p:ph type="title"/>
+          </p:nvPr>
+        </p:nvSpPr>
+        <p:spPr>
+          <a:xfrm>
+            <a:off x="504000" y="226080"/>
+            <a:ext cx="9071280" cy="946080"/>
+          </a:xfrm>
+          <a:prstGeom prst="rect">
+            <a:avLst/>
+          </a:prstGeom>
+          <a:noFill/>
+          <a:ln w="0">
+            <a:noFill/>
+          </a:ln>
+        </p:spPr>
+        <p:txBody>
+          <a:bodyPr lIns="0" rIns="0" tIns="0" bIns="0" anchor="ctr">
+            <a:noAutofit/>
+          </a:bodyPr>
+          <a:p>
+            <a:pPr algn="ctr">
+              <a:buNone/>
+            </a:pPr>
+            <a:endParaRPr b="0" lang="fr-CH" sz="4400" spc="-1" strike="noStrike">
+              <a:latin typeface="Arial"/>
+            </a:endParaRPr>
+          </a:p>
+        </p:txBody>
+      </p:sp>
+      <p:sp>
+        <p:nvSpPr>
+          <p:cNvPr id="3" name="PlaceHolder 2"/>
+          <p:cNvSpPr>
+            <a:spLocks noGrp="1"/>
+          </p:cNvSpPr>
+          <p:nvPr>
+            <p:ph type="ftr" idx="4"/>
+          </p:nvPr>
+        </p:nvSpPr>
+        <p:spPr/>
+        <p:txBody>
+          <a:bodyPr/>
+          <a:p>
+            <a:r>
+              <a:t>Footer</a:t>
+            </a:r>
+          </a:p>
+        </p:txBody>
+      </p:sp>
+      <p:sp>
+        <p:nvSpPr>
+          <p:cNvPr id="4" name="PlaceHolder 3"/>
+          <p:cNvSpPr>
+            <a:spLocks noGrp="1"/>
+          </p:cNvSpPr>
+          <p:nvPr>
+            <p:ph type="sldNum" idx="5"/>
+          </p:nvPr>
+        </p:nvSpPr>
+        <p:spPr/>
+        <p:txBody>
+          <a:bodyPr/>
+          <a:p>
+            <a:fld id="{663FA4A5-9170-4AB7-8C8A-82B6E290DC07}" type="slidenum">
+              <a:t>&lt;#&gt;</a:t>
+            </a:fld>
+          </a:p>
+        </p:txBody>
+      </p:sp>
+      <p:sp>
+        <p:nvSpPr>
+          <p:cNvPr id="5" name="PlaceHolder 4"/>
+          <p:cNvSpPr>
+            <a:spLocks noGrp="1"/>
+          </p:cNvSpPr>
+          <p:nvPr>
+            <p:ph type="dt" idx="6"/>
+          </p:nvPr>
+        </p:nvSpPr>
+        <p:spPr/>
+        <p:txBody>
+          <a:bodyPr/>
+          <a:p>
+            <a:r>
+              <a:rPr lang="fr-CH"/>
+              <a:t/>
+            </a:r>
+          </a:p>
+        </p:txBody>
+      </p:sp>
+    </p:spTree>
+  </p:cSld>
+</p:sldLayout>
+</file>
+
+<file path=ppt/slideLayouts/slideLayout18.xml><?xml version="1.0" encoding="utf-8"?>
+<p:sldLayout xmlns:a="http://schemas.openxmlformats.org/drawingml/2006/main" xmlns:p="http://schemas.openxmlformats.org/presentationml/2006/main" xmlns:r="http://schemas.openxmlformats.org/officeDocument/2006/relationships" xmlns:p14="http://schemas.microsoft.com/office/powerpoint/2010/main" xmlns:p15="http://schemas.microsoft.com/office/powerpoint/2012/main" xmlns:mc="http://schemas.openxmlformats.org/markup-compatibility/2006" type="objOnly" preserve="1">
+  <p:cSld name="Centered Text">
+    <p:spTree>
+      <p:nvGrpSpPr>
+        <p:cNvPr id="1" name=""/>
+        <p:cNvGrpSpPr/>
+        <p:nvPr/>
+      </p:nvGrpSpPr>
+      <p:grpSpPr>
+        <a:xfrm>
+          <a:off x="0" y="0"/>
+          <a:ext cx="0" cy="0"/>
+          <a:chOff x="0" y="0"/>
+          <a:chExt cx="0" cy="0"/>
+        </a:xfrm>
+      </p:grpSpPr>
+      <p:sp>
+        <p:nvSpPr>
+          <p:cNvPr id="54" name="PlaceHolder 1"/>
+          <p:cNvSpPr>
+            <a:spLocks noGrp="1"/>
+          </p:cNvSpPr>
+          <p:nvPr>
+            <p:ph type="subTitle"/>
+          </p:nvPr>
+        </p:nvSpPr>
+        <p:spPr>
+          <a:xfrm>
+            <a:off x="504000" y="226080"/>
+            <a:ext cx="9071280" cy="4386600"/>
+          </a:xfrm>
+          <a:prstGeom prst="rect">
+            <a:avLst/>
+          </a:prstGeom>
+          <a:noFill/>
+          <a:ln w="0">
+            <a:noFill/>
+          </a:ln>
+        </p:spPr>
+        <p:txBody>
+          <a:bodyPr lIns="0" rIns="0" tIns="0" bIns="0" anchor="ctr">
+            <a:noAutofit/>
+          </a:bodyPr>
+          <a:p>
+            <a:pPr algn="ctr">
+              <a:buNone/>
+            </a:pPr>
+            <a:endParaRPr b="0" lang="fr-CH" sz="3200" spc="-1" strike="noStrike">
+              <a:latin typeface="Arial"/>
+            </a:endParaRPr>
+          </a:p>
+        </p:txBody>
+      </p:sp>
+      <p:sp>
+        <p:nvSpPr>
+          <p:cNvPr id="3" name="PlaceHolder 2"/>
+          <p:cNvSpPr>
+            <a:spLocks noGrp="1"/>
+          </p:cNvSpPr>
+          <p:nvPr>
+            <p:ph type="ftr" idx="4"/>
+          </p:nvPr>
+        </p:nvSpPr>
+        <p:spPr/>
+        <p:txBody>
+          <a:bodyPr/>
+          <a:p>
+            <a:r>
+              <a:t>Footer</a:t>
+            </a:r>
+          </a:p>
+        </p:txBody>
+      </p:sp>
+      <p:sp>
+        <p:nvSpPr>
+          <p:cNvPr id="4" name="PlaceHolder 3"/>
+          <p:cNvSpPr>
+            <a:spLocks noGrp="1"/>
+          </p:cNvSpPr>
+          <p:nvPr>
+            <p:ph type="sldNum" idx="5"/>
+          </p:nvPr>
+        </p:nvSpPr>
+        <p:spPr/>
+        <p:txBody>
+          <a:bodyPr/>
+          <a:p>
+            <a:fld id="{B9EEECF7-3B97-4CD1-80D7-1B8D6A6F94EA}" type="slidenum">
+              <a:t>&lt;#&gt;</a:t>
+            </a:fld>
+          </a:p>
+        </p:txBody>
+      </p:sp>
+      <p:sp>
+        <p:nvSpPr>
+          <p:cNvPr id="5" name="PlaceHolder 4"/>
+          <p:cNvSpPr>
+            <a:spLocks noGrp="1"/>
+          </p:cNvSpPr>
+          <p:nvPr>
+            <p:ph type="dt" idx="6"/>
+          </p:nvPr>
+        </p:nvSpPr>
+        <p:spPr/>
+        <p:txBody>
+          <a:bodyPr/>
+          <a:p>
+            <a:r>
+              <a:rPr lang="fr-CH"/>
+              <a:t/>
+            </a:r>
+          </a:p>
+        </p:txBody>
+      </p:sp>
+    </p:spTree>
+  </p:cSld>
+</p:sldLayout>
+</file>
+
+<file path=ppt/slideLayouts/slideLayout19.xml><?xml version="1.0" encoding="utf-8"?>
+<p:sldLayout xmlns:a="http://schemas.openxmlformats.org/drawingml/2006/main" xmlns:p="http://schemas.openxmlformats.org/presentationml/2006/main" xmlns:r="http://schemas.openxmlformats.org/officeDocument/2006/relationships" xmlns:p14="http://schemas.microsoft.com/office/powerpoint/2010/main" xmlns:p15="http://schemas.microsoft.com/office/powerpoint/2012/main" xmlns:mc="http://schemas.openxmlformats.org/markup-compatibility/2006" type="twoObjAndObj" preserve="1">
+  <p:cSld name="Title, 2 Content and Content">
+    <p:spTree>
+      <p:nvGrpSpPr>
+        <p:cNvPr id="1" name=""/>
+        <p:cNvGrpSpPr/>
+        <p:nvPr/>
+      </p:nvGrpSpPr>
+      <p:grpSpPr>
+        <a:xfrm>
+          <a:off x="0" y="0"/>
+          <a:ext cx="0" cy="0"/>
+          <a:chOff x="0" y="0"/>
+          <a:chExt cx="0" cy="0"/>
+        </a:xfrm>
+      </p:grpSpPr>
+      <p:sp>
+        <p:nvSpPr>
+          <p:cNvPr id="55" name="PlaceHolder 1"/>
+          <p:cNvSpPr>
+            <a:spLocks noGrp="1"/>
+          </p:cNvSpPr>
+          <p:nvPr>
+            <p:ph type="title"/>
+          </p:nvPr>
+        </p:nvSpPr>
+        <p:spPr>
+          <a:xfrm>
+            <a:off x="504000" y="226080"/>
+            <a:ext cx="9071280" cy="946080"/>
+          </a:xfrm>
+          <a:prstGeom prst="rect">
+            <a:avLst/>
+          </a:prstGeom>
+          <a:noFill/>
+          <a:ln w="0">
+            <a:noFill/>
+          </a:ln>
+        </p:spPr>
+        <p:txBody>
+          <a:bodyPr lIns="0" rIns="0" tIns="0" bIns="0" anchor="ctr">
+            <a:noAutofit/>
+          </a:bodyPr>
+          <a:p>
+            <a:pPr algn="ctr">
+              <a:buNone/>
+            </a:pPr>
+            <a:endParaRPr b="0" lang="fr-CH" sz="4400" spc="-1" strike="noStrike">
+              <a:latin typeface="Arial"/>
+            </a:endParaRPr>
+          </a:p>
+        </p:txBody>
+      </p:sp>
+      <p:sp>
+        <p:nvSpPr>
+          <p:cNvPr id="56" name="PlaceHolder 2"/>
+          <p:cNvSpPr>
+            <a:spLocks noGrp="1"/>
+          </p:cNvSpPr>
+          <p:nvPr>
+            <p:ph/>
+          </p:nvPr>
+        </p:nvSpPr>
+        <p:spPr>
+          <a:xfrm>
+            <a:off x="504000" y="1326600"/>
+            <a:ext cx="4426560" cy="1568160"/>
+          </a:xfrm>
+          <a:prstGeom prst="rect">
+            <a:avLst/>
+          </a:prstGeom>
+          <a:noFill/>
+          <a:ln w="0">
+            <a:noFill/>
+          </a:ln>
+        </p:spPr>
+        <p:txBody>
+          <a:bodyPr lIns="0" rIns="0" tIns="0" bIns="0" anchor="t">
+            <a:normAutofit/>
+          </a:bodyPr>
+          <a:p>
+            <a:endParaRPr b="0" lang="fr-CH" sz="3200" spc="-1" strike="noStrike">
+              <a:latin typeface="Arial"/>
+            </a:endParaRPr>
+          </a:p>
+        </p:txBody>
+      </p:sp>
+      <p:sp>
+        <p:nvSpPr>
+          <p:cNvPr id="57" name="PlaceHolder 3"/>
+          <p:cNvSpPr>
+            <a:spLocks noGrp="1"/>
+          </p:cNvSpPr>
+          <p:nvPr>
+            <p:ph/>
+          </p:nvPr>
+        </p:nvSpPr>
+        <p:spPr>
+          <a:xfrm>
+            <a:off x="5152320" y="1326600"/>
+            <a:ext cx="4426560" cy="3287880"/>
+          </a:xfrm>
+          <a:prstGeom prst="rect">
+            <a:avLst/>
+          </a:prstGeom>
+          <a:noFill/>
+          <a:ln w="0">
+            <a:noFill/>
+          </a:ln>
+        </p:spPr>
+        <p:txBody>
+          <a:bodyPr lIns="0" rIns="0" tIns="0" bIns="0" anchor="t">
+            <a:normAutofit/>
+          </a:bodyPr>
+          <a:p>
+            <a:endParaRPr b="0" lang="fr-CH" sz="3200" spc="-1" strike="noStrike">
+              <a:latin typeface="Arial"/>
+            </a:endParaRPr>
+          </a:p>
+        </p:txBody>
+      </p:sp>
+      <p:sp>
+        <p:nvSpPr>
+          <p:cNvPr id="58" name="PlaceHolder 4"/>
+          <p:cNvSpPr>
+            <a:spLocks noGrp="1"/>
+          </p:cNvSpPr>
+          <p:nvPr>
+            <p:ph/>
+          </p:nvPr>
+        </p:nvSpPr>
+        <p:spPr>
+          <a:xfrm>
+            <a:off x="504000" y="3044160"/>
+            <a:ext cx="4426560" cy="1568160"/>
+          </a:xfrm>
+          <a:prstGeom prst="rect">
+            <a:avLst/>
+          </a:prstGeom>
+          <a:noFill/>
+          <a:ln w="0">
+            <a:noFill/>
+          </a:ln>
+        </p:spPr>
+        <p:txBody>
+          <a:bodyPr lIns="0" rIns="0" tIns="0" bIns="0" anchor="t">
+            <a:normAutofit/>
+          </a:bodyPr>
+          <a:p>
+            <a:endParaRPr b="0" lang="fr-CH" sz="3200" spc="-1" strike="noStrike">
+              <a:latin typeface="Arial"/>
+            </a:endParaRPr>
+          </a:p>
+        </p:txBody>
+      </p:sp>
+      <p:sp>
+        <p:nvSpPr>
+          <p:cNvPr id="6" name="PlaceHolder 5"/>
+          <p:cNvSpPr>
+            <a:spLocks noGrp="1"/>
+          </p:cNvSpPr>
+          <p:nvPr>
+            <p:ph type="ftr" idx="4"/>
+          </p:nvPr>
+        </p:nvSpPr>
+        <p:spPr/>
+        <p:txBody>
+          <a:bodyPr/>
+          <a:p>
+            <a:r>
+              <a:t>Footer</a:t>
+            </a:r>
+          </a:p>
+        </p:txBody>
+      </p:sp>
+      <p:sp>
+        <p:nvSpPr>
+          <p:cNvPr id="7" name="PlaceHolder 6"/>
+          <p:cNvSpPr>
+            <a:spLocks noGrp="1"/>
+          </p:cNvSpPr>
+          <p:nvPr>
+            <p:ph type="sldNum" idx="5"/>
+          </p:nvPr>
+        </p:nvSpPr>
+        <p:spPr/>
+        <p:txBody>
+          <a:bodyPr/>
+          <a:p>
+            <a:fld id="{1CE86D13-0A85-4466-A228-A30BAC6C1BCC}" type="slidenum">
+              <a:t>&lt;#&gt;</a:t>
+            </a:fld>
+          </a:p>
+        </p:txBody>
+      </p:sp>
+      <p:sp>
+        <p:nvSpPr>
+          <p:cNvPr id="8" name="PlaceHolder 7"/>
+          <p:cNvSpPr>
+            <a:spLocks noGrp="1"/>
+          </p:cNvSpPr>
+          <p:nvPr>
+            <p:ph type="dt" idx="6"/>
           </p:nvPr>
         </p:nvSpPr>
         <p:spPr/>
@@ -895,7 +1940,7 @@
         <p:spPr>
           <a:xfrm>
             <a:off x="504000" y="226080"/>
-            <a:ext cx="9071640" cy="946440"/>
+            <a:ext cx="9071280" cy="946080"/>
           </a:xfrm>
           <a:prstGeom prst="rect">
             <a:avLst/>
@@ -932,7 +1977,7 @@
         <p:spPr>
           <a:xfrm>
             <a:off x="504000" y="1326600"/>
-            <a:ext cx="9071640" cy="3288240"/>
+            <a:ext cx="9071280" cy="3287880"/>
           </a:xfrm>
           <a:prstGeom prst="rect">
             <a:avLst/>
@@ -963,7 +2008,7 @@
             <a:spLocks noGrp="1"/>
           </p:cNvSpPr>
           <p:nvPr>
-            <p:ph type="ftr" idx="2"/>
+            <p:ph type="ftr" idx="1"/>
           </p:nvPr>
         </p:nvSpPr>
         <p:spPr/>
@@ -983,14 +2028,14 @@
             <a:spLocks noGrp="1"/>
           </p:cNvSpPr>
           <p:nvPr>
-            <p:ph type="sldNum" idx="3"/>
+            <p:ph type="sldNum" idx="2"/>
           </p:nvPr>
         </p:nvSpPr>
         <p:spPr/>
         <p:txBody>
           <a:bodyPr/>
           <a:p>
-            <a:fld id="{C51F6282-C668-49B5-8C2A-7F891D032123}" type="slidenum">
+            <a:fld id="{54F909CA-B1B5-4AB1-BEF5-9552D52567C8}" type="slidenum">
               <a:t>&lt;#&gt;</a:t>
             </a:fld>
           </a:p>
@@ -1003,7 +2048,1219 @@
             <a:spLocks noGrp="1"/>
           </p:cNvSpPr>
           <p:nvPr>
-            <p:ph type="dt" idx="1"/>
+            <p:ph type="dt" idx="3"/>
+          </p:nvPr>
+        </p:nvSpPr>
+        <p:spPr/>
+        <p:txBody>
+          <a:bodyPr/>
+          <a:p>
+            <a:r>
+              <a:rPr lang="fr-CH"/>
+              <a:t/>
+            </a:r>
+          </a:p>
+        </p:txBody>
+      </p:sp>
+    </p:spTree>
+  </p:cSld>
+</p:sldLayout>
+</file>
+
+<file path=ppt/slideLayouts/slideLayout20.xml><?xml version="1.0" encoding="utf-8"?>
+<p:sldLayout xmlns:a="http://schemas.openxmlformats.org/drawingml/2006/main" xmlns:p="http://schemas.openxmlformats.org/presentationml/2006/main" xmlns:r="http://schemas.openxmlformats.org/officeDocument/2006/relationships" xmlns:p14="http://schemas.microsoft.com/office/powerpoint/2010/main" xmlns:p15="http://schemas.microsoft.com/office/powerpoint/2012/main" xmlns:mc="http://schemas.openxmlformats.org/markup-compatibility/2006" type="objAndTwoObj" preserve="1">
+  <p:cSld name="Title Content and 2 Content">
+    <p:spTree>
+      <p:nvGrpSpPr>
+        <p:cNvPr id="1" name=""/>
+        <p:cNvGrpSpPr/>
+        <p:nvPr/>
+      </p:nvGrpSpPr>
+      <p:grpSpPr>
+        <a:xfrm>
+          <a:off x="0" y="0"/>
+          <a:ext cx="0" cy="0"/>
+          <a:chOff x="0" y="0"/>
+          <a:chExt cx="0" cy="0"/>
+        </a:xfrm>
+      </p:grpSpPr>
+      <p:sp>
+        <p:nvSpPr>
+          <p:cNvPr id="59" name="PlaceHolder 1"/>
+          <p:cNvSpPr>
+            <a:spLocks noGrp="1"/>
+          </p:cNvSpPr>
+          <p:nvPr>
+            <p:ph type="title"/>
+          </p:nvPr>
+        </p:nvSpPr>
+        <p:spPr>
+          <a:xfrm>
+            <a:off x="504000" y="226080"/>
+            <a:ext cx="9071280" cy="946080"/>
+          </a:xfrm>
+          <a:prstGeom prst="rect">
+            <a:avLst/>
+          </a:prstGeom>
+          <a:noFill/>
+          <a:ln w="0">
+            <a:noFill/>
+          </a:ln>
+        </p:spPr>
+        <p:txBody>
+          <a:bodyPr lIns="0" rIns="0" tIns="0" bIns="0" anchor="ctr">
+            <a:noAutofit/>
+          </a:bodyPr>
+          <a:p>
+            <a:pPr algn="ctr">
+              <a:buNone/>
+            </a:pPr>
+            <a:endParaRPr b="0" lang="fr-CH" sz="4400" spc="-1" strike="noStrike">
+              <a:latin typeface="Arial"/>
+            </a:endParaRPr>
+          </a:p>
+        </p:txBody>
+      </p:sp>
+      <p:sp>
+        <p:nvSpPr>
+          <p:cNvPr id="60" name="PlaceHolder 2"/>
+          <p:cNvSpPr>
+            <a:spLocks noGrp="1"/>
+          </p:cNvSpPr>
+          <p:nvPr>
+            <p:ph/>
+          </p:nvPr>
+        </p:nvSpPr>
+        <p:spPr>
+          <a:xfrm>
+            <a:off x="504000" y="1326600"/>
+            <a:ext cx="4426560" cy="3287880"/>
+          </a:xfrm>
+          <a:prstGeom prst="rect">
+            <a:avLst/>
+          </a:prstGeom>
+          <a:noFill/>
+          <a:ln w="0">
+            <a:noFill/>
+          </a:ln>
+        </p:spPr>
+        <p:txBody>
+          <a:bodyPr lIns="0" rIns="0" tIns="0" bIns="0" anchor="t">
+            <a:normAutofit/>
+          </a:bodyPr>
+          <a:p>
+            <a:endParaRPr b="0" lang="fr-CH" sz="3200" spc="-1" strike="noStrike">
+              <a:latin typeface="Arial"/>
+            </a:endParaRPr>
+          </a:p>
+        </p:txBody>
+      </p:sp>
+      <p:sp>
+        <p:nvSpPr>
+          <p:cNvPr id="61" name="PlaceHolder 3"/>
+          <p:cNvSpPr>
+            <a:spLocks noGrp="1"/>
+          </p:cNvSpPr>
+          <p:nvPr>
+            <p:ph/>
+          </p:nvPr>
+        </p:nvSpPr>
+        <p:spPr>
+          <a:xfrm>
+            <a:off x="5152320" y="1326600"/>
+            <a:ext cx="4426560" cy="1568160"/>
+          </a:xfrm>
+          <a:prstGeom prst="rect">
+            <a:avLst/>
+          </a:prstGeom>
+          <a:noFill/>
+          <a:ln w="0">
+            <a:noFill/>
+          </a:ln>
+        </p:spPr>
+        <p:txBody>
+          <a:bodyPr lIns="0" rIns="0" tIns="0" bIns="0" anchor="t">
+            <a:normAutofit/>
+          </a:bodyPr>
+          <a:p>
+            <a:endParaRPr b="0" lang="fr-CH" sz="3200" spc="-1" strike="noStrike">
+              <a:latin typeface="Arial"/>
+            </a:endParaRPr>
+          </a:p>
+        </p:txBody>
+      </p:sp>
+      <p:sp>
+        <p:nvSpPr>
+          <p:cNvPr id="62" name="PlaceHolder 4"/>
+          <p:cNvSpPr>
+            <a:spLocks noGrp="1"/>
+          </p:cNvSpPr>
+          <p:nvPr>
+            <p:ph/>
+          </p:nvPr>
+        </p:nvSpPr>
+        <p:spPr>
+          <a:xfrm>
+            <a:off x="5152320" y="3044160"/>
+            <a:ext cx="4426560" cy="1568160"/>
+          </a:xfrm>
+          <a:prstGeom prst="rect">
+            <a:avLst/>
+          </a:prstGeom>
+          <a:noFill/>
+          <a:ln w="0">
+            <a:noFill/>
+          </a:ln>
+        </p:spPr>
+        <p:txBody>
+          <a:bodyPr lIns="0" rIns="0" tIns="0" bIns="0" anchor="t">
+            <a:normAutofit/>
+          </a:bodyPr>
+          <a:p>
+            <a:endParaRPr b="0" lang="fr-CH" sz="3200" spc="-1" strike="noStrike">
+              <a:latin typeface="Arial"/>
+            </a:endParaRPr>
+          </a:p>
+        </p:txBody>
+      </p:sp>
+      <p:sp>
+        <p:nvSpPr>
+          <p:cNvPr id="6" name="PlaceHolder 5"/>
+          <p:cNvSpPr>
+            <a:spLocks noGrp="1"/>
+          </p:cNvSpPr>
+          <p:nvPr>
+            <p:ph type="ftr" idx="4"/>
+          </p:nvPr>
+        </p:nvSpPr>
+        <p:spPr/>
+        <p:txBody>
+          <a:bodyPr/>
+          <a:p>
+            <a:r>
+              <a:t>Footer</a:t>
+            </a:r>
+          </a:p>
+        </p:txBody>
+      </p:sp>
+      <p:sp>
+        <p:nvSpPr>
+          <p:cNvPr id="7" name="PlaceHolder 6"/>
+          <p:cNvSpPr>
+            <a:spLocks noGrp="1"/>
+          </p:cNvSpPr>
+          <p:nvPr>
+            <p:ph type="sldNum" idx="5"/>
+          </p:nvPr>
+        </p:nvSpPr>
+        <p:spPr/>
+        <p:txBody>
+          <a:bodyPr/>
+          <a:p>
+            <a:fld id="{12EE4F37-B9C5-417B-8771-88E2840FF0A6}" type="slidenum">
+              <a:t>&lt;#&gt;</a:t>
+            </a:fld>
+          </a:p>
+        </p:txBody>
+      </p:sp>
+      <p:sp>
+        <p:nvSpPr>
+          <p:cNvPr id="8" name="PlaceHolder 7"/>
+          <p:cNvSpPr>
+            <a:spLocks noGrp="1"/>
+          </p:cNvSpPr>
+          <p:nvPr>
+            <p:ph type="dt" idx="6"/>
+          </p:nvPr>
+        </p:nvSpPr>
+        <p:spPr/>
+        <p:txBody>
+          <a:bodyPr/>
+          <a:p>
+            <a:r>
+              <a:rPr lang="fr-CH"/>
+              <a:t/>
+            </a:r>
+          </a:p>
+        </p:txBody>
+      </p:sp>
+    </p:spTree>
+  </p:cSld>
+</p:sldLayout>
+</file>
+
+<file path=ppt/slideLayouts/slideLayout21.xml><?xml version="1.0" encoding="utf-8"?>
+<p:sldLayout xmlns:a="http://schemas.openxmlformats.org/drawingml/2006/main" xmlns:p="http://schemas.openxmlformats.org/presentationml/2006/main" xmlns:r="http://schemas.openxmlformats.org/officeDocument/2006/relationships" xmlns:p14="http://schemas.microsoft.com/office/powerpoint/2010/main" xmlns:p15="http://schemas.microsoft.com/office/powerpoint/2012/main" xmlns:mc="http://schemas.openxmlformats.org/markup-compatibility/2006" type="twoObjOverTx" preserve="1">
+  <p:cSld name="Title, 2 Content over Content">
+    <p:spTree>
+      <p:nvGrpSpPr>
+        <p:cNvPr id="1" name=""/>
+        <p:cNvGrpSpPr/>
+        <p:nvPr/>
+      </p:nvGrpSpPr>
+      <p:grpSpPr>
+        <a:xfrm>
+          <a:off x="0" y="0"/>
+          <a:ext cx="0" cy="0"/>
+          <a:chOff x="0" y="0"/>
+          <a:chExt cx="0" cy="0"/>
+        </a:xfrm>
+      </p:grpSpPr>
+      <p:sp>
+        <p:nvSpPr>
+          <p:cNvPr id="63" name="PlaceHolder 1"/>
+          <p:cNvSpPr>
+            <a:spLocks noGrp="1"/>
+          </p:cNvSpPr>
+          <p:nvPr>
+            <p:ph type="title"/>
+          </p:nvPr>
+        </p:nvSpPr>
+        <p:spPr>
+          <a:xfrm>
+            <a:off x="504000" y="226080"/>
+            <a:ext cx="9071280" cy="946080"/>
+          </a:xfrm>
+          <a:prstGeom prst="rect">
+            <a:avLst/>
+          </a:prstGeom>
+          <a:noFill/>
+          <a:ln w="0">
+            <a:noFill/>
+          </a:ln>
+        </p:spPr>
+        <p:txBody>
+          <a:bodyPr lIns="0" rIns="0" tIns="0" bIns="0" anchor="ctr">
+            <a:noAutofit/>
+          </a:bodyPr>
+          <a:p>
+            <a:pPr algn="ctr">
+              <a:buNone/>
+            </a:pPr>
+            <a:endParaRPr b="0" lang="fr-CH" sz="4400" spc="-1" strike="noStrike">
+              <a:latin typeface="Arial"/>
+            </a:endParaRPr>
+          </a:p>
+        </p:txBody>
+      </p:sp>
+      <p:sp>
+        <p:nvSpPr>
+          <p:cNvPr id="64" name="PlaceHolder 2"/>
+          <p:cNvSpPr>
+            <a:spLocks noGrp="1"/>
+          </p:cNvSpPr>
+          <p:nvPr>
+            <p:ph/>
+          </p:nvPr>
+        </p:nvSpPr>
+        <p:spPr>
+          <a:xfrm>
+            <a:off x="504000" y="1326600"/>
+            <a:ext cx="4426560" cy="1568160"/>
+          </a:xfrm>
+          <a:prstGeom prst="rect">
+            <a:avLst/>
+          </a:prstGeom>
+          <a:noFill/>
+          <a:ln w="0">
+            <a:noFill/>
+          </a:ln>
+        </p:spPr>
+        <p:txBody>
+          <a:bodyPr lIns="0" rIns="0" tIns="0" bIns="0" anchor="t">
+            <a:normAutofit/>
+          </a:bodyPr>
+          <a:p>
+            <a:endParaRPr b="0" lang="fr-CH" sz="3200" spc="-1" strike="noStrike">
+              <a:latin typeface="Arial"/>
+            </a:endParaRPr>
+          </a:p>
+        </p:txBody>
+      </p:sp>
+      <p:sp>
+        <p:nvSpPr>
+          <p:cNvPr id="65" name="PlaceHolder 3"/>
+          <p:cNvSpPr>
+            <a:spLocks noGrp="1"/>
+          </p:cNvSpPr>
+          <p:nvPr>
+            <p:ph/>
+          </p:nvPr>
+        </p:nvSpPr>
+        <p:spPr>
+          <a:xfrm>
+            <a:off x="5152320" y="1326600"/>
+            <a:ext cx="4426560" cy="1568160"/>
+          </a:xfrm>
+          <a:prstGeom prst="rect">
+            <a:avLst/>
+          </a:prstGeom>
+          <a:noFill/>
+          <a:ln w="0">
+            <a:noFill/>
+          </a:ln>
+        </p:spPr>
+        <p:txBody>
+          <a:bodyPr lIns="0" rIns="0" tIns="0" bIns="0" anchor="t">
+            <a:normAutofit/>
+          </a:bodyPr>
+          <a:p>
+            <a:endParaRPr b="0" lang="fr-CH" sz="3200" spc="-1" strike="noStrike">
+              <a:latin typeface="Arial"/>
+            </a:endParaRPr>
+          </a:p>
+        </p:txBody>
+      </p:sp>
+      <p:sp>
+        <p:nvSpPr>
+          <p:cNvPr id="66" name="PlaceHolder 4"/>
+          <p:cNvSpPr>
+            <a:spLocks noGrp="1"/>
+          </p:cNvSpPr>
+          <p:nvPr>
+            <p:ph/>
+          </p:nvPr>
+        </p:nvSpPr>
+        <p:spPr>
+          <a:xfrm>
+            <a:off x="504000" y="3044160"/>
+            <a:ext cx="9071280" cy="1568160"/>
+          </a:xfrm>
+          <a:prstGeom prst="rect">
+            <a:avLst/>
+          </a:prstGeom>
+          <a:noFill/>
+          <a:ln w="0">
+            <a:noFill/>
+          </a:ln>
+        </p:spPr>
+        <p:txBody>
+          <a:bodyPr lIns="0" rIns="0" tIns="0" bIns="0" anchor="t">
+            <a:normAutofit/>
+          </a:bodyPr>
+          <a:p>
+            <a:endParaRPr b="0" lang="fr-CH" sz="3200" spc="-1" strike="noStrike">
+              <a:latin typeface="Arial"/>
+            </a:endParaRPr>
+          </a:p>
+        </p:txBody>
+      </p:sp>
+      <p:sp>
+        <p:nvSpPr>
+          <p:cNvPr id="6" name="PlaceHolder 5"/>
+          <p:cNvSpPr>
+            <a:spLocks noGrp="1"/>
+          </p:cNvSpPr>
+          <p:nvPr>
+            <p:ph type="ftr" idx="4"/>
+          </p:nvPr>
+        </p:nvSpPr>
+        <p:spPr/>
+        <p:txBody>
+          <a:bodyPr/>
+          <a:p>
+            <a:r>
+              <a:t>Footer</a:t>
+            </a:r>
+          </a:p>
+        </p:txBody>
+      </p:sp>
+      <p:sp>
+        <p:nvSpPr>
+          <p:cNvPr id="7" name="PlaceHolder 6"/>
+          <p:cNvSpPr>
+            <a:spLocks noGrp="1"/>
+          </p:cNvSpPr>
+          <p:nvPr>
+            <p:ph type="sldNum" idx="5"/>
+          </p:nvPr>
+        </p:nvSpPr>
+        <p:spPr/>
+        <p:txBody>
+          <a:bodyPr/>
+          <a:p>
+            <a:fld id="{9CC919D9-57D2-447E-AA3C-CE52D45E1DFD}" type="slidenum">
+              <a:t>&lt;#&gt;</a:t>
+            </a:fld>
+          </a:p>
+        </p:txBody>
+      </p:sp>
+      <p:sp>
+        <p:nvSpPr>
+          <p:cNvPr id="8" name="PlaceHolder 7"/>
+          <p:cNvSpPr>
+            <a:spLocks noGrp="1"/>
+          </p:cNvSpPr>
+          <p:nvPr>
+            <p:ph type="dt" idx="6"/>
+          </p:nvPr>
+        </p:nvSpPr>
+        <p:spPr/>
+        <p:txBody>
+          <a:bodyPr/>
+          <a:p>
+            <a:r>
+              <a:rPr lang="fr-CH"/>
+              <a:t/>
+            </a:r>
+          </a:p>
+        </p:txBody>
+      </p:sp>
+    </p:spTree>
+  </p:cSld>
+</p:sldLayout>
+</file>
+
+<file path=ppt/slideLayouts/slideLayout22.xml><?xml version="1.0" encoding="utf-8"?>
+<p:sldLayout xmlns:a="http://schemas.openxmlformats.org/drawingml/2006/main" xmlns:p="http://schemas.openxmlformats.org/presentationml/2006/main" xmlns:r="http://schemas.openxmlformats.org/officeDocument/2006/relationships" xmlns:p14="http://schemas.microsoft.com/office/powerpoint/2010/main" xmlns:p15="http://schemas.microsoft.com/office/powerpoint/2012/main" xmlns:mc="http://schemas.openxmlformats.org/markup-compatibility/2006" type="objOverTx" preserve="1">
+  <p:cSld name="Title, Content over Content">
+    <p:spTree>
+      <p:nvGrpSpPr>
+        <p:cNvPr id="1" name=""/>
+        <p:cNvGrpSpPr/>
+        <p:nvPr/>
+      </p:nvGrpSpPr>
+      <p:grpSpPr>
+        <a:xfrm>
+          <a:off x="0" y="0"/>
+          <a:ext cx="0" cy="0"/>
+          <a:chOff x="0" y="0"/>
+          <a:chExt cx="0" cy="0"/>
+        </a:xfrm>
+      </p:grpSpPr>
+      <p:sp>
+        <p:nvSpPr>
+          <p:cNvPr id="67" name="PlaceHolder 1"/>
+          <p:cNvSpPr>
+            <a:spLocks noGrp="1"/>
+          </p:cNvSpPr>
+          <p:nvPr>
+            <p:ph type="title"/>
+          </p:nvPr>
+        </p:nvSpPr>
+        <p:spPr>
+          <a:xfrm>
+            <a:off x="504000" y="226080"/>
+            <a:ext cx="9071280" cy="946080"/>
+          </a:xfrm>
+          <a:prstGeom prst="rect">
+            <a:avLst/>
+          </a:prstGeom>
+          <a:noFill/>
+          <a:ln w="0">
+            <a:noFill/>
+          </a:ln>
+        </p:spPr>
+        <p:txBody>
+          <a:bodyPr lIns="0" rIns="0" tIns="0" bIns="0" anchor="ctr">
+            <a:noAutofit/>
+          </a:bodyPr>
+          <a:p>
+            <a:pPr algn="ctr">
+              <a:buNone/>
+            </a:pPr>
+            <a:endParaRPr b="0" lang="fr-CH" sz="4400" spc="-1" strike="noStrike">
+              <a:latin typeface="Arial"/>
+            </a:endParaRPr>
+          </a:p>
+        </p:txBody>
+      </p:sp>
+      <p:sp>
+        <p:nvSpPr>
+          <p:cNvPr id="68" name="PlaceHolder 2"/>
+          <p:cNvSpPr>
+            <a:spLocks noGrp="1"/>
+          </p:cNvSpPr>
+          <p:nvPr>
+            <p:ph/>
+          </p:nvPr>
+        </p:nvSpPr>
+        <p:spPr>
+          <a:xfrm>
+            <a:off x="504000" y="1326600"/>
+            <a:ext cx="9071280" cy="1568160"/>
+          </a:xfrm>
+          <a:prstGeom prst="rect">
+            <a:avLst/>
+          </a:prstGeom>
+          <a:noFill/>
+          <a:ln w="0">
+            <a:noFill/>
+          </a:ln>
+        </p:spPr>
+        <p:txBody>
+          <a:bodyPr lIns="0" rIns="0" tIns="0" bIns="0" anchor="t">
+            <a:normAutofit/>
+          </a:bodyPr>
+          <a:p>
+            <a:endParaRPr b="0" lang="fr-CH" sz="3200" spc="-1" strike="noStrike">
+              <a:latin typeface="Arial"/>
+            </a:endParaRPr>
+          </a:p>
+        </p:txBody>
+      </p:sp>
+      <p:sp>
+        <p:nvSpPr>
+          <p:cNvPr id="69" name="PlaceHolder 3"/>
+          <p:cNvSpPr>
+            <a:spLocks noGrp="1"/>
+          </p:cNvSpPr>
+          <p:nvPr>
+            <p:ph/>
+          </p:nvPr>
+        </p:nvSpPr>
+        <p:spPr>
+          <a:xfrm>
+            <a:off x="504000" y="3044160"/>
+            <a:ext cx="9071280" cy="1568160"/>
+          </a:xfrm>
+          <a:prstGeom prst="rect">
+            <a:avLst/>
+          </a:prstGeom>
+          <a:noFill/>
+          <a:ln w="0">
+            <a:noFill/>
+          </a:ln>
+        </p:spPr>
+        <p:txBody>
+          <a:bodyPr lIns="0" rIns="0" tIns="0" bIns="0" anchor="t">
+            <a:normAutofit/>
+          </a:bodyPr>
+          <a:p>
+            <a:endParaRPr b="0" lang="fr-CH" sz="3200" spc="-1" strike="noStrike">
+              <a:latin typeface="Arial"/>
+            </a:endParaRPr>
+          </a:p>
+        </p:txBody>
+      </p:sp>
+      <p:sp>
+        <p:nvSpPr>
+          <p:cNvPr id="5" name="PlaceHolder 4"/>
+          <p:cNvSpPr>
+            <a:spLocks noGrp="1"/>
+          </p:cNvSpPr>
+          <p:nvPr>
+            <p:ph type="ftr" idx="4"/>
+          </p:nvPr>
+        </p:nvSpPr>
+        <p:spPr/>
+        <p:txBody>
+          <a:bodyPr/>
+          <a:p>
+            <a:r>
+              <a:t>Footer</a:t>
+            </a:r>
+          </a:p>
+        </p:txBody>
+      </p:sp>
+      <p:sp>
+        <p:nvSpPr>
+          <p:cNvPr id="6" name="PlaceHolder 5"/>
+          <p:cNvSpPr>
+            <a:spLocks noGrp="1"/>
+          </p:cNvSpPr>
+          <p:nvPr>
+            <p:ph type="sldNum" idx="5"/>
+          </p:nvPr>
+        </p:nvSpPr>
+        <p:spPr/>
+        <p:txBody>
+          <a:bodyPr/>
+          <a:p>
+            <a:fld id="{41FBB902-B9F7-4DFE-9804-CFD0DF36BBFE}" type="slidenum">
+              <a:t>&lt;#&gt;</a:t>
+            </a:fld>
+          </a:p>
+        </p:txBody>
+      </p:sp>
+      <p:sp>
+        <p:nvSpPr>
+          <p:cNvPr id="7" name="PlaceHolder 6"/>
+          <p:cNvSpPr>
+            <a:spLocks noGrp="1"/>
+          </p:cNvSpPr>
+          <p:nvPr>
+            <p:ph type="dt" idx="6"/>
+          </p:nvPr>
+        </p:nvSpPr>
+        <p:spPr/>
+        <p:txBody>
+          <a:bodyPr/>
+          <a:p>
+            <a:r>
+              <a:rPr lang="fr-CH"/>
+              <a:t/>
+            </a:r>
+          </a:p>
+        </p:txBody>
+      </p:sp>
+    </p:spTree>
+  </p:cSld>
+</p:sldLayout>
+</file>
+
+<file path=ppt/slideLayouts/slideLayout23.xml><?xml version="1.0" encoding="utf-8"?>
+<p:sldLayout xmlns:a="http://schemas.openxmlformats.org/drawingml/2006/main" xmlns:p="http://schemas.openxmlformats.org/presentationml/2006/main" xmlns:r="http://schemas.openxmlformats.org/officeDocument/2006/relationships" xmlns:p14="http://schemas.microsoft.com/office/powerpoint/2010/main" xmlns:p15="http://schemas.microsoft.com/office/powerpoint/2012/main" xmlns:mc="http://schemas.openxmlformats.org/markup-compatibility/2006" type="fourObj" preserve="1">
+  <p:cSld name="Title, 4 Content">
+    <p:spTree>
+      <p:nvGrpSpPr>
+        <p:cNvPr id="1" name=""/>
+        <p:cNvGrpSpPr/>
+        <p:nvPr/>
+      </p:nvGrpSpPr>
+      <p:grpSpPr>
+        <a:xfrm>
+          <a:off x="0" y="0"/>
+          <a:ext cx="0" cy="0"/>
+          <a:chOff x="0" y="0"/>
+          <a:chExt cx="0" cy="0"/>
+        </a:xfrm>
+      </p:grpSpPr>
+      <p:sp>
+        <p:nvSpPr>
+          <p:cNvPr id="70" name="PlaceHolder 1"/>
+          <p:cNvSpPr>
+            <a:spLocks noGrp="1"/>
+          </p:cNvSpPr>
+          <p:nvPr>
+            <p:ph type="title"/>
+          </p:nvPr>
+        </p:nvSpPr>
+        <p:spPr>
+          <a:xfrm>
+            <a:off x="504000" y="226080"/>
+            <a:ext cx="9071280" cy="946080"/>
+          </a:xfrm>
+          <a:prstGeom prst="rect">
+            <a:avLst/>
+          </a:prstGeom>
+          <a:noFill/>
+          <a:ln w="0">
+            <a:noFill/>
+          </a:ln>
+        </p:spPr>
+        <p:txBody>
+          <a:bodyPr lIns="0" rIns="0" tIns="0" bIns="0" anchor="ctr">
+            <a:noAutofit/>
+          </a:bodyPr>
+          <a:p>
+            <a:pPr algn="ctr">
+              <a:buNone/>
+            </a:pPr>
+            <a:endParaRPr b="0" lang="fr-CH" sz="4400" spc="-1" strike="noStrike">
+              <a:latin typeface="Arial"/>
+            </a:endParaRPr>
+          </a:p>
+        </p:txBody>
+      </p:sp>
+      <p:sp>
+        <p:nvSpPr>
+          <p:cNvPr id="71" name="PlaceHolder 2"/>
+          <p:cNvSpPr>
+            <a:spLocks noGrp="1"/>
+          </p:cNvSpPr>
+          <p:nvPr>
+            <p:ph/>
+          </p:nvPr>
+        </p:nvSpPr>
+        <p:spPr>
+          <a:xfrm>
+            <a:off x="504000" y="1326600"/>
+            <a:ext cx="4426560" cy="1568160"/>
+          </a:xfrm>
+          <a:prstGeom prst="rect">
+            <a:avLst/>
+          </a:prstGeom>
+          <a:noFill/>
+          <a:ln w="0">
+            <a:noFill/>
+          </a:ln>
+        </p:spPr>
+        <p:txBody>
+          <a:bodyPr lIns="0" rIns="0" tIns="0" bIns="0" anchor="t">
+            <a:normAutofit/>
+          </a:bodyPr>
+          <a:p>
+            <a:endParaRPr b="0" lang="fr-CH" sz="3200" spc="-1" strike="noStrike">
+              <a:latin typeface="Arial"/>
+            </a:endParaRPr>
+          </a:p>
+        </p:txBody>
+      </p:sp>
+      <p:sp>
+        <p:nvSpPr>
+          <p:cNvPr id="72" name="PlaceHolder 3"/>
+          <p:cNvSpPr>
+            <a:spLocks noGrp="1"/>
+          </p:cNvSpPr>
+          <p:nvPr>
+            <p:ph/>
+          </p:nvPr>
+        </p:nvSpPr>
+        <p:spPr>
+          <a:xfrm>
+            <a:off x="5152320" y="1326600"/>
+            <a:ext cx="4426560" cy="1568160"/>
+          </a:xfrm>
+          <a:prstGeom prst="rect">
+            <a:avLst/>
+          </a:prstGeom>
+          <a:noFill/>
+          <a:ln w="0">
+            <a:noFill/>
+          </a:ln>
+        </p:spPr>
+        <p:txBody>
+          <a:bodyPr lIns="0" rIns="0" tIns="0" bIns="0" anchor="t">
+            <a:normAutofit/>
+          </a:bodyPr>
+          <a:p>
+            <a:endParaRPr b="0" lang="fr-CH" sz="3200" spc="-1" strike="noStrike">
+              <a:latin typeface="Arial"/>
+            </a:endParaRPr>
+          </a:p>
+        </p:txBody>
+      </p:sp>
+      <p:sp>
+        <p:nvSpPr>
+          <p:cNvPr id="73" name="PlaceHolder 4"/>
+          <p:cNvSpPr>
+            <a:spLocks noGrp="1"/>
+          </p:cNvSpPr>
+          <p:nvPr>
+            <p:ph/>
+          </p:nvPr>
+        </p:nvSpPr>
+        <p:spPr>
+          <a:xfrm>
+            <a:off x="504000" y="3044160"/>
+            <a:ext cx="4426560" cy="1568160"/>
+          </a:xfrm>
+          <a:prstGeom prst="rect">
+            <a:avLst/>
+          </a:prstGeom>
+          <a:noFill/>
+          <a:ln w="0">
+            <a:noFill/>
+          </a:ln>
+        </p:spPr>
+        <p:txBody>
+          <a:bodyPr lIns="0" rIns="0" tIns="0" bIns="0" anchor="t">
+            <a:normAutofit/>
+          </a:bodyPr>
+          <a:p>
+            <a:endParaRPr b="0" lang="fr-CH" sz="3200" spc="-1" strike="noStrike">
+              <a:latin typeface="Arial"/>
+            </a:endParaRPr>
+          </a:p>
+        </p:txBody>
+      </p:sp>
+      <p:sp>
+        <p:nvSpPr>
+          <p:cNvPr id="74" name="PlaceHolder 5"/>
+          <p:cNvSpPr>
+            <a:spLocks noGrp="1"/>
+          </p:cNvSpPr>
+          <p:nvPr>
+            <p:ph/>
+          </p:nvPr>
+        </p:nvSpPr>
+        <p:spPr>
+          <a:xfrm>
+            <a:off x="5152320" y="3044160"/>
+            <a:ext cx="4426560" cy="1568160"/>
+          </a:xfrm>
+          <a:prstGeom prst="rect">
+            <a:avLst/>
+          </a:prstGeom>
+          <a:noFill/>
+          <a:ln w="0">
+            <a:noFill/>
+          </a:ln>
+        </p:spPr>
+        <p:txBody>
+          <a:bodyPr lIns="0" rIns="0" tIns="0" bIns="0" anchor="t">
+            <a:normAutofit/>
+          </a:bodyPr>
+          <a:p>
+            <a:endParaRPr b="0" lang="fr-CH" sz="3200" spc="-1" strike="noStrike">
+              <a:latin typeface="Arial"/>
+            </a:endParaRPr>
+          </a:p>
+        </p:txBody>
+      </p:sp>
+      <p:sp>
+        <p:nvSpPr>
+          <p:cNvPr id="7" name="PlaceHolder 6"/>
+          <p:cNvSpPr>
+            <a:spLocks noGrp="1"/>
+          </p:cNvSpPr>
+          <p:nvPr>
+            <p:ph type="ftr" idx="4"/>
+          </p:nvPr>
+        </p:nvSpPr>
+        <p:spPr/>
+        <p:txBody>
+          <a:bodyPr/>
+          <a:p>
+            <a:r>
+              <a:t>Footer</a:t>
+            </a:r>
+          </a:p>
+        </p:txBody>
+      </p:sp>
+      <p:sp>
+        <p:nvSpPr>
+          <p:cNvPr id="8" name="PlaceHolder 7"/>
+          <p:cNvSpPr>
+            <a:spLocks noGrp="1"/>
+          </p:cNvSpPr>
+          <p:nvPr>
+            <p:ph type="sldNum" idx="5"/>
+          </p:nvPr>
+        </p:nvSpPr>
+        <p:spPr/>
+        <p:txBody>
+          <a:bodyPr/>
+          <a:p>
+            <a:fld id="{9900FC52-DC3D-4674-BB2D-2BD494796CAA}" type="slidenum">
+              <a:t>&lt;#&gt;</a:t>
+            </a:fld>
+          </a:p>
+        </p:txBody>
+      </p:sp>
+      <p:sp>
+        <p:nvSpPr>
+          <p:cNvPr id="9" name="PlaceHolder 8"/>
+          <p:cNvSpPr>
+            <a:spLocks noGrp="1"/>
+          </p:cNvSpPr>
+          <p:nvPr>
+            <p:ph type="dt" idx="6"/>
+          </p:nvPr>
+        </p:nvSpPr>
+        <p:spPr/>
+        <p:txBody>
+          <a:bodyPr/>
+          <a:p>
+            <a:r>
+              <a:rPr lang="fr-CH"/>
+              <a:t/>
+            </a:r>
+          </a:p>
+        </p:txBody>
+      </p:sp>
+    </p:spTree>
+  </p:cSld>
+</p:sldLayout>
+</file>
+
+<file path=ppt/slideLayouts/slideLayout24.xml><?xml version="1.0" encoding="utf-8"?>
+<p:sldLayout xmlns:a="http://schemas.openxmlformats.org/drawingml/2006/main" xmlns:p="http://schemas.openxmlformats.org/presentationml/2006/main" xmlns:r="http://schemas.openxmlformats.org/officeDocument/2006/relationships" xmlns:p14="http://schemas.microsoft.com/office/powerpoint/2010/main" xmlns:p15="http://schemas.microsoft.com/office/powerpoint/2012/main" xmlns:mc="http://schemas.openxmlformats.org/markup-compatibility/2006" type="blank" preserve="1">
+  <p:cSld name="Title, 6 Content">
+    <p:spTree>
+      <p:nvGrpSpPr>
+        <p:cNvPr id="1" name=""/>
+        <p:cNvGrpSpPr/>
+        <p:nvPr/>
+      </p:nvGrpSpPr>
+      <p:grpSpPr>
+        <a:xfrm>
+          <a:off x="0" y="0"/>
+          <a:ext cx="0" cy="0"/>
+          <a:chOff x="0" y="0"/>
+          <a:chExt cx="0" cy="0"/>
+        </a:xfrm>
+      </p:grpSpPr>
+      <p:sp>
+        <p:nvSpPr>
+          <p:cNvPr id="75" name="PlaceHolder 1"/>
+          <p:cNvSpPr>
+            <a:spLocks noGrp="1"/>
+          </p:cNvSpPr>
+          <p:nvPr>
+            <p:ph type="title"/>
+          </p:nvPr>
+        </p:nvSpPr>
+        <p:spPr>
+          <a:xfrm>
+            <a:off x="504000" y="226080"/>
+            <a:ext cx="9071280" cy="946080"/>
+          </a:xfrm>
+          <a:prstGeom prst="rect">
+            <a:avLst/>
+          </a:prstGeom>
+          <a:noFill/>
+          <a:ln w="0">
+            <a:noFill/>
+          </a:ln>
+        </p:spPr>
+        <p:txBody>
+          <a:bodyPr lIns="0" rIns="0" tIns="0" bIns="0" anchor="ctr">
+            <a:noAutofit/>
+          </a:bodyPr>
+          <a:p>
+            <a:pPr algn="ctr">
+              <a:buNone/>
+            </a:pPr>
+            <a:endParaRPr b="0" lang="fr-CH" sz="4400" spc="-1" strike="noStrike">
+              <a:latin typeface="Arial"/>
+            </a:endParaRPr>
+          </a:p>
+        </p:txBody>
+      </p:sp>
+      <p:sp>
+        <p:nvSpPr>
+          <p:cNvPr id="76" name="PlaceHolder 2"/>
+          <p:cNvSpPr>
+            <a:spLocks noGrp="1"/>
+          </p:cNvSpPr>
+          <p:nvPr>
+            <p:ph/>
+          </p:nvPr>
+        </p:nvSpPr>
+        <p:spPr>
+          <a:xfrm>
+            <a:off x="504000" y="1326600"/>
+            <a:ext cx="2920680" cy="1568160"/>
+          </a:xfrm>
+          <a:prstGeom prst="rect">
+            <a:avLst/>
+          </a:prstGeom>
+          <a:noFill/>
+          <a:ln w="0">
+            <a:noFill/>
+          </a:ln>
+        </p:spPr>
+        <p:txBody>
+          <a:bodyPr lIns="0" rIns="0" tIns="0" bIns="0" anchor="t">
+            <a:normAutofit/>
+          </a:bodyPr>
+          <a:p>
+            <a:endParaRPr b="0" lang="fr-CH" sz="3200" spc="-1" strike="noStrike">
+              <a:latin typeface="Arial"/>
+            </a:endParaRPr>
+          </a:p>
+        </p:txBody>
+      </p:sp>
+      <p:sp>
+        <p:nvSpPr>
+          <p:cNvPr id="77" name="PlaceHolder 3"/>
+          <p:cNvSpPr>
+            <a:spLocks noGrp="1"/>
+          </p:cNvSpPr>
+          <p:nvPr>
+            <p:ph/>
+          </p:nvPr>
+        </p:nvSpPr>
+        <p:spPr>
+          <a:xfrm>
+            <a:off x="3571200" y="1326600"/>
+            <a:ext cx="2920680" cy="1568160"/>
+          </a:xfrm>
+          <a:prstGeom prst="rect">
+            <a:avLst/>
+          </a:prstGeom>
+          <a:noFill/>
+          <a:ln w="0">
+            <a:noFill/>
+          </a:ln>
+        </p:spPr>
+        <p:txBody>
+          <a:bodyPr lIns="0" rIns="0" tIns="0" bIns="0" anchor="t">
+            <a:normAutofit/>
+          </a:bodyPr>
+          <a:p>
+            <a:endParaRPr b="0" lang="fr-CH" sz="3200" spc="-1" strike="noStrike">
+              <a:latin typeface="Arial"/>
+            </a:endParaRPr>
+          </a:p>
+        </p:txBody>
+      </p:sp>
+      <p:sp>
+        <p:nvSpPr>
+          <p:cNvPr id="78" name="PlaceHolder 4"/>
+          <p:cNvSpPr>
+            <a:spLocks noGrp="1"/>
+          </p:cNvSpPr>
+          <p:nvPr>
+            <p:ph/>
+          </p:nvPr>
+        </p:nvSpPr>
+        <p:spPr>
+          <a:xfrm>
+            <a:off x="6638040" y="1326600"/>
+            <a:ext cx="2920680" cy="1568160"/>
+          </a:xfrm>
+          <a:prstGeom prst="rect">
+            <a:avLst/>
+          </a:prstGeom>
+          <a:noFill/>
+          <a:ln w="0">
+            <a:noFill/>
+          </a:ln>
+        </p:spPr>
+        <p:txBody>
+          <a:bodyPr lIns="0" rIns="0" tIns="0" bIns="0" anchor="t">
+            <a:normAutofit/>
+          </a:bodyPr>
+          <a:p>
+            <a:endParaRPr b="0" lang="fr-CH" sz="3200" spc="-1" strike="noStrike">
+              <a:latin typeface="Arial"/>
+            </a:endParaRPr>
+          </a:p>
+        </p:txBody>
+      </p:sp>
+      <p:sp>
+        <p:nvSpPr>
+          <p:cNvPr id="79" name="PlaceHolder 5"/>
+          <p:cNvSpPr>
+            <a:spLocks noGrp="1"/>
+          </p:cNvSpPr>
+          <p:nvPr>
+            <p:ph/>
+          </p:nvPr>
+        </p:nvSpPr>
+        <p:spPr>
+          <a:xfrm>
+            <a:off x="504000" y="3044160"/>
+            <a:ext cx="2920680" cy="1568160"/>
+          </a:xfrm>
+          <a:prstGeom prst="rect">
+            <a:avLst/>
+          </a:prstGeom>
+          <a:noFill/>
+          <a:ln w="0">
+            <a:noFill/>
+          </a:ln>
+        </p:spPr>
+        <p:txBody>
+          <a:bodyPr lIns="0" rIns="0" tIns="0" bIns="0" anchor="t">
+            <a:normAutofit/>
+          </a:bodyPr>
+          <a:p>
+            <a:endParaRPr b="0" lang="fr-CH" sz="3200" spc="-1" strike="noStrike">
+              <a:latin typeface="Arial"/>
+            </a:endParaRPr>
+          </a:p>
+        </p:txBody>
+      </p:sp>
+      <p:sp>
+        <p:nvSpPr>
+          <p:cNvPr id="80" name="PlaceHolder 6"/>
+          <p:cNvSpPr>
+            <a:spLocks noGrp="1"/>
+          </p:cNvSpPr>
+          <p:nvPr>
+            <p:ph/>
+          </p:nvPr>
+        </p:nvSpPr>
+        <p:spPr>
+          <a:xfrm>
+            <a:off x="3571200" y="3044160"/>
+            <a:ext cx="2920680" cy="1568160"/>
+          </a:xfrm>
+          <a:prstGeom prst="rect">
+            <a:avLst/>
+          </a:prstGeom>
+          <a:noFill/>
+          <a:ln w="0">
+            <a:noFill/>
+          </a:ln>
+        </p:spPr>
+        <p:txBody>
+          <a:bodyPr lIns="0" rIns="0" tIns="0" bIns="0" anchor="t">
+            <a:normAutofit/>
+          </a:bodyPr>
+          <a:p>
+            <a:endParaRPr b="0" lang="fr-CH" sz="3200" spc="-1" strike="noStrike">
+              <a:latin typeface="Arial"/>
+            </a:endParaRPr>
+          </a:p>
+        </p:txBody>
+      </p:sp>
+      <p:sp>
+        <p:nvSpPr>
+          <p:cNvPr id="81" name="PlaceHolder 7"/>
+          <p:cNvSpPr>
+            <a:spLocks noGrp="1"/>
+          </p:cNvSpPr>
+          <p:nvPr>
+            <p:ph/>
+          </p:nvPr>
+        </p:nvSpPr>
+        <p:spPr>
+          <a:xfrm>
+            <a:off x="6638040" y="3044160"/>
+            <a:ext cx="2920680" cy="1568160"/>
+          </a:xfrm>
+          <a:prstGeom prst="rect">
+            <a:avLst/>
+          </a:prstGeom>
+          <a:noFill/>
+          <a:ln w="0">
+            <a:noFill/>
+          </a:ln>
+        </p:spPr>
+        <p:txBody>
+          <a:bodyPr lIns="0" rIns="0" tIns="0" bIns="0" anchor="t">
+            <a:normAutofit/>
+          </a:bodyPr>
+          <a:p>
+            <a:endParaRPr b="0" lang="fr-CH" sz="3200" spc="-1" strike="noStrike">
+              <a:latin typeface="Arial"/>
+            </a:endParaRPr>
+          </a:p>
+        </p:txBody>
+      </p:sp>
+      <p:sp>
+        <p:nvSpPr>
+          <p:cNvPr id="9" name="PlaceHolder 8"/>
+          <p:cNvSpPr>
+            <a:spLocks noGrp="1"/>
+          </p:cNvSpPr>
+          <p:nvPr>
+            <p:ph type="ftr" idx="4"/>
+          </p:nvPr>
+        </p:nvSpPr>
+        <p:spPr/>
+        <p:txBody>
+          <a:bodyPr/>
+          <a:p>
+            <a:r>
+              <a:t>Footer</a:t>
+            </a:r>
+          </a:p>
+        </p:txBody>
+      </p:sp>
+      <p:sp>
+        <p:nvSpPr>
+          <p:cNvPr id="10" name="PlaceHolder 9"/>
+          <p:cNvSpPr>
+            <a:spLocks noGrp="1"/>
+          </p:cNvSpPr>
+          <p:nvPr>
+            <p:ph type="sldNum" idx="5"/>
+          </p:nvPr>
+        </p:nvSpPr>
+        <p:spPr/>
+        <p:txBody>
+          <a:bodyPr/>
+          <a:p>
+            <a:fld id="{DA02E4E5-A030-4067-8A68-DBED3B38233D}" type="slidenum">
+              <a:t>&lt;#&gt;</a:t>
+            </a:fld>
+          </a:p>
+        </p:txBody>
+      </p:sp>
+      <p:sp>
+        <p:nvSpPr>
+          <p:cNvPr id="11" name="PlaceHolder 10"/>
+          <p:cNvSpPr>
+            <a:spLocks noGrp="1"/>
+          </p:cNvSpPr>
+          <p:nvPr>
+            <p:ph type="dt" idx="6"/>
           </p:nvPr>
         </p:nvSpPr>
         <p:spPr/>
@@ -1052,7 +3309,7 @@
         <p:spPr>
           <a:xfrm>
             <a:off x="504000" y="226080"/>
-            <a:ext cx="9071640" cy="946440"/>
+            <a:ext cx="9071280" cy="946080"/>
           </a:xfrm>
           <a:prstGeom prst="rect">
             <a:avLst/>
@@ -1089,7 +3346,7 @@
         <p:spPr>
           <a:xfrm>
             <a:off x="504000" y="1326600"/>
-            <a:ext cx="9071640" cy="3288240"/>
+            <a:ext cx="9071280" cy="3287880"/>
           </a:xfrm>
           <a:prstGeom prst="rect">
             <a:avLst/>
@@ -1117,7 +3374,7 @@
             <a:spLocks noGrp="1"/>
           </p:cNvSpPr>
           <p:nvPr>
-            <p:ph type="ftr" idx="2"/>
+            <p:ph type="ftr" idx="1"/>
           </p:nvPr>
         </p:nvSpPr>
         <p:spPr/>
@@ -1137,14 +3394,14 @@
             <a:spLocks noGrp="1"/>
           </p:cNvSpPr>
           <p:nvPr>
-            <p:ph type="sldNum" idx="3"/>
+            <p:ph type="sldNum" idx="2"/>
           </p:nvPr>
         </p:nvSpPr>
         <p:spPr/>
         <p:txBody>
           <a:bodyPr/>
           <a:p>
-            <a:fld id="{3B0F60D8-5FD7-4614-A882-DDAE4CFE1EA0}" type="slidenum">
+            <a:fld id="{7A25FAF1-8F9F-4DC5-A614-5172AB37A080}" type="slidenum">
               <a:t>&lt;#&gt;</a:t>
             </a:fld>
           </a:p>
@@ -1157,7 +3414,7 @@
             <a:spLocks noGrp="1"/>
           </p:cNvSpPr>
           <p:nvPr>
-            <p:ph type="dt" idx="1"/>
+            <p:ph type="dt" idx="3"/>
           </p:nvPr>
         </p:nvSpPr>
         <p:spPr/>
@@ -1206,7 +3463,7 @@
         <p:spPr>
           <a:xfrm>
             <a:off x="504000" y="226080"/>
-            <a:ext cx="9071640" cy="946440"/>
+            <a:ext cx="9071280" cy="946080"/>
           </a:xfrm>
           <a:prstGeom prst="rect">
             <a:avLst/>
@@ -1243,7 +3500,7 @@
         <p:spPr>
           <a:xfrm>
             <a:off x="504000" y="1326600"/>
-            <a:ext cx="4426920" cy="3288240"/>
+            <a:ext cx="4426560" cy="3287880"/>
           </a:xfrm>
           <a:prstGeom prst="rect">
             <a:avLst/>
@@ -1276,8 +3533,8 @@
         </p:nvSpPr>
         <p:spPr>
           <a:xfrm>
-            <a:off x="5152680" y="1326600"/>
-            <a:ext cx="4426920" cy="3288240"/>
+            <a:off x="5152320" y="1326600"/>
+            <a:ext cx="4426560" cy="3287880"/>
           </a:xfrm>
           <a:prstGeom prst="rect">
             <a:avLst/>
@@ -1305,7 +3562,7 @@
             <a:spLocks noGrp="1"/>
           </p:cNvSpPr>
           <p:nvPr>
-            <p:ph type="ftr" idx="2"/>
+            <p:ph type="ftr" idx="1"/>
           </p:nvPr>
         </p:nvSpPr>
         <p:spPr/>
@@ -1325,14 +3582,14 @@
             <a:spLocks noGrp="1"/>
           </p:cNvSpPr>
           <p:nvPr>
-            <p:ph type="sldNum" idx="3"/>
+            <p:ph type="sldNum" idx="2"/>
           </p:nvPr>
         </p:nvSpPr>
         <p:spPr/>
         <p:txBody>
           <a:bodyPr/>
           <a:p>
-            <a:fld id="{E19845A9-77F3-407C-B462-5706508B3C17}" type="slidenum">
+            <a:fld id="{CB092622-EE43-4C49-8AE5-B9A6A26F4452}" type="slidenum">
               <a:t>&lt;#&gt;</a:t>
             </a:fld>
           </a:p>
@@ -1345,7 +3602,7 @@
             <a:spLocks noGrp="1"/>
           </p:cNvSpPr>
           <p:nvPr>
-            <p:ph type="dt" idx="1"/>
+            <p:ph type="dt" idx="3"/>
           </p:nvPr>
         </p:nvSpPr>
         <p:spPr/>
@@ -1394,7 +3651,7 @@
         <p:spPr>
           <a:xfrm>
             <a:off x="504000" y="226080"/>
-            <a:ext cx="9071640" cy="946440"/>
+            <a:ext cx="9071280" cy="946080"/>
           </a:xfrm>
           <a:prstGeom prst="rect">
             <a:avLst/>
@@ -1425,7 +3682,7 @@
             <a:spLocks noGrp="1"/>
           </p:cNvSpPr>
           <p:nvPr>
-            <p:ph type="ftr" idx="2"/>
+            <p:ph type="ftr" idx="1"/>
           </p:nvPr>
         </p:nvSpPr>
         <p:spPr/>
@@ -1445,14 +3702,14 @@
             <a:spLocks noGrp="1"/>
           </p:cNvSpPr>
           <p:nvPr>
-            <p:ph type="sldNum" idx="3"/>
+            <p:ph type="sldNum" idx="2"/>
           </p:nvPr>
         </p:nvSpPr>
         <p:spPr/>
         <p:txBody>
           <a:bodyPr/>
           <a:p>
-            <a:fld id="{8BFB3CF3-0D6F-48DD-AE75-47DCAADEDA50}" type="slidenum">
+            <a:fld id="{C6A1BB58-1308-443B-A123-2E57B332A4E7}" type="slidenum">
               <a:t>&lt;#&gt;</a:t>
             </a:fld>
           </a:p>
@@ -1465,7 +3722,7 @@
             <a:spLocks noGrp="1"/>
           </p:cNvSpPr>
           <p:nvPr>
-            <p:ph type="dt" idx="1"/>
+            <p:ph type="dt" idx="3"/>
           </p:nvPr>
         </p:nvSpPr>
         <p:spPr/>
@@ -1514,7 +3771,7 @@
         <p:spPr>
           <a:xfrm>
             <a:off x="504000" y="226080"/>
-            <a:ext cx="9071640" cy="4388400"/>
+            <a:ext cx="9071280" cy="4386600"/>
           </a:xfrm>
           <a:prstGeom prst="rect">
             <a:avLst/>
@@ -1545,7 +3802,7 @@
             <a:spLocks noGrp="1"/>
           </p:cNvSpPr>
           <p:nvPr>
-            <p:ph type="ftr" idx="2"/>
+            <p:ph type="ftr" idx="1"/>
           </p:nvPr>
         </p:nvSpPr>
         <p:spPr/>
@@ -1565,14 +3822,14 @@
             <a:spLocks noGrp="1"/>
           </p:cNvSpPr>
           <p:nvPr>
-            <p:ph type="sldNum" idx="3"/>
+            <p:ph type="sldNum" idx="2"/>
           </p:nvPr>
         </p:nvSpPr>
         <p:spPr/>
         <p:txBody>
           <a:bodyPr/>
           <a:p>
-            <a:fld id="{44B038F5-875A-4F04-8F9D-2A528FAE4A60}" type="slidenum">
+            <a:fld id="{AFA97D56-BFBB-4182-87F7-D7D05EC3DFDE}" type="slidenum">
               <a:t>&lt;#&gt;</a:t>
             </a:fld>
           </a:p>
@@ -1585,7 +3842,7 @@
             <a:spLocks noGrp="1"/>
           </p:cNvSpPr>
           <p:nvPr>
-            <p:ph type="dt" idx="1"/>
+            <p:ph type="dt" idx="3"/>
           </p:nvPr>
         </p:nvSpPr>
         <p:spPr/>
@@ -1634,7 +3891,7 @@
         <p:spPr>
           <a:xfrm>
             <a:off x="504000" y="226080"/>
-            <a:ext cx="9071640" cy="946440"/>
+            <a:ext cx="9071280" cy="946080"/>
           </a:xfrm>
           <a:prstGeom prst="rect">
             <a:avLst/>
@@ -1671,7 +3928,7 @@
         <p:spPr>
           <a:xfrm>
             <a:off x="504000" y="1326600"/>
-            <a:ext cx="4426920" cy="1568160"/>
+            <a:ext cx="4426560" cy="1568160"/>
           </a:xfrm>
           <a:prstGeom prst="rect">
             <a:avLst/>
@@ -1704,8 +3961,8 @@
         </p:nvSpPr>
         <p:spPr>
           <a:xfrm>
-            <a:off x="5152680" y="1326600"/>
-            <a:ext cx="4426920" cy="3288240"/>
+            <a:off x="5152320" y="1326600"/>
+            <a:ext cx="4426560" cy="3287880"/>
           </a:xfrm>
           <a:prstGeom prst="rect">
             <a:avLst/>
@@ -1739,7 +3996,7 @@
         <p:spPr>
           <a:xfrm>
             <a:off x="504000" y="3044160"/>
-            <a:ext cx="4426920" cy="1568160"/>
+            <a:ext cx="4426560" cy="1568160"/>
           </a:xfrm>
           <a:prstGeom prst="rect">
             <a:avLst/>
@@ -1767,7 +4024,7 @@
             <a:spLocks noGrp="1"/>
           </p:cNvSpPr>
           <p:nvPr>
-            <p:ph type="ftr" idx="2"/>
+            <p:ph type="ftr" idx="1"/>
           </p:nvPr>
         </p:nvSpPr>
         <p:spPr/>
@@ -1787,14 +4044,14 @@
             <a:spLocks noGrp="1"/>
           </p:cNvSpPr>
           <p:nvPr>
-            <p:ph type="sldNum" idx="3"/>
+            <p:ph type="sldNum" idx="2"/>
           </p:nvPr>
         </p:nvSpPr>
         <p:spPr/>
         <p:txBody>
           <a:bodyPr/>
           <a:p>
-            <a:fld id="{2D374BFD-D830-4032-AC5F-EDB492DCE29D}" type="slidenum">
+            <a:fld id="{144AB3C9-52E6-49E3-8997-6CD43994464F}" type="slidenum">
               <a:t>&lt;#&gt;</a:t>
             </a:fld>
           </a:p>
@@ -1807,7 +4064,7 @@
             <a:spLocks noGrp="1"/>
           </p:cNvSpPr>
           <p:nvPr>
-            <p:ph type="dt" idx="1"/>
+            <p:ph type="dt" idx="3"/>
           </p:nvPr>
         </p:nvSpPr>
         <p:spPr/>
@@ -1856,7 +4113,7 @@
         <p:spPr>
           <a:xfrm>
             <a:off x="504000" y="226080"/>
-            <a:ext cx="9071640" cy="946440"/>
+            <a:ext cx="9071280" cy="946080"/>
           </a:xfrm>
           <a:prstGeom prst="rect">
             <a:avLst/>
@@ -1893,7 +4150,7 @@
         <p:spPr>
           <a:xfrm>
             <a:off x="504000" y="1326600"/>
-            <a:ext cx="4426920" cy="3288240"/>
+            <a:ext cx="4426560" cy="3287880"/>
           </a:xfrm>
           <a:prstGeom prst="rect">
             <a:avLst/>
@@ -1926,8 +4183,8 @@
         </p:nvSpPr>
         <p:spPr>
           <a:xfrm>
-            <a:off x="5152680" y="1326600"/>
-            <a:ext cx="4426920" cy="1568160"/>
+            <a:off x="5152320" y="1326600"/>
+            <a:ext cx="4426560" cy="1568160"/>
           </a:xfrm>
           <a:prstGeom prst="rect">
             <a:avLst/>
@@ -1960,8 +4217,8 @@
         </p:nvSpPr>
         <p:spPr>
           <a:xfrm>
-            <a:off x="5152680" y="3044160"/>
-            <a:ext cx="4426920" cy="1568160"/>
+            <a:off x="5152320" y="3044160"/>
+            <a:ext cx="4426560" cy="1568160"/>
           </a:xfrm>
           <a:prstGeom prst="rect">
             <a:avLst/>
@@ -1989,7 +4246,7 @@
             <a:spLocks noGrp="1"/>
           </p:cNvSpPr>
           <p:nvPr>
-            <p:ph type="ftr" idx="2"/>
+            <p:ph type="ftr" idx="1"/>
           </p:nvPr>
         </p:nvSpPr>
         <p:spPr/>
@@ -2009,14 +4266,14 @@
             <a:spLocks noGrp="1"/>
           </p:cNvSpPr>
           <p:nvPr>
-            <p:ph type="sldNum" idx="3"/>
+            <p:ph type="sldNum" idx="2"/>
           </p:nvPr>
         </p:nvSpPr>
         <p:spPr/>
         <p:txBody>
           <a:bodyPr/>
           <a:p>
-            <a:fld id="{832E6A88-5AA8-40AF-93CD-2007A720C44B}" type="slidenum">
+            <a:fld id="{9B2D1F52-F193-410D-9FED-2340BD4076DF}" type="slidenum">
               <a:t>&lt;#&gt;</a:t>
             </a:fld>
           </a:p>
@@ -2029,7 +4286,7 @@
             <a:spLocks noGrp="1"/>
           </p:cNvSpPr>
           <p:nvPr>
-            <p:ph type="dt" idx="1"/>
+            <p:ph type="dt" idx="3"/>
           </p:nvPr>
         </p:nvSpPr>
         <p:spPr/>
@@ -2078,7 +4335,7 @@
         <p:spPr>
           <a:xfrm>
             <a:off x="504000" y="226080"/>
-            <a:ext cx="9071640" cy="946440"/>
+            <a:ext cx="9071280" cy="946080"/>
           </a:xfrm>
           <a:prstGeom prst="rect">
             <a:avLst/>
@@ -2115,7 +4372,7 @@
         <p:spPr>
           <a:xfrm>
             <a:off x="504000" y="1326600"/>
-            <a:ext cx="4426920" cy="1568160"/>
+            <a:ext cx="4426560" cy="1568160"/>
           </a:xfrm>
           <a:prstGeom prst="rect">
             <a:avLst/>
@@ -2148,8 +4405,8 @@
         </p:nvSpPr>
         <p:spPr>
           <a:xfrm>
-            <a:off x="5152680" y="1326600"/>
-            <a:ext cx="4426920" cy="1568160"/>
+            <a:off x="5152320" y="1326600"/>
+            <a:ext cx="4426560" cy="1568160"/>
           </a:xfrm>
           <a:prstGeom prst="rect">
             <a:avLst/>
@@ -2183,7 +4440,7 @@
         <p:spPr>
           <a:xfrm>
             <a:off x="504000" y="3044160"/>
-            <a:ext cx="9071640" cy="1568160"/>
+            <a:ext cx="9071280" cy="1568160"/>
           </a:xfrm>
           <a:prstGeom prst="rect">
             <a:avLst/>
@@ -2211,7 +4468,7 @@
             <a:spLocks noGrp="1"/>
           </p:cNvSpPr>
           <p:nvPr>
-            <p:ph type="ftr" idx="2"/>
+            <p:ph type="ftr" idx="1"/>
           </p:nvPr>
         </p:nvSpPr>
         <p:spPr/>
@@ -2231,14 +4488,14 @@
             <a:spLocks noGrp="1"/>
           </p:cNvSpPr>
           <p:nvPr>
-            <p:ph type="sldNum" idx="3"/>
+            <p:ph type="sldNum" idx="2"/>
           </p:nvPr>
         </p:nvSpPr>
         <p:spPr/>
         <p:txBody>
           <a:bodyPr/>
           <a:p>
-            <a:fld id="{468EB656-FC8A-4DE0-931C-70F84B8E4CB0}" type="slidenum">
+            <a:fld id="{25F0D0C5-8831-45B3-A257-26049E6D57C9}" type="slidenum">
               <a:t>&lt;#&gt;</a:t>
             </a:fld>
           </a:p>
@@ -2251,7 +4508,7 @@
             <a:spLocks noGrp="1"/>
           </p:cNvSpPr>
           <p:nvPr>
-            <p:ph type="dt" idx="1"/>
+            <p:ph type="dt" idx="3"/>
           </p:nvPr>
         </p:nvSpPr>
         <p:spPr/>
@@ -2300,7 +4557,7 @@
         <p:spPr>
           <a:xfrm>
             <a:off x="504000" y="226080"/>
-            <a:ext cx="9071640" cy="946440"/>
+            <a:ext cx="9071280" cy="946080"/>
           </a:xfrm>
           <a:prstGeom prst="rect">
             <a:avLst/>
@@ -2315,54 +4572,182 @@
             <a:noAutofit/>
           </a:bodyPr>
           <a:p>
-            <a:pPr algn="ctr">
-              <a:buNone/>
-            </a:pPr>
-            <a:r>
-              <a:rPr b="0" lang="fr-CH" sz="4400" spc="-1" strike="noStrike">
+            <a:r>
+              <a:rPr b="0" lang="fr-CH" sz="1800" spc="-1" strike="noStrike">
                 <a:latin typeface="Arial"/>
               </a:rPr>
-              <a:t>Click </a:t>
-            </a:r>
-            <a:r>
-              <a:rPr b="0" lang="fr-CH" sz="4400" spc="-1" strike="noStrike">
-                <a:latin typeface="Arial"/>
+              <a:t>Click to edit the title text format</a:t>
+            </a:r>
+            <a:endParaRPr b="0" lang="fr-CH" sz="1800" spc="-1" strike="noStrike">
+              <a:latin typeface="Arial"/>
+            </a:endParaRPr>
+          </a:p>
+        </p:txBody>
+      </p:sp>
+      <p:sp>
+        <p:nvSpPr>
+          <p:cNvPr id="1" name="PlaceHolder 2"/>
+          <p:cNvSpPr>
+            <a:spLocks noGrp="1"/>
+          </p:cNvSpPr>
+          <p:nvPr>
+            <p:ph type="ftr" idx="1"/>
+          </p:nvPr>
+        </p:nvSpPr>
+        <p:spPr>
+          <a:xfrm>
+            <a:off x="3447360" y="5165280"/>
+            <a:ext cx="3194640" cy="390240"/>
+          </a:xfrm>
+          <a:prstGeom prst="rect">
+            <a:avLst/>
+          </a:prstGeom>
+          <a:noFill/>
+          <a:ln w="0">
+            <a:noFill/>
+          </a:ln>
+        </p:spPr>
+        <p:txBody>
+          <a:bodyPr lIns="0" rIns="0" tIns="0" bIns="0" anchor="t">
+            <a:noAutofit/>
+          </a:bodyPr>
+          <a:lstStyle>
+            <a:lvl1pPr algn="ctr">
+              <a:lnSpc>
+                <a:spcPct val="100000"/>
+              </a:lnSpc>
+              <a:buNone/>
+              <a:defRPr b="0" lang="fr-CH" sz="1400" spc="-1" strike="noStrike">
+                <a:latin typeface="Times New Roman"/>
+              </a:defRPr>
+            </a:lvl1pPr>
+          </a:lstStyle>
+          <a:p>
+            <a:pPr algn="ctr">
+              <a:lnSpc>
+                <a:spcPct val="100000"/>
+              </a:lnSpc>
+              <a:buNone/>
+            </a:pPr>
+            <a:r>
+              <a:rPr b="0" lang="fr-CH" sz="1400" spc="-1" strike="noStrike">
+                <a:latin typeface="Times New Roman"/>
               </a:rPr>
-              <a:t>to edit </a:t>
-            </a:r>
-            <a:r>
-              <a:rPr b="0" lang="fr-CH" sz="4400" spc="-1" strike="noStrike">
-                <a:latin typeface="Arial"/>
+              <a:t>&lt;footer&gt;</a:t>
+            </a:r>
+            <a:endParaRPr b="0" lang="fr-CH" sz="1400" spc="-1" strike="noStrike">
+              <a:latin typeface="Times New Roman"/>
+            </a:endParaRPr>
+          </a:p>
+        </p:txBody>
+      </p:sp>
+      <p:sp>
+        <p:nvSpPr>
+          <p:cNvPr id="2" name="PlaceHolder 3"/>
+          <p:cNvSpPr>
+            <a:spLocks noGrp="1"/>
+          </p:cNvSpPr>
+          <p:nvPr>
+            <p:ph type="sldNum" idx="2"/>
+          </p:nvPr>
+        </p:nvSpPr>
+        <p:spPr>
+          <a:xfrm>
+            <a:off x="7227360" y="5165280"/>
+            <a:ext cx="2347920" cy="390240"/>
+          </a:xfrm>
+          <a:prstGeom prst="rect">
+            <a:avLst/>
+          </a:prstGeom>
+          <a:noFill/>
+          <a:ln w="0">
+            <a:noFill/>
+          </a:ln>
+        </p:spPr>
+        <p:txBody>
+          <a:bodyPr lIns="0" rIns="0" tIns="0" bIns="0" anchor="t">
+            <a:noAutofit/>
+          </a:bodyPr>
+          <a:lstStyle>
+            <a:lvl1pPr algn="r">
+              <a:lnSpc>
+                <a:spcPct val="100000"/>
+              </a:lnSpc>
+              <a:buNone/>
+              <a:defRPr b="0" lang="fr-CH" sz="1400" spc="-1" strike="noStrike">
+                <a:latin typeface="Times New Roman"/>
+              </a:defRPr>
+            </a:lvl1pPr>
+          </a:lstStyle>
+          <a:p>
+            <a:pPr algn="r">
+              <a:lnSpc>
+                <a:spcPct val="100000"/>
+              </a:lnSpc>
+              <a:buNone/>
+            </a:pPr>
+            <a:fld id="{93814A60-FF56-4EC7-A3CE-CCF7E107F4E9}" type="slidenum">
+              <a:rPr b="0" lang="fr-CH" sz="1400" spc="-1" strike="noStrike">
+                <a:latin typeface="Times New Roman"/>
               </a:rPr>
-              <a:t>the </a:t>
-            </a:r>
-            <a:r>
-              <a:rPr b="0" lang="fr-CH" sz="4400" spc="-1" strike="noStrike">
-                <a:latin typeface="Arial"/>
+              <a:t>&lt;number&gt;</a:t>
+            </a:fld>
+            <a:endParaRPr b="0" lang="fr-CH" sz="1400" spc="-1" strike="noStrike">
+              <a:latin typeface="Times New Roman"/>
+            </a:endParaRPr>
+          </a:p>
+        </p:txBody>
+      </p:sp>
+      <p:sp>
+        <p:nvSpPr>
+          <p:cNvPr id="3" name="PlaceHolder 4"/>
+          <p:cNvSpPr>
+            <a:spLocks noGrp="1"/>
+          </p:cNvSpPr>
+          <p:nvPr>
+            <p:ph type="dt" idx="3"/>
+          </p:nvPr>
+        </p:nvSpPr>
+        <p:spPr>
+          <a:xfrm>
+            <a:off x="504000" y="5165280"/>
+            <a:ext cx="2347920" cy="390240"/>
+          </a:xfrm>
+          <a:prstGeom prst="rect">
+            <a:avLst/>
+          </a:prstGeom>
+          <a:noFill/>
+          <a:ln w="0">
+            <a:noFill/>
+          </a:ln>
+        </p:spPr>
+        <p:txBody>
+          <a:bodyPr lIns="0" rIns="0" tIns="0" bIns="0" anchor="t">
+            <a:noAutofit/>
+          </a:bodyPr>
+          <a:lstStyle>
+            <a:lvl1pPr>
+              <a:defRPr b="0" lang="fr-CH" sz="1400" spc="-1" strike="noStrike">
+                <a:latin typeface="Times New Roman"/>
+              </a:defRPr>
+            </a:lvl1pPr>
+          </a:lstStyle>
+          <a:p>
+            <a:r>
+              <a:rPr b="0" lang="fr-CH" sz="1400" spc="-1" strike="noStrike">
+                <a:latin typeface="Times New Roman"/>
               </a:rPr>
-              <a:t>title </a:t>
-            </a:r>
-            <a:r>
-              <a:rPr b="0" lang="fr-CH" sz="4400" spc="-1" strike="noStrike">
-                <a:latin typeface="Arial"/>
-              </a:rPr>
-              <a:t>text </a:t>
-            </a:r>
-            <a:r>
-              <a:rPr b="0" lang="fr-CH" sz="4400" spc="-1" strike="noStrike">
-                <a:latin typeface="Arial"/>
-              </a:rPr>
-              <a:t>format</a:t>
-            </a:r>
-            <a:endParaRPr b="0" lang="fr-CH" sz="4400" spc="-1" strike="noStrike">
-              <a:latin typeface="Arial"/>
-            </a:endParaRPr>
-          </a:p>
-        </p:txBody>
-      </p:sp>
-      <p:sp>
-        <p:nvSpPr>
-          <p:cNvPr id="1" name="PlaceHolder 2"/>
+              <a:t>&lt;date/time&gt;</a:t>
+            </a:r>
+            <a:endParaRPr b="0" lang="fr-CH" sz="1400" spc="-1" strike="noStrike">
+              <a:latin typeface="Times New Roman"/>
+            </a:endParaRPr>
+          </a:p>
+        </p:txBody>
+      </p:sp>
+      <p:sp>
+        <p:nvSpPr>
+          <p:cNvPr id="4" name="PlaceHolder 5"/>
           <p:cNvSpPr>
             <a:spLocks noGrp="1"/>
           </p:cNvSpPr>
@@ -2373,7 +4758,7 @@
         <p:spPr>
           <a:xfrm>
             <a:off x="504000" y="1326600"/>
-            <a:ext cx="9071640" cy="3288240"/>
+            <a:ext cx="9072000" cy="3288600"/>
           </a:xfrm>
           <a:prstGeom prst="rect">
             <a:avLst/>
@@ -2539,155 +4924,6 @@
             </a:r>
             <a:endParaRPr b="0" lang="fr-CH" sz="2000" spc="-1" strike="noStrike">
               <a:latin typeface="Arial"/>
-            </a:endParaRPr>
-          </a:p>
-        </p:txBody>
-      </p:sp>
-      <p:sp>
-        <p:nvSpPr>
-          <p:cNvPr id="2" name="PlaceHolder 3"/>
-          <p:cNvSpPr>
-            <a:spLocks noGrp="1"/>
-          </p:cNvSpPr>
-          <p:nvPr>
-            <p:ph type="dt" idx="1"/>
-          </p:nvPr>
-        </p:nvSpPr>
-        <p:spPr>
-          <a:xfrm>
-            <a:off x="504000" y="5165280"/>
-            <a:ext cx="2348280" cy="390600"/>
-          </a:xfrm>
-          <a:prstGeom prst="rect">
-            <a:avLst/>
-          </a:prstGeom>
-          <a:noFill/>
-          <a:ln w="0">
-            <a:noFill/>
-          </a:ln>
-        </p:spPr>
-        <p:txBody>
-          <a:bodyPr lIns="0" rIns="0" tIns="0" bIns="0" anchor="t">
-            <a:noAutofit/>
-          </a:bodyPr>
-          <a:lstStyle>
-            <a:lvl1pPr>
-              <a:defRPr b="0" lang="fr-CH" sz="1400" spc="-1" strike="noStrike">
-                <a:latin typeface="Times New Roman"/>
-              </a:defRPr>
-            </a:lvl1pPr>
-          </a:lstStyle>
-          <a:p>
-            <a:r>
-              <a:rPr b="0" lang="fr-CH" sz="1400" spc="-1" strike="noStrike">
-                <a:latin typeface="Times New Roman"/>
-              </a:rPr>
-              <a:t>&lt;date/time&gt;</a:t>
-            </a:r>
-            <a:endParaRPr b="0" lang="fr-CH" sz="1400" spc="-1" strike="noStrike">
-              <a:latin typeface="Times New Roman"/>
-            </a:endParaRPr>
-          </a:p>
-        </p:txBody>
-      </p:sp>
-      <p:sp>
-        <p:nvSpPr>
-          <p:cNvPr id="3" name="PlaceHolder 4"/>
-          <p:cNvSpPr>
-            <a:spLocks noGrp="1"/>
-          </p:cNvSpPr>
-          <p:nvPr>
-            <p:ph type="ftr" idx="2"/>
-          </p:nvPr>
-        </p:nvSpPr>
-        <p:spPr>
-          <a:xfrm>
-            <a:off x="3447360" y="5165280"/>
-            <a:ext cx="3195000" cy="390600"/>
-          </a:xfrm>
-          <a:prstGeom prst="rect">
-            <a:avLst/>
-          </a:prstGeom>
-          <a:noFill/>
-          <a:ln w="0">
-            <a:noFill/>
-          </a:ln>
-        </p:spPr>
-        <p:txBody>
-          <a:bodyPr lIns="0" rIns="0" tIns="0" bIns="0" anchor="t">
-            <a:noAutofit/>
-          </a:bodyPr>
-          <a:lstStyle>
-            <a:lvl1pPr algn="ctr">
-              <a:buNone/>
-              <a:defRPr b="0" lang="fr-CH" sz="1400" spc="-1" strike="noStrike">
-                <a:latin typeface="Times New Roman"/>
-              </a:defRPr>
-            </a:lvl1pPr>
-          </a:lstStyle>
-          <a:p>
-            <a:pPr algn="ctr">
-              <a:buNone/>
-            </a:pPr>
-            <a:r>
-              <a:rPr b="0" lang="fr-CH" sz="1400" spc="-1" strike="noStrike">
-                <a:latin typeface="Times New Roman"/>
-              </a:rPr>
-              <a:t>&lt;footer&gt;</a:t>
-            </a:r>
-            <a:endParaRPr b="0" lang="fr-CH" sz="1400" spc="-1" strike="noStrike">
-              <a:latin typeface="Times New Roman"/>
-            </a:endParaRPr>
-          </a:p>
-        </p:txBody>
-      </p:sp>
-      <p:sp>
-        <p:nvSpPr>
-          <p:cNvPr id="4" name="PlaceHolder 5"/>
-          <p:cNvSpPr>
-            <a:spLocks noGrp="1"/>
-          </p:cNvSpPr>
-          <p:nvPr>
-            <p:ph type="sldNum" idx="3"/>
-          </p:nvPr>
-        </p:nvSpPr>
-        <p:spPr>
-          <a:xfrm>
-            <a:off x="7227360" y="5165280"/>
-            <a:ext cx="2348280" cy="390600"/>
-          </a:xfrm>
-          <a:prstGeom prst="rect">
-            <a:avLst/>
-          </a:prstGeom>
-          <a:noFill/>
-          <a:ln w="0">
-            <a:noFill/>
-          </a:ln>
-        </p:spPr>
-        <p:txBody>
-          <a:bodyPr lIns="0" rIns="0" tIns="0" bIns="0" anchor="t">
-            <a:noAutofit/>
-          </a:bodyPr>
-          <a:lstStyle>
-            <a:lvl1pPr algn="r">
-              <a:buNone/>
-              <a:defRPr b="0" lang="fr-CH" sz="1400" spc="-1" strike="noStrike">
-                <a:latin typeface="Times New Roman"/>
-              </a:defRPr>
-            </a:lvl1pPr>
-          </a:lstStyle>
-          <a:p>
-            <a:pPr algn="r">
-              <a:buNone/>
-            </a:pPr>
-            <a:fld id="{C239F24F-EC65-4D51-A66F-B14002A31C72}" type="slidenum">
-              <a:rPr b="0" lang="fr-CH" sz="1400" spc="-1" strike="noStrike">
-                <a:latin typeface="Times New Roman"/>
-              </a:rPr>
-              <a:t>&lt;number&gt;</a:t>
-            </a:fld>
-            <a:endParaRPr b="0" lang="fr-CH" sz="1400" spc="-1" strike="noStrike">
-              <a:latin typeface="Times New Roman"/>
             </a:endParaRPr>
           </a:p>
         </p:txBody>
@@ -2708,6 +4944,433 @@
     <p:sldLayoutId id="2147483658" r:id="rId11"/>
     <p:sldLayoutId id="2147483659" r:id="rId12"/>
     <p:sldLayoutId id="2147483660" r:id="rId13"/>
+  </p:sldLayoutIdLst>
+</p:sldMaster>
+</file>
+
+<file path=ppt/slideMasters/slideMaster2.xml><?xml version="1.0" encoding="utf-8"?>
+<p:sldMaster xmlns:a="http://schemas.openxmlformats.org/drawingml/2006/main" xmlns:p="http://schemas.openxmlformats.org/presentationml/2006/main" xmlns:r="http://schemas.openxmlformats.org/officeDocument/2006/relationships" xmlns:p14="http://schemas.microsoft.com/office/powerpoint/2010/main" xmlns:p15="http://schemas.microsoft.com/office/powerpoint/2012/main" xmlns:mc="http://schemas.openxmlformats.org/markup-compatibility/2006">
+  <p:cSld>
+    <p:spTree>
+      <p:nvGrpSpPr>
+        <p:cNvPr id="1" name=""/>
+        <p:cNvGrpSpPr/>
+        <p:nvPr/>
+      </p:nvGrpSpPr>
+      <p:grpSpPr>
+        <a:xfrm>
+          <a:off x="0" y="0"/>
+          <a:ext cx="0" cy="0"/>
+          <a:chOff x="0" y="0"/>
+          <a:chExt cx="0" cy="0"/>
+        </a:xfrm>
+      </p:grpSpPr>
+      <p:sp>
+        <p:nvSpPr>
+          <p:cNvPr id="41" name="PlaceHolder 1"/>
+          <p:cNvSpPr>
+            <a:spLocks noGrp="1"/>
+          </p:cNvSpPr>
+          <p:nvPr>
+            <p:ph type="title"/>
+          </p:nvPr>
+        </p:nvSpPr>
+        <p:spPr>
+          <a:xfrm>
+            <a:off x="504000" y="226080"/>
+            <a:ext cx="9071280" cy="946080"/>
+          </a:xfrm>
+          <a:prstGeom prst="rect">
+            <a:avLst/>
+          </a:prstGeom>
+          <a:noFill/>
+          <a:ln w="0">
+            <a:noFill/>
+          </a:ln>
+        </p:spPr>
+        <p:txBody>
+          <a:bodyPr lIns="0" rIns="0" tIns="0" bIns="0" anchor="ctr">
+            <a:noAutofit/>
+          </a:bodyPr>
+          <a:p>
+            <a:r>
+              <a:rPr b="0" lang="fr-CH" sz="1800" spc="-1" strike="noStrike">
+                <a:latin typeface="Arial"/>
+              </a:rPr>
+              <a:t>Click to edit the </a:t>
+            </a:r>
+            <a:r>
+              <a:rPr b="0" lang="fr-CH" sz="1800" spc="-1" strike="noStrike">
+                <a:latin typeface="Arial"/>
+              </a:rPr>
+              <a:t>title text format</a:t>
+            </a:r>
+            <a:endParaRPr b="0" lang="fr-CH" sz="1800" spc="-1" strike="noStrike">
+              <a:latin typeface="Arial"/>
+            </a:endParaRPr>
+          </a:p>
+        </p:txBody>
+      </p:sp>
+      <p:sp>
+        <p:nvSpPr>
+          <p:cNvPr id="42" name="PlaceHolder 2"/>
+          <p:cNvSpPr>
+            <a:spLocks noGrp="1"/>
+          </p:cNvSpPr>
+          <p:nvPr>
+            <p:ph type="body"/>
+          </p:nvPr>
+        </p:nvSpPr>
+        <p:spPr>
+          <a:xfrm>
+            <a:off x="504000" y="1326600"/>
+            <a:ext cx="9071280" cy="3287880"/>
+          </a:xfrm>
+          <a:prstGeom prst="rect">
+            <a:avLst/>
+          </a:prstGeom>
+          <a:noFill/>
+          <a:ln w="0">
+            <a:noFill/>
+          </a:ln>
+        </p:spPr>
+        <p:txBody>
+          <a:bodyPr lIns="0" rIns="0" tIns="0" bIns="0" anchor="t">
+            <a:normAutofit/>
+          </a:bodyPr>
+          <a:p>
+            <a:pPr marL="432000" indent="-324000">
+              <a:spcBef>
+                <a:spcPts val="1417"/>
+              </a:spcBef>
+              <a:buClr>
+                <a:srgbClr val="000000"/>
+              </a:buClr>
+              <a:buSzPct val="45000"/>
+              <a:buFont typeface="Wingdings" charset="2"/>
+              <a:buChar char=""/>
+            </a:pPr>
+            <a:r>
+              <a:rPr b="0" lang="fr-CH" sz="1800" spc="-1" strike="noStrike">
+                <a:latin typeface="Arial"/>
+              </a:rPr>
+              <a:t>Click to edit the outline text format</a:t>
+            </a:r>
+            <a:endParaRPr b="0" lang="fr-CH" sz="1800" spc="-1" strike="noStrike">
+              <a:latin typeface="Arial"/>
+            </a:endParaRPr>
+          </a:p>
+          <a:p>
+            <a:pPr lvl="1" marL="864000" indent="-324000">
+              <a:spcBef>
+                <a:spcPts val="1134"/>
+              </a:spcBef>
+              <a:buClr>
+                <a:srgbClr val="000000"/>
+              </a:buClr>
+              <a:buSzPct val="75000"/>
+              <a:buFont typeface="Symbol" charset="2"/>
+              <a:buChar char=""/>
+            </a:pPr>
+            <a:r>
+              <a:rPr b="0" lang="fr-CH" sz="1800" spc="-1" strike="noStrike">
+                <a:latin typeface="Arial"/>
+              </a:rPr>
+              <a:t>Second Outline Level</a:t>
+            </a:r>
+            <a:endParaRPr b="0" lang="fr-CH" sz="1800" spc="-1" strike="noStrike">
+              <a:latin typeface="Arial"/>
+            </a:endParaRPr>
+          </a:p>
+          <a:p>
+            <a:pPr lvl="2" marL="1296000" indent="-288000">
+              <a:spcBef>
+                <a:spcPts val="850"/>
+              </a:spcBef>
+              <a:buClr>
+                <a:srgbClr val="000000"/>
+              </a:buClr>
+              <a:buSzPct val="45000"/>
+              <a:buFont typeface="Wingdings" charset="2"/>
+              <a:buChar char=""/>
+            </a:pPr>
+            <a:r>
+              <a:rPr b="0" lang="fr-CH" sz="1800" spc="-1" strike="noStrike">
+                <a:latin typeface="Arial"/>
+              </a:rPr>
+              <a:t>Third Outline Level</a:t>
+            </a:r>
+            <a:endParaRPr b="0" lang="fr-CH" sz="1800" spc="-1" strike="noStrike">
+              <a:latin typeface="Arial"/>
+            </a:endParaRPr>
+          </a:p>
+          <a:p>
+            <a:pPr lvl="3" marL="1728000" indent="-216000">
+              <a:spcBef>
+                <a:spcPts val="567"/>
+              </a:spcBef>
+              <a:buClr>
+                <a:srgbClr val="000000"/>
+              </a:buClr>
+              <a:buSzPct val="75000"/>
+              <a:buFont typeface="Symbol" charset="2"/>
+              <a:buChar char=""/>
+            </a:pPr>
+            <a:r>
+              <a:rPr b="0" lang="fr-CH" sz="1800" spc="-1" strike="noStrike">
+                <a:latin typeface="Arial"/>
+              </a:rPr>
+              <a:t>Fourth Outline Level</a:t>
+            </a:r>
+            <a:endParaRPr b="0" lang="fr-CH" sz="1800" spc="-1" strike="noStrike">
+              <a:latin typeface="Arial"/>
+            </a:endParaRPr>
+          </a:p>
+          <a:p>
+            <a:pPr lvl="4" marL="2160000" indent="-216000">
+              <a:spcBef>
+                <a:spcPts val="283"/>
+              </a:spcBef>
+              <a:buClr>
+                <a:srgbClr val="000000"/>
+              </a:buClr>
+              <a:buSzPct val="45000"/>
+              <a:buFont typeface="Wingdings" charset="2"/>
+              <a:buChar char=""/>
+            </a:pPr>
+            <a:r>
+              <a:rPr b="0" lang="fr-CH" sz="1800" spc="-1" strike="noStrike">
+                <a:latin typeface="Arial"/>
+              </a:rPr>
+              <a:t>Fifth Outline Level</a:t>
+            </a:r>
+            <a:endParaRPr b="0" lang="fr-CH" sz="1800" spc="-1" strike="noStrike">
+              <a:latin typeface="Arial"/>
+            </a:endParaRPr>
+          </a:p>
+          <a:p>
+            <a:pPr lvl="5" marL="2592000" indent="-216000">
+              <a:spcBef>
+                <a:spcPts val="283"/>
+              </a:spcBef>
+              <a:buClr>
+                <a:srgbClr val="000000"/>
+              </a:buClr>
+              <a:buSzPct val="45000"/>
+              <a:buFont typeface="Wingdings" charset="2"/>
+              <a:buChar char=""/>
+            </a:pPr>
+            <a:r>
+              <a:rPr b="0" lang="fr-CH" sz="1800" spc="-1" strike="noStrike">
+                <a:latin typeface="Arial"/>
+              </a:rPr>
+              <a:t>Sixth Outline Level</a:t>
+            </a:r>
+            <a:endParaRPr b="0" lang="fr-CH" sz="1800" spc="-1" strike="noStrike">
+              <a:latin typeface="Arial"/>
+            </a:endParaRPr>
+          </a:p>
+          <a:p>
+            <a:pPr lvl="6" marL="3024000" indent="-216000">
+              <a:spcBef>
+                <a:spcPts val="283"/>
+              </a:spcBef>
+              <a:buClr>
+                <a:srgbClr val="000000"/>
+              </a:buClr>
+              <a:buSzPct val="45000"/>
+              <a:buFont typeface="Wingdings" charset="2"/>
+              <a:buChar char=""/>
+            </a:pPr>
+            <a:r>
+              <a:rPr b="0" lang="fr-CH" sz="1800" spc="-1" strike="noStrike">
+                <a:latin typeface="Arial"/>
+              </a:rPr>
+              <a:t>Seventh Outline Level</a:t>
+            </a:r>
+            <a:endParaRPr b="0" lang="fr-CH" sz="1800" spc="-1" strike="noStrike">
+              <a:latin typeface="Arial"/>
+            </a:endParaRPr>
+          </a:p>
+        </p:txBody>
+      </p:sp>
+      <p:sp>
+        <p:nvSpPr>
+          <p:cNvPr id="43" name="PlaceHolder 3"/>
+          <p:cNvSpPr>
+            <a:spLocks noGrp="1"/>
+          </p:cNvSpPr>
+          <p:nvPr>
+            <p:ph type="ftr" idx="4"/>
+          </p:nvPr>
+        </p:nvSpPr>
+        <p:spPr>
+          <a:xfrm>
+            <a:off x="3447360" y="5165280"/>
+            <a:ext cx="3194640" cy="390240"/>
+          </a:xfrm>
+          <a:prstGeom prst="rect">
+            <a:avLst/>
+          </a:prstGeom>
+          <a:noFill/>
+          <a:ln w="0">
+            <a:noFill/>
+          </a:ln>
+        </p:spPr>
+        <p:txBody>
+          <a:bodyPr lIns="0" rIns="0" tIns="0" bIns="0" anchor="t">
+            <a:noAutofit/>
+          </a:bodyPr>
+          <a:lstStyle>
+            <a:lvl1pPr algn="ctr">
+              <a:lnSpc>
+                <a:spcPct val="100000"/>
+              </a:lnSpc>
+              <a:buNone/>
+              <a:defRPr b="0" lang="fr-CH" sz="1400" spc="-1" strike="noStrike">
+                <a:latin typeface="Times New Roman"/>
+              </a:defRPr>
+            </a:lvl1pPr>
+          </a:lstStyle>
+          <a:p>
+            <a:pPr algn="ctr">
+              <a:lnSpc>
+                <a:spcPct val="100000"/>
+              </a:lnSpc>
+              <a:buNone/>
+            </a:pPr>
+            <a:r>
+              <a:rPr b="0" lang="fr-CH" sz="1400" spc="-1" strike="noStrike">
+                <a:latin typeface="Times New Roman"/>
+              </a:rPr>
+              <a:t>&lt;footer&gt;</a:t>
+            </a:r>
+            <a:endParaRPr b="0" lang="fr-CH" sz="1400" spc="-1" strike="noStrike">
+              <a:latin typeface="Times New Roman"/>
+            </a:endParaRPr>
+          </a:p>
+        </p:txBody>
+      </p:sp>
+      <p:sp>
+        <p:nvSpPr>
+          <p:cNvPr id="44" name="PlaceHolder 4"/>
+          <p:cNvSpPr>
+            <a:spLocks noGrp="1"/>
+          </p:cNvSpPr>
+          <p:nvPr>
+            <p:ph type="sldNum" idx="5"/>
+          </p:nvPr>
+        </p:nvSpPr>
+        <p:spPr>
+          <a:xfrm>
+            <a:off x="7227360" y="5165280"/>
+            <a:ext cx="2347920" cy="390240"/>
+          </a:xfrm>
+          <a:prstGeom prst="rect">
+            <a:avLst/>
+          </a:prstGeom>
+          <a:noFill/>
+          <a:ln w="0">
+            <a:noFill/>
+          </a:ln>
+        </p:spPr>
+        <p:txBody>
+          <a:bodyPr lIns="0" rIns="0" tIns="0" bIns="0" anchor="t">
+            <a:noAutofit/>
+          </a:bodyPr>
+          <a:lstStyle>
+            <a:lvl1pPr algn="r">
+              <a:lnSpc>
+                <a:spcPct val="100000"/>
+              </a:lnSpc>
+              <a:buNone/>
+              <a:defRPr b="0" lang="fr-CH" sz="1400" spc="-1" strike="noStrike">
+                <a:latin typeface="Times New Roman"/>
+              </a:defRPr>
+            </a:lvl1pPr>
+          </a:lstStyle>
+          <a:p>
+            <a:pPr algn="r">
+              <a:lnSpc>
+                <a:spcPct val="100000"/>
+              </a:lnSpc>
+              <a:buNone/>
+            </a:pPr>
+            <a:fld id="{58C0D361-C23D-4248-ADE5-448E61292373}" type="slidenum">
+              <a:rPr b="0" lang="fr-CH" sz="1400" spc="-1" strike="noStrike">
+                <a:latin typeface="Times New Roman"/>
+              </a:rPr>
+              <a:t>&lt;number&gt;</a:t>
+            </a:fld>
+            <a:endParaRPr b="0" lang="fr-CH" sz="1400" spc="-1" strike="noStrike">
+              <a:latin typeface="Times New Roman"/>
+            </a:endParaRPr>
+          </a:p>
+        </p:txBody>
+      </p:sp>
+      <p:sp>
+        <p:nvSpPr>
+          <p:cNvPr id="45" name="PlaceHolder 5"/>
+          <p:cNvSpPr>
+            <a:spLocks noGrp="1"/>
+          </p:cNvSpPr>
+          <p:nvPr>
+            <p:ph type="dt" idx="6"/>
+          </p:nvPr>
+        </p:nvSpPr>
+        <p:spPr>
+          <a:xfrm>
+            <a:off x="504000" y="5165280"/>
+            <a:ext cx="2347920" cy="390240"/>
+          </a:xfrm>
+          <a:prstGeom prst="rect">
+            <a:avLst/>
+          </a:prstGeom>
+          <a:noFill/>
+          <a:ln w="0">
+            <a:noFill/>
+          </a:ln>
+        </p:spPr>
+        <p:txBody>
+          <a:bodyPr lIns="0" rIns="0" tIns="0" bIns="0" anchor="t">
+            <a:noAutofit/>
+          </a:bodyPr>
+          <a:lstStyle>
+            <a:lvl1pPr>
+              <a:defRPr b="0" lang="fr-CH" sz="1400" spc="-1" strike="noStrike">
+                <a:latin typeface="Times New Roman"/>
+              </a:defRPr>
+            </a:lvl1pPr>
+          </a:lstStyle>
+          <a:p>
+            <a:r>
+              <a:rPr b="0" lang="fr-CH" sz="1400" spc="-1" strike="noStrike">
+                <a:latin typeface="Times New Roman"/>
+              </a:rPr>
+              <a:t>&lt;date/time&gt;</a:t>
+            </a:r>
+            <a:endParaRPr b="0" lang="fr-CH" sz="1400" spc="-1" strike="noStrike">
+              <a:latin typeface="Times New Roman"/>
+            </a:endParaRPr>
+          </a:p>
+        </p:txBody>
+      </p:sp>
+    </p:spTree>
+  </p:cSld>
+  <p:clrMap bg1="lt1" bg2="lt2" tx1="dk1" tx2="dk2" accent1="accent1" accent2="accent2" accent3="accent3" accent4="accent4" accent5="accent5" accent6="accent6" hlink="hlink" folHlink="folHlink"/>
+  <p:sldLayoutIdLst>
+    <p:sldLayoutId id="2147483662" r:id="rId2"/>
+    <p:sldLayoutId id="2147483663" r:id="rId3"/>
+    <p:sldLayoutId id="2147483664" r:id="rId4"/>
+    <p:sldLayoutId id="2147483665" r:id="rId5"/>
+    <p:sldLayoutId id="2147483666" r:id="rId6"/>
+    <p:sldLayoutId id="2147483667" r:id="rId7"/>
+    <p:sldLayoutId id="2147483668" r:id="rId8"/>
+    <p:sldLayoutId id="2147483669" r:id="rId9"/>
+    <p:sldLayoutId id="2147483670" r:id="rId10"/>
+    <p:sldLayoutId id="2147483671" r:id="rId11"/>
+    <p:sldLayoutId id="2147483672" r:id="rId12"/>
+    <p:sldLayoutId id="2147483673" r:id="rId13"/>
   </p:sldLayoutIdLst>
 </p:sldMaster>
 </file>
@@ -2731,73 +5394,22 @@
       </p:grpSpPr>
       <p:sp>
         <p:nvSpPr>
-          <p:cNvPr id="41" name=""/>
-          <p:cNvSpPr txBox="1"/>
-          <p:nvPr/>
-        </p:nvSpPr>
-        <p:spPr>
-          <a:xfrm>
-            <a:off x="139680" y="180000"/>
-            <a:ext cx="2984760" cy="346320"/>
-          </a:xfrm>
-          <a:prstGeom prst="rect">
-            <a:avLst/>
-          </a:prstGeom>
-          <a:noFill/>
-          <a:ln w="0">
-            <a:noFill/>
-          </a:ln>
-        </p:spPr>
-        <p:txBody>
-          <a:bodyPr lIns="90000" rIns="90000" tIns="45000" bIns="45000" anchor="t">
-            <a:noAutofit/>
-          </a:bodyPr>
-          <a:p>
-            <a:r>
-              <a:rPr b="0" lang="zxx" sz="1800" spc="-1" strike="noStrike">
-                <a:latin typeface="Arial"/>
-              </a:rPr>
-              <a:t>V 0.1 Overview </a:t>
-            </a:r>
-            <a:r>
-              <a:rPr b="0" lang="zxx" sz="1800" spc="-1" strike="noStrike">
-                <a:latin typeface="Arial"/>
-              </a:rPr>
-              <a:t>architecture</a:t>
-            </a:r>
-            <a:endParaRPr b="0" lang="zxx" sz="1800" spc="-1" strike="noStrike">
-              <a:latin typeface="Arial"/>
-            </a:endParaRPr>
-          </a:p>
-        </p:txBody>
-      </p:sp>
-      <p:sp>
-        <p:nvSpPr>
-          <p:cNvPr id="42" name=""/>
+          <p:cNvPr id="82" name=""/>
           <p:cNvSpPr/>
           <p:nvPr/>
         </p:nvSpPr>
         <p:spPr>
           <a:xfrm>
-            <a:off x="1440000" y="3420000"/>
-            <a:ext cx="2160000" cy="1800000"/>
-          </a:xfrm>
-          <a:prstGeom prst="rect">
-            <a:avLst/>
-          </a:prstGeom>
-          <a:solidFill>
-            <a:srgbClr val="729fcf"/>
-          </a:solidFill>
-          <a:ln w="0">
-            <a:solidFill>
-              <a:srgbClr val="3465a4"/>
-            </a:solidFill>
-          </a:ln>
-          <a:effectLst>
-            <a:outerShdw dist="101823" dir="2700000" blurRad="0" rotWithShape="0">
-              <a:srgbClr val="808080"/>
-            </a:outerShdw>
-          </a:effectLst>
+            <a:off x="139680" y="180000"/>
+            <a:ext cx="2984400" cy="345960"/>
+          </a:xfrm>
+          <a:prstGeom prst="rect">
+            <a:avLst/>
+          </a:prstGeom>
+          <a:noFill/>
+          <a:ln w="0">
+            <a:noFill/>
+          </a:ln>
         </p:spPr>
         <p:style>
           <a:lnRef idx="0"/>
@@ -2806,35 +5418,38 @@
           <a:fontRef idx="minor"/>
         </p:style>
         <p:txBody>
-          <a:bodyPr lIns="90000" rIns="90000" tIns="45000" bIns="45000" anchor="ctr">
+          <a:bodyPr lIns="90000" rIns="90000" tIns="45000" bIns="45000" anchor="t">
             <a:noAutofit/>
           </a:bodyPr>
           <a:p>
-            <a:pPr algn="ctr">
+            <a:pPr>
+              <a:lnSpc>
+                <a:spcPct val="100000"/>
+              </a:lnSpc>
               <a:buNone/>
             </a:pPr>
             <a:r>
               <a:rPr b="0" lang="zxx" sz="1800" spc="-1" strike="noStrike">
                 <a:latin typeface="Arial"/>
               </a:rPr>
-              <a:t>DB: Postgress in Docker</a:t>
-            </a:r>
-            <a:endParaRPr b="0" lang="zxx" sz="1800" spc="-1" strike="noStrike">
-              <a:latin typeface="Arial"/>
-            </a:endParaRPr>
-          </a:p>
-        </p:txBody>
-      </p:sp>
-      <p:sp>
-        <p:nvSpPr>
-          <p:cNvPr id="43" name=""/>
+              <a:t>V 0.1 Overview architecture</a:t>
+            </a:r>
+            <a:endParaRPr b="0" lang="fr-CH" sz="1800" spc="-1" strike="noStrike">
+              <a:latin typeface="Arial"/>
+            </a:endParaRPr>
+          </a:p>
+        </p:txBody>
+      </p:sp>
+      <p:sp>
+        <p:nvSpPr>
+          <p:cNvPr id="83" name=""/>
           <p:cNvSpPr/>
           <p:nvPr/>
         </p:nvSpPr>
         <p:spPr>
           <a:xfrm>
-            <a:off x="1440000" y="1080000"/>
-            <a:ext cx="2160000" cy="1800000"/>
+            <a:off x="1440000" y="3420000"/>
+            <a:ext cx="2159640" cy="1799640"/>
           </a:xfrm>
           <a:prstGeom prst="rect">
             <a:avLst/>
@@ -2848,7 +5463,7 @@
             </a:solidFill>
           </a:ln>
           <a:effectLst>
-            <a:outerShdw dist="101823" dir="2700000" blurRad="0" rotWithShape="0">
+            <a:outerShdw blurRad="0" dir="2700000" dist="101823" rotWithShape="0">
               <a:srgbClr val="808080"/>
             </a:outerShdw>
           </a:effectLst>
@@ -2865,30 +5480,37 @@
           </a:bodyPr>
           <a:p>
             <a:pPr algn="ctr">
+              <a:lnSpc>
+                <a:spcPct val="100000"/>
+              </a:lnSpc>
               <a:buNone/>
             </a:pPr>
             <a:r>
               <a:rPr b="0" lang="zxx" sz="1800" spc="-1" strike="noStrike">
+                <a:solidFill>
+                  <a:srgbClr val="000000"/>
+                </a:solidFill>
                 <a:latin typeface="Arial"/>
+                <a:ea typeface="DejaVu Sans"/>
               </a:rPr>
-              <a:t>DB Input module</a:t>
-            </a:r>
-            <a:endParaRPr b="0" lang="zxx" sz="1800" spc="-1" strike="noStrike">
-              <a:latin typeface="Arial"/>
-            </a:endParaRPr>
-          </a:p>
-        </p:txBody>
-      </p:sp>
-      <p:sp>
-        <p:nvSpPr>
-          <p:cNvPr id="44" name=""/>
+              <a:t>DB: Postgress in Docker</a:t>
+            </a:r>
+            <a:endParaRPr b="0" lang="fr-CH" sz="1800" spc="-1" strike="noStrike">
+              <a:latin typeface="Arial"/>
+            </a:endParaRPr>
+          </a:p>
+        </p:txBody>
+      </p:sp>
+      <p:sp>
+        <p:nvSpPr>
+          <p:cNvPr id="84" name=""/>
           <p:cNvSpPr/>
           <p:nvPr/>
         </p:nvSpPr>
         <p:spPr>
           <a:xfrm>
-            <a:off x="4320000" y="1980000"/>
-            <a:ext cx="2160000" cy="1980000"/>
+            <a:off x="1440000" y="1080000"/>
+            <a:ext cx="2159640" cy="1799640"/>
           </a:xfrm>
           <a:prstGeom prst="rect">
             <a:avLst/>
@@ -2902,7 +5524,7 @@
             </a:solidFill>
           </a:ln>
           <a:effectLst>
-            <a:outerShdw dist="101823" dir="2700000" blurRad="0" rotWithShape="0">
+            <a:outerShdw blurRad="0" dir="2700000" dist="101823" rotWithShape="0">
               <a:srgbClr val="808080"/>
             </a:outerShdw>
           </a:effectLst>
@@ -2919,30 +5541,90 @@
           </a:bodyPr>
           <a:p>
             <a:pPr algn="ctr">
+              <a:lnSpc>
+                <a:spcPct val="100000"/>
+              </a:lnSpc>
               <a:buNone/>
             </a:pPr>
             <a:r>
               <a:rPr b="0" lang="zxx" sz="1800" spc="-1" strike="noStrike">
+                <a:solidFill>
+                  <a:srgbClr val="000000"/>
+                </a:solidFill>
                 <a:latin typeface="Arial"/>
+                <a:ea typeface="DejaVu Sans"/>
               </a:rPr>
-              <a:t>Measurement batch module</a:t>
-            </a:r>
-            <a:endParaRPr b="0" lang="zxx" sz="1800" spc="-1" strike="noStrike">
-              <a:latin typeface="Arial"/>
-            </a:endParaRPr>
-          </a:p>
-        </p:txBody>
-      </p:sp>
-      <p:sp>
-        <p:nvSpPr>
-          <p:cNvPr id="45" name=""/>
+              <a:t>DB Input module</a:t>
+            </a:r>
+            <a:endParaRPr b="0" lang="fr-CH" sz="1800" spc="-1" strike="noStrike">
+              <a:latin typeface="Arial"/>
+            </a:endParaRPr>
+          </a:p>
+          <a:p>
+            <a:pPr algn="ctr">
+              <a:lnSpc>
+                <a:spcPct val="100000"/>
+              </a:lnSpc>
+              <a:buNone/>
+            </a:pPr>
+            <a:endParaRPr b="0" lang="fr-CH" sz="1800" spc="-1" strike="noStrike">
+              <a:latin typeface="Arial"/>
+            </a:endParaRPr>
+          </a:p>
+          <a:p>
+            <a:pPr algn="ctr">
+              <a:lnSpc>
+                <a:spcPct val="100000"/>
+              </a:lnSpc>
+              <a:buNone/>
+            </a:pPr>
+            <a:r>
+              <a:rPr b="0" lang="zxx" sz="1800" spc="-1" strike="noStrike">
+                <a:solidFill>
+                  <a:srgbClr val="000000"/>
+                </a:solidFill>
+                <a:latin typeface="Arial"/>
+                <a:ea typeface="DejaVu Sans"/>
+              </a:rPr>
+              <a:t>Adds stuff to DB</a:t>
+            </a:r>
+            <a:endParaRPr b="0" lang="fr-CH" sz="1800" spc="-1" strike="noStrike">
+              <a:latin typeface="Arial"/>
+            </a:endParaRPr>
+          </a:p>
+          <a:p>
+            <a:pPr algn="ctr">
+              <a:lnSpc>
+                <a:spcPct val="100000"/>
+              </a:lnSpc>
+              <a:buNone/>
+            </a:pPr>
+            <a:r>
+              <a:rPr b="0" lang="zxx" sz="1800" spc="-1" strike="noStrike">
+                <a:solidFill>
+                  <a:srgbClr val="000000"/>
+                </a:solidFill>
+                <a:latin typeface="Arial"/>
+                <a:ea typeface="DejaVu Sans"/>
+              </a:rPr>
+              <a:t>Does not receive from DB</a:t>
+            </a:r>
+            <a:endParaRPr b="0" lang="fr-CH" sz="1800" spc="-1" strike="noStrike">
+              <a:latin typeface="Arial"/>
+            </a:endParaRPr>
+          </a:p>
+        </p:txBody>
+      </p:sp>
+      <p:sp>
+        <p:nvSpPr>
+          <p:cNvPr id="85" name=""/>
           <p:cNvSpPr/>
           <p:nvPr/>
         </p:nvSpPr>
         <p:spPr>
           <a:xfrm>
-            <a:off x="7200000" y="1080000"/>
-            <a:ext cx="2340000" cy="1800000"/>
+            <a:off x="4320000" y="1980000"/>
+            <a:ext cx="2159640" cy="1979640"/>
           </a:xfrm>
           <a:prstGeom prst="rect">
             <a:avLst/>
@@ -2956,7 +5638,7 @@
             </a:solidFill>
           </a:ln>
           <a:effectLst>
-            <a:outerShdw dist="101823" dir="2700000" blurRad="0" rotWithShape="0">
+            <a:outerShdw blurRad="0" dir="2700000" dist="101823" rotWithShape="0">
               <a:srgbClr val="808080"/>
             </a:outerShdw>
           </a:effectLst>
@@ -2973,30 +5655,90 @@
           </a:bodyPr>
           <a:p>
             <a:pPr algn="ctr">
+              <a:lnSpc>
+                <a:spcPct val="100000"/>
+              </a:lnSpc>
               <a:buNone/>
             </a:pPr>
             <a:r>
               <a:rPr b="0" lang="zxx" sz="1800" spc="-1" strike="noStrike">
+                <a:solidFill>
+                  <a:srgbClr val="000000"/>
+                </a:solidFill>
                 <a:latin typeface="Arial"/>
+                <a:ea typeface="DejaVu Sans"/>
               </a:rPr>
-              <a:t>Json generator</a:t>
-            </a:r>
-            <a:endParaRPr b="0" lang="zxx" sz="1800" spc="-1" strike="noStrike">
-              <a:latin typeface="Arial"/>
-            </a:endParaRPr>
-          </a:p>
-        </p:txBody>
-      </p:sp>
-      <p:sp>
-        <p:nvSpPr>
-          <p:cNvPr id="46" name=""/>
+              <a:t>Measurement batch module</a:t>
+            </a:r>
+            <a:endParaRPr b="0" lang="fr-CH" sz="1800" spc="-1" strike="noStrike">
+              <a:latin typeface="Arial"/>
+            </a:endParaRPr>
+          </a:p>
+          <a:p>
+            <a:pPr algn="ctr">
+              <a:lnSpc>
+                <a:spcPct val="100000"/>
+              </a:lnSpc>
+              <a:buNone/>
+            </a:pPr>
+            <a:endParaRPr b="0" lang="fr-CH" sz="1800" spc="-1" strike="noStrike">
+              <a:latin typeface="Arial"/>
+            </a:endParaRPr>
+          </a:p>
+          <a:p>
+            <a:pPr algn="ctr">
+              <a:lnSpc>
+                <a:spcPct val="100000"/>
+              </a:lnSpc>
+              <a:buNone/>
+            </a:pPr>
+            <a:r>
+              <a:rPr b="0" lang="zxx" sz="1800" spc="-1" strike="noStrike">
+                <a:solidFill>
+                  <a:srgbClr val="000000"/>
+                </a:solidFill>
+                <a:latin typeface="Arial"/>
+                <a:ea typeface="DejaVu Sans"/>
+              </a:rPr>
+              <a:t>Reads DB</a:t>
+            </a:r>
+            <a:endParaRPr b="0" lang="fr-CH" sz="1800" spc="-1" strike="noStrike">
+              <a:latin typeface="Arial"/>
+            </a:endParaRPr>
+          </a:p>
+          <a:p>
+            <a:pPr algn="ctr">
+              <a:lnSpc>
+                <a:spcPct val="100000"/>
+              </a:lnSpc>
+              <a:buNone/>
+            </a:pPr>
+            <a:r>
+              <a:rPr b="0" lang="zxx" sz="1800" spc="-1" strike="noStrike">
+                <a:solidFill>
+                  <a:srgbClr val="000000"/>
+                </a:solidFill>
+                <a:latin typeface="Arial"/>
+                <a:ea typeface="DejaVu Sans"/>
+              </a:rPr>
+              <a:t>Writes DB</a:t>
+            </a:r>
+            <a:endParaRPr b="0" lang="fr-CH" sz="1800" spc="-1" strike="noStrike">
+              <a:latin typeface="Arial"/>
+            </a:endParaRPr>
+          </a:p>
+        </p:txBody>
+      </p:sp>
+      <p:sp>
+        <p:nvSpPr>
+          <p:cNvPr id="86" name=""/>
           <p:cNvSpPr/>
           <p:nvPr/>
         </p:nvSpPr>
         <p:spPr>
           <a:xfrm>
-            <a:off x="7200000" y="3240000"/>
-            <a:ext cx="2340000" cy="1800000"/>
+            <a:off x="7200000" y="1080000"/>
+            <a:ext cx="2339640" cy="1799640"/>
           </a:xfrm>
           <a:prstGeom prst="rect">
             <a:avLst/>
@@ -3010,7 +5752,7 @@
             </a:solidFill>
           </a:ln>
           <a:effectLst>
-            <a:outerShdw dist="101823" dir="2700000" blurRad="0" rotWithShape="0">
+            <a:outerShdw blurRad="0" dir="2700000" dist="101823" rotWithShape="0">
               <a:srgbClr val="808080"/>
             </a:outerShdw>
           </a:effectLst>
@@ -3027,47 +5769,147 @@
           </a:bodyPr>
           <a:p>
             <a:pPr algn="ctr">
+              <a:lnSpc>
+                <a:spcPct val="100000"/>
+              </a:lnSpc>
               <a:buNone/>
             </a:pPr>
             <a:r>
               <a:rPr b="0" lang="zxx" sz="1800" spc="-1" strike="noStrike">
+                <a:solidFill>
+                  <a:srgbClr val="000000"/>
+                </a:solidFill>
                 <a:latin typeface="Arial"/>
+                <a:ea typeface="DejaVu Sans"/>
               </a:rPr>
-              <a:t>File staging</a:t>
-            </a:r>
-            <a:endParaRPr b="0" lang="zxx" sz="1800" spc="-1" strike="noStrike">
-              <a:latin typeface="Arial"/>
-            </a:endParaRPr>
-          </a:p>
-        </p:txBody>
-      </p:sp>
-      <p:cxnSp>
-        <p:nvCxnSpPr>
-          <p:cNvPr id="47" name=""/>
-          <p:cNvCxnSpPr/>
+              <a:t>Json generator</a:t>
+            </a:r>
+            <a:endParaRPr b="0" lang="fr-CH" sz="1800" spc="-1" strike="noStrike">
+              <a:latin typeface="Arial"/>
+            </a:endParaRPr>
+          </a:p>
+          <a:p>
+            <a:pPr algn="ctr">
+              <a:lnSpc>
+                <a:spcPct val="100000"/>
+              </a:lnSpc>
+              <a:buNone/>
+            </a:pPr>
+            <a:endParaRPr b="0" lang="fr-CH" sz="1800" spc="-1" strike="noStrike">
+              <a:latin typeface="Arial"/>
+            </a:endParaRPr>
+          </a:p>
+          <a:p>
+            <a:pPr algn="ctr">
+              <a:lnSpc>
+                <a:spcPct val="100000"/>
+              </a:lnSpc>
+              <a:buNone/>
+            </a:pPr>
+            <a:r>
+              <a:rPr b="0" lang="zxx" sz="1800" spc="-1" strike="noStrike">
+                <a:solidFill>
+                  <a:srgbClr val="000000"/>
+                </a:solidFill>
+                <a:latin typeface="Arial"/>
+                <a:ea typeface="DejaVu Sans"/>
+              </a:rPr>
+              <a:t>Gets commands from measurement batch module</a:t>
+            </a:r>
+            <a:endParaRPr b="0" lang="fr-CH" sz="1800" spc="-1" strike="noStrike">
+              <a:latin typeface="Arial"/>
+            </a:endParaRPr>
+          </a:p>
+        </p:txBody>
+      </p:sp>
+      <p:sp>
+        <p:nvSpPr>
+          <p:cNvPr id="87" name=""/>
+          <p:cNvSpPr/>
           <p:nvPr/>
-        </p:nvCxnSpPr>
-        <p:spPr>
-          <a:xfrm>
-            <a:off x="0" y="0"/>
-            <a:ext cx="360" cy="360"/>
-          </a:xfrm>
-          <a:prstGeom prst="line">
-            <a:avLst/>
-          </a:prstGeom>
+        </p:nvSpPr>
+        <p:spPr>
+          <a:xfrm>
+            <a:off x="7200000" y="3240000"/>
+            <a:ext cx="2339640" cy="1799640"/>
+          </a:xfrm>
+          <a:prstGeom prst="rect">
+            <a:avLst/>
+          </a:prstGeom>
+          <a:solidFill>
+            <a:srgbClr val="729fcf"/>
+          </a:solidFill>
           <a:ln w="0">
             <a:solidFill>
               <a:srgbClr val="3465a4"/>
             </a:solidFill>
           </a:ln>
-        </p:spPr>
-      </p:cxnSp>
-      <p:cxnSp>
-        <p:nvCxnSpPr>
-          <p:cNvPr id="48" name=""/>
-          <p:cNvCxnSpPr/>
+          <a:effectLst>
+            <a:outerShdw blurRad="0" dir="2700000" dist="101823" rotWithShape="0">
+              <a:srgbClr val="808080"/>
+            </a:outerShdw>
+          </a:effectLst>
+        </p:spPr>
+        <p:style>
+          <a:lnRef idx="0"/>
+          <a:fillRef idx="0"/>
+          <a:effectRef idx="0"/>
+          <a:fontRef idx="minor"/>
+        </p:style>
+        <p:txBody>
+          <a:bodyPr lIns="90000" rIns="90000" tIns="45000" bIns="45000" anchor="ctr">
+            <a:noAutofit/>
+          </a:bodyPr>
+          <a:p>
+            <a:pPr algn="ctr">
+              <a:lnSpc>
+                <a:spcPct val="100000"/>
+              </a:lnSpc>
+              <a:buNone/>
+            </a:pPr>
+            <a:r>
+              <a:rPr b="0" lang="zxx" sz="1800" spc="-1" strike="noStrike">
+                <a:solidFill>
+                  <a:srgbClr val="000000"/>
+                </a:solidFill>
+                <a:latin typeface="Arial"/>
+                <a:ea typeface="DejaVu Sans"/>
+              </a:rPr>
+              <a:t>File staging</a:t>
+            </a:r>
+            <a:endParaRPr b="0" lang="fr-CH" sz="1800" spc="-1" strike="noStrike">
+              <a:latin typeface="Arial"/>
+            </a:endParaRPr>
+          </a:p>
+          <a:p>
+            <a:pPr algn="ctr">
+              <a:lnSpc>
+                <a:spcPct val="100000"/>
+              </a:lnSpc>
+              <a:buNone/>
+            </a:pPr>
+            <a:r>
+              <a:rPr b="0" lang="zxx" sz="1800" spc="-1" strike="noStrike">
+                <a:solidFill>
+                  <a:srgbClr val="000000"/>
+                </a:solidFill>
+                <a:latin typeface="Arial"/>
+                <a:ea typeface="DejaVu Sans"/>
+              </a:rPr>
+              <a:t>Gets commands from Measurement Batch module</a:t>
+            </a:r>
+            <a:endParaRPr b="0" lang="fr-CH" sz="1800" spc="-1" strike="noStrike">
+              <a:latin typeface="Arial"/>
+            </a:endParaRPr>
+          </a:p>
+        </p:txBody>
+      </p:sp>
+      <p:sp>
+        <p:nvSpPr>
+          <p:cNvPr id="88" name=""/>
+          <p:cNvSpPr/>
           <p:nvPr/>
-        </p:nvCxnSpPr>
+        </p:nvSpPr>
         <p:spPr>
           <a:xfrm>
             <a:off x="0" y="0"/>
@@ -3082,13 +5924,19 @@
             </a:solidFill>
           </a:ln>
         </p:spPr>
-      </p:cxnSp>
-      <p:cxnSp>
-        <p:nvCxnSpPr>
-          <p:cNvPr id="49" name=""/>
-          <p:cNvCxnSpPr/>
+        <p:style>
+          <a:lnRef idx="0"/>
+          <a:fillRef idx="0"/>
+          <a:effectRef idx="0"/>
+          <a:fontRef idx="minor"/>
+        </p:style>
+      </p:sp>
+      <p:sp>
+        <p:nvSpPr>
+          <p:cNvPr id="89" name=""/>
+          <p:cNvSpPr/>
           <p:nvPr/>
-        </p:nvCxnSpPr>
+        </p:nvSpPr>
         <p:spPr>
           <a:xfrm>
             <a:off x="0" y="0"/>
@@ -3103,13 +5951,19 @@
             </a:solidFill>
           </a:ln>
         </p:spPr>
-      </p:cxnSp>
-      <p:cxnSp>
-        <p:nvCxnSpPr>
-          <p:cNvPr id="50" name=""/>
-          <p:cNvCxnSpPr/>
+        <p:style>
+          <a:lnRef idx="0"/>
+          <a:fillRef idx="0"/>
+          <a:effectRef idx="0"/>
+          <a:fontRef idx="minor"/>
+        </p:style>
+      </p:sp>
+      <p:sp>
+        <p:nvSpPr>
+          <p:cNvPr id="90" name=""/>
+          <p:cNvSpPr/>
           <p:nvPr/>
-        </p:nvCxnSpPr>
+        </p:nvSpPr>
         <p:spPr>
           <a:xfrm>
             <a:off x="0" y="0"/>
@@ -3124,7 +5978,112 @@
             </a:solidFill>
           </a:ln>
         </p:spPr>
-      </p:cxnSp>
+        <p:style>
+          <a:lnRef idx="0"/>
+          <a:fillRef idx="0"/>
+          <a:effectRef idx="0"/>
+          <a:fontRef idx="minor"/>
+        </p:style>
+      </p:sp>
+      <p:sp>
+        <p:nvSpPr>
+          <p:cNvPr id="91" name=""/>
+          <p:cNvSpPr/>
+          <p:nvPr/>
+        </p:nvSpPr>
+        <p:spPr>
+          <a:xfrm>
+            <a:off x="0" y="0"/>
+            <a:ext cx="360" cy="360"/>
+          </a:xfrm>
+          <a:prstGeom prst="line">
+            <a:avLst/>
+          </a:prstGeom>
+          <a:ln w="0">
+            <a:solidFill>
+              <a:srgbClr val="3465a4"/>
+            </a:solidFill>
+          </a:ln>
+        </p:spPr>
+        <p:style>
+          <a:lnRef idx="0"/>
+          <a:fillRef idx="0"/>
+          <a:effectRef idx="0"/>
+          <a:fontRef idx="minor"/>
+        </p:style>
+      </p:sp>
+      <p:sp>
+        <p:nvSpPr>
+          <p:cNvPr id="92" name=""/>
+          <p:cNvSpPr txBox="1"/>
+          <p:nvPr/>
+        </p:nvSpPr>
+        <p:spPr>
+          <a:xfrm>
+            <a:off x="2815920" y="525960"/>
+            <a:ext cx="10149120" cy="346320"/>
+          </a:xfrm>
+          <a:prstGeom prst="rect">
+            <a:avLst/>
+          </a:prstGeom>
+          <a:noFill/>
+          <a:ln w="0">
+            <a:noFill/>
+          </a:ln>
+        </p:spPr>
+        <p:txBody>
+          <a:bodyPr lIns="90000" rIns="90000" tIns="45000" bIns="45000" anchor="t">
+            <a:noAutofit/>
+          </a:bodyPr>
+          <a:p>
+            <a:r>
+              <a:rPr b="0" i="1" lang="fr-CH" sz="1800" spc="-1" strike="noStrike">
+                <a:latin typeface="Arial"/>
+              </a:rPr>
+              <a:t>Ideally </a:t>
+            </a:r>
+            <a:r>
+              <a:rPr b="0" i="1" lang="fr-CH" sz="1800" spc="-1" strike="noStrike">
+                <a:latin typeface="Arial"/>
+              </a:rPr>
+              <a:t>measurement </a:t>
+            </a:r>
+            <a:r>
+              <a:rPr b="0" i="1" lang="fr-CH" sz="1800" spc="-1" strike="noStrike">
+                <a:latin typeface="Arial"/>
+              </a:rPr>
+              <a:t>batch module is </a:t>
+            </a:r>
+            <a:r>
+              <a:rPr b="0" i="1" lang="fr-CH" sz="1800" spc="-1" strike="noStrike">
+                <a:latin typeface="Arial"/>
+              </a:rPr>
+              <a:t>the only thing that </a:t>
+            </a:r>
+            <a:r>
+              <a:rPr b="0" i="1" lang="fr-CH" sz="1800" spc="-1" strike="noStrike">
+                <a:latin typeface="Arial"/>
+              </a:rPr>
+              <a:t>interacts with </a:t>
+            </a:r>
+            <a:r>
+              <a:rPr b="0" i="1" lang="fr-CH" sz="1800" spc="-1" strike="noStrike">
+                <a:latin typeface="Arial"/>
+              </a:rPr>
+              <a:t>more than one </a:t>
+            </a:r>
+            <a:r>
+              <a:rPr b="0" i="1" lang="fr-CH" sz="1800" spc="-1" strike="noStrike">
+                <a:latin typeface="Arial"/>
+              </a:rPr>
+              <a:t>other module</a:t>
+            </a:r>
+            <a:endParaRPr b="0" lang="fr-CH" sz="1800" spc="-1" strike="noStrike">
+              <a:latin typeface="Arial"/>
+            </a:endParaRPr>
+          </a:p>
+        </p:txBody>
+      </p:sp>
     </p:spTree>
   </p:cSld>
   <mc:AlternateContent>
@@ -3157,85 +6116,21 @@
       </p:grpSpPr>
       <p:sp>
         <p:nvSpPr>
-          <p:cNvPr id="51" name=""/>
-          <p:cNvSpPr txBox="1"/>
-          <p:nvPr/>
-        </p:nvSpPr>
-        <p:spPr>
-          <a:xfrm>
-            <a:off x="140040" y="180000"/>
-            <a:ext cx="2224440" cy="346320"/>
-          </a:xfrm>
-          <a:prstGeom prst="rect">
-            <a:avLst/>
-          </a:prstGeom>
-          <a:noFill/>
-          <a:ln w="0">
-            <a:noFill/>
-          </a:ln>
-        </p:spPr>
-        <p:txBody>
-          <a:bodyPr lIns="90000" rIns="90000" tIns="45000" bIns="45000" anchor="t">
-            <a:noAutofit/>
-          </a:bodyPr>
-          <a:p>
-            <a:r>
-              <a:rPr b="0" lang="zxx" sz="1800" spc="-1" strike="noStrike">
-                <a:latin typeface="Arial"/>
-              </a:rPr>
-              <a:t>V 0.1 </a:t>
-            </a:r>
-            <a:r>
-              <a:rPr b="0" lang="zxx" sz="1800" spc="-1" strike="noStrike">
-                <a:latin typeface="Arial"/>
-              </a:rPr>
-              <a:t>DB </a:t>
-            </a:r>
-            <a:r>
-              <a:rPr b="0" lang="zxx" sz="1800" spc="-1" strike="noStrike">
-                <a:latin typeface="Arial"/>
-              </a:rPr>
-              <a:t>Sche</a:t>
-            </a:r>
-            <a:r>
-              <a:rPr b="0" lang="zxx" sz="1800" spc="-1" strike="noStrike">
-                <a:latin typeface="Arial"/>
-              </a:rPr>
-              <a:t>mati</a:t>
-            </a:r>
-            <a:r>
-              <a:rPr b="0" lang="zxx" sz="1800" spc="-1" strike="noStrike">
-                <a:latin typeface="Arial"/>
-              </a:rPr>
-              <a:t>c</a:t>
-            </a:r>
-            <a:endParaRPr b="0" lang="zxx" sz="1800" spc="-1" strike="noStrike">
-              <a:latin typeface="Arial"/>
-            </a:endParaRPr>
-          </a:p>
-        </p:txBody>
-      </p:sp>
-      <p:sp>
-        <p:nvSpPr>
-          <p:cNvPr id="52" name=""/>
+          <p:cNvPr id="93" name=""/>
           <p:cNvSpPr/>
           <p:nvPr/>
         </p:nvSpPr>
         <p:spPr>
           <a:xfrm>
-            <a:off x="180000" y="3060000"/>
-            <a:ext cx="1980000" cy="360000"/>
-          </a:xfrm>
-          <a:prstGeom prst="rect">
-            <a:avLst/>
-          </a:prstGeom>
-          <a:solidFill>
-            <a:srgbClr val="5983b0"/>
-          </a:solidFill>
-          <a:ln w="0">
-            <a:solidFill>
-              <a:srgbClr val="3465a4"/>
-            </a:solidFill>
+            <a:off x="140040" y="180000"/>
+            <a:ext cx="2224080" cy="345960"/>
+          </a:xfrm>
+          <a:prstGeom prst="rect">
+            <a:avLst/>
+          </a:prstGeom>
+          <a:noFill/>
+          <a:ln w="0">
+            <a:noFill/>
           </a:ln>
         </p:spPr>
         <p:style>
@@ -3245,41 +6140,44 @@
           <a:fontRef idx="minor"/>
         </p:style>
         <p:txBody>
-          <a:bodyPr lIns="90000" rIns="90000" tIns="45000" bIns="45000" anchor="ctr">
+          <a:bodyPr lIns="90000" rIns="90000" tIns="45000" bIns="45000" anchor="t">
             <a:noAutofit/>
           </a:bodyPr>
           <a:p>
-            <a:pPr algn="ctr">
+            <a:pPr>
+              <a:lnSpc>
+                <a:spcPct val="100000"/>
+              </a:lnSpc>
               <a:buNone/>
             </a:pPr>
             <a:r>
               <a:rPr b="0" lang="zxx" sz="1800" spc="-1" strike="noStrike">
                 <a:latin typeface="Arial"/>
               </a:rPr>
-              <a:t>rg_tab</a:t>
-            </a:r>
-            <a:endParaRPr b="0" lang="zxx" sz="1800" spc="-1" strike="noStrike">
-              <a:latin typeface="Arial"/>
-            </a:endParaRPr>
-          </a:p>
-        </p:txBody>
-      </p:sp>
-      <p:sp>
-        <p:nvSpPr>
-          <p:cNvPr id="53" name=""/>
+              <a:t>V 0.1 DB Schematic</a:t>
+            </a:r>
+            <a:endParaRPr b="0" lang="fr-CH" sz="1800" spc="-1" strike="noStrike">
+              <a:latin typeface="Arial"/>
+            </a:endParaRPr>
+          </a:p>
+        </p:txBody>
+      </p:sp>
+      <p:sp>
+        <p:nvSpPr>
+          <p:cNvPr id="94" name=""/>
           <p:cNvSpPr/>
           <p:nvPr/>
         </p:nvSpPr>
         <p:spPr>
           <a:xfrm>
-            <a:off x="180000" y="3420000"/>
-            <a:ext cx="1980000" cy="360000"/>
+            <a:off x="180000" y="3060000"/>
+            <a:ext cx="1979640" cy="359640"/>
           </a:xfrm>
           <a:prstGeom prst="rect">
             <a:avLst/>
           </a:prstGeom>
           <a:solidFill>
-            <a:srgbClr val="b4c7dc"/>
+            <a:srgbClr val="5983b0"/>
           </a:solidFill>
           <a:ln w="0">
             <a:solidFill>
@@ -3299,30 +6197,37 @@
           </a:bodyPr>
           <a:p>
             <a:pPr algn="ctr">
+              <a:lnSpc>
+                <a:spcPct val="100000"/>
+              </a:lnSpc>
               <a:buNone/>
             </a:pPr>
             <a:r>
               <a:rPr b="0" lang="zxx" sz="1800" spc="-1" strike="noStrike">
+                <a:solidFill>
+                  <a:srgbClr val="000000"/>
+                </a:solidFill>
                 <a:latin typeface="Arial"/>
+                <a:ea typeface="DejaVu Sans"/>
               </a:rPr>
-              <a:t>rg_id*</a:t>
-            </a:r>
-            <a:endParaRPr b="0" lang="zxx" sz="1800" spc="-1" strike="noStrike">
-              <a:latin typeface="Arial"/>
-            </a:endParaRPr>
-          </a:p>
-        </p:txBody>
-      </p:sp>
-      <p:sp>
-        <p:nvSpPr>
-          <p:cNvPr id="54" name=""/>
+              <a:t>rg_tab</a:t>
+            </a:r>
+            <a:endParaRPr b="0" lang="fr-CH" sz="1800" spc="-1" strike="noStrike">
+              <a:latin typeface="Arial"/>
+            </a:endParaRPr>
+          </a:p>
+        </p:txBody>
+      </p:sp>
+      <p:sp>
+        <p:nvSpPr>
+          <p:cNvPr id="95" name=""/>
           <p:cNvSpPr/>
           <p:nvPr/>
         </p:nvSpPr>
         <p:spPr>
           <a:xfrm>
-            <a:off x="180000" y="3780000"/>
-            <a:ext cx="1980000" cy="360000"/>
+            <a:off x="180000" y="3420000"/>
+            <a:ext cx="1979640" cy="359640"/>
           </a:xfrm>
           <a:prstGeom prst="rect">
             <a:avLst/>
@@ -3348,36 +6253,43 @@
           </a:bodyPr>
           <a:p>
             <a:pPr algn="ctr">
+              <a:lnSpc>
+                <a:spcPct val="100000"/>
+              </a:lnSpc>
               <a:buNone/>
             </a:pPr>
             <a:r>
               <a:rPr b="0" lang="zxx" sz="1800" spc="-1" strike="noStrike">
+                <a:solidFill>
+                  <a:srgbClr val="000000"/>
+                </a:solidFill>
                 <a:latin typeface="Arial"/>
+                <a:ea typeface="DejaVu Sans"/>
               </a:rPr>
-              <a:t>rg_name</a:t>
-            </a:r>
-            <a:endParaRPr b="0" lang="zxx" sz="1800" spc="-1" strike="noStrike">
-              <a:latin typeface="Arial"/>
-            </a:endParaRPr>
-          </a:p>
-        </p:txBody>
-      </p:sp>
-      <p:sp>
-        <p:nvSpPr>
-          <p:cNvPr id="55" name=""/>
+              <a:t>rg_id*</a:t>
+            </a:r>
+            <a:endParaRPr b="0" lang="fr-CH" sz="1800" spc="-1" strike="noStrike">
+              <a:latin typeface="Arial"/>
+            </a:endParaRPr>
+          </a:p>
+        </p:txBody>
+      </p:sp>
+      <p:sp>
+        <p:nvSpPr>
+          <p:cNvPr id="96" name=""/>
           <p:cNvSpPr/>
           <p:nvPr/>
         </p:nvSpPr>
         <p:spPr>
           <a:xfrm>
-            <a:off x="3240000" y="720000"/>
-            <a:ext cx="1980000" cy="360000"/>
+            <a:off x="180000" y="3780000"/>
+            <a:ext cx="1979640" cy="359640"/>
           </a:xfrm>
           <a:prstGeom prst="rect">
             <a:avLst/>
           </a:prstGeom>
           <a:solidFill>
-            <a:srgbClr val="5983b0"/>
+            <a:srgbClr val="b4c7dc"/>
           </a:solidFill>
           <a:ln w="0">
             <a:solidFill>
@@ -3397,36 +6309,43 @@
           </a:bodyPr>
           <a:p>
             <a:pPr algn="ctr">
+              <a:lnSpc>
+                <a:spcPct val="100000"/>
+              </a:lnSpc>
               <a:buNone/>
             </a:pPr>
             <a:r>
               <a:rPr b="0" lang="zxx" sz="1800" spc="-1" strike="noStrike">
+                <a:solidFill>
+                  <a:srgbClr val="000000"/>
+                </a:solidFill>
                 <a:latin typeface="Arial"/>
+                <a:ea typeface="DejaVu Sans"/>
               </a:rPr>
-              <a:t>user_tab</a:t>
-            </a:r>
-            <a:endParaRPr b="0" lang="zxx" sz="1800" spc="-1" strike="noStrike">
-              <a:latin typeface="Arial"/>
-            </a:endParaRPr>
-          </a:p>
-        </p:txBody>
-      </p:sp>
-      <p:sp>
-        <p:nvSpPr>
-          <p:cNvPr id="56" name=""/>
+              <a:t>rg_name</a:t>
+            </a:r>
+            <a:endParaRPr b="0" lang="fr-CH" sz="1800" spc="-1" strike="noStrike">
+              <a:latin typeface="Arial"/>
+            </a:endParaRPr>
+          </a:p>
+        </p:txBody>
+      </p:sp>
+      <p:sp>
+        <p:nvSpPr>
+          <p:cNvPr id="97" name=""/>
           <p:cNvSpPr/>
           <p:nvPr/>
         </p:nvSpPr>
         <p:spPr>
           <a:xfrm>
-            <a:off x="3240000" y="1080000"/>
-            <a:ext cx="1980000" cy="360000"/>
+            <a:off x="3240000" y="720000"/>
+            <a:ext cx="1979640" cy="359640"/>
           </a:xfrm>
           <a:prstGeom prst="rect">
             <a:avLst/>
           </a:prstGeom>
           <a:solidFill>
-            <a:srgbClr val="b4c7dc"/>
+            <a:srgbClr val="5983b0"/>
           </a:solidFill>
           <a:ln w="0">
             <a:solidFill>
@@ -3446,30 +6365,37 @@
           </a:bodyPr>
           <a:p>
             <a:pPr algn="ctr">
+              <a:lnSpc>
+                <a:spcPct val="100000"/>
+              </a:lnSpc>
               <a:buNone/>
             </a:pPr>
             <a:r>
               <a:rPr b="0" lang="zxx" sz="1800" spc="-1" strike="noStrike">
+                <a:solidFill>
+                  <a:srgbClr val="000000"/>
+                </a:solidFill>
                 <a:latin typeface="Arial"/>
+                <a:ea typeface="DejaVu Sans"/>
               </a:rPr>
-              <a:t>user_id*</a:t>
-            </a:r>
-            <a:endParaRPr b="0" lang="zxx" sz="1800" spc="-1" strike="noStrike">
-              <a:latin typeface="Arial"/>
-            </a:endParaRPr>
-          </a:p>
-        </p:txBody>
-      </p:sp>
-      <p:sp>
-        <p:nvSpPr>
-          <p:cNvPr id="57" name=""/>
+              <a:t>user_tab</a:t>
+            </a:r>
+            <a:endParaRPr b="0" lang="fr-CH" sz="1800" spc="-1" strike="noStrike">
+              <a:latin typeface="Arial"/>
+            </a:endParaRPr>
+          </a:p>
+        </p:txBody>
+      </p:sp>
+      <p:sp>
+        <p:nvSpPr>
+          <p:cNvPr id="98" name=""/>
           <p:cNvSpPr/>
           <p:nvPr/>
         </p:nvSpPr>
         <p:spPr>
           <a:xfrm>
-            <a:off x="3240000" y="1440000"/>
-            <a:ext cx="1980000" cy="360000"/>
+            <a:off x="3240000" y="1080000"/>
+            <a:ext cx="1979640" cy="359640"/>
           </a:xfrm>
           <a:prstGeom prst="rect">
             <a:avLst/>
@@ -3495,30 +6421,37 @@
           </a:bodyPr>
           <a:p>
             <a:pPr algn="ctr">
+              <a:lnSpc>
+                <a:spcPct val="100000"/>
+              </a:lnSpc>
               <a:buNone/>
             </a:pPr>
             <a:r>
               <a:rPr b="0" lang="zxx" sz="1800" spc="-1" strike="noStrike">
+                <a:solidFill>
+                  <a:srgbClr val="000000"/>
+                </a:solidFill>
                 <a:latin typeface="Arial"/>
+                <a:ea typeface="DejaVu Sans"/>
               </a:rPr>
-              <a:t>user_name</a:t>
-            </a:r>
-            <a:endParaRPr b="0" lang="zxx" sz="1800" spc="-1" strike="noStrike">
-              <a:latin typeface="Arial"/>
-            </a:endParaRPr>
-          </a:p>
-        </p:txBody>
-      </p:sp>
-      <p:sp>
-        <p:nvSpPr>
-          <p:cNvPr id="58" name=""/>
+              <a:t>user_id*</a:t>
+            </a:r>
+            <a:endParaRPr b="0" lang="fr-CH" sz="1800" spc="-1" strike="noStrike">
+              <a:latin typeface="Arial"/>
+            </a:endParaRPr>
+          </a:p>
+        </p:txBody>
+      </p:sp>
+      <p:sp>
+        <p:nvSpPr>
+          <p:cNvPr id="99" name=""/>
           <p:cNvSpPr/>
           <p:nvPr/>
         </p:nvSpPr>
         <p:spPr>
           <a:xfrm>
-            <a:off x="3240000" y="1800000"/>
-            <a:ext cx="1980000" cy="360000"/>
+            <a:off x="3240000" y="1440000"/>
+            <a:ext cx="1979640" cy="359640"/>
           </a:xfrm>
           <a:prstGeom prst="rect">
             <a:avLst/>
@@ -3544,36 +6477,43 @@
           </a:bodyPr>
           <a:p>
             <a:pPr algn="ctr">
+              <a:lnSpc>
+                <a:spcPct val="100000"/>
+              </a:lnSpc>
               <a:buNone/>
             </a:pPr>
             <a:r>
               <a:rPr b="0" lang="zxx" sz="1800" spc="-1" strike="noStrike">
+                <a:solidFill>
+                  <a:srgbClr val="000000"/>
+                </a:solidFill>
                 <a:latin typeface="Arial"/>
+                <a:ea typeface="DejaVu Sans"/>
               </a:rPr>
-              <a:t>user_email</a:t>
-            </a:r>
-            <a:endParaRPr b="0" lang="zxx" sz="1800" spc="-1" strike="noStrike">
-              <a:latin typeface="Arial"/>
-            </a:endParaRPr>
-          </a:p>
-        </p:txBody>
-      </p:sp>
-      <p:sp>
-        <p:nvSpPr>
-          <p:cNvPr id="59" name=""/>
+              <a:t>user_name</a:t>
+            </a:r>
+            <a:endParaRPr b="0" lang="fr-CH" sz="1800" spc="-1" strike="noStrike">
+              <a:latin typeface="Arial"/>
+            </a:endParaRPr>
+          </a:p>
+        </p:txBody>
+      </p:sp>
+      <p:sp>
+        <p:nvSpPr>
+          <p:cNvPr id="100" name=""/>
           <p:cNvSpPr/>
           <p:nvPr/>
         </p:nvSpPr>
         <p:spPr>
           <a:xfrm>
-            <a:off x="3240000" y="2880000"/>
-            <a:ext cx="1980000" cy="360000"/>
+            <a:off x="3240000" y="1800000"/>
+            <a:ext cx="1979640" cy="359640"/>
           </a:xfrm>
           <a:prstGeom prst="rect">
             <a:avLst/>
           </a:prstGeom>
           <a:solidFill>
-            <a:srgbClr val="5983b0"/>
+            <a:srgbClr val="b4c7dc"/>
           </a:solidFill>
           <a:ln w="0">
             <a:solidFill>
@@ -3593,36 +6533,43 @@
           </a:bodyPr>
           <a:p>
             <a:pPr algn="ctr">
+              <a:lnSpc>
+                <a:spcPct val="100000"/>
+              </a:lnSpc>
               <a:buNone/>
             </a:pPr>
             <a:r>
               <a:rPr b="0" lang="zxx" sz="1800" spc="-1" strike="noStrike">
+                <a:solidFill>
+                  <a:srgbClr val="000000"/>
+                </a:solidFill>
                 <a:latin typeface="Arial"/>
+                <a:ea typeface="DejaVu Sans"/>
               </a:rPr>
-              <a:t>sample_tab</a:t>
-            </a:r>
-            <a:endParaRPr b="0" lang="zxx" sz="1800" spc="-1" strike="noStrike">
-              <a:latin typeface="Arial"/>
-            </a:endParaRPr>
-          </a:p>
-        </p:txBody>
-      </p:sp>
-      <p:sp>
-        <p:nvSpPr>
-          <p:cNvPr id="60" name=""/>
+              <a:t>user_email</a:t>
+            </a:r>
+            <a:endParaRPr b="0" lang="fr-CH" sz="1800" spc="-1" strike="noStrike">
+              <a:latin typeface="Arial"/>
+            </a:endParaRPr>
+          </a:p>
+        </p:txBody>
+      </p:sp>
+      <p:sp>
+        <p:nvSpPr>
+          <p:cNvPr id="101" name=""/>
           <p:cNvSpPr/>
           <p:nvPr/>
         </p:nvSpPr>
         <p:spPr>
           <a:xfrm>
-            <a:off x="3240000" y="3240000"/>
-            <a:ext cx="1980000" cy="360000"/>
+            <a:off x="3240000" y="2880000"/>
+            <a:ext cx="1979640" cy="359640"/>
           </a:xfrm>
           <a:prstGeom prst="rect">
             <a:avLst/>
           </a:prstGeom>
           <a:solidFill>
-            <a:srgbClr val="b4c7dc"/>
+            <a:srgbClr val="5983b0"/>
           </a:solidFill>
           <a:ln w="0">
             <a:solidFill>
@@ -3642,30 +6589,37 @@
           </a:bodyPr>
           <a:p>
             <a:pPr algn="ctr">
+              <a:lnSpc>
+                <a:spcPct val="100000"/>
+              </a:lnSpc>
               <a:buNone/>
             </a:pPr>
             <a:r>
               <a:rPr b="0" lang="zxx" sz="1800" spc="-1" strike="noStrike">
+                <a:solidFill>
+                  <a:srgbClr val="000000"/>
+                </a:solidFill>
                 <a:latin typeface="Arial"/>
+                <a:ea typeface="DejaVu Sans"/>
               </a:rPr>
-              <a:t>sample_id*</a:t>
-            </a:r>
-            <a:endParaRPr b="0" lang="zxx" sz="1800" spc="-1" strike="noStrike">
-              <a:latin typeface="Arial"/>
-            </a:endParaRPr>
-          </a:p>
-        </p:txBody>
-      </p:sp>
-      <p:sp>
-        <p:nvSpPr>
-          <p:cNvPr id="61" name=""/>
+              <a:t>sample_tab</a:t>
+            </a:r>
+            <a:endParaRPr b="0" lang="fr-CH" sz="1800" spc="-1" strike="noStrike">
+              <a:latin typeface="Arial"/>
+            </a:endParaRPr>
+          </a:p>
+        </p:txBody>
+      </p:sp>
+      <p:sp>
+        <p:nvSpPr>
+          <p:cNvPr id="102" name=""/>
           <p:cNvSpPr/>
           <p:nvPr/>
         </p:nvSpPr>
         <p:spPr>
           <a:xfrm>
-            <a:off x="3240000" y="3600000"/>
-            <a:ext cx="1980000" cy="360000"/>
+            <a:off x="3240000" y="3240000"/>
+            <a:ext cx="1979640" cy="359640"/>
           </a:xfrm>
           <a:prstGeom prst="rect">
             <a:avLst/>
@@ -3691,30 +6645,37 @@
           </a:bodyPr>
           <a:p>
             <a:pPr algn="ctr">
+              <a:lnSpc>
+                <a:spcPct val="100000"/>
+              </a:lnSpc>
               <a:buNone/>
             </a:pPr>
             <a:r>
               <a:rPr b="0" lang="zxx" sz="1800" spc="-1" strike="noStrike">
+                <a:solidFill>
+                  <a:srgbClr val="000000"/>
+                </a:solidFill>
                 <a:latin typeface="Arial"/>
+                <a:ea typeface="DejaVu Sans"/>
               </a:rPr>
-              <a:t>sample_code</a:t>
-            </a:r>
-            <a:endParaRPr b="0" lang="zxx" sz="1800" spc="-1" strike="noStrike">
-              <a:latin typeface="Arial"/>
-            </a:endParaRPr>
-          </a:p>
-        </p:txBody>
-      </p:sp>
-      <p:sp>
-        <p:nvSpPr>
-          <p:cNvPr id="62" name=""/>
+              <a:t>sample_id*</a:t>
+            </a:r>
+            <a:endParaRPr b="0" lang="fr-CH" sz="1800" spc="-1" strike="noStrike">
+              <a:latin typeface="Arial"/>
+            </a:endParaRPr>
+          </a:p>
+        </p:txBody>
+      </p:sp>
+      <p:sp>
+        <p:nvSpPr>
+          <p:cNvPr id="103" name=""/>
           <p:cNvSpPr/>
           <p:nvPr/>
         </p:nvSpPr>
         <p:spPr>
           <a:xfrm>
-            <a:off x="3240000" y="3960000"/>
-            <a:ext cx="1980000" cy="360000"/>
+            <a:off x="3240000" y="3600000"/>
+            <a:ext cx="1979640" cy="359640"/>
           </a:xfrm>
           <a:prstGeom prst="rect">
             <a:avLst/>
@@ -3740,30 +6701,37 @@
           </a:bodyPr>
           <a:p>
             <a:pPr algn="ctr">
+              <a:lnSpc>
+                <a:spcPct val="100000"/>
+              </a:lnSpc>
               <a:buNone/>
             </a:pPr>
             <a:r>
               <a:rPr b="0" lang="zxx" sz="1800" spc="-1" strike="noStrike">
+                <a:solidFill>
+                  <a:srgbClr val="000000"/>
+                </a:solidFill>
                 <a:latin typeface="Arial"/>
+                <a:ea typeface="DejaVu Sans"/>
               </a:rPr>
-              <a:t>sample_type</a:t>
-            </a:r>
-            <a:endParaRPr b="0" lang="zxx" sz="1800" spc="-1" strike="noStrike">
-              <a:latin typeface="Arial"/>
-            </a:endParaRPr>
-          </a:p>
-        </p:txBody>
-      </p:sp>
-      <p:sp>
-        <p:nvSpPr>
-          <p:cNvPr id="63" name=""/>
+              <a:t>sample_code</a:t>
+            </a:r>
+            <a:endParaRPr b="0" lang="fr-CH" sz="1800" spc="-1" strike="noStrike">
+              <a:latin typeface="Arial"/>
+            </a:endParaRPr>
+          </a:p>
+        </p:txBody>
+      </p:sp>
+      <p:sp>
+        <p:nvSpPr>
+          <p:cNvPr id="104" name=""/>
           <p:cNvSpPr/>
           <p:nvPr/>
         </p:nvSpPr>
         <p:spPr>
           <a:xfrm>
-            <a:off x="3240000" y="4680000"/>
-            <a:ext cx="1980000" cy="360000"/>
+            <a:off x="3240000" y="3960000"/>
+            <a:ext cx="1979640" cy="359640"/>
           </a:xfrm>
           <a:prstGeom prst="rect">
             <a:avLst/>
@@ -3789,30 +6757,37 @@
           </a:bodyPr>
           <a:p>
             <a:pPr algn="ctr">
+              <a:lnSpc>
+                <a:spcPct val="100000"/>
+              </a:lnSpc>
               <a:buNone/>
             </a:pPr>
             <a:r>
               <a:rPr b="0" lang="zxx" sz="1800" spc="-1" strike="noStrike">
+                <a:solidFill>
+                  <a:srgbClr val="000000"/>
+                </a:solidFill>
                 <a:latin typeface="Arial"/>
+                <a:ea typeface="DejaVu Sans"/>
               </a:rPr>
-              <a:t>rg</a:t>
-            </a:r>
-            <a:endParaRPr b="0" lang="zxx" sz="1800" spc="-1" strike="noStrike">
-              <a:latin typeface="Arial"/>
-            </a:endParaRPr>
-          </a:p>
-        </p:txBody>
-      </p:sp>
-      <p:sp>
-        <p:nvSpPr>
-          <p:cNvPr id="64" name=""/>
+              <a:t>sample_type</a:t>
+            </a:r>
+            <a:endParaRPr b="0" lang="fr-CH" sz="1800" spc="-1" strike="noStrike">
+              <a:latin typeface="Arial"/>
+            </a:endParaRPr>
+          </a:p>
+        </p:txBody>
+      </p:sp>
+      <p:sp>
+        <p:nvSpPr>
+          <p:cNvPr id="105" name=""/>
           <p:cNvSpPr/>
           <p:nvPr/>
         </p:nvSpPr>
         <p:spPr>
           <a:xfrm>
-            <a:off x="3240000" y="5040000"/>
-            <a:ext cx="1980000" cy="360000"/>
+            <a:off x="3240000" y="4680000"/>
+            <a:ext cx="1979640" cy="359640"/>
           </a:xfrm>
           <a:prstGeom prst="rect">
             <a:avLst/>
@@ -3838,36 +6813,43 @@
           </a:bodyPr>
           <a:p>
             <a:pPr algn="ctr">
+              <a:lnSpc>
+                <a:spcPct val="100000"/>
+              </a:lnSpc>
               <a:buNone/>
             </a:pPr>
             <a:r>
               <a:rPr b="0" lang="zxx" sz="1800" spc="-1" strike="noStrike">
+                <a:solidFill>
+                  <a:srgbClr val="000000"/>
+                </a:solidFill>
                 <a:latin typeface="Arial"/>
+                <a:ea typeface="DejaVu Sans"/>
               </a:rPr>
-              <a:t>meta_json</a:t>
-            </a:r>
-            <a:endParaRPr b="0" lang="zxx" sz="1800" spc="-1" strike="noStrike">
-              <a:latin typeface="Arial"/>
-            </a:endParaRPr>
-          </a:p>
-        </p:txBody>
-      </p:sp>
-      <p:sp>
-        <p:nvSpPr>
-          <p:cNvPr id="65" name=""/>
+              <a:t>rg</a:t>
+            </a:r>
+            <a:endParaRPr b="0" lang="fr-CH" sz="1800" spc="-1" strike="noStrike">
+              <a:latin typeface="Arial"/>
+            </a:endParaRPr>
+          </a:p>
+        </p:txBody>
+      </p:sp>
+      <p:sp>
+        <p:nvSpPr>
+          <p:cNvPr id="106" name=""/>
           <p:cNvSpPr/>
           <p:nvPr/>
         </p:nvSpPr>
         <p:spPr>
           <a:xfrm>
-            <a:off x="7200000" y="3780000"/>
-            <a:ext cx="2160000" cy="360000"/>
+            <a:off x="3240000" y="5040000"/>
+            <a:ext cx="1979640" cy="359640"/>
           </a:xfrm>
           <a:prstGeom prst="rect">
             <a:avLst/>
           </a:prstGeom>
           <a:solidFill>
-            <a:srgbClr val="5983b0"/>
+            <a:srgbClr val="b4c7dc"/>
           </a:solidFill>
           <a:ln w="0">
             <a:solidFill>
@@ -3887,36 +6869,43 @@
           </a:bodyPr>
           <a:p>
             <a:pPr algn="ctr">
+              <a:lnSpc>
+                <a:spcPct val="100000"/>
+              </a:lnSpc>
               <a:buNone/>
             </a:pPr>
             <a:r>
               <a:rPr b="0" lang="zxx" sz="1800" spc="-1" strike="noStrike">
+                <a:solidFill>
+                  <a:srgbClr val="000000"/>
+                </a:solidFill>
                 <a:latin typeface="Arial"/>
+                <a:ea typeface="DejaVu Sans"/>
               </a:rPr>
-              <a:t>meta_json_tab</a:t>
-            </a:r>
-            <a:endParaRPr b="0" lang="zxx" sz="1800" spc="-1" strike="noStrike">
-              <a:latin typeface="Arial"/>
-            </a:endParaRPr>
-          </a:p>
-        </p:txBody>
-      </p:sp>
-      <p:sp>
-        <p:nvSpPr>
-          <p:cNvPr id="66" name=""/>
+              <a:t>meta_json</a:t>
+            </a:r>
+            <a:endParaRPr b="0" lang="fr-CH" sz="1800" spc="-1" strike="noStrike">
+              <a:latin typeface="Arial"/>
+            </a:endParaRPr>
+          </a:p>
+        </p:txBody>
+      </p:sp>
+      <p:sp>
+        <p:nvSpPr>
+          <p:cNvPr id="107" name=""/>
           <p:cNvSpPr/>
           <p:nvPr/>
         </p:nvSpPr>
         <p:spPr>
           <a:xfrm>
-            <a:off x="7200000" y="4140000"/>
-            <a:ext cx="2160000" cy="360000"/>
+            <a:off x="7740000" y="3960000"/>
+            <a:ext cx="2159640" cy="359640"/>
           </a:xfrm>
           <a:prstGeom prst="rect">
             <a:avLst/>
           </a:prstGeom>
           <a:solidFill>
-            <a:srgbClr val="b4c7dc"/>
+            <a:srgbClr val="5983b0"/>
           </a:solidFill>
           <a:ln w="0">
             <a:solidFill>
@@ -3936,30 +6925,37 @@
           </a:bodyPr>
           <a:p>
             <a:pPr algn="ctr">
+              <a:lnSpc>
+                <a:spcPct val="100000"/>
+              </a:lnSpc>
               <a:buNone/>
             </a:pPr>
             <a:r>
               <a:rPr b="0" lang="zxx" sz="1800" spc="-1" strike="noStrike">
+                <a:solidFill>
+                  <a:srgbClr val="000000"/>
+                </a:solidFill>
                 <a:latin typeface="Arial"/>
+                <a:ea typeface="DejaVu Sans"/>
               </a:rPr>
-              <a:t>meta_json_id*</a:t>
-            </a:r>
-            <a:endParaRPr b="0" lang="zxx" sz="1800" spc="-1" strike="noStrike">
-              <a:latin typeface="Arial"/>
-            </a:endParaRPr>
-          </a:p>
-        </p:txBody>
-      </p:sp>
-      <p:sp>
-        <p:nvSpPr>
-          <p:cNvPr id="67" name=""/>
+              <a:t>project_tab</a:t>
+            </a:r>
+            <a:endParaRPr b="0" lang="fr-CH" sz="1800" spc="-1" strike="noStrike">
+              <a:latin typeface="Arial"/>
+            </a:endParaRPr>
+          </a:p>
+        </p:txBody>
+      </p:sp>
+      <p:sp>
+        <p:nvSpPr>
+          <p:cNvPr id="108" name=""/>
           <p:cNvSpPr/>
           <p:nvPr/>
         </p:nvSpPr>
         <p:spPr>
           <a:xfrm>
-            <a:off x="7200000" y="4500000"/>
-            <a:ext cx="2160000" cy="360000"/>
+            <a:off x="7740000" y="4320000"/>
+            <a:ext cx="2159640" cy="359640"/>
           </a:xfrm>
           <a:prstGeom prst="rect">
             <a:avLst/>
@@ -3985,36 +6981,43 @@
           </a:bodyPr>
           <a:p>
             <a:pPr algn="ctr">
+              <a:lnSpc>
+                <a:spcPct val="100000"/>
+              </a:lnSpc>
               <a:buNone/>
             </a:pPr>
             <a:r>
               <a:rPr b="0" lang="zxx" sz="1800" spc="-1" strike="noStrike">
+                <a:solidFill>
+                  <a:srgbClr val="000000"/>
+                </a:solidFill>
                 <a:latin typeface="Arial"/>
+                <a:ea typeface="DejaVu Sans"/>
               </a:rPr>
-              <a:t>meta_json_filepath</a:t>
-            </a:r>
-            <a:endParaRPr b="0" lang="zxx" sz="1800" spc="-1" strike="noStrike">
-              <a:latin typeface="Arial"/>
-            </a:endParaRPr>
-          </a:p>
-        </p:txBody>
-      </p:sp>
-      <p:sp>
-        <p:nvSpPr>
-          <p:cNvPr id="68" name=""/>
+              <a:t>meta_json_id*</a:t>
+            </a:r>
+            <a:endParaRPr b="0" lang="fr-CH" sz="1800" spc="-1" strike="noStrike">
+              <a:latin typeface="Arial"/>
+            </a:endParaRPr>
+          </a:p>
+        </p:txBody>
+      </p:sp>
+      <p:sp>
+        <p:nvSpPr>
+          <p:cNvPr id="109" name=""/>
           <p:cNvSpPr/>
           <p:nvPr/>
         </p:nvSpPr>
         <p:spPr>
           <a:xfrm>
-            <a:off x="5580000" y="720000"/>
-            <a:ext cx="1980000" cy="360000"/>
+            <a:off x="7740000" y="4680000"/>
+            <a:ext cx="2159640" cy="359640"/>
           </a:xfrm>
           <a:prstGeom prst="rect">
             <a:avLst/>
           </a:prstGeom>
           <a:solidFill>
-            <a:srgbClr val="5983b0"/>
+            <a:srgbClr val="b4c7dc"/>
           </a:solidFill>
           <a:ln w="0">
             <a:solidFill>
@@ -4034,36 +7037,43 @@
           </a:bodyPr>
           <a:p>
             <a:pPr algn="ctr">
+              <a:lnSpc>
+                <a:spcPct val="100000"/>
+              </a:lnSpc>
               <a:buNone/>
             </a:pPr>
             <a:r>
               <a:rPr b="0" lang="zxx" sz="1800" spc="-1" strike="noStrike">
+                <a:solidFill>
+                  <a:srgbClr val="000000"/>
+                </a:solidFill>
                 <a:latin typeface="Arial"/>
+                <a:ea typeface="DejaVu Sans"/>
               </a:rPr>
-              <a:t>user_instrument</a:t>
-            </a:r>
-            <a:endParaRPr b="0" lang="zxx" sz="1800" spc="-1" strike="noStrike">
-              <a:latin typeface="Arial"/>
-            </a:endParaRPr>
-          </a:p>
-        </p:txBody>
-      </p:sp>
-      <p:sp>
-        <p:nvSpPr>
-          <p:cNvPr id="69" name=""/>
+              <a:t>meta_json_filepath</a:t>
+            </a:r>
+            <a:endParaRPr b="0" lang="fr-CH" sz="1800" spc="-1" strike="noStrike">
+              <a:latin typeface="Arial"/>
+            </a:endParaRPr>
+          </a:p>
+        </p:txBody>
+      </p:sp>
+      <p:sp>
+        <p:nvSpPr>
+          <p:cNvPr id="110" name=""/>
           <p:cNvSpPr/>
           <p:nvPr/>
         </p:nvSpPr>
         <p:spPr>
           <a:xfrm>
-            <a:off x="5580000" y="1080000"/>
-            <a:ext cx="1980000" cy="360000"/>
+            <a:off x="5580000" y="720000"/>
+            <a:ext cx="1979640" cy="359640"/>
           </a:xfrm>
           <a:prstGeom prst="rect">
             <a:avLst/>
           </a:prstGeom>
           <a:solidFill>
-            <a:srgbClr val="b4c7dc"/>
+            <a:srgbClr val="5983b0"/>
           </a:solidFill>
           <a:ln w="0">
             <a:solidFill>
@@ -4083,30 +7093,37 @@
           </a:bodyPr>
           <a:p>
             <a:pPr algn="ctr">
+              <a:lnSpc>
+                <a:spcPct val="100000"/>
+              </a:lnSpc>
               <a:buNone/>
             </a:pPr>
             <a:r>
               <a:rPr b="0" lang="zxx" sz="1800" spc="-1" strike="noStrike">
+                <a:solidFill>
+                  <a:srgbClr val="000000"/>
+                </a:solidFill>
                 <a:latin typeface="Arial"/>
+                <a:ea typeface="DejaVu Sans"/>
               </a:rPr>
-              <a:t>user</a:t>
-            </a:r>
-            <a:endParaRPr b="0" lang="zxx" sz="1800" spc="-1" strike="noStrike">
-              <a:latin typeface="Arial"/>
-            </a:endParaRPr>
-          </a:p>
-        </p:txBody>
-      </p:sp>
-      <p:sp>
-        <p:nvSpPr>
-          <p:cNvPr id="70" name=""/>
+              <a:t>user_instrument</a:t>
+            </a:r>
+            <a:endParaRPr b="0" lang="fr-CH" sz="1800" spc="-1" strike="noStrike">
+              <a:latin typeface="Arial"/>
+            </a:endParaRPr>
+          </a:p>
+        </p:txBody>
+      </p:sp>
+      <p:sp>
+        <p:nvSpPr>
+          <p:cNvPr id="111" name=""/>
           <p:cNvSpPr/>
           <p:nvPr/>
         </p:nvSpPr>
         <p:spPr>
           <a:xfrm>
-            <a:off x="5580000" y="1440000"/>
-            <a:ext cx="1980000" cy="360000"/>
+            <a:off x="5580000" y="1080000"/>
+            <a:ext cx="1979640" cy="359640"/>
           </a:xfrm>
           <a:prstGeom prst="rect">
             <a:avLst/>
@@ -4132,36 +7149,43 @@
           </a:bodyPr>
           <a:p>
             <a:pPr algn="ctr">
+              <a:lnSpc>
+                <a:spcPct val="100000"/>
+              </a:lnSpc>
               <a:buNone/>
             </a:pPr>
             <a:r>
               <a:rPr b="0" lang="zxx" sz="1800" spc="-1" strike="noStrike">
+                <a:solidFill>
+                  <a:srgbClr val="000000"/>
+                </a:solidFill>
                 <a:latin typeface="Arial"/>
+                <a:ea typeface="DejaVu Sans"/>
               </a:rPr>
-              <a:t>instrument</a:t>
-            </a:r>
-            <a:endParaRPr b="0" lang="zxx" sz="1800" spc="-1" strike="noStrike">
-              <a:latin typeface="Arial"/>
-            </a:endParaRPr>
-          </a:p>
-        </p:txBody>
-      </p:sp>
-      <p:sp>
-        <p:nvSpPr>
-          <p:cNvPr id="71" name=""/>
+              <a:t>user</a:t>
+            </a:r>
+            <a:endParaRPr b="0" lang="fr-CH" sz="1800" spc="-1" strike="noStrike">
+              <a:latin typeface="Arial"/>
+            </a:endParaRPr>
+          </a:p>
+        </p:txBody>
+      </p:sp>
+      <p:sp>
+        <p:nvSpPr>
+          <p:cNvPr id="112" name=""/>
           <p:cNvSpPr/>
           <p:nvPr/>
         </p:nvSpPr>
         <p:spPr>
           <a:xfrm>
-            <a:off x="7920000" y="720000"/>
-            <a:ext cx="1980000" cy="360000"/>
+            <a:off x="5580000" y="1440000"/>
+            <a:ext cx="1979640" cy="359640"/>
           </a:xfrm>
           <a:prstGeom prst="rect">
             <a:avLst/>
           </a:prstGeom>
           <a:solidFill>
-            <a:srgbClr val="5983b0"/>
+            <a:srgbClr val="b4c7dc"/>
           </a:solidFill>
           <a:ln w="0">
             <a:solidFill>
@@ -4181,36 +7205,43 @@
           </a:bodyPr>
           <a:p>
             <a:pPr algn="ctr">
+              <a:lnSpc>
+                <a:spcPct val="100000"/>
+              </a:lnSpc>
               <a:buNone/>
             </a:pPr>
             <a:r>
               <a:rPr b="0" lang="zxx" sz="1800" spc="-1" strike="noStrike">
+                <a:solidFill>
+                  <a:srgbClr val="000000"/>
+                </a:solidFill>
                 <a:latin typeface="Arial"/>
+                <a:ea typeface="DejaVu Sans"/>
               </a:rPr>
-              <a:t>user_instrument</a:t>
-            </a:r>
-            <a:endParaRPr b="0" lang="zxx" sz="1800" spc="-1" strike="noStrike">
-              <a:latin typeface="Arial"/>
-            </a:endParaRPr>
-          </a:p>
-        </p:txBody>
-      </p:sp>
-      <p:sp>
-        <p:nvSpPr>
-          <p:cNvPr id="72" name=""/>
+              <a:t>instrument</a:t>
+            </a:r>
+            <a:endParaRPr b="0" lang="fr-CH" sz="1800" spc="-1" strike="noStrike">
+              <a:latin typeface="Arial"/>
+            </a:endParaRPr>
+          </a:p>
+        </p:txBody>
+      </p:sp>
+      <p:sp>
+        <p:nvSpPr>
+          <p:cNvPr id="113" name=""/>
           <p:cNvSpPr/>
           <p:nvPr/>
         </p:nvSpPr>
         <p:spPr>
           <a:xfrm>
-            <a:off x="7920000" y="1080000"/>
-            <a:ext cx="1980000" cy="360000"/>
+            <a:off x="7920000" y="720000"/>
+            <a:ext cx="1979640" cy="359640"/>
           </a:xfrm>
           <a:prstGeom prst="rect">
             <a:avLst/>
           </a:prstGeom>
           <a:solidFill>
-            <a:srgbClr val="b4c7dc"/>
+            <a:srgbClr val="5983b0"/>
           </a:solidFill>
           <a:ln w="0">
             <a:solidFill>
@@ -4230,30 +7261,37 @@
           </a:bodyPr>
           <a:p>
             <a:pPr algn="ctr">
+              <a:lnSpc>
+                <a:spcPct val="100000"/>
+              </a:lnSpc>
               <a:buNone/>
             </a:pPr>
             <a:r>
               <a:rPr b="0" lang="zxx" sz="1800" spc="-1" strike="noStrike">
+                <a:solidFill>
+                  <a:srgbClr val="000000"/>
+                </a:solidFill>
                 <a:latin typeface="Arial"/>
+                <a:ea typeface="DejaVu Sans"/>
               </a:rPr>
-              <a:t>instrument_id</a:t>
-            </a:r>
-            <a:endParaRPr b="0" lang="zxx" sz="1800" spc="-1" strike="noStrike">
-              <a:latin typeface="Arial"/>
-            </a:endParaRPr>
-          </a:p>
-        </p:txBody>
-      </p:sp>
-      <p:sp>
-        <p:nvSpPr>
-          <p:cNvPr id="73" name=""/>
+              <a:t>user_instrument</a:t>
+            </a:r>
+            <a:endParaRPr b="0" lang="fr-CH" sz="1800" spc="-1" strike="noStrike">
+              <a:latin typeface="Arial"/>
+            </a:endParaRPr>
+          </a:p>
+        </p:txBody>
+      </p:sp>
+      <p:sp>
+        <p:nvSpPr>
+          <p:cNvPr id="114" name=""/>
           <p:cNvSpPr/>
           <p:nvPr/>
         </p:nvSpPr>
         <p:spPr>
           <a:xfrm>
-            <a:off x="7920000" y="1440000"/>
-            <a:ext cx="1980000" cy="360000"/>
+            <a:off x="7920000" y="1080000"/>
+            <a:ext cx="1979640" cy="359640"/>
           </a:xfrm>
           <a:prstGeom prst="rect">
             <a:avLst/>
@@ -4279,30 +7317,37 @@
           </a:bodyPr>
           <a:p>
             <a:pPr algn="ctr">
+              <a:lnSpc>
+                <a:spcPct val="100000"/>
+              </a:lnSpc>
               <a:buNone/>
             </a:pPr>
             <a:r>
               <a:rPr b="0" lang="zxx" sz="1800" spc="-1" strike="noStrike">
+                <a:solidFill>
+                  <a:srgbClr val="000000"/>
+                </a:solidFill>
                 <a:latin typeface="Arial"/>
+                <a:ea typeface="DejaVu Sans"/>
               </a:rPr>
-              <a:t>instrument_name</a:t>
-            </a:r>
-            <a:endParaRPr b="0" lang="zxx" sz="1800" spc="-1" strike="noStrike">
-              <a:latin typeface="Arial"/>
-            </a:endParaRPr>
-          </a:p>
-        </p:txBody>
-      </p:sp>
-      <p:sp>
-        <p:nvSpPr>
-          <p:cNvPr id="74" name=""/>
+              <a:t>instrument_id</a:t>
+            </a:r>
+            <a:endParaRPr b="0" lang="fr-CH" sz="1800" spc="-1" strike="noStrike">
+              <a:latin typeface="Arial"/>
+            </a:endParaRPr>
+          </a:p>
+        </p:txBody>
+      </p:sp>
+      <p:sp>
+        <p:nvSpPr>
+          <p:cNvPr id="115" name=""/>
           <p:cNvSpPr/>
           <p:nvPr/>
         </p:nvSpPr>
         <p:spPr>
           <a:xfrm>
-            <a:off x="7920000" y="1800000"/>
-            <a:ext cx="1980000" cy="360000"/>
+            <a:off x="7920000" y="1440000"/>
+            <a:ext cx="1979640" cy="359640"/>
           </a:xfrm>
           <a:prstGeom prst="rect">
             <a:avLst/>
@@ -4328,30 +7373,37 @@
           </a:bodyPr>
           <a:p>
             <a:pPr algn="ctr">
+              <a:lnSpc>
+                <a:spcPct val="100000"/>
+              </a:lnSpc>
               <a:buNone/>
             </a:pPr>
             <a:r>
               <a:rPr b="0" lang="zxx" sz="1800" spc="-1" strike="noStrike">
+                <a:solidFill>
+                  <a:srgbClr val="000000"/>
+                </a:solidFill>
                 <a:latin typeface="Arial"/>
+                <a:ea typeface="DejaVu Sans"/>
               </a:rPr>
-              <a:t>instrument_type</a:t>
-            </a:r>
-            <a:endParaRPr b="0" lang="zxx" sz="1800" spc="-1" strike="noStrike">
-              <a:latin typeface="Arial"/>
-            </a:endParaRPr>
-          </a:p>
-        </p:txBody>
-      </p:sp>
-      <p:sp>
-        <p:nvSpPr>
-          <p:cNvPr id="75" name=""/>
+              <a:t>instrument_name</a:t>
+            </a:r>
+            <a:endParaRPr b="0" lang="fr-CH" sz="1800" spc="-1" strike="noStrike">
+              <a:latin typeface="Arial"/>
+            </a:endParaRPr>
+          </a:p>
+        </p:txBody>
+      </p:sp>
+      <p:sp>
+        <p:nvSpPr>
+          <p:cNvPr id="116" name=""/>
           <p:cNvSpPr/>
           <p:nvPr/>
         </p:nvSpPr>
         <p:spPr>
           <a:xfrm>
-            <a:off x="7920000" y="2160000"/>
-            <a:ext cx="1980000" cy="360000"/>
+            <a:off x="7920000" y="1800000"/>
+            <a:ext cx="1979640" cy="359640"/>
           </a:xfrm>
           <a:prstGeom prst="rect">
             <a:avLst/>
@@ -4377,135 +7429,37 @@
           </a:bodyPr>
           <a:p>
             <a:pPr algn="ctr">
+              <a:lnSpc>
+                <a:spcPct val="100000"/>
+              </a:lnSpc>
               <a:buNone/>
             </a:pPr>
             <a:r>
               <a:rPr b="0" lang="zxx" sz="1800" spc="-1" strike="noStrike">
+                <a:solidFill>
+                  <a:srgbClr val="000000"/>
+                </a:solidFill>
                 <a:latin typeface="Arial"/>
+                <a:ea typeface="DejaVu Sans"/>
               </a:rPr>
-              <a:t>instrument_path</a:t>
-            </a:r>
-            <a:endParaRPr b="0" lang="zxx" sz="1800" spc="-1" strike="noStrike">
-              <a:latin typeface="Arial"/>
-            </a:endParaRPr>
-          </a:p>
-        </p:txBody>
-      </p:sp>
-      <p:cxnSp>
-        <p:nvCxnSpPr>
-          <p:cNvPr id="76" name=""/>
-          <p:cNvCxnSpPr/>
-          <p:nvPr/>
-        </p:nvCxnSpPr>
-        <p:spPr>
-          <a:xfrm>
-            <a:off x="0" y="0"/>
-            <a:ext cx="360" cy="360"/>
-          </a:xfrm>
-          <a:prstGeom prst="line">
-            <a:avLst/>
-          </a:prstGeom>
-          <a:ln w="0">
-            <a:solidFill>
-              <a:srgbClr val="3465a4"/>
-            </a:solidFill>
-          </a:ln>
-        </p:spPr>
-      </p:cxnSp>
-      <p:cxnSp>
-        <p:nvCxnSpPr>
-          <p:cNvPr id="77" name=""/>
-          <p:cNvCxnSpPr/>
-          <p:nvPr/>
-        </p:nvCxnSpPr>
-        <p:spPr>
-          <a:xfrm>
-            <a:off x="0" y="0"/>
-            <a:ext cx="360" cy="360"/>
-          </a:xfrm>
-          <a:prstGeom prst="line">
-            <a:avLst/>
-          </a:prstGeom>
-          <a:ln w="0">
-            <a:solidFill>
-              <a:srgbClr val="3465a4"/>
-            </a:solidFill>
-          </a:ln>
-        </p:spPr>
-      </p:cxnSp>
-      <p:cxnSp>
-        <p:nvCxnSpPr>
-          <p:cNvPr id="78" name=""/>
-          <p:cNvCxnSpPr/>
-          <p:nvPr/>
-        </p:nvCxnSpPr>
-        <p:spPr>
-          <a:xfrm>
-            <a:off x="0" y="0"/>
-            <a:ext cx="360" cy="360"/>
-          </a:xfrm>
-          <a:prstGeom prst="line">
-            <a:avLst/>
-          </a:prstGeom>
-          <a:ln w="0">
-            <a:solidFill>
-              <a:srgbClr val="3465a4"/>
-            </a:solidFill>
-          </a:ln>
-        </p:spPr>
-      </p:cxnSp>
-      <p:cxnSp>
-        <p:nvCxnSpPr>
-          <p:cNvPr id="79" name=""/>
-          <p:cNvCxnSpPr/>
-          <p:nvPr/>
-        </p:nvCxnSpPr>
-        <p:spPr>
-          <a:xfrm>
-            <a:off x="0" y="0"/>
-            <a:ext cx="360" cy="360"/>
-          </a:xfrm>
-          <a:prstGeom prst="line">
-            <a:avLst/>
-          </a:prstGeom>
-          <a:ln w="0">
-            <a:solidFill>
-              <a:srgbClr val="3465a4"/>
-            </a:solidFill>
-          </a:ln>
-        </p:spPr>
-      </p:cxnSp>
-      <p:cxnSp>
-        <p:nvCxnSpPr>
-          <p:cNvPr id="80" name=""/>
-          <p:cNvCxnSpPr/>
-          <p:nvPr/>
-        </p:nvCxnSpPr>
-        <p:spPr>
-          <a:xfrm>
-            <a:off x="0" y="0"/>
-            <a:ext cx="360" cy="360"/>
-          </a:xfrm>
-          <a:prstGeom prst="line">
-            <a:avLst/>
-          </a:prstGeom>
-          <a:ln w="0">
-            <a:solidFill>
-              <a:srgbClr val="3465a4"/>
-            </a:solidFill>
-          </a:ln>
-        </p:spPr>
-      </p:cxnSp>
-      <p:sp>
-        <p:nvSpPr>
-          <p:cNvPr id="81" name=""/>
+              <a:t>instrument_type</a:t>
+            </a:r>
+            <a:endParaRPr b="0" lang="fr-CH" sz="1800" spc="-1" strike="noStrike">
+              <a:latin typeface="Arial"/>
+            </a:endParaRPr>
+          </a:p>
+        </p:txBody>
+      </p:sp>
+      <p:sp>
+        <p:nvSpPr>
+          <p:cNvPr id="117" name=""/>
           <p:cNvSpPr/>
           <p:nvPr/>
         </p:nvSpPr>
         <p:spPr>
           <a:xfrm>
-            <a:off x="3240000" y="4320000"/>
-            <a:ext cx="1980000" cy="360000"/>
+            <a:off x="7920000" y="2160000"/>
+            <a:ext cx="1979640" cy="359640"/>
           </a:xfrm>
           <a:prstGeom prst="rect">
             <a:avLst/>
@@ -4531,37 +7485,41 @@
           </a:bodyPr>
           <a:p>
             <a:pPr algn="ctr">
+              <a:lnSpc>
+                <a:spcPct val="100000"/>
+              </a:lnSpc>
               <a:buNone/>
             </a:pPr>
             <a:r>
               <a:rPr b="0" lang="zxx" sz="1800" spc="-1" strike="noStrike">
+                <a:solidFill>
+                  <a:srgbClr val="000000"/>
+                </a:solidFill>
                 <a:latin typeface="Arial"/>
+                <a:ea typeface="DejaVu Sans"/>
               </a:rPr>
-              <a:t>user</a:t>
-            </a:r>
-            <a:endParaRPr b="0" lang="zxx" sz="1800" spc="-1" strike="noStrike">
-              <a:latin typeface="Arial"/>
-            </a:endParaRPr>
-          </a:p>
-        </p:txBody>
-      </p:sp>
-      <p:sp>
-        <p:nvSpPr>
-          <p:cNvPr id="82" name=""/>
+              <a:t>instrument_path</a:t>
+            </a:r>
+            <a:endParaRPr b="0" lang="fr-CH" sz="1800" spc="-1" strike="noStrike">
+              <a:latin typeface="Arial"/>
+            </a:endParaRPr>
+          </a:p>
+        </p:txBody>
+      </p:sp>
+      <p:sp>
+        <p:nvSpPr>
+          <p:cNvPr id="118" name=""/>
           <p:cNvSpPr/>
           <p:nvPr/>
         </p:nvSpPr>
         <p:spPr>
           <a:xfrm>
-            <a:off x="540000" y="720000"/>
-            <a:ext cx="1980000" cy="360000"/>
-          </a:xfrm>
-          <a:prstGeom prst="rect">
-            <a:avLst/>
-          </a:prstGeom>
-          <a:solidFill>
-            <a:srgbClr val="5983b0"/>
-          </a:solidFill>
+            <a:off x="0" y="0"/>
+            <a:ext cx="360" cy="360"/>
+          </a:xfrm>
+          <a:prstGeom prst="line">
+            <a:avLst/>
+          </a:prstGeom>
           <a:ln w="0">
             <a:solidFill>
               <a:srgbClr val="3465a4"/>
@@ -4574,43 +7532,21 @@
           <a:effectRef idx="0"/>
           <a:fontRef idx="minor"/>
         </p:style>
-        <p:txBody>
-          <a:bodyPr lIns="90000" rIns="90000" tIns="45000" bIns="45000" anchor="ctr">
-            <a:noAutofit/>
-          </a:bodyPr>
-          <a:p>
-            <a:pPr algn="ctr">
-              <a:buNone/>
-            </a:pPr>
-            <a:r>
-              <a:rPr b="0" lang="zxx" sz="1800" spc="-1" strike="noStrike">
-                <a:latin typeface="Arial"/>
-              </a:rPr>
-              <a:t>user_rg</a:t>
-            </a:r>
-            <a:endParaRPr b="0" lang="zxx" sz="1800" spc="-1" strike="noStrike">
-              <a:latin typeface="Arial"/>
-            </a:endParaRPr>
-          </a:p>
-        </p:txBody>
-      </p:sp>
-      <p:sp>
-        <p:nvSpPr>
-          <p:cNvPr id="83" name=""/>
+      </p:sp>
+      <p:sp>
+        <p:nvSpPr>
+          <p:cNvPr id="119" name=""/>
           <p:cNvSpPr/>
           <p:nvPr/>
         </p:nvSpPr>
         <p:spPr>
           <a:xfrm>
-            <a:off x="540000" y="1080000"/>
-            <a:ext cx="1980000" cy="360000"/>
-          </a:xfrm>
-          <a:prstGeom prst="rect">
-            <a:avLst/>
-          </a:prstGeom>
-          <a:solidFill>
-            <a:srgbClr val="b4c7dc"/>
-          </a:solidFill>
+            <a:off x="0" y="0"/>
+            <a:ext cx="360" cy="360"/>
+          </a:xfrm>
+          <a:prstGeom prst="line">
+            <a:avLst/>
+          </a:prstGeom>
           <a:ln w="0">
             <a:solidFill>
               <a:srgbClr val="3465a4"/>
@@ -4623,43 +7559,21 @@
           <a:effectRef idx="0"/>
           <a:fontRef idx="minor"/>
         </p:style>
-        <p:txBody>
-          <a:bodyPr lIns="90000" rIns="90000" tIns="45000" bIns="45000" anchor="ctr">
-            <a:noAutofit/>
-          </a:bodyPr>
-          <a:p>
-            <a:pPr algn="ctr">
-              <a:buNone/>
-            </a:pPr>
-            <a:r>
-              <a:rPr b="0" lang="zxx" sz="1800" spc="-1" strike="noStrike">
-                <a:latin typeface="Arial"/>
-              </a:rPr>
-              <a:t>user</a:t>
-            </a:r>
-            <a:endParaRPr b="0" lang="zxx" sz="1800" spc="-1" strike="noStrike">
-              <a:latin typeface="Arial"/>
-            </a:endParaRPr>
-          </a:p>
-        </p:txBody>
-      </p:sp>
-      <p:sp>
-        <p:nvSpPr>
-          <p:cNvPr id="84" name=""/>
+      </p:sp>
+      <p:sp>
+        <p:nvSpPr>
+          <p:cNvPr id="120" name=""/>
           <p:cNvSpPr/>
           <p:nvPr/>
         </p:nvSpPr>
         <p:spPr>
           <a:xfrm>
-            <a:off x="540000" y="1440000"/>
-            <a:ext cx="1980000" cy="360000"/>
-          </a:xfrm>
-          <a:prstGeom prst="rect">
-            <a:avLst/>
-          </a:prstGeom>
-          <a:solidFill>
-            <a:srgbClr val="b4c7dc"/>
-          </a:solidFill>
+            <a:off x="0" y="0"/>
+            <a:ext cx="360" cy="360"/>
+          </a:xfrm>
+          <a:prstGeom prst="line">
+            <a:avLst/>
+          </a:prstGeom>
           <a:ln w="0">
             <a:solidFill>
               <a:srgbClr val="3465a4"/>
@@ -4672,32 +7586,13 @@
           <a:effectRef idx="0"/>
           <a:fontRef idx="minor"/>
         </p:style>
-        <p:txBody>
-          <a:bodyPr lIns="90000" rIns="90000" tIns="45000" bIns="45000" anchor="ctr">
-            <a:noAutofit/>
-          </a:bodyPr>
-          <a:p>
-            <a:pPr algn="ctr">
-              <a:buNone/>
-            </a:pPr>
-            <a:r>
-              <a:rPr b="0" lang="zxx" sz="1800" spc="-1" strike="noStrike">
-                <a:latin typeface="Arial"/>
-              </a:rPr>
-              <a:t>rg</a:t>
-            </a:r>
-            <a:endParaRPr b="0" lang="zxx" sz="1800" spc="-1" strike="noStrike">
-              <a:latin typeface="Arial"/>
-            </a:endParaRPr>
-          </a:p>
-        </p:txBody>
-      </p:sp>
-      <p:cxnSp>
-        <p:nvCxnSpPr>
-          <p:cNvPr id="85" name=""/>
-          <p:cNvCxnSpPr/>
+      </p:sp>
+      <p:sp>
+        <p:nvSpPr>
+          <p:cNvPr id="121" name=""/>
+          <p:cNvSpPr/>
           <p:nvPr/>
-        </p:nvCxnSpPr>
+        </p:nvSpPr>
         <p:spPr>
           <a:xfrm>
             <a:off x="0" y="0"/>
@@ -4706,30 +7601,6 @@
           <a:prstGeom prst="line">
             <a:avLst/>
           </a:prstGeom>
-          <a:ln w="0">
-            <a:solidFill>
-              <a:srgbClr val="3465a4"/>
-            </a:solidFill>
-          </a:ln>
-        </p:spPr>
-      </p:cxnSp>
-      <p:sp>
-        <p:nvSpPr>
-          <p:cNvPr id="86" name=""/>
-          <p:cNvSpPr/>
-          <p:nvPr/>
-        </p:nvSpPr>
-        <p:spPr>
-          <a:xfrm>
-            <a:off x="5580000" y="2160000"/>
-            <a:ext cx="1980000" cy="360000"/>
-          </a:xfrm>
-          <a:prstGeom prst="rect">
-            <a:avLst/>
-          </a:prstGeom>
-          <a:solidFill>
-            <a:srgbClr val="5983b0"/>
-          </a:solidFill>
           <a:ln w="0">
             <a:solidFill>
               <a:srgbClr val="3465a4"/>
@@ -4742,43 +7613,21 @@
           <a:effectRef idx="0"/>
           <a:fontRef idx="minor"/>
         </p:style>
-        <p:txBody>
-          <a:bodyPr lIns="90000" rIns="90000" tIns="45000" bIns="45000" anchor="ctr">
-            <a:noAutofit/>
-          </a:bodyPr>
-          <a:p>
-            <a:pPr algn="ctr">
-              <a:buNone/>
-            </a:pPr>
-            <a:r>
-              <a:rPr b="0" lang="zxx" sz="1800" spc="-1" strike="noStrike">
-                <a:latin typeface="Arial"/>
-              </a:rPr>
-              <a:t>user_sample</a:t>
-            </a:r>
-            <a:endParaRPr b="0" lang="zxx" sz="1800" spc="-1" strike="noStrike">
-              <a:latin typeface="Arial"/>
-            </a:endParaRPr>
-          </a:p>
-        </p:txBody>
-      </p:sp>
-      <p:sp>
-        <p:nvSpPr>
-          <p:cNvPr id="87" name=""/>
+      </p:sp>
+      <p:sp>
+        <p:nvSpPr>
+          <p:cNvPr id="122" name=""/>
           <p:cNvSpPr/>
           <p:nvPr/>
         </p:nvSpPr>
         <p:spPr>
           <a:xfrm>
-            <a:off x="5580000" y="2520000"/>
-            <a:ext cx="1980000" cy="360000"/>
-          </a:xfrm>
-          <a:prstGeom prst="rect">
-            <a:avLst/>
-          </a:prstGeom>
-          <a:solidFill>
-            <a:srgbClr val="b4c7dc"/>
-          </a:solidFill>
+            <a:off x="0" y="0"/>
+            <a:ext cx="360" cy="360"/>
+          </a:xfrm>
+          <a:prstGeom prst="line">
+            <a:avLst/>
+          </a:prstGeom>
           <a:ln w="0">
             <a:solidFill>
               <a:srgbClr val="3465a4"/>
@@ -4791,36 +7640,17 @@
           <a:effectRef idx="0"/>
           <a:fontRef idx="minor"/>
         </p:style>
-        <p:txBody>
-          <a:bodyPr lIns="90000" rIns="90000" tIns="45000" bIns="45000" anchor="ctr">
-            <a:noAutofit/>
-          </a:bodyPr>
-          <a:p>
-            <a:pPr algn="ctr">
-              <a:buNone/>
-            </a:pPr>
-            <a:r>
-              <a:rPr b="0" lang="zxx" sz="1800" spc="-1" strike="noStrike">
-                <a:latin typeface="Arial"/>
-              </a:rPr>
-              <a:t>user</a:t>
-            </a:r>
-            <a:endParaRPr b="0" lang="zxx" sz="1800" spc="-1" strike="noStrike">
-              <a:latin typeface="Arial"/>
-            </a:endParaRPr>
-          </a:p>
-        </p:txBody>
-      </p:sp>
-      <p:sp>
-        <p:nvSpPr>
-          <p:cNvPr id="88" name=""/>
+      </p:sp>
+      <p:sp>
+        <p:nvSpPr>
+          <p:cNvPr id="123" name=""/>
           <p:cNvSpPr/>
           <p:nvPr/>
         </p:nvSpPr>
         <p:spPr>
           <a:xfrm>
-            <a:off x="5580000" y="2880000"/>
-            <a:ext cx="1980000" cy="360000"/>
+            <a:off x="3240000" y="4320000"/>
+            <a:ext cx="1979640" cy="359640"/>
           </a:xfrm>
           <a:prstGeom prst="rect">
             <a:avLst/>
@@ -4846,78 +7676,43 @@
           </a:bodyPr>
           <a:p>
             <a:pPr algn="ctr">
+              <a:lnSpc>
+                <a:spcPct val="100000"/>
+              </a:lnSpc>
               <a:buNone/>
             </a:pPr>
             <a:r>
               <a:rPr b="0" lang="zxx" sz="1800" spc="-1" strike="noStrike">
+                <a:solidFill>
+                  <a:srgbClr val="000000"/>
+                </a:solidFill>
                 <a:latin typeface="Arial"/>
+                <a:ea typeface="DejaVu Sans"/>
               </a:rPr>
-              <a:t>sample</a:t>
-            </a:r>
-            <a:endParaRPr b="0" lang="zxx" sz="1800" spc="-1" strike="noStrike">
-              <a:latin typeface="Arial"/>
-            </a:endParaRPr>
-          </a:p>
-        </p:txBody>
-      </p:sp>
-      <p:cxnSp>
-        <p:nvCxnSpPr>
-          <p:cNvPr id="89" name=""/>
-          <p:cNvCxnSpPr/>
-          <p:nvPr/>
-        </p:nvCxnSpPr>
-        <p:spPr>
-          <a:xfrm>
-            <a:off x="0" y="0"/>
-            <a:ext cx="360" cy="360"/>
-          </a:xfrm>
-          <a:prstGeom prst="line">
-            <a:avLst/>
-          </a:prstGeom>
-          <a:ln w="0">
-            <a:solidFill>
-              <a:srgbClr val="3465a4"/>
-            </a:solidFill>
-          </a:ln>
-        </p:spPr>
-      </p:cxnSp>
-      <p:cxnSp>
-        <p:nvCxnSpPr>
-          <p:cNvPr id="90" name=""/>
-          <p:cNvCxnSpPr/>
-          <p:nvPr/>
-        </p:nvCxnSpPr>
-        <p:spPr>
-          <a:xfrm>
-            <a:off x="0" y="0"/>
-            <a:ext cx="360" cy="360"/>
-          </a:xfrm>
-          <a:prstGeom prst="line">
-            <a:avLst/>
-          </a:prstGeom>
-          <a:ln w="0">
-            <a:solidFill>
-              <a:srgbClr val="3465a4"/>
-            </a:solidFill>
-          </a:ln>
-        </p:spPr>
-      </p:cxnSp>
-      <p:sp>
-        <p:nvSpPr>
-          <p:cNvPr id="91" name=""/>
+              <a:t>user</a:t>
+            </a:r>
+            <a:endParaRPr b="0" lang="fr-CH" sz="1800" spc="-1" strike="noStrike">
+              <a:latin typeface="Arial"/>
+            </a:endParaRPr>
+          </a:p>
+        </p:txBody>
+      </p:sp>
+      <p:sp>
+        <p:nvSpPr>
+          <p:cNvPr id="124" name=""/>
           <p:cNvSpPr/>
           <p:nvPr/>
         </p:nvSpPr>
         <p:spPr>
           <a:xfrm>
-            <a:off x="7920000" y="2520000"/>
-            <a:ext cx="1980000" cy="360000"/>
+            <a:off x="540000" y="720000"/>
+            <a:ext cx="1979640" cy="359640"/>
           </a:xfrm>
           <a:prstGeom prst="rect">
             <a:avLst/>
           </a:prstGeom>
           <a:solidFill>
-            <a:srgbClr val="b4c7dc"/>
+            <a:srgbClr val="5983b0"/>
           </a:solidFill>
           <a:ln w="0">
             <a:solidFill>
@@ -4937,15 +7732,439 @@
           </a:bodyPr>
           <a:p>
             <a:pPr algn="ctr">
+              <a:lnSpc>
+                <a:spcPct val="100000"/>
+              </a:lnSpc>
               <a:buNone/>
             </a:pPr>
             <a:r>
               <a:rPr b="0" lang="zxx" sz="1800" spc="-1" strike="noStrike">
+                <a:solidFill>
+                  <a:srgbClr val="000000"/>
+                </a:solidFill>
                 <a:latin typeface="Arial"/>
+                <a:ea typeface="DejaVu Sans"/>
+              </a:rPr>
+              <a:t>user_rg</a:t>
+            </a:r>
+            <a:endParaRPr b="0" lang="fr-CH" sz="1800" spc="-1" strike="noStrike">
+              <a:latin typeface="Arial"/>
+            </a:endParaRPr>
+          </a:p>
+        </p:txBody>
+      </p:sp>
+      <p:sp>
+        <p:nvSpPr>
+          <p:cNvPr id="125" name=""/>
+          <p:cNvSpPr/>
+          <p:nvPr/>
+        </p:nvSpPr>
+        <p:spPr>
+          <a:xfrm>
+            <a:off x="540000" y="1080000"/>
+            <a:ext cx="1979640" cy="359640"/>
+          </a:xfrm>
+          <a:prstGeom prst="rect">
+            <a:avLst/>
+          </a:prstGeom>
+          <a:solidFill>
+            <a:srgbClr val="b4c7dc"/>
+          </a:solidFill>
+          <a:ln w="0">
+            <a:solidFill>
+              <a:srgbClr val="3465a4"/>
+            </a:solidFill>
+          </a:ln>
+        </p:spPr>
+        <p:style>
+          <a:lnRef idx="0"/>
+          <a:fillRef idx="0"/>
+          <a:effectRef idx="0"/>
+          <a:fontRef idx="minor"/>
+        </p:style>
+        <p:txBody>
+          <a:bodyPr lIns="90000" rIns="90000" tIns="45000" bIns="45000" anchor="ctr">
+            <a:noAutofit/>
+          </a:bodyPr>
+          <a:p>
+            <a:pPr algn="ctr">
+              <a:lnSpc>
+                <a:spcPct val="100000"/>
+              </a:lnSpc>
+              <a:buNone/>
+            </a:pPr>
+            <a:r>
+              <a:rPr b="0" lang="zxx" sz="1800" spc="-1" strike="noStrike">
+                <a:solidFill>
+                  <a:srgbClr val="000000"/>
+                </a:solidFill>
+                <a:latin typeface="Arial"/>
+                <a:ea typeface="DejaVu Sans"/>
+              </a:rPr>
+              <a:t>user</a:t>
+            </a:r>
+            <a:endParaRPr b="0" lang="fr-CH" sz="1800" spc="-1" strike="noStrike">
+              <a:latin typeface="Arial"/>
+            </a:endParaRPr>
+          </a:p>
+        </p:txBody>
+      </p:sp>
+      <p:sp>
+        <p:nvSpPr>
+          <p:cNvPr id="126" name=""/>
+          <p:cNvSpPr/>
+          <p:nvPr/>
+        </p:nvSpPr>
+        <p:spPr>
+          <a:xfrm>
+            <a:off x="540000" y="1440000"/>
+            <a:ext cx="1979640" cy="359640"/>
+          </a:xfrm>
+          <a:prstGeom prst="rect">
+            <a:avLst/>
+          </a:prstGeom>
+          <a:solidFill>
+            <a:srgbClr val="b4c7dc"/>
+          </a:solidFill>
+          <a:ln w="0">
+            <a:solidFill>
+              <a:srgbClr val="3465a4"/>
+            </a:solidFill>
+          </a:ln>
+        </p:spPr>
+        <p:style>
+          <a:lnRef idx="0"/>
+          <a:fillRef idx="0"/>
+          <a:effectRef idx="0"/>
+          <a:fontRef idx="minor"/>
+        </p:style>
+        <p:txBody>
+          <a:bodyPr lIns="90000" rIns="90000" tIns="45000" bIns="45000" anchor="ctr">
+            <a:noAutofit/>
+          </a:bodyPr>
+          <a:p>
+            <a:pPr algn="ctr">
+              <a:lnSpc>
+                <a:spcPct val="100000"/>
+              </a:lnSpc>
+              <a:buNone/>
+            </a:pPr>
+            <a:r>
+              <a:rPr b="0" lang="zxx" sz="1800" spc="-1" strike="noStrike">
+                <a:solidFill>
+                  <a:srgbClr val="000000"/>
+                </a:solidFill>
+                <a:latin typeface="Arial"/>
+                <a:ea typeface="DejaVu Sans"/>
+              </a:rPr>
+              <a:t>rg</a:t>
+            </a:r>
+            <a:endParaRPr b="0" lang="fr-CH" sz="1800" spc="-1" strike="noStrike">
+              <a:latin typeface="Arial"/>
+            </a:endParaRPr>
+          </a:p>
+        </p:txBody>
+      </p:sp>
+      <p:sp>
+        <p:nvSpPr>
+          <p:cNvPr id="127" name=""/>
+          <p:cNvSpPr/>
+          <p:nvPr/>
+        </p:nvSpPr>
+        <p:spPr>
+          <a:xfrm>
+            <a:off x="0" y="0"/>
+            <a:ext cx="360" cy="360"/>
+          </a:xfrm>
+          <a:prstGeom prst="line">
+            <a:avLst/>
+          </a:prstGeom>
+          <a:ln w="0">
+            <a:solidFill>
+              <a:srgbClr val="3465a4"/>
+            </a:solidFill>
+          </a:ln>
+        </p:spPr>
+        <p:style>
+          <a:lnRef idx="0"/>
+          <a:fillRef idx="0"/>
+          <a:effectRef idx="0"/>
+          <a:fontRef idx="minor"/>
+        </p:style>
+      </p:sp>
+      <p:sp>
+        <p:nvSpPr>
+          <p:cNvPr id="128" name=""/>
+          <p:cNvSpPr/>
+          <p:nvPr/>
+        </p:nvSpPr>
+        <p:spPr>
+          <a:xfrm>
+            <a:off x="5580000" y="2160000"/>
+            <a:ext cx="1979640" cy="359640"/>
+          </a:xfrm>
+          <a:prstGeom prst="rect">
+            <a:avLst/>
+          </a:prstGeom>
+          <a:solidFill>
+            <a:srgbClr val="5983b0"/>
+          </a:solidFill>
+          <a:ln w="0">
+            <a:solidFill>
+              <a:srgbClr val="3465a4"/>
+            </a:solidFill>
+          </a:ln>
+        </p:spPr>
+        <p:style>
+          <a:lnRef idx="0"/>
+          <a:fillRef idx="0"/>
+          <a:effectRef idx="0"/>
+          <a:fontRef idx="minor"/>
+        </p:style>
+        <p:txBody>
+          <a:bodyPr lIns="90000" rIns="90000" tIns="45000" bIns="45000" anchor="ctr">
+            <a:noAutofit/>
+          </a:bodyPr>
+          <a:p>
+            <a:pPr algn="ctr">
+              <a:lnSpc>
+                <a:spcPct val="100000"/>
+              </a:lnSpc>
+              <a:buNone/>
+            </a:pPr>
+            <a:r>
+              <a:rPr b="0" lang="zxx" sz="1800" spc="-1" strike="noStrike">
+                <a:solidFill>
+                  <a:srgbClr val="000000"/>
+                </a:solidFill>
+                <a:latin typeface="Arial"/>
+                <a:ea typeface="DejaVu Sans"/>
+              </a:rPr>
+              <a:t>user_sample</a:t>
+            </a:r>
+            <a:endParaRPr b="0" lang="fr-CH" sz="1800" spc="-1" strike="noStrike">
+              <a:latin typeface="Arial"/>
+            </a:endParaRPr>
+          </a:p>
+        </p:txBody>
+      </p:sp>
+      <p:sp>
+        <p:nvSpPr>
+          <p:cNvPr id="129" name=""/>
+          <p:cNvSpPr/>
+          <p:nvPr/>
+        </p:nvSpPr>
+        <p:spPr>
+          <a:xfrm>
+            <a:off x="5580000" y="2520000"/>
+            <a:ext cx="1979640" cy="359640"/>
+          </a:xfrm>
+          <a:prstGeom prst="rect">
+            <a:avLst/>
+          </a:prstGeom>
+          <a:solidFill>
+            <a:srgbClr val="b4c7dc"/>
+          </a:solidFill>
+          <a:ln w="0">
+            <a:solidFill>
+              <a:srgbClr val="3465a4"/>
+            </a:solidFill>
+          </a:ln>
+        </p:spPr>
+        <p:style>
+          <a:lnRef idx="0"/>
+          <a:fillRef idx="0"/>
+          <a:effectRef idx="0"/>
+          <a:fontRef idx="minor"/>
+        </p:style>
+        <p:txBody>
+          <a:bodyPr lIns="90000" rIns="90000" tIns="45000" bIns="45000" anchor="ctr">
+            <a:noAutofit/>
+          </a:bodyPr>
+          <a:p>
+            <a:pPr algn="ctr">
+              <a:lnSpc>
+                <a:spcPct val="100000"/>
+              </a:lnSpc>
+              <a:buNone/>
+            </a:pPr>
+            <a:r>
+              <a:rPr b="0" lang="zxx" sz="1800" spc="-1" strike="noStrike">
+                <a:solidFill>
+                  <a:srgbClr val="000000"/>
+                </a:solidFill>
+                <a:latin typeface="Arial"/>
+                <a:ea typeface="DejaVu Sans"/>
+              </a:rPr>
+              <a:t>user</a:t>
+            </a:r>
+            <a:endParaRPr b="0" lang="fr-CH" sz="1800" spc="-1" strike="noStrike">
+              <a:latin typeface="Arial"/>
+            </a:endParaRPr>
+          </a:p>
+        </p:txBody>
+      </p:sp>
+      <p:sp>
+        <p:nvSpPr>
+          <p:cNvPr id="130" name=""/>
+          <p:cNvSpPr/>
+          <p:nvPr/>
+        </p:nvSpPr>
+        <p:spPr>
+          <a:xfrm>
+            <a:off x="5580000" y="2880000"/>
+            <a:ext cx="1979640" cy="359640"/>
+          </a:xfrm>
+          <a:prstGeom prst="rect">
+            <a:avLst/>
+          </a:prstGeom>
+          <a:solidFill>
+            <a:srgbClr val="b4c7dc"/>
+          </a:solidFill>
+          <a:ln w="0">
+            <a:solidFill>
+              <a:srgbClr val="3465a4"/>
+            </a:solidFill>
+          </a:ln>
+        </p:spPr>
+        <p:style>
+          <a:lnRef idx="0"/>
+          <a:fillRef idx="0"/>
+          <a:effectRef idx="0"/>
+          <a:fontRef idx="minor"/>
+        </p:style>
+        <p:txBody>
+          <a:bodyPr lIns="90000" rIns="90000" tIns="45000" bIns="45000" anchor="ctr">
+            <a:noAutofit/>
+          </a:bodyPr>
+          <a:p>
+            <a:pPr algn="ctr">
+              <a:lnSpc>
+                <a:spcPct val="100000"/>
+              </a:lnSpc>
+              <a:buNone/>
+            </a:pPr>
+            <a:r>
+              <a:rPr b="0" lang="zxx" sz="1800" spc="-1" strike="noStrike">
+                <a:solidFill>
+                  <a:srgbClr val="000000"/>
+                </a:solidFill>
+                <a:latin typeface="Arial"/>
+                <a:ea typeface="DejaVu Sans"/>
+              </a:rPr>
+              <a:t>sample</a:t>
+            </a:r>
+            <a:endParaRPr b="0" lang="fr-CH" sz="1800" spc="-1" strike="noStrike">
+              <a:latin typeface="Arial"/>
+            </a:endParaRPr>
+          </a:p>
+        </p:txBody>
+      </p:sp>
+      <p:sp>
+        <p:nvSpPr>
+          <p:cNvPr id="131" name=""/>
+          <p:cNvSpPr/>
+          <p:nvPr/>
+        </p:nvSpPr>
+        <p:spPr>
+          <a:xfrm>
+            <a:off x="0" y="0"/>
+            <a:ext cx="360" cy="360"/>
+          </a:xfrm>
+          <a:prstGeom prst="line">
+            <a:avLst/>
+          </a:prstGeom>
+          <a:ln w="0">
+            <a:solidFill>
+              <a:srgbClr val="3465a4"/>
+            </a:solidFill>
+          </a:ln>
+        </p:spPr>
+        <p:style>
+          <a:lnRef idx="0"/>
+          <a:fillRef idx="0"/>
+          <a:effectRef idx="0"/>
+          <a:fontRef idx="minor"/>
+        </p:style>
+      </p:sp>
+      <p:sp>
+        <p:nvSpPr>
+          <p:cNvPr id="132" name=""/>
+          <p:cNvSpPr/>
+          <p:nvPr/>
+        </p:nvSpPr>
+        <p:spPr>
+          <a:xfrm>
+            <a:off x="0" y="0"/>
+            <a:ext cx="360" cy="360"/>
+          </a:xfrm>
+          <a:prstGeom prst="line">
+            <a:avLst/>
+          </a:prstGeom>
+          <a:ln w="0">
+            <a:solidFill>
+              <a:srgbClr val="3465a4"/>
+            </a:solidFill>
+          </a:ln>
+        </p:spPr>
+        <p:style>
+          <a:lnRef idx="0"/>
+          <a:fillRef idx="0"/>
+          <a:effectRef idx="0"/>
+          <a:fontRef idx="minor"/>
+        </p:style>
+      </p:sp>
+      <p:sp>
+        <p:nvSpPr>
+          <p:cNvPr id="133" name=""/>
+          <p:cNvSpPr/>
+          <p:nvPr/>
+        </p:nvSpPr>
+        <p:spPr>
+          <a:xfrm>
+            <a:off x="7920000" y="2520000"/>
+            <a:ext cx="1979640" cy="359640"/>
+          </a:xfrm>
+          <a:prstGeom prst="rect">
+            <a:avLst/>
+          </a:prstGeom>
+          <a:solidFill>
+            <a:srgbClr val="b4c7dc"/>
+          </a:solidFill>
+          <a:ln w="0">
+            <a:solidFill>
+              <a:srgbClr val="3465a4"/>
+            </a:solidFill>
+          </a:ln>
+        </p:spPr>
+        <p:style>
+          <a:lnRef idx="0"/>
+          <a:fillRef idx="0"/>
+          <a:effectRef idx="0"/>
+          <a:fontRef idx="minor"/>
+        </p:style>
+        <p:txBody>
+          <a:bodyPr lIns="90000" rIns="90000" tIns="45000" bIns="45000" anchor="ctr">
+            <a:noAutofit/>
+          </a:bodyPr>
+          <a:p>
+            <a:pPr algn="ctr">
+              <a:lnSpc>
+                <a:spcPct val="100000"/>
+              </a:lnSpc>
+              <a:buNone/>
+            </a:pPr>
+            <a:r>
+              <a:rPr b="0" lang="zxx" sz="1800" spc="-1" strike="noStrike">
+                <a:solidFill>
+                  <a:srgbClr val="000000"/>
+                </a:solidFill>
+                <a:latin typeface="Arial"/>
+                <a:ea typeface="DejaVu Sans"/>
               </a:rPr>
               <a:t>observation_type</a:t>
             </a:r>
-            <a:endParaRPr b="0" lang="zxx" sz="1800" spc="-1" strike="noStrike">
+            <a:endParaRPr b="0" lang="fr-CH" sz="1800" spc="-1" strike="noStrike">
               <a:latin typeface="Arial"/>
             </a:endParaRPr>
           </a:p>
@@ -4983,14 +8202,14 @@
       </p:grpSpPr>
       <p:sp>
         <p:nvSpPr>
-          <p:cNvPr id="92" name=""/>
-          <p:cNvSpPr txBox="1"/>
+          <p:cNvPr id="134" name=""/>
+          <p:cNvSpPr/>
           <p:nvPr/>
         </p:nvSpPr>
         <p:spPr>
           <a:xfrm>
             <a:off x="180000" y="180000"/>
-            <a:ext cx="2856960" cy="346320"/>
+            <a:ext cx="2856600" cy="345960"/>
           </a:xfrm>
           <a:prstGeom prst="rect">
             <a:avLst/>
@@ -5000,33 +8219,45 @@
             <a:noFill/>
           </a:ln>
         </p:spPr>
+        <p:style>
+          <a:lnRef idx="0"/>
+          <a:fillRef idx="0"/>
+          <a:effectRef idx="0"/>
+          <a:fontRef idx="minor"/>
+        </p:style>
         <p:txBody>
           <a:bodyPr lIns="90000" rIns="90000" tIns="45000" bIns="45000" anchor="t">
             <a:noAutofit/>
           </a:bodyPr>
           <a:p>
+            <a:pPr>
+              <a:lnSpc>
+                <a:spcPct val="100000"/>
+              </a:lnSpc>
+              <a:buNone/>
+            </a:pPr>
             <a:r>
               <a:rPr b="0" lang="zxx" sz="1800" spc="-1" strike="noStrike">
                 <a:latin typeface="Arial"/>
               </a:rPr>
               <a:t>meta_json schematic V0.1</a:t>
             </a:r>
-            <a:endParaRPr b="0" lang="zxx" sz="1800" spc="-1" strike="noStrike">
-              <a:latin typeface="Arial"/>
-            </a:endParaRPr>
-          </a:p>
-        </p:txBody>
-      </p:sp>
-      <p:sp>
-        <p:nvSpPr>
-          <p:cNvPr id="93" name=""/>
-          <p:cNvSpPr txBox="1"/>
+            <a:endParaRPr b="0" lang="fr-CH" sz="1800" spc="-1" strike="noStrike">
+              <a:latin typeface="Arial"/>
+            </a:endParaRPr>
+          </a:p>
+        </p:txBody>
+      </p:sp>
+      <p:sp>
+        <p:nvSpPr>
+          <p:cNvPr id="135" name=""/>
+          <p:cNvSpPr/>
           <p:nvPr/>
         </p:nvSpPr>
         <p:spPr>
           <a:xfrm>
             <a:off x="180000" y="876960"/>
-            <a:ext cx="9522720" cy="1370160"/>
+            <a:ext cx="9522360" cy="1369800"/>
           </a:xfrm>
           <a:prstGeom prst="rect">
             <a:avLst/>
@@ -5036,38 +8267,68 @@
             <a:noFill/>
           </a:ln>
         </p:spPr>
+        <p:style>
+          <a:lnRef idx="0"/>
+          <a:fillRef idx="0"/>
+          <a:effectRef idx="0"/>
+          <a:fontRef idx="minor"/>
+        </p:style>
         <p:txBody>
           <a:bodyPr lIns="90000" rIns="90000" tIns="45000" bIns="45000" anchor="t">
             <a:noAutofit/>
           </a:bodyPr>
           <a:p>
+            <a:pPr>
+              <a:lnSpc>
+                <a:spcPct val="100000"/>
+              </a:lnSpc>
+              <a:buNone/>
+            </a:pPr>
             <a:r>
               <a:rPr b="0" lang="zxx" sz="1800" spc="-1" strike="noStrike">
                 <a:latin typeface="Arial"/>
               </a:rPr>
               <a:t>{"meta_json_name": "some-name.json", "name", "description",</a:t>
             </a:r>
-            <a:endParaRPr b="0" lang="zxx" sz="1800" spc="-1" strike="noStrike">
-              <a:latin typeface="Arial"/>
-            </a:endParaRPr>
-          </a:p>
-          <a:p>
-            <a:endParaRPr b="0" lang="zxx" sz="1800" spc="-1" strike="noStrike">
-              <a:latin typeface="Arial"/>
-            </a:endParaRPr>
-          </a:p>
-          <a:p>
+            <a:endParaRPr b="0" lang="fr-CH" sz="1800" spc="-1" strike="noStrike">
+              <a:latin typeface="Arial"/>
+            </a:endParaRPr>
+          </a:p>
+          <a:p>
+            <a:pPr>
+              <a:lnSpc>
+                <a:spcPct val="100000"/>
+              </a:lnSpc>
+              <a:buNone/>
+            </a:pPr>
+            <a:endParaRPr b="0" lang="fr-CH" sz="1800" spc="-1" strike="noStrike">
+              <a:latin typeface="Arial"/>
+            </a:endParaRPr>
+          </a:p>
+          <a:p>
+            <a:pPr>
+              <a:lnSpc>
+                <a:spcPct val="100000"/>
+              </a:lnSpc>
+              <a:buNone/>
+            </a:pPr>
             <a:r>
               <a:rPr b="0" lang="zxx" sz="1800" spc="-1" strike="noStrike">
                 <a:latin typeface="Arial"/>
               </a:rPr>
               <a:t>"observation_1": {"@type": "Dataset", "timeCreated": "20241115_110527", "instrument_type",</a:t>
             </a:r>
-            <a:endParaRPr b="0" lang="zxx" sz="1800" spc="-1" strike="noStrike">
-              <a:latin typeface="Arial"/>
-            </a:endParaRPr>
-          </a:p>
-          <a:p>
+            <a:endParaRPr b="0" lang="fr-CH" sz="1800" spc="-1" strike="noStrike">
+              <a:latin typeface="Arial"/>
+            </a:endParaRPr>
+          </a:p>
+          <a:p>
+            <a:pPr>
+              <a:lnSpc>
+                <a:spcPct val="100000"/>
+              </a:lnSpc>
+              <a:buNone/>
+            </a:pPr>
             <a:r>
               <a:rPr b="0" lang="zxx" sz="1800" spc="-1" strike="noStrike">
                 <a:latin typeface="Arial"/>
@@ -5098,33 +8359,39 @@
               </a:rPr>
               <a:t>"operator", "observation_filename", "sample", "meta_tag_1", etc...}</a:t>
             </a:r>
-            <a:endParaRPr b="0" lang="zxx" sz="1800" spc="-1" strike="noStrike">
-              <a:latin typeface="Arial"/>
-            </a:endParaRPr>
-          </a:p>
-          <a:p>
+            <a:endParaRPr b="0" lang="fr-CH" sz="1800" spc="-1" strike="noStrike">
+              <a:latin typeface="Arial"/>
+            </a:endParaRPr>
+          </a:p>
+          <a:p>
+            <a:pPr>
+              <a:lnSpc>
+                <a:spcPct val="100000"/>
+              </a:lnSpc>
+              <a:buNone/>
+            </a:pPr>
             <a:r>
               <a:rPr b="0" lang="zxx" sz="1800" spc="-1" strike="noStrike">
                 <a:latin typeface="Arial"/>
               </a:rPr>
               <a:t>}</a:t>
             </a:r>
-            <a:endParaRPr b="0" lang="zxx" sz="1800" spc="-1" strike="noStrike">
-              <a:latin typeface="Arial"/>
-            </a:endParaRPr>
-          </a:p>
-        </p:txBody>
-      </p:sp>
-      <p:sp>
-        <p:nvSpPr>
-          <p:cNvPr id="94" name=""/>
-          <p:cNvSpPr txBox="1"/>
+            <a:endParaRPr b="0" lang="fr-CH" sz="1800" spc="-1" strike="noStrike">
+              <a:latin typeface="Arial"/>
+            </a:endParaRPr>
+          </a:p>
+        </p:txBody>
+      </p:sp>
+      <p:sp>
+        <p:nvSpPr>
+          <p:cNvPr id="136" name=""/>
+          <p:cNvSpPr/>
           <p:nvPr/>
         </p:nvSpPr>
         <p:spPr>
           <a:xfrm>
             <a:off x="360000" y="2814480"/>
-            <a:ext cx="8677080" cy="346320"/>
+            <a:ext cx="8676720" cy="345960"/>
           </a:xfrm>
           <a:prstGeom prst="rect">
             <a:avLst/>
@@ -5134,76 +8401,28 @@
             <a:noFill/>
           </a:ln>
         </p:spPr>
+        <p:style>
+          <a:lnRef idx="0"/>
+          <a:fillRef idx="0"/>
+          <a:effectRef idx="0"/>
+          <a:fontRef idx="minor"/>
+        </p:style>
         <p:txBody>
           <a:bodyPr lIns="90000" rIns="90000" tIns="45000" bIns="45000" anchor="t">
             <a:noAutofit/>
           </a:bodyPr>
           <a:p>
+            <a:pPr>
+              <a:lnSpc>
+                <a:spcPct val="100000"/>
+              </a:lnSpc>
+              <a:buNone/>
+            </a:pPr>
             <a:r>
               <a:rPr b="0" lang="fr-CH" sz="1800" spc="-1" strike="noStrike">
                 <a:latin typeface="Arial"/>
               </a:rPr>
-              <a:t>Observa</a:t>
-            </a:r>
-            <a:r>
-              <a:rPr b="0" lang="fr-CH" sz="1800" spc="-1" strike="noStrike">
-                <a:latin typeface="Arial"/>
-              </a:rPr>
-              <a:t>tion </a:t>
-            </a:r>
-            <a:r>
-              <a:rPr b="0" lang="fr-CH" sz="1800" spc="-1" strike="noStrike">
-                <a:latin typeface="Arial"/>
-              </a:rPr>
-              <a:t>filename </a:t>
-            </a:r>
-            <a:r>
-              <a:rPr b="0" lang="fr-CH" sz="1800" spc="-1" strike="noStrike">
-                <a:latin typeface="Arial"/>
-              </a:rPr>
-              <a:t>format : </a:t>
-            </a:r>
-            <a:r>
-              <a:rPr b="0" lang="fr-CH" sz="1800" spc="-1" strike="noStrike">
-                <a:latin typeface="Arial"/>
-              </a:rPr>
-              <a:t>yyyymm</a:t>
-            </a:r>
-            <a:r>
-              <a:rPr b="0" lang="fr-CH" sz="1800" spc="-1" strike="noStrike">
-                <a:latin typeface="Arial"/>
-              </a:rPr>
-              <a:t>dd_hhm</a:t>
-            </a:r>
-            <a:r>
-              <a:rPr b="0" lang="fr-CH" sz="1800" spc="-1" strike="noStrike">
-                <a:latin typeface="Arial"/>
-              </a:rPr>
-              <a:t>mss_sa</a:t>
-            </a:r>
-            <a:r>
-              <a:rPr b="0" lang="fr-CH" sz="1800" spc="-1" strike="noStrike">
-                <a:latin typeface="Arial"/>
-              </a:rPr>
-              <a:t>mple_op</a:t>
-            </a:r>
-            <a:r>
-              <a:rPr b="0" lang="fr-CH" sz="1800" spc="-1" strike="noStrike">
-                <a:latin typeface="Arial"/>
-              </a:rPr>
-              <a:t>erator_r</a:t>
-            </a:r>
-            <a:r>
-              <a:rPr b="0" lang="fr-CH" sz="1800" spc="-1" strike="noStrike">
-                <a:latin typeface="Arial"/>
-              </a:rPr>
-              <a:t>g_instru</a:t>
-            </a:r>
-            <a:r>
-              <a:rPr b="0" lang="fr-CH" sz="1800" spc="-1" strike="noStrike">
-                <a:latin typeface="Arial"/>
-              </a:rPr>
-              <a:t>ment</a:t>
+              <a:t>Observation filename format : yyyymmdd_hhmmss_sample_operator_rg_instrument</a:t>
             </a:r>
             <a:endParaRPr b="0" lang="fr-CH" sz="1800" spc="-1" strike="noStrike">
               <a:latin typeface="Arial"/>
@@ -5448,4 +8667,230 @@
     </a:fmtScheme>
   </a:themeElements>
 </a:theme>
+</file>
+
+<file path=ppt/theme/theme2.xml><?xml version="1.0" encoding="utf-8"?>
+<a:theme xmlns:a="http://schemas.openxmlformats.org/drawingml/2006/main" name="Office Theme">
+  <a:themeElements>
+    <a:clrScheme name="Office">
+      <a:dk1>
+        <a:sysClr val="windowText" lastClr="000000"/>
+      </a:dk1>
+      <a:lt1>
+        <a:sysClr val="window" lastClr="FFFFFF"/>
+      </a:lt1>
+      <a:dk2>
+        <a:srgbClr val="1f497d"/>
+      </a:dk2>
+      <a:lt2>
+        <a:srgbClr val="eeece1"/>
+      </a:lt2>
+      <a:accent1>
+        <a:srgbClr val="4f81bd"/>
+      </a:accent1>
+      <a:accent2>
+        <a:srgbClr val="c0504d"/>
+      </a:accent2>
+      <a:accent3>
+        <a:srgbClr val="9bbb59"/>
+      </a:accent3>
+      <a:accent4>
+        <a:srgbClr val="8064a2"/>
+      </a:accent4>
+      <a:accent5>
+        <a:srgbClr val="4bacc6"/>
+      </a:accent5>
+      <a:accent6>
+        <a:srgbClr val="f79646"/>
+      </a:accent6>
+      <a:hlink>
+        <a:srgbClr val="0000ff"/>
+      </a:hlink>
+      <a:folHlink>
+        <a:srgbClr val="800080"/>
+      </a:folHlink>
+    </a:clrScheme>
+    <a:fontScheme name="Office">
+      <a:majorFont>
+        <a:latin typeface="Arial"/>
+        <a:ea typeface="DejaVu Sans"/>
+        <a:cs typeface="DejaVu Sans"/>
+      </a:majorFont>
+      <a:minorFont>
+        <a:latin typeface="Arial"/>
+        <a:ea typeface="DejaVu Sans"/>
+        <a:cs typeface="DejaVu Sans"/>
+      </a:minorFont>
+    </a:fontScheme>
+    <a:fmtScheme name="Office">
+      <a:fillStyleLst>
+        <a:solidFill>
+          <a:schemeClr val="phClr"/>
+        </a:solidFill>
+        <a:gradFill rotWithShape="1">
+          <a:gsLst>
+            <a:gs pos="0">
+              <a:schemeClr val="phClr">
+                <a:tint val="50000"/>
+                <a:satMod val="300000"/>
+              </a:schemeClr>
+            </a:gs>
+            <a:gs pos="35000">
+              <a:schemeClr val="phClr">
+                <a:tint val="37000"/>
+                <a:satMod val="300000"/>
+              </a:schemeClr>
+            </a:gs>
+            <a:gs pos="100000">
+              <a:schemeClr val="phClr">
+                <a:tint val="15000"/>
+                <a:satMod val="350000"/>
+              </a:schemeClr>
+            </a:gs>
+          </a:gsLst>
+          <a:lin ang="16200000" scaled="1"/>
+        </a:gradFill>
+        <a:gradFill rotWithShape="1">
+          <a:gsLst>
+            <a:gs pos="0">
+              <a:schemeClr val="phClr">
+                <a:shade val="51000"/>
+                <a:satMod val="130000"/>
+              </a:schemeClr>
+            </a:gs>
+            <a:gs pos="80000">
+              <a:schemeClr val="phClr">
+                <a:shade val="93000"/>
+                <a:satMod val="130000"/>
+              </a:schemeClr>
+            </a:gs>
+            <a:gs pos="100000">
+              <a:schemeClr val="phClr">
+                <a:shade val="94000"/>
+                <a:satMod val="135000"/>
+              </a:schemeClr>
+            </a:gs>
+          </a:gsLst>
+          <a:lin ang="16200000" scaled="0"/>
+        </a:gradFill>
+      </a:fillStyleLst>
+      <a:lnStyleLst>
+        <a:ln w="9525" cap="flat" cmpd="sng" algn="ctr">
+          <a:solidFill>
+            <a:schemeClr val="phClr">
+              <a:shade val="95000"/>
+              <a:satMod val="105000"/>
+            </a:schemeClr>
+          </a:solidFill>
+          <a:prstDash val="solid"/>
+          <a:miter/>
+        </a:ln>
+        <a:ln w="25400" cap="flat" cmpd="sng" algn="ctr">
+          <a:solidFill>
+            <a:schemeClr val="phClr"/>
+          </a:solidFill>
+          <a:prstDash val="solid"/>
+          <a:miter/>
+        </a:ln>
+        <a:ln w="38100" cap="flat" cmpd="sng" algn="ctr">
+          <a:solidFill>
+            <a:schemeClr val="phClr"/>
+          </a:solidFill>
+          <a:prstDash val="solid"/>
+          <a:miter/>
+        </a:ln>
+      </a:lnStyleLst>
+      <a:effectStyleLst>
+        <a:effectStyle>
+          <a:effectLst>
+            <a:outerShdw blurRad="40000" dist="20000" dir="5400000" rotWithShape="0">
+              <a:srgbClr val="000000">
+                <a:alpha val="38000"/>
+              </a:srgbClr>
+            </a:outerShdw>
+          </a:effectLst>
+        </a:effectStyle>
+        <a:effectStyle>
+          <a:effectLst>
+            <a:outerShdw blurRad="40000" dist="23000" dir="5400000" rotWithShape="0">
+              <a:srgbClr val="000000">
+                <a:alpha val="35000"/>
+              </a:srgbClr>
+            </a:outerShdw>
+          </a:effectLst>
+        </a:effectStyle>
+        <a:effectStyle>
+          <a:effectLst>
+            <a:outerShdw blurRad="40000" dist="23000" dir="5400000" rotWithShape="0">
+              <a:srgbClr val="000000">
+                <a:alpha val="35000"/>
+              </a:srgbClr>
+            </a:outerShdw>
+          </a:effectLst>
+          <a:scene3d>
+            <a:camera prst="orthographicFront">
+              <a:rot lat="0" lon="0" rev="0"/>
+            </a:camera>
+            <a:lightRig rig="threePt" dir="t">
+              <a:rot lat="0" lon="0" rev="1200000"/>
+            </a:lightRig>
+          </a:scene3d>
+          <a:sp3d>
+            <a:bevelT w="63500" h="25400"/>
+          </a:sp3d>
+        </a:effectStyle>
+      </a:effectStyleLst>
+      <a:bgFillStyleLst>
+        <a:solidFill>
+          <a:schemeClr val="phClr"/>
+        </a:solidFill>
+        <a:gradFill rotWithShape="1">
+          <a:gsLst>
+            <a:gs pos="0">
+              <a:schemeClr val="phClr">
+                <a:tint val="40000"/>
+                <a:satMod val="350000"/>
+              </a:schemeClr>
+            </a:gs>
+            <a:gs pos="40000">
+              <a:schemeClr val="phClr">
+                <a:tint val="45000"/>
+                <a:shade val="99000"/>
+                <a:satMod val="350000"/>
+              </a:schemeClr>
+            </a:gs>
+            <a:gs pos="100000">
+              <a:schemeClr val="phClr">
+                <a:shade val="20000"/>
+                <a:satMod val="255000"/>
+              </a:schemeClr>
+            </a:gs>
+          </a:gsLst>
+          <a:path path="circle">
+            <a:fillToRect l="50000" t="-80000" r="50000" b="180000"/>
+          </a:path>
+        </a:gradFill>
+        <a:gradFill rotWithShape="1">
+          <a:gsLst>
+            <a:gs pos="0">
+              <a:schemeClr val="phClr">
+                <a:tint val="80000"/>
+                <a:satMod val="300000"/>
+              </a:schemeClr>
+            </a:gs>
+            <a:gs pos="100000">
+              <a:schemeClr val="phClr">
+                <a:shade val="30000"/>
+                <a:satMod val="200000"/>
+              </a:schemeClr>
+            </a:gs>
+          </a:gsLst>
+          <a:path path="circle">
+            <a:fillToRect l="50000" t="50000" r="50000" b="50000"/>
+          </a:path>
+        </a:gradFill>
+      </a:bgFillStyleLst>
+    </a:fmtScheme>
+  </a:themeElements>
+</a:theme>
 </file>
--- a/project_schematics.pptx
+++ b/project_schematics.pptx
@@ -9,6 +9,7 @@
     <p:sldId id="256" r:id="rId4"/>
     <p:sldId id="257" r:id="rId5"/>
     <p:sldId id="258" r:id="rId6"/>
+    <p:sldId id="259" r:id="rId7"/>
   </p:sldIdLst>
   <p:sldSz cx="10080625" cy="5670550"/>
   <p:notesSz cx="7559675" cy="10691813"/>
@@ -66,7 +67,7 @@
         <p:txBody>
           <a:bodyPr/>
           <a:p>
-            <a:fld id="{E9FE5D8F-7CA4-420A-BD4C-A6150169F47E}" type="slidenum">
+            <a:fld id="{D75EE9D0-3D15-4A54-AC60-819ABFFF00BB}" type="slidenum">
               <a:t>&lt;#&gt;</a:t>
             </a:fld>
           </a:p>
@@ -254,7 +255,7 @@
         <p:txBody>
           <a:bodyPr/>
           <a:p>
-            <a:fld id="{B7295424-BC54-4F1B-B5AA-F01A4DF5AF17}" type="slidenum">
+            <a:fld id="{FEAA1100-FB0E-4481-AF2C-40871F6291CC}" type="slidenum">
               <a:t>&lt;#&gt;</a:t>
             </a:fld>
           </a:p>
@@ -510,7 +511,7 @@
         <p:txBody>
           <a:bodyPr/>
           <a:p>
-            <a:fld id="{D801DB1D-9C87-4C72-BD24-146586D9AEB1}" type="slidenum">
+            <a:fld id="{82714320-C2B7-4F89-9121-51611818F660}" type="slidenum">
               <a:t>&lt;#&gt;</a:t>
             </a:fld>
           </a:p>
@@ -834,7 +835,7 @@
         <p:txBody>
           <a:bodyPr/>
           <a:p>
-            <a:fld id="{7E8F76EC-21CE-4F5D-A0F3-D8390396CCBE}" type="slidenum">
+            <a:fld id="{20D39DFE-17CE-473F-BEED-42F4881CBCF1}" type="slidenum">
               <a:t>&lt;#&gt;</a:t>
             </a:fld>
           </a:p>
@@ -917,7 +918,7 @@
         <p:txBody>
           <a:bodyPr/>
           <a:p>
-            <a:fld id="{7FF91BC2-9206-4EF3-84B9-EEF1D321F24E}" type="slidenum">
+            <a:fld id="{7034CED8-D6E8-4574-A156-BC14332661B4}" type="slidenum">
               <a:t>&lt;#&gt;</a:t>
             </a:fld>
           </a:p>
@@ -1074,7 +1075,7 @@
         <p:txBody>
           <a:bodyPr/>
           <a:p>
-            <a:fld id="{A2FAAEC2-BA51-400E-B50C-FC0452CE88DE}" type="slidenum">
+            <a:fld id="{C1CA0E4A-F442-4428-922A-BE48B0E017C5}" type="slidenum">
               <a:t>&lt;#&gt;</a:t>
             </a:fld>
           </a:p>
@@ -1228,7 +1229,7 @@
         <p:txBody>
           <a:bodyPr/>
           <a:p>
-            <a:fld id="{4A2BC56D-C359-4DAD-83F3-C6B7D148D5F3}" type="slidenum">
+            <a:fld id="{12E5805C-B40A-43B1-B7B0-3B54E510CD70}" type="slidenum">
               <a:t>&lt;#&gt;</a:t>
             </a:fld>
           </a:p>
@@ -1416,7 +1417,7 @@
         <p:txBody>
           <a:bodyPr/>
           <a:p>
-            <a:fld id="{9EA4D4C4-04D9-4E44-95FE-9733F9A5DE2E}" type="slidenum">
+            <a:fld id="{C8C3F642-97A8-4F98-AC9C-31A44E7B4048}" type="slidenum">
               <a:t>&lt;#&gt;</a:t>
             </a:fld>
           </a:p>
@@ -1536,7 +1537,7 @@
         <p:txBody>
           <a:bodyPr/>
           <a:p>
-            <a:fld id="{663FA4A5-9170-4AB7-8C8A-82B6E290DC07}" type="slidenum">
+            <a:fld id="{C0D31027-2265-4279-8224-BB7A21BF7D56}" type="slidenum">
               <a:t>&lt;#&gt;</a:t>
             </a:fld>
           </a:p>
@@ -1656,7 +1657,7 @@
         <p:txBody>
           <a:bodyPr/>
           <a:p>
-            <a:fld id="{B9EEECF7-3B97-4CD1-80D7-1B8D6A6F94EA}" type="slidenum">
+            <a:fld id="{EEF36F1C-4FF8-4A4E-AD6F-DB337D45057B}" type="slidenum">
               <a:t>&lt;#&gt;</a:t>
             </a:fld>
           </a:p>
@@ -1878,7 +1879,7 @@
         <p:txBody>
           <a:bodyPr/>
           <a:p>
-            <a:fld id="{1CE86D13-0A85-4466-A228-A30BAC6C1BCC}" type="slidenum">
+            <a:fld id="{6C403590-3CB1-4CC0-A7B1-E72E25E20751}" type="slidenum">
               <a:t>&lt;#&gt;</a:t>
             </a:fld>
           </a:p>
@@ -2035,7 +2036,7 @@
         <p:txBody>
           <a:bodyPr/>
           <a:p>
-            <a:fld id="{54F909CA-B1B5-4AB1-BEF5-9552D52567C8}" type="slidenum">
+            <a:fld id="{927C9FE6-1D55-4FC1-AD34-571530AF58C5}" type="slidenum">
               <a:t>&lt;#&gt;</a:t>
             </a:fld>
           </a:p>
@@ -2257,7 +2258,7 @@
         <p:txBody>
           <a:bodyPr/>
           <a:p>
-            <a:fld id="{12EE4F37-B9C5-417B-8771-88E2840FF0A6}" type="slidenum">
+            <a:fld id="{A39014D3-74B2-4F7C-B9D6-EDF744F17A4D}" type="slidenum">
               <a:t>&lt;#&gt;</a:t>
             </a:fld>
           </a:p>
@@ -2479,7 +2480,7 @@
         <p:txBody>
           <a:bodyPr/>
           <a:p>
-            <a:fld id="{9CC919D9-57D2-447E-AA3C-CE52D45E1DFD}" type="slidenum">
+            <a:fld id="{A811D470-02FE-49A5-A910-9E658495C6DB}" type="slidenum">
               <a:t>&lt;#&gt;</a:t>
             </a:fld>
           </a:p>
@@ -2667,7 +2668,7 @@
         <p:txBody>
           <a:bodyPr/>
           <a:p>
-            <a:fld id="{41FBB902-B9F7-4DFE-9804-CFD0DF36BBFE}" type="slidenum">
+            <a:fld id="{E19B47AC-C053-4FA2-B9D3-92E3BC321C0A}" type="slidenum">
               <a:t>&lt;#&gt;</a:t>
             </a:fld>
           </a:p>
@@ -2923,7 +2924,7 @@
         <p:txBody>
           <a:bodyPr/>
           <a:p>
-            <a:fld id="{9900FC52-DC3D-4674-BB2D-2BD494796CAA}" type="slidenum">
+            <a:fld id="{7EF95E25-6609-472F-BAC2-DD6ED14E4DEE}" type="slidenum">
               <a:t>&lt;#&gt;</a:t>
             </a:fld>
           </a:p>
@@ -3247,7 +3248,7 @@
         <p:txBody>
           <a:bodyPr/>
           <a:p>
-            <a:fld id="{DA02E4E5-A030-4067-8A68-DBED3B38233D}" type="slidenum">
+            <a:fld id="{C61DCFB9-EDA1-43BD-ACD5-3BBB64FBDAF6}" type="slidenum">
               <a:t>&lt;#&gt;</a:t>
             </a:fld>
           </a:p>
@@ -3401,7 +3402,7 @@
         <p:txBody>
           <a:bodyPr/>
           <a:p>
-            <a:fld id="{7A25FAF1-8F9F-4DC5-A614-5172AB37A080}" type="slidenum">
+            <a:fld id="{628FC271-FCC3-47D6-ADDA-CF162BDE0321}" type="slidenum">
               <a:t>&lt;#&gt;</a:t>
             </a:fld>
           </a:p>
@@ -3589,7 +3590,7 @@
         <p:txBody>
           <a:bodyPr/>
           <a:p>
-            <a:fld id="{CB092622-EE43-4C49-8AE5-B9A6A26F4452}" type="slidenum">
+            <a:fld id="{BA7A9608-0435-4CF1-8341-ED406E707543}" type="slidenum">
               <a:t>&lt;#&gt;</a:t>
             </a:fld>
           </a:p>
@@ -3709,7 +3710,7 @@
         <p:txBody>
           <a:bodyPr/>
           <a:p>
-            <a:fld id="{C6A1BB58-1308-443B-A123-2E57B332A4E7}" type="slidenum">
+            <a:fld id="{48091C26-1B7B-4E1A-88CE-D4E757095445}" type="slidenum">
               <a:t>&lt;#&gt;</a:t>
             </a:fld>
           </a:p>
@@ -3829,7 +3830,7 @@
         <p:txBody>
           <a:bodyPr/>
           <a:p>
-            <a:fld id="{AFA97D56-BFBB-4182-87F7-D7D05EC3DFDE}" type="slidenum">
+            <a:fld id="{FD346D7C-8737-4D27-8497-ED4FE2C7150F}" type="slidenum">
               <a:t>&lt;#&gt;</a:t>
             </a:fld>
           </a:p>
@@ -4051,7 +4052,7 @@
         <p:txBody>
           <a:bodyPr/>
           <a:p>
-            <a:fld id="{144AB3C9-52E6-49E3-8997-6CD43994464F}" type="slidenum">
+            <a:fld id="{E1398FC9-7EEB-4886-8187-F6535B30588C}" type="slidenum">
               <a:t>&lt;#&gt;</a:t>
             </a:fld>
           </a:p>
@@ -4273,7 +4274,7 @@
         <p:txBody>
           <a:bodyPr/>
           <a:p>
-            <a:fld id="{9B2D1F52-F193-410D-9FED-2340BD4076DF}" type="slidenum">
+            <a:fld id="{B7FABC7E-96CF-4605-9BA4-E62248429D54}" type="slidenum">
               <a:t>&lt;#&gt;</a:t>
             </a:fld>
           </a:p>
@@ -4495,7 +4496,7 @@
         <p:txBody>
           <a:bodyPr/>
           <a:p>
-            <a:fld id="{25F0D0C5-8831-45B3-A257-26049E6D57C9}" type="slidenum">
+            <a:fld id="{9367E706-4D5E-4278-90E3-B1F8363C74D0}" type="slidenum">
               <a:t>&lt;#&gt;</a:t>
             </a:fld>
           </a:p>
@@ -4576,7 +4577,13 @@
               <a:rPr b="0" lang="fr-CH" sz="1800" spc="-1" strike="noStrike">
                 <a:latin typeface="Arial"/>
               </a:rPr>
-              <a:t>Click to edit the title text format</a:t>
+              <a:t>Click to edit the </a:t>
+            </a:r>
+            <a:r>
+              <a:rPr b="0" lang="fr-CH" sz="1800" spc="-1" strike="noStrike">
+                <a:latin typeface="Arial"/>
+              </a:rPr>
+              <a:t>title text format</a:t>
             </a:r>
             <a:endParaRPr b="0" lang="fr-CH" sz="1800" spc="-1" strike="noStrike">
               <a:latin typeface="Arial"/>
@@ -4686,7 +4693,7 @@
               </a:lnSpc>
               <a:buNone/>
             </a:pPr>
-            <a:fld id="{93814A60-FF56-4EC7-A3CE-CCF7E107F4E9}" type="slidenum">
+            <a:fld id="{E19BF323-D567-402D-8D6D-B33B53B64FD2}" type="slidenum">
               <a:rPr b="0" lang="fr-CH" sz="1400" spc="-1" strike="noStrike">
                 <a:latin typeface="Times New Roman"/>
               </a:rPr>
@@ -5296,7 +5303,7 @@
               </a:lnSpc>
               <a:buNone/>
             </a:pPr>
-            <a:fld id="{58C0D361-C23D-4248-ADE5-448E61292373}" type="slidenum">
+            <a:fld id="{B24F3E8C-CB64-41C0-92E8-E4095BE62744}" type="slidenum">
               <a:rPr b="0" lang="fr-CH" sz="1400" spc="-1" strike="noStrike">
                 <a:latin typeface="Times New Roman"/>
               </a:rPr>
@@ -6117,20 +6124,60 @@
       <p:sp>
         <p:nvSpPr>
           <p:cNvPr id="93" name=""/>
+          <p:cNvSpPr txBox="1"/>
+          <p:nvPr/>
+        </p:nvSpPr>
+        <p:spPr>
+          <a:xfrm>
+            <a:off x="59400" y="193320"/>
+            <a:ext cx="840600" cy="346680"/>
+          </a:xfrm>
+          <a:prstGeom prst="rect">
+            <a:avLst/>
+          </a:prstGeom>
+          <a:noFill/>
+          <a:ln w="0">
+            <a:noFill/>
+          </a:ln>
+        </p:spPr>
+        <p:txBody>
+          <a:bodyPr lIns="90000" rIns="90000" tIns="45000" bIns="45000" anchor="t">
+            <a:noAutofit/>
+          </a:bodyPr>
+          <a:p>
+            <a:r>
+              <a:rPr b="0" lang="zxx" sz="1800" spc="-1" strike="noStrike">
+                <a:latin typeface="Arial"/>
+              </a:rPr>
+              <a:t>DB V1</a:t>
+            </a:r>
+            <a:endParaRPr b="0" lang="fr-CH" sz="1800" spc="-1" strike="noStrike">
+              <a:latin typeface="Arial"/>
+            </a:endParaRPr>
+          </a:p>
+        </p:txBody>
+      </p:sp>
+      <p:sp>
+        <p:nvSpPr>
+          <p:cNvPr id="94" name=""/>
           <p:cNvSpPr/>
           <p:nvPr/>
         </p:nvSpPr>
         <p:spPr>
           <a:xfrm>
-            <a:off x="140040" y="180000"/>
-            <a:ext cx="2224080" cy="345960"/>
-          </a:xfrm>
-          <a:prstGeom prst="rect">
-            <a:avLst/>
-          </a:prstGeom>
-          <a:noFill/>
-          <a:ln w="0">
-            <a:noFill/>
+            <a:off x="180000" y="3060000"/>
+            <a:ext cx="1979640" cy="359640"/>
+          </a:xfrm>
+          <a:prstGeom prst="rect">
+            <a:avLst/>
+          </a:prstGeom>
+          <a:solidFill>
+            <a:srgbClr val="5983b0"/>
+          </a:solidFill>
+          <a:ln w="0">
+            <a:solidFill>
+              <a:srgbClr val="3465a4"/>
+            </a:solidFill>
           </a:ln>
         </p:spPr>
         <p:style>
@@ -6140,11 +6187,11 @@
           <a:fontRef idx="minor"/>
         </p:style>
         <p:txBody>
-          <a:bodyPr lIns="90000" rIns="90000" tIns="45000" bIns="45000" anchor="t">
+          <a:bodyPr lIns="90000" rIns="90000" tIns="45000" bIns="45000" anchor="ctr">
             <a:noAutofit/>
           </a:bodyPr>
           <a:p>
-            <a:pPr>
+            <a:pPr algn="ctr">
               <a:lnSpc>
                 <a:spcPct val="100000"/>
               </a:lnSpc>
@@ -6152,9 +6199,13 @@
             </a:pPr>
             <a:r>
               <a:rPr b="0" lang="zxx" sz="1800" spc="-1" strike="noStrike">
+                <a:solidFill>
+                  <a:srgbClr val="000000"/>
+                </a:solidFill>
                 <a:latin typeface="Arial"/>
-              </a:rPr>
-              <a:t>V 0.1 DB Schematic</a:t>
+                <a:ea typeface="DejaVu Sans"/>
+              </a:rPr>
+              <a:t>rg_tab</a:t>
             </a:r>
             <a:endParaRPr b="0" lang="fr-CH" sz="1800" spc="-1" strike="noStrike">
               <a:latin typeface="Arial"/>
@@ -6164,20 +6215,20 @@
       </p:sp>
       <p:sp>
         <p:nvSpPr>
-          <p:cNvPr id="94" name=""/>
+          <p:cNvPr id="95" name=""/>
           <p:cNvSpPr/>
           <p:nvPr/>
         </p:nvSpPr>
         <p:spPr>
           <a:xfrm>
-            <a:off x="180000" y="3060000"/>
+            <a:off x="180000" y="3420000"/>
             <a:ext cx="1979640" cy="359640"/>
           </a:xfrm>
           <a:prstGeom prst="rect">
             <a:avLst/>
           </a:prstGeom>
           <a:solidFill>
-            <a:srgbClr val="5983b0"/>
+            <a:srgbClr val="b4c7dc"/>
           </a:solidFill>
           <a:ln w="0">
             <a:solidFill>
@@ -6210,7 +6261,7 @@
                 <a:latin typeface="Arial"/>
                 <a:ea typeface="DejaVu Sans"/>
               </a:rPr>
-              <a:t>rg_tab</a:t>
+              <a:t>rg_id*</a:t>
             </a:r>
             <a:endParaRPr b="0" lang="fr-CH" sz="1800" spc="-1" strike="noStrike">
               <a:latin typeface="Arial"/>
@@ -6220,13 +6271,13 @@
       </p:sp>
       <p:sp>
         <p:nvSpPr>
-          <p:cNvPr id="95" name=""/>
+          <p:cNvPr id="96" name=""/>
           <p:cNvSpPr/>
           <p:nvPr/>
         </p:nvSpPr>
         <p:spPr>
           <a:xfrm>
-            <a:off x="180000" y="3420000"/>
+            <a:off x="180000" y="3780000"/>
             <a:ext cx="1979640" cy="359640"/>
           </a:xfrm>
           <a:prstGeom prst="rect">
@@ -6266,7 +6317,7 @@
                 <a:latin typeface="Arial"/>
                 <a:ea typeface="DejaVu Sans"/>
               </a:rPr>
-              <a:t>rg_id*</a:t>
+              <a:t>rg_name</a:t>
             </a:r>
             <a:endParaRPr b="0" lang="fr-CH" sz="1800" spc="-1" strike="noStrike">
               <a:latin typeface="Arial"/>
@@ -6276,20 +6327,20 @@
       </p:sp>
       <p:sp>
         <p:nvSpPr>
-          <p:cNvPr id="96" name=""/>
+          <p:cNvPr id="97" name=""/>
           <p:cNvSpPr/>
           <p:nvPr/>
         </p:nvSpPr>
         <p:spPr>
           <a:xfrm>
-            <a:off x="180000" y="3780000"/>
+            <a:off x="3240000" y="720000"/>
             <a:ext cx="1979640" cy="359640"/>
           </a:xfrm>
           <a:prstGeom prst="rect">
             <a:avLst/>
           </a:prstGeom>
           <a:solidFill>
-            <a:srgbClr val="b4c7dc"/>
+            <a:srgbClr val="5983b0"/>
           </a:solidFill>
           <a:ln w="0">
             <a:solidFill>
@@ -6322,7 +6373,7 @@
                 <a:latin typeface="Arial"/>
                 <a:ea typeface="DejaVu Sans"/>
               </a:rPr>
-              <a:t>rg_name</a:t>
+              <a:t>user_tab</a:t>
             </a:r>
             <a:endParaRPr b="0" lang="fr-CH" sz="1800" spc="-1" strike="noStrike">
               <a:latin typeface="Arial"/>
@@ -6332,20 +6383,20 @@
       </p:sp>
       <p:sp>
         <p:nvSpPr>
-          <p:cNvPr id="97" name=""/>
+          <p:cNvPr id="98" name=""/>
           <p:cNvSpPr/>
           <p:nvPr/>
         </p:nvSpPr>
         <p:spPr>
           <a:xfrm>
-            <a:off x="3240000" y="720000"/>
+            <a:off x="3240000" y="1080000"/>
             <a:ext cx="1979640" cy="359640"/>
           </a:xfrm>
           <a:prstGeom prst="rect">
             <a:avLst/>
           </a:prstGeom>
           <a:solidFill>
-            <a:srgbClr val="5983b0"/>
+            <a:srgbClr val="b4c7dc"/>
           </a:solidFill>
           <a:ln w="0">
             <a:solidFill>
@@ -6378,7 +6429,7 @@
                 <a:latin typeface="Arial"/>
                 <a:ea typeface="DejaVu Sans"/>
               </a:rPr>
-              <a:t>user_tab</a:t>
+              <a:t>user_id*</a:t>
             </a:r>
             <a:endParaRPr b="0" lang="fr-CH" sz="1800" spc="-1" strike="noStrike">
               <a:latin typeface="Arial"/>
@@ -6388,13 +6439,13 @@
       </p:sp>
       <p:sp>
         <p:nvSpPr>
-          <p:cNvPr id="98" name=""/>
+          <p:cNvPr id="99" name=""/>
           <p:cNvSpPr/>
           <p:nvPr/>
         </p:nvSpPr>
         <p:spPr>
           <a:xfrm>
-            <a:off x="3240000" y="1080000"/>
+            <a:off x="3240000" y="1440000"/>
             <a:ext cx="1979640" cy="359640"/>
           </a:xfrm>
           <a:prstGeom prst="rect">
@@ -6434,7 +6485,7 @@
                 <a:latin typeface="Arial"/>
                 <a:ea typeface="DejaVu Sans"/>
               </a:rPr>
-              <a:t>user_id*</a:t>
+              <a:t>user_name</a:t>
             </a:r>
             <a:endParaRPr b="0" lang="fr-CH" sz="1800" spc="-1" strike="noStrike">
               <a:latin typeface="Arial"/>
@@ -6444,20 +6495,20 @@
       </p:sp>
       <p:sp>
         <p:nvSpPr>
-          <p:cNvPr id="99" name=""/>
+          <p:cNvPr id="100" name=""/>
           <p:cNvSpPr/>
           <p:nvPr/>
         </p:nvSpPr>
         <p:spPr>
           <a:xfrm>
-            <a:off x="3240000" y="1440000"/>
+            <a:off x="3240000" y="2880000"/>
             <a:ext cx="1979640" cy="359640"/>
           </a:xfrm>
           <a:prstGeom prst="rect">
             <a:avLst/>
           </a:prstGeom>
           <a:solidFill>
-            <a:srgbClr val="b4c7dc"/>
+            <a:srgbClr val="5983b0"/>
           </a:solidFill>
           <a:ln w="0">
             <a:solidFill>
@@ -6490,7 +6541,7 @@
                 <a:latin typeface="Arial"/>
                 <a:ea typeface="DejaVu Sans"/>
               </a:rPr>
-              <a:t>user_name</a:t>
+              <a:t>sample_tab</a:t>
             </a:r>
             <a:endParaRPr b="0" lang="fr-CH" sz="1800" spc="-1" strike="noStrike">
               <a:latin typeface="Arial"/>
@@ -6500,13 +6551,13 @@
       </p:sp>
       <p:sp>
         <p:nvSpPr>
-          <p:cNvPr id="100" name=""/>
+          <p:cNvPr id="101" name=""/>
           <p:cNvSpPr/>
           <p:nvPr/>
         </p:nvSpPr>
         <p:spPr>
           <a:xfrm>
-            <a:off x="3240000" y="1800000"/>
+            <a:off x="3240000" y="3240000"/>
             <a:ext cx="1979640" cy="359640"/>
           </a:xfrm>
           <a:prstGeom prst="rect">
@@ -6546,7 +6597,7 @@
                 <a:latin typeface="Arial"/>
                 <a:ea typeface="DejaVu Sans"/>
               </a:rPr>
-              <a:t>user_email</a:t>
+              <a:t>sample_id*</a:t>
             </a:r>
             <a:endParaRPr b="0" lang="fr-CH" sz="1800" spc="-1" strike="noStrike">
               <a:latin typeface="Arial"/>
@@ -6556,20 +6607,20 @@
       </p:sp>
       <p:sp>
         <p:nvSpPr>
-          <p:cNvPr id="101" name=""/>
+          <p:cNvPr id="102" name=""/>
           <p:cNvSpPr/>
           <p:nvPr/>
         </p:nvSpPr>
         <p:spPr>
           <a:xfrm>
-            <a:off x="3240000" y="2880000"/>
+            <a:off x="3240000" y="3600000"/>
             <a:ext cx="1979640" cy="359640"/>
           </a:xfrm>
           <a:prstGeom prst="rect">
             <a:avLst/>
           </a:prstGeom>
           <a:solidFill>
-            <a:srgbClr val="5983b0"/>
+            <a:srgbClr val="b4c7dc"/>
           </a:solidFill>
           <a:ln w="0">
             <a:solidFill>
@@ -6602,7 +6653,7 @@
                 <a:latin typeface="Arial"/>
                 <a:ea typeface="DejaVu Sans"/>
               </a:rPr>
-              <a:t>sample_tab</a:t>
+              <a:t>sample_name</a:t>
             </a:r>
             <a:endParaRPr b="0" lang="fr-CH" sz="1800" spc="-1" strike="noStrike">
               <a:latin typeface="Arial"/>
@@ -6612,13 +6663,13 @@
       </p:sp>
       <p:sp>
         <p:nvSpPr>
-          <p:cNvPr id="102" name=""/>
+          <p:cNvPr id="103" name=""/>
           <p:cNvSpPr/>
           <p:nvPr/>
         </p:nvSpPr>
         <p:spPr>
           <a:xfrm>
-            <a:off x="3240000" y="3240000"/>
+            <a:off x="3240000" y="3960000"/>
             <a:ext cx="1979640" cy="359640"/>
           </a:xfrm>
           <a:prstGeom prst="rect">
@@ -6658,7 +6709,7 @@
                 <a:latin typeface="Arial"/>
                 <a:ea typeface="DejaVu Sans"/>
               </a:rPr>
-              <a:t>sample_id*</a:t>
+              <a:t>sample_type</a:t>
             </a:r>
             <a:endParaRPr b="0" lang="fr-CH" sz="1800" spc="-1" strike="noStrike">
               <a:latin typeface="Arial"/>
@@ -6668,20 +6719,20 @@
       </p:sp>
       <p:sp>
         <p:nvSpPr>
-          <p:cNvPr id="103" name=""/>
+          <p:cNvPr id="104" name=""/>
           <p:cNvSpPr/>
           <p:nvPr/>
         </p:nvSpPr>
         <p:spPr>
           <a:xfrm>
-            <a:off x="3240000" y="3600000"/>
-            <a:ext cx="1979640" cy="359640"/>
+            <a:off x="7740000" y="3960000"/>
+            <a:ext cx="2159640" cy="359640"/>
           </a:xfrm>
           <a:prstGeom prst="rect">
             <a:avLst/>
           </a:prstGeom>
           <a:solidFill>
-            <a:srgbClr val="b4c7dc"/>
+            <a:srgbClr val="5983b0"/>
           </a:solidFill>
           <a:ln w="0">
             <a:solidFill>
@@ -6714,7 +6765,7 @@
                 <a:latin typeface="Arial"/>
                 <a:ea typeface="DejaVu Sans"/>
               </a:rPr>
-              <a:t>sample_code</a:t>
+              <a:t>project_tab</a:t>
             </a:r>
             <a:endParaRPr b="0" lang="fr-CH" sz="1800" spc="-1" strike="noStrike">
               <a:latin typeface="Arial"/>
@@ -6724,14 +6775,14 @@
       </p:sp>
       <p:sp>
         <p:nvSpPr>
-          <p:cNvPr id="104" name=""/>
+          <p:cNvPr id="105" name=""/>
           <p:cNvSpPr/>
           <p:nvPr/>
         </p:nvSpPr>
         <p:spPr>
           <a:xfrm>
-            <a:off x="3240000" y="3960000"/>
-            <a:ext cx="1979640" cy="359640"/>
+            <a:off x="7740000" y="4320000"/>
+            <a:ext cx="2159640" cy="359640"/>
           </a:xfrm>
           <a:prstGeom prst="rect">
             <a:avLst/>
@@ -6770,7 +6821,7 @@
                 <a:latin typeface="Arial"/>
                 <a:ea typeface="DejaVu Sans"/>
               </a:rPr>
-              <a:t>sample_type</a:t>
+              <a:t>meta_json_id*</a:t>
             </a:r>
             <a:endParaRPr b="0" lang="fr-CH" sz="1800" spc="-1" strike="noStrike">
               <a:latin typeface="Arial"/>
@@ -6780,14 +6831,14 @@
       </p:sp>
       <p:sp>
         <p:nvSpPr>
-          <p:cNvPr id="105" name=""/>
+          <p:cNvPr id="106" name=""/>
           <p:cNvSpPr/>
           <p:nvPr/>
         </p:nvSpPr>
         <p:spPr>
           <a:xfrm>
-            <a:off x="3240000" y="4680000"/>
-            <a:ext cx="1979640" cy="359640"/>
+            <a:off x="7740000" y="4680000"/>
+            <a:ext cx="2159640" cy="359640"/>
           </a:xfrm>
           <a:prstGeom prst="rect">
             <a:avLst/>
@@ -6826,7 +6877,7 @@
                 <a:latin typeface="Arial"/>
                 <a:ea typeface="DejaVu Sans"/>
               </a:rPr>
-              <a:t>rg</a:t>
+              <a:t>meta_json_filepath</a:t>
             </a:r>
             <a:endParaRPr b="0" lang="fr-CH" sz="1800" spc="-1" strike="noStrike">
               <a:latin typeface="Arial"/>
@@ -6836,20 +6887,20 @@
       </p:sp>
       <p:sp>
         <p:nvSpPr>
-          <p:cNvPr id="106" name=""/>
+          <p:cNvPr id="107" name=""/>
           <p:cNvSpPr/>
           <p:nvPr/>
         </p:nvSpPr>
         <p:spPr>
           <a:xfrm>
-            <a:off x="3240000" y="5040000"/>
+            <a:off x="7920000" y="720000"/>
             <a:ext cx="1979640" cy="359640"/>
           </a:xfrm>
           <a:prstGeom prst="rect">
             <a:avLst/>
           </a:prstGeom>
           <a:solidFill>
-            <a:srgbClr val="b4c7dc"/>
+            <a:srgbClr val="5983b0"/>
           </a:solidFill>
           <a:ln w="0">
             <a:solidFill>
@@ -6882,7 +6933,7 @@
                 <a:latin typeface="Arial"/>
                 <a:ea typeface="DejaVu Sans"/>
               </a:rPr>
-              <a:t>meta_json</a:t>
+              <a:t>instrument</a:t>
             </a:r>
             <a:endParaRPr b="0" lang="fr-CH" sz="1800" spc="-1" strike="noStrike">
               <a:latin typeface="Arial"/>
@@ -6892,20 +6943,20 @@
       </p:sp>
       <p:sp>
         <p:nvSpPr>
-          <p:cNvPr id="107" name=""/>
+          <p:cNvPr id="108" name=""/>
           <p:cNvSpPr/>
           <p:nvPr/>
         </p:nvSpPr>
         <p:spPr>
           <a:xfrm>
-            <a:off x="7740000" y="3960000"/>
-            <a:ext cx="2159640" cy="359640"/>
+            <a:off x="7920000" y="1080000"/>
+            <a:ext cx="1979640" cy="359640"/>
           </a:xfrm>
           <a:prstGeom prst="rect">
             <a:avLst/>
           </a:prstGeom>
           <a:solidFill>
-            <a:srgbClr val="5983b0"/>
+            <a:srgbClr val="b4c7dc"/>
           </a:solidFill>
           <a:ln w="0">
             <a:solidFill>
@@ -6938,7 +6989,7 @@
                 <a:latin typeface="Arial"/>
                 <a:ea typeface="DejaVu Sans"/>
               </a:rPr>
-              <a:t>project_tab</a:t>
+              <a:t>instrument_id</a:t>
             </a:r>
             <a:endParaRPr b="0" lang="fr-CH" sz="1800" spc="-1" strike="noStrike">
               <a:latin typeface="Arial"/>
@@ -6948,14 +6999,14 @@
       </p:sp>
       <p:sp>
         <p:nvSpPr>
-          <p:cNvPr id="108" name=""/>
+          <p:cNvPr id="109" name=""/>
           <p:cNvSpPr/>
           <p:nvPr/>
         </p:nvSpPr>
         <p:spPr>
           <a:xfrm>
-            <a:off x="7740000" y="4320000"/>
-            <a:ext cx="2159640" cy="359640"/>
+            <a:off x="7920000" y="1440000"/>
+            <a:ext cx="1979640" cy="359640"/>
           </a:xfrm>
           <a:prstGeom prst="rect">
             <a:avLst/>
@@ -6994,7 +7045,7 @@
                 <a:latin typeface="Arial"/>
                 <a:ea typeface="DejaVu Sans"/>
               </a:rPr>
-              <a:t>meta_json_id*</a:t>
+              <a:t>instrument_name</a:t>
             </a:r>
             <a:endParaRPr b="0" lang="fr-CH" sz="1800" spc="-1" strike="noStrike">
               <a:latin typeface="Arial"/>
@@ -7004,14 +7055,14 @@
       </p:sp>
       <p:sp>
         <p:nvSpPr>
-          <p:cNvPr id="109" name=""/>
+          <p:cNvPr id="110" name=""/>
           <p:cNvSpPr/>
           <p:nvPr/>
         </p:nvSpPr>
         <p:spPr>
           <a:xfrm>
-            <a:off x="7740000" y="4680000"/>
-            <a:ext cx="2159640" cy="359640"/>
+            <a:off x="7920360" y="1799640"/>
+            <a:ext cx="1979640" cy="360000"/>
           </a:xfrm>
           <a:prstGeom prst="rect">
             <a:avLst/>
@@ -7050,7 +7101,7 @@
                 <a:latin typeface="Arial"/>
                 <a:ea typeface="DejaVu Sans"/>
               </a:rPr>
-              <a:t>meta_json_filepath</a:t>
+              <a:t>observation_type</a:t>
             </a:r>
             <a:endParaRPr b="0" lang="fr-CH" sz="1800" spc="-1" strike="noStrike">
               <a:latin typeface="Arial"/>
@@ -7060,1109 +7111,44 @@
       </p:sp>
       <p:sp>
         <p:nvSpPr>
-          <p:cNvPr id="110" name=""/>
-          <p:cNvSpPr/>
+          <p:cNvPr id="111" name=""/>
+          <p:cNvSpPr txBox="1"/>
           <p:nvPr/>
         </p:nvSpPr>
         <p:spPr>
           <a:xfrm>
-            <a:off x="5580000" y="720000"/>
-            <a:ext cx="1979640" cy="359640"/>
-          </a:xfrm>
-          <a:prstGeom prst="rect">
-            <a:avLst/>
-          </a:prstGeom>
-          <a:solidFill>
-            <a:srgbClr val="5983b0"/>
-          </a:solidFill>
-          <a:ln w="0">
-            <a:solidFill>
-              <a:srgbClr val="3465a4"/>
-            </a:solidFill>
-          </a:ln>
-        </p:spPr>
-        <p:style>
-          <a:lnRef idx="0"/>
-          <a:fillRef idx="0"/>
-          <a:effectRef idx="0"/>
-          <a:fontRef idx="minor"/>
-        </p:style>
-        <p:txBody>
-          <a:bodyPr lIns="90000" rIns="90000" tIns="45000" bIns="45000" anchor="ctr">
+            <a:off x="495360" y="4797720"/>
+            <a:ext cx="6880320" cy="602280"/>
+          </a:xfrm>
+          <a:prstGeom prst="rect">
+            <a:avLst/>
+          </a:prstGeom>
+          <a:noFill/>
+          <a:ln w="0">
+            <a:noFill/>
+          </a:ln>
+        </p:spPr>
+        <p:txBody>
+          <a:bodyPr lIns="90000" rIns="90000" tIns="45000" bIns="45000" anchor="t">
             <a:noAutofit/>
           </a:bodyPr>
           <a:p>
-            <a:pPr algn="ctr">
-              <a:lnSpc>
-                <a:spcPct val="100000"/>
-              </a:lnSpc>
-              <a:buNone/>
-            </a:pPr>
-            <a:r>
-              <a:rPr b="0" lang="zxx" sz="1800" spc="-1" strike="noStrike">
-                <a:solidFill>
-                  <a:srgbClr val="000000"/>
-                </a:solidFill>
+            <a:r>
+              <a:rPr b="0" lang="fr-CH" sz="1800" spc="-1" strike="noStrike">
                 <a:latin typeface="Arial"/>
-                <a:ea typeface="DejaVu Sans"/>
-              </a:rPr>
-              <a:t>user_instrument</a:t>
+              </a:rPr>
+              <a:t>This version has no connections between tables. </a:t>
             </a:r>
             <a:endParaRPr b="0" lang="fr-CH" sz="1800" spc="-1" strike="noStrike">
               <a:latin typeface="Arial"/>
             </a:endParaRPr>
           </a:p>
-        </p:txBody>
-      </p:sp>
-      <p:sp>
-        <p:nvSpPr>
-          <p:cNvPr id="111" name=""/>
-          <p:cNvSpPr/>
-          <p:nvPr/>
-        </p:nvSpPr>
-        <p:spPr>
-          <a:xfrm>
-            <a:off x="5580000" y="1080000"/>
-            <a:ext cx="1979640" cy="359640"/>
-          </a:xfrm>
-          <a:prstGeom prst="rect">
-            <a:avLst/>
-          </a:prstGeom>
-          <a:solidFill>
-            <a:srgbClr val="b4c7dc"/>
-          </a:solidFill>
-          <a:ln w="0">
-            <a:solidFill>
-              <a:srgbClr val="3465a4"/>
-            </a:solidFill>
-          </a:ln>
-        </p:spPr>
-        <p:style>
-          <a:lnRef idx="0"/>
-          <a:fillRef idx="0"/>
-          <a:effectRef idx="0"/>
-          <a:fontRef idx="minor"/>
-        </p:style>
-        <p:txBody>
-          <a:bodyPr lIns="90000" rIns="90000" tIns="45000" bIns="45000" anchor="ctr">
-            <a:noAutofit/>
-          </a:bodyPr>
-          <a:p>
-            <a:pPr algn="ctr">
-              <a:lnSpc>
-                <a:spcPct val="100000"/>
-              </a:lnSpc>
-              <a:buNone/>
-            </a:pPr>
-            <a:r>
-              <a:rPr b="0" lang="zxx" sz="1800" spc="-1" strike="noStrike">
-                <a:solidFill>
-                  <a:srgbClr val="000000"/>
-                </a:solidFill>
+          <a:p>
+            <a:r>
+              <a:rPr b="0" lang="fr-CH" sz="1800" spc="-1" strike="noStrike">
                 <a:latin typeface="Arial"/>
-                <a:ea typeface="DejaVu Sans"/>
-              </a:rPr>
-              <a:t>user</a:t>
-            </a:r>
-            <a:endParaRPr b="0" lang="fr-CH" sz="1800" spc="-1" strike="noStrike">
-              <a:latin typeface="Arial"/>
-            </a:endParaRPr>
-          </a:p>
-        </p:txBody>
-      </p:sp>
-      <p:sp>
-        <p:nvSpPr>
-          <p:cNvPr id="112" name=""/>
-          <p:cNvSpPr/>
-          <p:nvPr/>
-        </p:nvSpPr>
-        <p:spPr>
-          <a:xfrm>
-            <a:off x="5580000" y="1440000"/>
-            <a:ext cx="1979640" cy="359640"/>
-          </a:xfrm>
-          <a:prstGeom prst="rect">
-            <a:avLst/>
-          </a:prstGeom>
-          <a:solidFill>
-            <a:srgbClr val="b4c7dc"/>
-          </a:solidFill>
-          <a:ln w="0">
-            <a:solidFill>
-              <a:srgbClr val="3465a4"/>
-            </a:solidFill>
-          </a:ln>
-        </p:spPr>
-        <p:style>
-          <a:lnRef idx="0"/>
-          <a:fillRef idx="0"/>
-          <a:effectRef idx="0"/>
-          <a:fontRef idx="minor"/>
-        </p:style>
-        <p:txBody>
-          <a:bodyPr lIns="90000" rIns="90000" tIns="45000" bIns="45000" anchor="ctr">
-            <a:noAutofit/>
-          </a:bodyPr>
-          <a:p>
-            <a:pPr algn="ctr">
-              <a:lnSpc>
-                <a:spcPct val="100000"/>
-              </a:lnSpc>
-              <a:buNone/>
-            </a:pPr>
-            <a:r>
-              <a:rPr b="0" lang="zxx" sz="1800" spc="-1" strike="noStrike">
-                <a:solidFill>
-                  <a:srgbClr val="000000"/>
-                </a:solidFill>
-                <a:latin typeface="Arial"/>
-                <a:ea typeface="DejaVu Sans"/>
-              </a:rPr>
-              <a:t>instrument</a:t>
-            </a:r>
-            <a:endParaRPr b="0" lang="fr-CH" sz="1800" spc="-1" strike="noStrike">
-              <a:latin typeface="Arial"/>
-            </a:endParaRPr>
-          </a:p>
-        </p:txBody>
-      </p:sp>
-      <p:sp>
-        <p:nvSpPr>
-          <p:cNvPr id="113" name=""/>
-          <p:cNvSpPr/>
-          <p:nvPr/>
-        </p:nvSpPr>
-        <p:spPr>
-          <a:xfrm>
-            <a:off x="7920000" y="720000"/>
-            <a:ext cx="1979640" cy="359640"/>
-          </a:xfrm>
-          <a:prstGeom prst="rect">
-            <a:avLst/>
-          </a:prstGeom>
-          <a:solidFill>
-            <a:srgbClr val="5983b0"/>
-          </a:solidFill>
-          <a:ln w="0">
-            <a:solidFill>
-              <a:srgbClr val="3465a4"/>
-            </a:solidFill>
-          </a:ln>
-        </p:spPr>
-        <p:style>
-          <a:lnRef idx="0"/>
-          <a:fillRef idx="0"/>
-          <a:effectRef idx="0"/>
-          <a:fontRef idx="minor"/>
-        </p:style>
-        <p:txBody>
-          <a:bodyPr lIns="90000" rIns="90000" tIns="45000" bIns="45000" anchor="ctr">
-            <a:noAutofit/>
-          </a:bodyPr>
-          <a:p>
-            <a:pPr algn="ctr">
-              <a:lnSpc>
-                <a:spcPct val="100000"/>
-              </a:lnSpc>
-              <a:buNone/>
-            </a:pPr>
-            <a:r>
-              <a:rPr b="0" lang="zxx" sz="1800" spc="-1" strike="noStrike">
-                <a:solidFill>
-                  <a:srgbClr val="000000"/>
-                </a:solidFill>
-                <a:latin typeface="Arial"/>
-                <a:ea typeface="DejaVu Sans"/>
-              </a:rPr>
-              <a:t>user_instrument</a:t>
-            </a:r>
-            <a:endParaRPr b="0" lang="fr-CH" sz="1800" spc="-1" strike="noStrike">
-              <a:latin typeface="Arial"/>
-            </a:endParaRPr>
-          </a:p>
-        </p:txBody>
-      </p:sp>
-      <p:sp>
-        <p:nvSpPr>
-          <p:cNvPr id="114" name=""/>
-          <p:cNvSpPr/>
-          <p:nvPr/>
-        </p:nvSpPr>
-        <p:spPr>
-          <a:xfrm>
-            <a:off x="7920000" y="1080000"/>
-            <a:ext cx="1979640" cy="359640"/>
-          </a:xfrm>
-          <a:prstGeom prst="rect">
-            <a:avLst/>
-          </a:prstGeom>
-          <a:solidFill>
-            <a:srgbClr val="b4c7dc"/>
-          </a:solidFill>
-          <a:ln w="0">
-            <a:solidFill>
-              <a:srgbClr val="3465a4"/>
-            </a:solidFill>
-          </a:ln>
-        </p:spPr>
-        <p:style>
-          <a:lnRef idx="0"/>
-          <a:fillRef idx="0"/>
-          <a:effectRef idx="0"/>
-          <a:fontRef idx="minor"/>
-        </p:style>
-        <p:txBody>
-          <a:bodyPr lIns="90000" rIns="90000" tIns="45000" bIns="45000" anchor="ctr">
-            <a:noAutofit/>
-          </a:bodyPr>
-          <a:p>
-            <a:pPr algn="ctr">
-              <a:lnSpc>
-                <a:spcPct val="100000"/>
-              </a:lnSpc>
-              <a:buNone/>
-            </a:pPr>
-            <a:r>
-              <a:rPr b="0" lang="zxx" sz="1800" spc="-1" strike="noStrike">
-                <a:solidFill>
-                  <a:srgbClr val="000000"/>
-                </a:solidFill>
-                <a:latin typeface="Arial"/>
-                <a:ea typeface="DejaVu Sans"/>
-              </a:rPr>
-              <a:t>instrument_id</a:t>
-            </a:r>
-            <a:endParaRPr b="0" lang="fr-CH" sz="1800" spc="-1" strike="noStrike">
-              <a:latin typeface="Arial"/>
-            </a:endParaRPr>
-          </a:p>
-        </p:txBody>
-      </p:sp>
-      <p:sp>
-        <p:nvSpPr>
-          <p:cNvPr id="115" name=""/>
-          <p:cNvSpPr/>
-          <p:nvPr/>
-        </p:nvSpPr>
-        <p:spPr>
-          <a:xfrm>
-            <a:off x="7920000" y="1440000"/>
-            <a:ext cx="1979640" cy="359640"/>
-          </a:xfrm>
-          <a:prstGeom prst="rect">
-            <a:avLst/>
-          </a:prstGeom>
-          <a:solidFill>
-            <a:srgbClr val="b4c7dc"/>
-          </a:solidFill>
-          <a:ln w="0">
-            <a:solidFill>
-              <a:srgbClr val="3465a4"/>
-            </a:solidFill>
-          </a:ln>
-        </p:spPr>
-        <p:style>
-          <a:lnRef idx="0"/>
-          <a:fillRef idx="0"/>
-          <a:effectRef idx="0"/>
-          <a:fontRef idx="minor"/>
-        </p:style>
-        <p:txBody>
-          <a:bodyPr lIns="90000" rIns="90000" tIns="45000" bIns="45000" anchor="ctr">
-            <a:noAutofit/>
-          </a:bodyPr>
-          <a:p>
-            <a:pPr algn="ctr">
-              <a:lnSpc>
-                <a:spcPct val="100000"/>
-              </a:lnSpc>
-              <a:buNone/>
-            </a:pPr>
-            <a:r>
-              <a:rPr b="0" lang="zxx" sz="1800" spc="-1" strike="noStrike">
-                <a:solidFill>
-                  <a:srgbClr val="000000"/>
-                </a:solidFill>
-                <a:latin typeface="Arial"/>
-                <a:ea typeface="DejaVu Sans"/>
-              </a:rPr>
-              <a:t>instrument_name</a:t>
-            </a:r>
-            <a:endParaRPr b="0" lang="fr-CH" sz="1800" spc="-1" strike="noStrike">
-              <a:latin typeface="Arial"/>
-            </a:endParaRPr>
-          </a:p>
-        </p:txBody>
-      </p:sp>
-      <p:sp>
-        <p:nvSpPr>
-          <p:cNvPr id="116" name=""/>
-          <p:cNvSpPr/>
-          <p:nvPr/>
-        </p:nvSpPr>
-        <p:spPr>
-          <a:xfrm>
-            <a:off x="7920000" y="1800000"/>
-            <a:ext cx="1979640" cy="359640"/>
-          </a:xfrm>
-          <a:prstGeom prst="rect">
-            <a:avLst/>
-          </a:prstGeom>
-          <a:solidFill>
-            <a:srgbClr val="b4c7dc"/>
-          </a:solidFill>
-          <a:ln w="0">
-            <a:solidFill>
-              <a:srgbClr val="3465a4"/>
-            </a:solidFill>
-          </a:ln>
-        </p:spPr>
-        <p:style>
-          <a:lnRef idx="0"/>
-          <a:fillRef idx="0"/>
-          <a:effectRef idx="0"/>
-          <a:fontRef idx="minor"/>
-        </p:style>
-        <p:txBody>
-          <a:bodyPr lIns="90000" rIns="90000" tIns="45000" bIns="45000" anchor="ctr">
-            <a:noAutofit/>
-          </a:bodyPr>
-          <a:p>
-            <a:pPr algn="ctr">
-              <a:lnSpc>
-                <a:spcPct val="100000"/>
-              </a:lnSpc>
-              <a:buNone/>
-            </a:pPr>
-            <a:r>
-              <a:rPr b="0" lang="zxx" sz="1800" spc="-1" strike="noStrike">
-                <a:solidFill>
-                  <a:srgbClr val="000000"/>
-                </a:solidFill>
-                <a:latin typeface="Arial"/>
-                <a:ea typeface="DejaVu Sans"/>
-              </a:rPr>
-              <a:t>instrument_type</a:t>
-            </a:r>
-            <a:endParaRPr b="0" lang="fr-CH" sz="1800" spc="-1" strike="noStrike">
-              <a:latin typeface="Arial"/>
-            </a:endParaRPr>
-          </a:p>
-        </p:txBody>
-      </p:sp>
-      <p:sp>
-        <p:nvSpPr>
-          <p:cNvPr id="117" name=""/>
-          <p:cNvSpPr/>
-          <p:nvPr/>
-        </p:nvSpPr>
-        <p:spPr>
-          <a:xfrm>
-            <a:off x="7920000" y="2160000"/>
-            <a:ext cx="1979640" cy="359640"/>
-          </a:xfrm>
-          <a:prstGeom prst="rect">
-            <a:avLst/>
-          </a:prstGeom>
-          <a:solidFill>
-            <a:srgbClr val="b4c7dc"/>
-          </a:solidFill>
-          <a:ln w="0">
-            <a:solidFill>
-              <a:srgbClr val="3465a4"/>
-            </a:solidFill>
-          </a:ln>
-        </p:spPr>
-        <p:style>
-          <a:lnRef idx="0"/>
-          <a:fillRef idx="0"/>
-          <a:effectRef idx="0"/>
-          <a:fontRef idx="minor"/>
-        </p:style>
-        <p:txBody>
-          <a:bodyPr lIns="90000" rIns="90000" tIns="45000" bIns="45000" anchor="ctr">
-            <a:noAutofit/>
-          </a:bodyPr>
-          <a:p>
-            <a:pPr algn="ctr">
-              <a:lnSpc>
-                <a:spcPct val="100000"/>
-              </a:lnSpc>
-              <a:buNone/>
-            </a:pPr>
-            <a:r>
-              <a:rPr b="0" lang="zxx" sz="1800" spc="-1" strike="noStrike">
-                <a:solidFill>
-                  <a:srgbClr val="000000"/>
-                </a:solidFill>
-                <a:latin typeface="Arial"/>
-                <a:ea typeface="DejaVu Sans"/>
-              </a:rPr>
-              <a:t>instrument_path</a:t>
-            </a:r>
-            <a:endParaRPr b="0" lang="fr-CH" sz="1800" spc="-1" strike="noStrike">
-              <a:latin typeface="Arial"/>
-            </a:endParaRPr>
-          </a:p>
-        </p:txBody>
-      </p:sp>
-      <p:sp>
-        <p:nvSpPr>
-          <p:cNvPr id="118" name=""/>
-          <p:cNvSpPr/>
-          <p:nvPr/>
-        </p:nvSpPr>
-        <p:spPr>
-          <a:xfrm>
-            <a:off x="0" y="0"/>
-            <a:ext cx="360" cy="360"/>
-          </a:xfrm>
-          <a:prstGeom prst="line">
-            <a:avLst/>
-          </a:prstGeom>
-          <a:ln w="0">
-            <a:solidFill>
-              <a:srgbClr val="3465a4"/>
-            </a:solidFill>
-          </a:ln>
-        </p:spPr>
-        <p:style>
-          <a:lnRef idx="0"/>
-          <a:fillRef idx="0"/>
-          <a:effectRef idx="0"/>
-          <a:fontRef idx="minor"/>
-        </p:style>
-      </p:sp>
-      <p:sp>
-        <p:nvSpPr>
-          <p:cNvPr id="119" name=""/>
-          <p:cNvSpPr/>
-          <p:nvPr/>
-        </p:nvSpPr>
-        <p:spPr>
-          <a:xfrm>
-            <a:off x="0" y="0"/>
-            <a:ext cx="360" cy="360"/>
-          </a:xfrm>
-          <a:prstGeom prst="line">
-            <a:avLst/>
-          </a:prstGeom>
-          <a:ln w="0">
-            <a:solidFill>
-              <a:srgbClr val="3465a4"/>
-            </a:solidFill>
-          </a:ln>
-        </p:spPr>
-        <p:style>
-          <a:lnRef idx="0"/>
-          <a:fillRef idx="0"/>
-          <a:effectRef idx="0"/>
-          <a:fontRef idx="minor"/>
-        </p:style>
-      </p:sp>
-      <p:sp>
-        <p:nvSpPr>
-          <p:cNvPr id="120" name=""/>
-          <p:cNvSpPr/>
-          <p:nvPr/>
-        </p:nvSpPr>
-        <p:spPr>
-          <a:xfrm>
-            <a:off x="0" y="0"/>
-            <a:ext cx="360" cy="360"/>
-          </a:xfrm>
-          <a:prstGeom prst="line">
-            <a:avLst/>
-          </a:prstGeom>
-          <a:ln w="0">
-            <a:solidFill>
-              <a:srgbClr val="3465a4"/>
-            </a:solidFill>
-          </a:ln>
-        </p:spPr>
-        <p:style>
-          <a:lnRef idx="0"/>
-          <a:fillRef idx="0"/>
-          <a:effectRef idx="0"/>
-          <a:fontRef idx="minor"/>
-        </p:style>
-      </p:sp>
-      <p:sp>
-        <p:nvSpPr>
-          <p:cNvPr id="121" name=""/>
-          <p:cNvSpPr/>
-          <p:nvPr/>
-        </p:nvSpPr>
-        <p:spPr>
-          <a:xfrm>
-            <a:off x="0" y="0"/>
-            <a:ext cx="360" cy="360"/>
-          </a:xfrm>
-          <a:prstGeom prst="line">
-            <a:avLst/>
-          </a:prstGeom>
-          <a:ln w="0">
-            <a:solidFill>
-              <a:srgbClr val="3465a4"/>
-            </a:solidFill>
-          </a:ln>
-        </p:spPr>
-        <p:style>
-          <a:lnRef idx="0"/>
-          <a:fillRef idx="0"/>
-          <a:effectRef idx="0"/>
-          <a:fontRef idx="minor"/>
-        </p:style>
-      </p:sp>
-      <p:sp>
-        <p:nvSpPr>
-          <p:cNvPr id="122" name=""/>
-          <p:cNvSpPr/>
-          <p:nvPr/>
-        </p:nvSpPr>
-        <p:spPr>
-          <a:xfrm>
-            <a:off x="0" y="0"/>
-            <a:ext cx="360" cy="360"/>
-          </a:xfrm>
-          <a:prstGeom prst="line">
-            <a:avLst/>
-          </a:prstGeom>
-          <a:ln w="0">
-            <a:solidFill>
-              <a:srgbClr val="3465a4"/>
-            </a:solidFill>
-          </a:ln>
-        </p:spPr>
-        <p:style>
-          <a:lnRef idx="0"/>
-          <a:fillRef idx="0"/>
-          <a:effectRef idx="0"/>
-          <a:fontRef idx="minor"/>
-        </p:style>
-      </p:sp>
-      <p:sp>
-        <p:nvSpPr>
-          <p:cNvPr id="123" name=""/>
-          <p:cNvSpPr/>
-          <p:nvPr/>
-        </p:nvSpPr>
-        <p:spPr>
-          <a:xfrm>
-            <a:off x="3240000" y="4320000"/>
-            <a:ext cx="1979640" cy="359640"/>
-          </a:xfrm>
-          <a:prstGeom prst="rect">
-            <a:avLst/>
-          </a:prstGeom>
-          <a:solidFill>
-            <a:srgbClr val="b4c7dc"/>
-          </a:solidFill>
-          <a:ln w="0">
-            <a:solidFill>
-              <a:srgbClr val="3465a4"/>
-            </a:solidFill>
-          </a:ln>
-        </p:spPr>
-        <p:style>
-          <a:lnRef idx="0"/>
-          <a:fillRef idx="0"/>
-          <a:effectRef idx="0"/>
-          <a:fontRef idx="minor"/>
-        </p:style>
-        <p:txBody>
-          <a:bodyPr lIns="90000" rIns="90000" tIns="45000" bIns="45000" anchor="ctr">
-            <a:noAutofit/>
-          </a:bodyPr>
-          <a:p>
-            <a:pPr algn="ctr">
-              <a:lnSpc>
-                <a:spcPct val="100000"/>
-              </a:lnSpc>
-              <a:buNone/>
-            </a:pPr>
-            <a:r>
-              <a:rPr b="0" lang="zxx" sz="1800" spc="-1" strike="noStrike">
-                <a:solidFill>
-                  <a:srgbClr val="000000"/>
-                </a:solidFill>
-                <a:latin typeface="Arial"/>
-                <a:ea typeface="DejaVu Sans"/>
-              </a:rPr>
-              <a:t>user</a:t>
-            </a:r>
-            <a:endParaRPr b="0" lang="fr-CH" sz="1800" spc="-1" strike="noStrike">
-              <a:latin typeface="Arial"/>
-            </a:endParaRPr>
-          </a:p>
-        </p:txBody>
-      </p:sp>
-      <p:sp>
-        <p:nvSpPr>
-          <p:cNvPr id="124" name=""/>
-          <p:cNvSpPr/>
-          <p:nvPr/>
-        </p:nvSpPr>
-        <p:spPr>
-          <a:xfrm>
-            <a:off x="540000" y="720000"/>
-            <a:ext cx="1979640" cy="359640"/>
-          </a:xfrm>
-          <a:prstGeom prst="rect">
-            <a:avLst/>
-          </a:prstGeom>
-          <a:solidFill>
-            <a:srgbClr val="5983b0"/>
-          </a:solidFill>
-          <a:ln w="0">
-            <a:solidFill>
-              <a:srgbClr val="3465a4"/>
-            </a:solidFill>
-          </a:ln>
-        </p:spPr>
-        <p:style>
-          <a:lnRef idx="0"/>
-          <a:fillRef idx="0"/>
-          <a:effectRef idx="0"/>
-          <a:fontRef idx="minor"/>
-        </p:style>
-        <p:txBody>
-          <a:bodyPr lIns="90000" rIns="90000" tIns="45000" bIns="45000" anchor="ctr">
-            <a:noAutofit/>
-          </a:bodyPr>
-          <a:p>
-            <a:pPr algn="ctr">
-              <a:lnSpc>
-                <a:spcPct val="100000"/>
-              </a:lnSpc>
-              <a:buNone/>
-            </a:pPr>
-            <a:r>
-              <a:rPr b="0" lang="zxx" sz="1800" spc="-1" strike="noStrike">
-                <a:solidFill>
-                  <a:srgbClr val="000000"/>
-                </a:solidFill>
-                <a:latin typeface="Arial"/>
-                <a:ea typeface="DejaVu Sans"/>
-              </a:rPr>
-              <a:t>user_rg</a:t>
-            </a:r>
-            <a:endParaRPr b="0" lang="fr-CH" sz="1800" spc="-1" strike="noStrike">
-              <a:latin typeface="Arial"/>
-            </a:endParaRPr>
-          </a:p>
-        </p:txBody>
-      </p:sp>
-      <p:sp>
-        <p:nvSpPr>
-          <p:cNvPr id="125" name=""/>
-          <p:cNvSpPr/>
-          <p:nvPr/>
-        </p:nvSpPr>
-        <p:spPr>
-          <a:xfrm>
-            <a:off x="540000" y="1080000"/>
-            <a:ext cx="1979640" cy="359640"/>
-          </a:xfrm>
-          <a:prstGeom prst="rect">
-            <a:avLst/>
-          </a:prstGeom>
-          <a:solidFill>
-            <a:srgbClr val="b4c7dc"/>
-          </a:solidFill>
-          <a:ln w="0">
-            <a:solidFill>
-              <a:srgbClr val="3465a4"/>
-            </a:solidFill>
-          </a:ln>
-        </p:spPr>
-        <p:style>
-          <a:lnRef idx="0"/>
-          <a:fillRef idx="0"/>
-          <a:effectRef idx="0"/>
-          <a:fontRef idx="minor"/>
-        </p:style>
-        <p:txBody>
-          <a:bodyPr lIns="90000" rIns="90000" tIns="45000" bIns="45000" anchor="ctr">
-            <a:noAutofit/>
-          </a:bodyPr>
-          <a:p>
-            <a:pPr algn="ctr">
-              <a:lnSpc>
-                <a:spcPct val="100000"/>
-              </a:lnSpc>
-              <a:buNone/>
-            </a:pPr>
-            <a:r>
-              <a:rPr b="0" lang="zxx" sz="1800" spc="-1" strike="noStrike">
-                <a:solidFill>
-                  <a:srgbClr val="000000"/>
-                </a:solidFill>
-                <a:latin typeface="Arial"/>
-                <a:ea typeface="DejaVu Sans"/>
-              </a:rPr>
-              <a:t>user</a:t>
-            </a:r>
-            <a:endParaRPr b="0" lang="fr-CH" sz="1800" spc="-1" strike="noStrike">
-              <a:latin typeface="Arial"/>
-            </a:endParaRPr>
-          </a:p>
-        </p:txBody>
-      </p:sp>
-      <p:sp>
-        <p:nvSpPr>
-          <p:cNvPr id="126" name=""/>
-          <p:cNvSpPr/>
-          <p:nvPr/>
-        </p:nvSpPr>
-        <p:spPr>
-          <a:xfrm>
-            <a:off x="540000" y="1440000"/>
-            <a:ext cx="1979640" cy="359640"/>
-          </a:xfrm>
-          <a:prstGeom prst="rect">
-            <a:avLst/>
-          </a:prstGeom>
-          <a:solidFill>
-            <a:srgbClr val="b4c7dc"/>
-          </a:solidFill>
-          <a:ln w="0">
-            <a:solidFill>
-              <a:srgbClr val="3465a4"/>
-            </a:solidFill>
-          </a:ln>
-        </p:spPr>
-        <p:style>
-          <a:lnRef idx="0"/>
-          <a:fillRef idx="0"/>
-          <a:effectRef idx="0"/>
-          <a:fontRef idx="minor"/>
-        </p:style>
-        <p:txBody>
-          <a:bodyPr lIns="90000" rIns="90000" tIns="45000" bIns="45000" anchor="ctr">
-            <a:noAutofit/>
-          </a:bodyPr>
-          <a:p>
-            <a:pPr algn="ctr">
-              <a:lnSpc>
-                <a:spcPct val="100000"/>
-              </a:lnSpc>
-              <a:buNone/>
-            </a:pPr>
-            <a:r>
-              <a:rPr b="0" lang="zxx" sz="1800" spc="-1" strike="noStrike">
-                <a:solidFill>
-                  <a:srgbClr val="000000"/>
-                </a:solidFill>
-                <a:latin typeface="Arial"/>
-                <a:ea typeface="DejaVu Sans"/>
-              </a:rPr>
-              <a:t>rg</a:t>
-            </a:r>
-            <a:endParaRPr b="0" lang="fr-CH" sz="1800" spc="-1" strike="noStrike">
-              <a:latin typeface="Arial"/>
-            </a:endParaRPr>
-          </a:p>
-        </p:txBody>
-      </p:sp>
-      <p:sp>
-        <p:nvSpPr>
-          <p:cNvPr id="127" name=""/>
-          <p:cNvSpPr/>
-          <p:nvPr/>
-        </p:nvSpPr>
-        <p:spPr>
-          <a:xfrm>
-            <a:off x="0" y="0"/>
-            <a:ext cx="360" cy="360"/>
-          </a:xfrm>
-          <a:prstGeom prst="line">
-            <a:avLst/>
-          </a:prstGeom>
-          <a:ln w="0">
-            <a:solidFill>
-              <a:srgbClr val="3465a4"/>
-            </a:solidFill>
-          </a:ln>
-        </p:spPr>
-        <p:style>
-          <a:lnRef idx="0"/>
-          <a:fillRef idx="0"/>
-          <a:effectRef idx="0"/>
-          <a:fontRef idx="minor"/>
-        </p:style>
-      </p:sp>
-      <p:sp>
-        <p:nvSpPr>
-          <p:cNvPr id="128" name=""/>
-          <p:cNvSpPr/>
-          <p:nvPr/>
-        </p:nvSpPr>
-        <p:spPr>
-          <a:xfrm>
-            <a:off x="5580000" y="2160000"/>
-            <a:ext cx="1979640" cy="359640"/>
-          </a:xfrm>
-          <a:prstGeom prst="rect">
-            <a:avLst/>
-          </a:prstGeom>
-          <a:solidFill>
-            <a:srgbClr val="5983b0"/>
-          </a:solidFill>
-          <a:ln w="0">
-            <a:solidFill>
-              <a:srgbClr val="3465a4"/>
-            </a:solidFill>
-          </a:ln>
-        </p:spPr>
-        <p:style>
-          <a:lnRef idx="0"/>
-          <a:fillRef idx="0"/>
-          <a:effectRef idx="0"/>
-          <a:fontRef idx="minor"/>
-        </p:style>
-        <p:txBody>
-          <a:bodyPr lIns="90000" rIns="90000" tIns="45000" bIns="45000" anchor="ctr">
-            <a:noAutofit/>
-          </a:bodyPr>
-          <a:p>
-            <a:pPr algn="ctr">
-              <a:lnSpc>
-                <a:spcPct val="100000"/>
-              </a:lnSpc>
-              <a:buNone/>
-            </a:pPr>
-            <a:r>
-              <a:rPr b="0" lang="zxx" sz="1800" spc="-1" strike="noStrike">
-                <a:solidFill>
-                  <a:srgbClr val="000000"/>
-                </a:solidFill>
-                <a:latin typeface="Arial"/>
-                <a:ea typeface="DejaVu Sans"/>
-              </a:rPr>
-              <a:t>user_sample</a:t>
-            </a:r>
-            <a:endParaRPr b="0" lang="fr-CH" sz="1800" spc="-1" strike="noStrike">
-              <a:latin typeface="Arial"/>
-            </a:endParaRPr>
-          </a:p>
-        </p:txBody>
-      </p:sp>
-      <p:sp>
-        <p:nvSpPr>
-          <p:cNvPr id="129" name=""/>
-          <p:cNvSpPr/>
-          <p:nvPr/>
-        </p:nvSpPr>
-        <p:spPr>
-          <a:xfrm>
-            <a:off x="5580000" y="2520000"/>
-            <a:ext cx="1979640" cy="359640"/>
-          </a:xfrm>
-          <a:prstGeom prst="rect">
-            <a:avLst/>
-          </a:prstGeom>
-          <a:solidFill>
-            <a:srgbClr val="b4c7dc"/>
-          </a:solidFill>
-          <a:ln w="0">
-            <a:solidFill>
-              <a:srgbClr val="3465a4"/>
-            </a:solidFill>
-          </a:ln>
-        </p:spPr>
-        <p:style>
-          <a:lnRef idx="0"/>
-          <a:fillRef idx="0"/>
-          <a:effectRef idx="0"/>
-          <a:fontRef idx="minor"/>
-        </p:style>
-        <p:txBody>
-          <a:bodyPr lIns="90000" rIns="90000" tIns="45000" bIns="45000" anchor="ctr">
-            <a:noAutofit/>
-          </a:bodyPr>
-          <a:p>
-            <a:pPr algn="ctr">
-              <a:lnSpc>
-                <a:spcPct val="100000"/>
-              </a:lnSpc>
-              <a:buNone/>
-            </a:pPr>
-            <a:r>
-              <a:rPr b="0" lang="zxx" sz="1800" spc="-1" strike="noStrike">
-                <a:solidFill>
-                  <a:srgbClr val="000000"/>
-                </a:solidFill>
-                <a:latin typeface="Arial"/>
-                <a:ea typeface="DejaVu Sans"/>
-              </a:rPr>
-              <a:t>user</a:t>
-            </a:r>
-            <a:endParaRPr b="0" lang="fr-CH" sz="1800" spc="-1" strike="noStrike">
-              <a:latin typeface="Arial"/>
-            </a:endParaRPr>
-          </a:p>
-        </p:txBody>
-      </p:sp>
-      <p:sp>
-        <p:nvSpPr>
-          <p:cNvPr id="130" name=""/>
-          <p:cNvSpPr/>
-          <p:nvPr/>
-        </p:nvSpPr>
-        <p:spPr>
-          <a:xfrm>
-            <a:off x="5580000" y="2880000"/>
-            <a:ext cx="1979640" cy="359640"/>
-          </a:xfrm>
-          <a:prstGeom prst="rect">
-            <a:avLst/>
-          </a:prstGeom>
-          <a:solidFill>
-            <a:srgbClr val="b4c7dc"/>
-          </a:solidFill>
-          <a:ln w="0">
-            <a:solidFill>
-              <a:srgbClr val="3465a4"/>
-            </a:solidFill>
-          </a:ln>
-        </p:spPr>
-        <p:style>
-          <a:lnRef idx="0"/>
-          <a:fillRef idx="0"/>
-          <a:effectRef idx="0"/>
-          <a:fontRef idx="minor"/>
-        </p:style>
-        <p:txBody>
-          <a:bodyPr lIns="90000" rIns="90000" tIns="45000" bIns="45000" anchor="ctr">
-            <a:noAutofit/>
-          </a:bodyPr>
-          <a:p>
-            <a:pPr algn="ctr">
-              <a:lnSpc>
-                <a:spcPct val="100000"/>
-              </a:lnSpc>
-              <a:buNone/>
-            </a:pPr>
-            <a:r>
-              <a:rPr b="0" lang="zxx" sz="1800" spc="-1" strike="noStrike">
-                <a:solidFill>
-                  <a:srgbClr val="000000"/>
-                </a:solidFill>
-                <a:latin typeface="Arial"/>
-                <a:ea typeface="DejaVu Sans"/>
-              </a:rPr>
-              <a:t>sample</a:t>
-            </a:r>
-            <a:endParaRPr b="0" lang="fr-CH" sz="1800" spc="-1" strike="noStrike">
-              <a:latin typeface="Arial"/>
-            </a:endParaRPr>
-          </a:p>
-        </p:txBody>
-      </p:sp>
-      <p:sp>
-        <p:nvSpPr>
-          <p:cNvPr id="131" name=""/>
-          <p:cNvSpPr/>
-          <p:nvPr/>
-        </p:nvSpPr>
-        <p:spPr>
-          <a:xfrm>
-            <a:off x="0" y="0"/>
-            <a:ext cx="360" cy="360"/>
-          </a:xfrm>
-          <a:prstGeom prst="line">
-            <a:avLst/>
-          </a:prstGeom>
-          <a:ln w="0">
-            <a:solidFill>
-              <a:srgbClr val="3465a4"/>
-            </a:solidFill>
-          </a:ln>
-        </p:spPr>
-        <p:style>
-          <a:lnRef idx="0"/>
-          <a:fillRef idx="0"/>
-          <a:effectRef idx="0"/>
-          <a:fontRef idx="minor"/>
-        </p:style>
-      </p:sp>
-      <p:sp>
-        <p:nvSpPr>
-          <p:cNvPr id="132" name=""/>
-          <p:cNvSpPr/>
-          <p:nvPr/>
-        </p:nvSpPr>
-        <p:spPr>
-          <a:xfrm>
-            <a:off x="0" y="0"/>
-            <a:ext cx="360" cy="360"/>
-          </a:xfrm>
-          <a:prstGeom prst="line">
-            <a:avLst/>
-          </a:prstGeom>
-          <a:ln w="0">
-            <a:solidFill>
-              <a:srgbClr val="3465a4"/>
-            </a:solidFill>
-          </a:ln>
-        </p:spPr>
-        <p:style>
-          <a:lnRef idx="0"/>
-          <a:fillRef idx="0"/>
-          <a:effectRef idx="0"/>
-          <a:fontRef idx="minor"/>
-        </p:style>
-      </p:sp>
-      <p:sp>
-        <p:nvSpPr>
-          <p:cNvPr id="133" name=""/>
-          <p:cNvSpPr/>
-          <p:nvPr/>
-        </p:nvSpPr>
-        <p:spPr>
-          <a:xfrm>
-            <a:off x="7920000" y="2520000"/>
-            <a:ext cx="1979640" cy="359640"/>
-          </a:xfrm>
-          <a:prstGeom prst="rect">
-            <a:avLst/>
-          </a:prstGeom>
-          <a:solidFill>
-            <a:srgbClr val="b4c7dc"/>
-          </a:solidFill>
-          <a:ln w="0">
-            <a:solidFill>
-              <a:srgbClr val="3465a4"/>
-            </a:solidFill>
-          </a:ln>
-        </p:spPr>
-        <p:style>
-          <a:lnRef idx="0"/>
-          <a:fillRef idx="0"/>
-          <a:effectRef idx="0"/>
-          <a:fontRef idx="minor"/>
-        </p:style>
-        <p:txBody>
-          <a:bodyPr lIns="90000" rIns="90000" tIns="45000" bIns="45000" anchor="ctr">
-            <a:noAutofit/>
-          </a:bodyPr>
-          <a:p>
-            <a:pPr algn="ctr">
-              <a:lnSpc>
-                <a:spcPct val="100000"/>
-              </a:lnSpc>
-              <a:buNone/>
-            </a:pPr>
-            <a:r>
-              <a:rPr b="0" lang="zxx" sz="1800" spc="-1" strike="noStrike">
-                <a:solidFill>
-                  <a:srgbClr val="000000"/>
-                </a:solidFill>
-                <a:latin typeface="Arial"/>
-                <a:ea typeface="DejaVu Sans"/>
-              </a:rPr>
-              <a:t>observation_type</a:t>
+              </a:rPr>
+              <a:t>The point is to have something to connect to for MetaCapturer dev</a:t>
             </a:r>
             <a:endParaRPr b="0" lang="fr-CH" sz="1800" spc="-1" strike="noStrike">
               <a:latin typeface="Arial"/>
@@ -8202,14 +7188,14 @@
       </p:grpSpPr>
       <p:sp>
         <p:nvSpPr>
-          <p:cNvPr id="134" name=""/>
+          <p:cNvPr id="112" name=""/>
           <p:cNvSpPr/>
           <p:nvPr/>
         </p:nvSpPr>
         <p:spPr>
           <a:xfrm>
-            <a:off x="180000" y="180000"/>
-            <a:ext cx="2856600" cy="345960"/>
+            <a:off x="140040" y="180000"/>
+            <a:ext cx="2224080" cy="345960"/>
           </a:xfrm>
           <a:prstGeom prst="rect">
             <a:avLst/>
@@ -8240,7 +7226,7 @@
               <a:rPr b="0" lang="zxx" sz="1800" spc="-1" strike="noStrike">
                 <a:latin typeface="Arial"/>
               </a:rPr>
-              <a:t>meta_json schematic V0.1</a:t>
+              <a:t>DB V2 Schematic ????</a:t>
             </a:r>
             <a:endParaRPr b="0" lang="fr-CH" sz="1800" spc="-1" strike="noStrike">
               <a:latin typeface="Arial"/>
@@ -8250,21 +7236,25 @@
       </p:sp>
       <p:sp>
         <p:nvSpPr>
-          <p:cNvPr id="135" name=""/>
+          <p:cNvPr id="113" name=""/>
           <p:cNvSpPr/>
           <p:nvPr/>
         </p:nvSpPr>
         <p:spPr>
           <a:xfrm>
-            <a:off x="180000" y="876960"/>
-            <a:ext cx="9522360" cy="1369800"/>
-          </a:xfrm>
-          <a:prstGeom prst="rect">
-            <a:avLst/>
-          </a:prstGeom>
-          <a:noFill/>
-          <a:ln w="0">
-            <a:noFill/>
+            <a:off x="180000" y="3060000"/>
+            <a:ext cx="1979640" cy="359640"/>
+          </a:xfrm>
+          <a:prstGeom prst="rect">
+            <a:avLst/>
+          </a:prstGeom>
+          <a:solidFill>
+            <a:srgbClr val="5983b0"/>
+          </a:solidFill>
+          <a:ln w="0">
+            <a:solidFill>
+              <a:srgbClr val="3465a4"/>
+            </a:solidFill>
           </a:ln>
         </p:spPr>
         <p:style>
@@ -8274,6 +7264,2040 @@
           <a:fontRef idx="minor"/>
         </p:style>
         <p:txBody>
+          <a:bodyPr lIns="90000" rIns="90000" tIns="45000" bIns="45000" anchor="ctr">
+            <a:noAutofit/>
+          </a:bodyPr>
+          <a:p>
+            <a:pPr algn="ctr">
+              <a:lnSpc>
+                <a:spcPct val="100000"/>
+              </a:lnSpc>
+              <a:buNone/>
+            </a:pPr>
+            <a:r>
+              <a:rPr b="0" lang="zxx" sz="1800" spc="-1" strike="noStrike">
+                <a:solidFill>
+                  <a:srgbClr val="000000"/>
+                </a:solidFill>
+                <a:latin typeface="Arial"/>
+                <a:ea typeface="DejaVu Sans"/>
+              </a:rPr>
+              <a:t>rg_tab</a:t>
+            </a:r>
+            <a:endParaRPr b="0" lang="fr-CH" sz="1800" spc="-1" strike="noStrike">
+              <a:latin typeface="Arial"/>
+            </a:endParaRPr>
+          </a:p>
+        </p:txBody>
+      </p:sp>
+      <p:sp>
+        <p:nvSpPr>
+          <p:cNvPr id="114" name=""/>
+          <p:cNvSpPr/>
+          <p:nvPr/>
+        </p:nvSpPr>
+        <p:spPr>
+          <a:xfrm>
+            <a:off x="180000" y="3420000"/>
+            <a:ext cx="1979640" cy="359640"/>
+          </a:xfrm>
+          <a:prstGeom prst="rect">
+            <a:avLst/>
+          </a:prstGeom>
+          <a:solidFill>
+            <a:srgbClr val="b4c7dc"/>
+          </a:solidFill>
+          <a:ln w="0">
+            <a:solidFill>
+              <a:srgbClr val="3465a4"/>
+            </a:solidFill>
+          </a:ln>
+        </p:spPr>
+        <p:style>
+          <a:lnRef idx="0"/>
+          <a:fillRef idx="0"/>
+          <a:effectRef idx="0"/>
+          <a:fontRef idx="minor"/>
+        </p:style>
+        <p:txBody>
+          <a:bodyPr lIns="90000" rIns="90000" tIns="45000" bIns="45000" anchor="ctr">
+            <a:noAutofit/>
+          </a:bodyPr>
+          <a:p>
+            <a:pPr algn="ctr">
+              <a:lnSpc>
+                <a:spcPct val="100000"/>
+              </a:lnSpc>
+              <a:buNone/>
+            </a:pPr>
+            <a:r>
+              <a:rPr b="0" lang="zxx" sz="1800" spc="-1" strike="noStrike">
+                <a:solidFill>
+                  <a:srgbClr val="000000"/>
+                </a:solidFill>
+                <a:latin typeface="Arial"/>
+                <a:ea typeface="DejaVu Sans"/>
+              </a:rPr>
+              <a:t>rg_id*</a:t>
+            </a:r>
+            <a:endParaRPr b="0" lang="fr-CH" sz="1800" spc="-1" strike="noStrike">
+              <a:latin typeface="Arial"/>
+            </a:endParaRPr>
+          </a:p>
+        </p:txBody>
+      </p:sp>
+      <p:sp>
+        <p:nvSpPr>
+          <p:cNvPr id="115" name=""/>
+          <p:cNvSpPr/>
+          <p:nvPr/>
+        </p:nvSpPr>
+        <p:spPr>
+          <a:xfrm>
+            <a:off x="180000" y="3780000"/>
+            <a:ext cx="1979640" cy="359640"/>
+          </a:xfrm>
+          <a:prstGeom prst="rect">
+            <a:avLst/>
+          </a:prstGeom>
+          <a:solidFill>
+            <a:srgbClr val="b4c7dc"/>
+          </a:solidFill>
+          <a:ln w="0">
+            <a:solidFill>
+              <a:srgbClr val="3465a4"/>
+            </a:solidFill>
+          </a:ln>
+        </p:spPr>
+        <p:style>
+          <a:lnRef idx="0"/>
+          <a:fillRef idx="0"/>
+          <a:effectRef idx="0"/>
+          <a:fontRef idx="minor"/>
+        </p:style>
+        <p:txBody>
+          <a:bodyPr lIns="90000" rIns="90000" tIns="45000" bIns="45000" anchor="ctr">
+            <a:noAutofit/>
+          </a:bodyPr>
+          <a:p>
+            <a:pPr algn="ctr">
+              <a:lnSpc>
+                <a:spcPct val="100000"/>
+              </a:lnSpc>
+              <a:buNone/>
+            </a:pPr>
+            <a:r>
+              <a:rPr b="0" lang="zxx" sz="1800" spc="-1" strike="noStrike">
+                <a:solidFill>
+                  <a:srgbClr val="000000"/>
+                </a:solidFill>
+                <a:latin typeface="Arial"/>
+                <a:ea typeface="DejaVu Sans"/>
+              </a:rPr>
+              <a:t>rg_name</a:t>
+            </a:r>
+            <a:endParaRPr b="0" lang="fr-CH" sz="1800" spc="-1" strike="noStrike">
+              <a:latin typeface="Arial"/>
+            </a:endParaRPr>
+          </a:p>
+        </p:txBody>
+      </p:sp>
+      <p:sp>
+        <p:nvSpPr>
+          <p:cNvPr id="116" name=""/>
+          <p:cNvSpPr/>
+          <p:nvPr/>
+        </p:nvSpPr>
+        <p:spPr>
+          <a:xfrm>
+            <a:off x="3240000" y="720000"/>
+            <a:ext cx="1979640" cy="359640"/>
+          </a:xfrm>
+          <a:prstGeom prst="rect">
+            <a:avLst/>
+          </a:prstGeom>
+          <a:solidFill>
+            <a:srgbClr val="5983b0"/>
+          </a:solidFill>
+          <a:ln w="0">
+            <a:solidFill>
+              <a:srgbClr val="3465a4"/>
+            </a:solidFill>
+          </a:ln>
+        </p:spPr>
+        <p:style>
+          <a:lnRef idx="0"/>
+          <a:fillRef idx="0"/>
+          <a:effectRef idx="0"/>
+          <a:fontRef idx="minor"/>
+        </p:style>
+        <p:txBody>
+          <a:bodyPr lIns="90000" rIns="90000" tIns="45000" bIns="45000" anchor="ctr">
+            <a:noAutofit/>
+          </a:bodyPr>
+          <a:p>
+            <a:pPr algn="ctr">
+              <a:lnSpc>
+                <a:spcPct val="100000"/>
+              </a:lnSpc>
+              <a:buNone/>
+            </a:pPr>
+            <a:r>
+              <a:rPr b="0" lang="zxx" sz="1800" spc="-1" strike="noStrike">
+                <a:solidFill>
+                  <a:srgbClr val="000000"/>
+                </a:solidFill>
+                <a:latin typeface="Arial"/>
+                <a:ea typeface="DejaVu Sans"/>
+              </a:rPr>
+              <a:t>user_tab</a:t>
+            </a:r>
+            <a:endParaRPr b="0" lang="fr-CH" sz="1800" spc="-1" strike="noStrike">
+              <a:latin typeface="Arial"/>
+            </a:endParaRPr>
+          </a:p>
+        </p:txBody>
+      </p:sp>
+      <p:sp>
+        <p:nvSpPr>
+          <p:cNvPr id="117" name=""/>
+          <p:cNvSpPr/>
+          <p:nvPr/>
+        </p:nvSpPr>
+        <p:spPr>
+          <a:xfrm>
+            <a:off x="3240000" y="1080000"/>
+            <a:ext cx="1979640" cy="359640"/>
+          </a:xfrm>
+          <a:prstGeom prst="rect">
+            <a:avLst/>
+          </a:prstGeom>
+          <a:solidFill>
+            <a:srgbClr val="b4c7dc"/>
+          </a:solidFill>
+          <a:ln w="0">
+            <a:solidFill>
+              <a:srgbClr val="3465a4"/>
+            </a:solidFill>
+          </a:ln>
+        </p:spPr>
+        <p:style>
+          <a:lnRef idx="0"/>
+          <a:fillRef idx="0"/>
+          <a:effectRef idx="0"/>
+          <a:fontRef idx="minor"/>
+        </p:style>
+        <p:txBody>
+          <a:bodyPr lIns="90000" rIns="90000" tIns="45000" bIns="45000" anchor="ctr">
+            <a:noAutofit/>
+          </a:bodyPr>
+          <a:p>
+            <a:pPr algn="ctr">
+              <a:lnSpc>
+                <a:spcPct val="100000"/>
+              </a:lnSpc>
+              <a:buNone/>
+            </a:pPr>
+            <a:r>
+              <a:rPr b="0" lang="zxx" sz="1800" spc="-1" strike="noStrike">
+                <a:solidFill>
+                  <a:srgbClr val="000000"/>
+                </a:solidFill>
+                <a:latin typeface="Arial"/>
+                <a:ea typeface="DejaVu Sans"/>
+              </a:rPr>
+              <a:t>user_id*</a:t>
+            </a:r>
+            <a:endParaRPr b="0" lang="fr-CH" sz="1800" spc="-1" strike="noStrike">
+              <a:latin typeface="Arial"/>
+            </a:endParaRPr>
+          </a:p>
+        </p:txBody>
+      </p:sp>
+      <p:sp>
+        <p:nvSpPr>
+          <p:cNvPr id="118" name=""/>
+          <p:cNvSpPr/>
+          <p:nvPr/>
+        </p:nvSpPr>
+        <p:spPr>
+          <a:xfrm>
+            <a:off x="3240000" y="1440000"/>
+            <a:ext cx="1979640" cy="359640"/>
+          </a:xfrm>
+          <a:prstGeom prst="rect">
+            <a:avLst/>
+          </a:prstGeom>
+          <a:solidFill>
+            <a:srgbClr val="b4c7dc"/>
+          </a:solidFill>
+          <a:ln w="0">
+            <a:solidFill>
+              <a:srgbClr val="3465a4"/>
+            </a:solidFill>
+          </a:ln>
+        </p:spPr>
+        <p:style>
+          <a:lnRef idx="0"/>
+          <a:fillRef idx="0"/>
+          <a:effectRef idx="0"/>
+          <a:fontRef idx="minor"/>
+        </p:style>
+        <p:txBody>
+          <a:bodyPr lIns="90000" rIns="90000" tIns="45000" bIns="45000" anchor="ctr">
+            <a:noAutofit/>
+          </a:bodyPr>
+          <a:p>
+            <a:pPr algn="ctr">
+              <a:lnSpc>
+                <a:spcPct val="100000"/>
+              </a:lnSpc>
+              <a:buNone/>
+            </a:pPr>
+            <a:r>
+              <a:rPr b="0" lang="zxx" sz="1800" spc="-1" strike="noStrike">
+                <a:solidFill>
+                  <a:srgbClr val="000000"/>
+                </a:solidFill>
+                <a:latin typeface="Arial"/>
+                <a:ea typeface="DejaVu Sans"/>
+              </a:rPr>
+              <a:t>user_name</a:t>
+            </a:r>
+            <a:endParaRPr b="0" lang="fr-CH" sz="1800" spc="-1" strike="noStrike">
+              <a:latin typeface="Arial"/>
+            </a:endParaRPr>
+          </a:p>
+        </p:txBody>
+      </p:sp>
+      <p:sp>
+        <p:nvSpPr>
+          <p:cNvPr id="119" name=""/>
+          <p:cNvSpPr/>
+          <p:nvPr/>
+        </p:nvSpPr>
+        <p:spPr>
+          <a:xfrm>
+            <a:off x="3240000" y="1800000"/>
+            <a:ext cx="1979640" cy="359640"/>
+          </a:xfrm>
+          <a:prstGeom prst="rect">
+            <a:avLst/>
+          </a:prstGeom>
+          <a:solidFill>
+            <a:srgbClr val="b4c7dc"/>
+          </a:solidFill>
+          <a:ln w="0">
+            <a:solidFill>
+              <a:srgbClr val="3465a4"/>
+            </a:solidFill>
+          </a:ln>
+        </p:spPr>
+        <p:style>
+          <a:lnRef idx="0"/>
+          <a:fillRef idx="0"/>
+          <a:effectRef idx="0"/>
+          <a:fontRef idx="minor"/>
+        </p:style>
+        <p:txBody>
+          <a:bodyPr lIns="90000" rIns="90000" tIns="45000" bIns="45000" anchor="ctr">
+            <a:noAutofit/>
+          </a:bodyPr>
+          <a:p>
+            <a:pPr algn="ctr">
+              <a:lnSpc>
+                <a:spcPct val="100000"/>
+              </a:lnSpc>
+              <a:buNone/>
+            </a:pPr>
+            <a:r>
+              <a:rPr b="0" lang="zxx" sz="1800" spc="-1" strike="noStrike">
+                <a:solidFill>
+                  <a:srgbClr val="000000"/>
+                </a:solidFill>
+                <a:latin typeface="Arial"/>
+                <a:ea typeface="DejaVu Sans"/>
+              </a:rPr>
+              <a:t>user_email</a:t>
+            </a:r>
+            <a:endParaRPr b="0" lang="fr-CH" sz="1800" spc="-1" strike="noStrike">
+              <a:latin typeface="Arial"/>
+            </a:endParaRPr>
+          </a:p>
+        </p:txBody>
+      </p:sp>
+      <p:sp>
+        <p:nvSpPr>
+          <p:cNvPr id="120" name=""/>
+          <p:cNvSpPr/>
+          <p:nvPr/>
+        </p:nvSpPr>
+        <p:spPr>
+          <a:xfrm>
+            <a:off x="3240000" y="2880000"/>
+            <a:ext cx="1979640" cy="359640"/>
+          </a:xfrm>
+          <a:prstGeom prst="rect">
+            <a:avLst/>
+          </a:prstGeom>
+          <a:solidFill>
+            <a:srgbClr val="5983b0"/>
+          </a:solidFill>
+          <a:ln w="0">
+            <a:solidFill>
+              <a:srgbClr val="3465a4"/>
+            </a:solidFill>
+          </a:ln>
+        </p:spPr>
+        <p:style>
+          <a:lnRef idx="0"/>
+          <a:fillRef idx="0"/>
+          <a:effectRef idx="0"/>
+          <a:fontRef idx="minor"/>
+        </p:style>
+        <p:txBody>
+          <a:bodyPr lIns="90000" rIns="90000" tIns="45000" bIns="45000" anchor="ctr">
+            <a:noAutofit/>
+          </a:bodyPr>
+          <a:p>
+            <a:pPr algn="ctr">
+              <a:lnSpc>
+                <a:spcPct val="100000"/>
+              </a:lnSpc>
+              <a:buNone/>
+            </a:pPr>
+            <a:r>
+              <a:rPr b="0" lang="zxx" sz="1800" spc="-1" strike="noStrike">
+                <a:solidFill>
+                  <a:srgbClr val="000000"/>
+                </a:solidFill>
+                <a:latin typeface="Arial"/>
+                <a:ea typeface="DejaVu Sans"/>
+              </a:rPr>
+              <a:t>sample_tab</a:t>
+            </a:r>
+            <a:endParaRPr b="0" lang="fr-CH" sz="1800" spc="-1" strike="noStrike">
+              <a:latin typeface="Arial"/>
+            </a:endParaRPr>
+          </a:p>
+        </p:txBody>
+      </p:sp>
+      <p:sp>
+        <p:nvSpPr>
+          <p:cNvPr id="121" name=""/>
+          <p:cNvSpPr/>
+          <p:nvPr/>
+        </p:nvSpPr>
+        <p:spPr>
+          <a:xfrm>
+            <a:off x="3240000" y="3240000"/>
+            <a:ext cx="1979640" cy="359640"/>
+          </a:xfrm>
+          <a:prstGeom prst="rect">
+            <a:avLst/>
+          </a:prstGeom>
+          <a:solidFill>
+            <a:srgbClr val="b4c7dc"/>
+          </a:solidFill>
+          <a:ln w="0">
+            <a:solidFill>
+              <a:srgbClr val="3465a4"/>
+            </a:solidFill>
+          </a:ln>
+        </p:spPr>
+        <p:style>
+          <a:lnRef idx="0"/>
+          <a:fillRef idx="0"/>
+          <a:effectRef idx="0"/>
+          <a:fontRef idx="minor"/>
+        </p:style>
+        <p:txBody>
+          <a:bodyPr lIns="90000" rIns="90000" tIns="45000" bIns="45000" anchor="ctr">
+            <a:noAutofit/>
+          </a:bodyPr>
+          <a:p>
+            <a:pPr algn="ctr">
+              <a:lnSpc>
+                <a:spcPct val="100000"/>
+              </a:lnSpc>
+              <a:buNone/>
+            </a:pPr>
+            <a:r>
+              <a:rPr b="0" lang="zxx" sz="1800" spc="-1" strike="noStrike">
+                <a:solidFill>
+                  <a:srgbClr val="000000"/>
+                </a:solidFill>
+                <a:latin typeface="Arial"/>
+                <a:ea typeface="DejaVu Sans"/>
+              </a:rPr>
+              <a:t>sample_id*</a:t>
+            </a:r>
+            <a:endParaRPr b="0" lang="fr-CH" sz="1800" spc="-1" strike="noStrike">
+              <a:latin typeface="Arial"/>
+            </a:endParaRPr>
+          </a:p>
+        </p:txBody>
+      </p:sp>
+      <p:sp>
+        <p:nvSpPr>
+          <p:cNvPr id="122" name=""/>
+          <p:cNvSpPr/>
+          <p:nvPr/>
+        </p:nvSpPr>
+        <p:spPr>
+          <a:xfrm>
+            <a:off x="3240000" y="3600000"/>
+            <a:ext cx="1979640" cy="359640"/>
+          </a:xfrm>
+          <a:prstGeom prst="rect">
+            <a:avLst/>
+          </a:prstGeom>
+          <a:solidFill>
+            <a:srgbClr val="b4c7dc"/>
+          </a:solidFill>
+          <a:ln w="0">
+            <a:solidFill>
+              <a:srgbClr val="3465a4"/>
+            </a:solidFill>
+          </a:ln>
+        </p:spPr>
+        <p:style>
+          <a:lnRef idx="0"/>
+          <a:fillRef idx="0"/>
+          <a:effectRef idx="0"/>
+          <a:fontRef idx="minor"/>
+        </p:style>
+        <p:txBody>
+          <a:bodyPr lIns="90000" rIns="90000" tIns="45000" bIns="45000" anchor="ctr">
+            <a:noAutofit/>
+          </a:bodyPr>
+          <a:p>
+            <a:pPr algn="ctr">
+              <a:lnSpc>
+                <a:spcPct val="100000"/>
+              </a:lnSpc>
+              <a:buNone/>
+            </a:pPr>
+            <a:r>
+              <a:rPr b="0" lang="zxx" sz="1800" spc="-1" strike="noStrike">
+                <a:solidFill>
+                  <a:srgbClr val="000000"/>
+                </a:solidFill>
+                <a:latin typeface="Arial"/>
+                <a:ea typeface="DejaVu Sans"/>
+              </a:rPr>
+              <a:t>sample_code</a:t>
+            </a:r>
+            <a:endParaRPr b="0" lang="fr-CH" sz="1800" spc="-1" strike="noStrike">
+              <a:latin typeface="Arial"/>
+            </a:endParaRPr>
+          </a:p>
+        </p:txBody>
+      </p:sp>
+      <p:sp>
+        <p:nvSpPr>
+          <p:cNvPr id="123" name=""/>
+          <p:cNvSpPr/>
+          <p:nvPr/>
+        </p:nvSpPr>
+        <p:spPr>
+          <a:xfrm>
+            <a:off x="3240000" y="3960000"/>
+            <a:ext cx="1979640" cy="359640"/>
+          </a:xfrm>
+          <a:prstGeom prst="rect">
+            <a:avLst/>
+          </a:prstGeom>
+          <a:solidFill>
+            <a:srgbClr val="b4c7dc"/>
+          </a:solidFill>
+          <a:ln w="0">
+            <a:solidFill>
+              <a:srgbClr val="3465a4"/>
+            </a:solidFill>
+          </a:ln>
+        </p:spPr>
+        <p:style>
+          <a:lnRef idx="0"/>
+          <a:fillRef idx="0"/>
+          <a:effectRef idx="0"/>
+          <a:fontRef idx="minor"/>
+        </p:style>
+        <p:txBody>
+          <a:bodyPr lIns="90000" rIns="90000" tIns="45000" bIns="45000" anchor="ctr">
+            <a:noAutofit/>
+          </a:bodyPr>
+          <a:p>
+            <a:pPr algn="ctr">
+              <a:lnSpc>
+                <a:spcPct val="100000"/>
+              </a:lnSpc>
+              <a:buNone/>
+            </a:pPr>
+            <a:r>
+              <a:rPr b="0" lang="zxx" sz="1800" spc="-1" strike="noStrike">
+                <a:solidFill>
+                  <a:srgbClr val="000000"/>
+                </a:solidFill>
+                <a:latin typeface="Arial"/>
+                <a:ea typeface="DejaVu Sans"/>
+              </a:rPr>
+              <a:t>sample_type</a:t>
+            </a:r>
+            <a:endParaRPr b="0" lang="fr-CH" sz="1800" spc="-1" strike="noStrike">
+              <a:latin typeface="Arial"/>
+            </a:endParaRPr>
+          </a:p>
+        </p:txBody>
+      </p:sp>
+      <p:sp>
+        <p:nvSpPr>
+          <p:cNvPr id="124" name=""/>
+          <p:cNvSpPr/>
+          <p:nvPr/>
+        </p:nvSpPr>
+        <p:spPr>
+          <a:xfrm>
+            <a:off x="3240000" y="4680000"/>
+            <a:ext cx="1979640" cy="359640"/>
+          </a:xfrm>
+          <a:prstGeom prst="rect">
+            <a:avLst/>
+          </a:prstGeom>
+          <a:solidFill>
+            <a:srgbClr val="b4c7dc"/>
+          </a:solidFill>
+          <a:ln w="0">
+            <a:solidFill>
+              <a:srgbClr val="3465a4"/>
+            </a:solidFill>
+          </a:ln>
+        </p:spPr>
+        <p:style>
+          <a:lnRef idx="0"/>
+          <a:fillRef idx="0"/>
+          <a:effectRef idx="0"/>
+          <a:fontRef idx="minor"/>
+        </p:style>
+        <p:txBody>
+          <a:bodyPr lIns="90000" rIns="90000" tIns="45000" bIns="45000" anchor="ctr">
+            <a:noAutofit/>
+          </a:bodyPr>
+          <a:p>
+            <a:pPr algn="ctr">
+              <a:lnSpc>
+                <a:spcPct val="100000"/>
+              </a:lnSpc>
+              <a:buNone/>
+            </a:pPr>
+            <a:r>
+              <a:rPr b="0" lang="zxx" sz="1800" spc="-1" strike="noStrike">
+                <a:solidFill>
+                  <a:srgbClr val="000000"/>
+                </a:solidFill>
+                <a:latin typeface="Arial"/>
+                <a:ea typeface="DejaVu Sans"/>
+              </a:rPr>
+              <a:t>rg</a:t>
+            </a:r>
+            <a:endParaRPr b="0" lang="fr-CH" sz="1800" spc="-1" strike="noStrike">
+              <a:latin typeface="Arial"/>
+            </a:endParaRPr>
+          </a:p>
+        </p:txBody>
+      </p:sp>
+      <p:sp>
+        <p:nvSpPr>
+          <p:cNvPr id="125" name=""/>
+          <p:cNvSpPr/>
+          <p:nvPr/>
+        </p:nvSpPr>
+        <p:spPr>
+          <a:xfrm>
+            <a:off x="3240000" y="5040000"/>
+            <a:ext cx="1979640" cy="359640"/>
+          </a:xfrm>
+          <a:prstGeom prst="rect">
+            <a:avLst/>
+          </a:prstGeom>
+          <a:solidFill>
+            <a:srgbClr val="b4c7dc"/>
+          </a:solidFill>
+          <a:ln w="0">
+            <a:solidFill>
+              <a:srgbClr val="3465a4"/>
+            </a:solidFill>
+          </a:ln>
+        </p:spPr>
+        <p:style>
+          <a:lnRef idx="0"/>
+          <a:fillRef idx="0"/>
+          <a:effectRef idx="0"/>
+          <a:fontRef idx="minor"/>
+        </p:style>
+        <p:txBody>
+          <a:bodyPr lIns="90000" rIns="90000" tIns="45000" bIns="45000" anchor="ctr">
+            <a:noAutofit/>
+          </a:bodyPr>
+          <a:p>
+            <a:pPr algn="ctr">
+              <a:lnSpc>
+                <a:spcPct val="100000"/>
+              </a:lnSpc>
+              <a:buNone/>
+            </a:pPr>
+            <a:r>
+              <a:rPr b="0" lang="zxx" sz="1800" spc="-1" strike="noStrike">
+                <a:solidFill>
+                  <a:srgbClr val="000000"/>
+                </a:solidFill>
+                <a:latin typeface="Arial"/>
+                <a:ea typeface="DejaVu Sans"/>
+              </a:rPr>
+              <a:t>meta_json</a:t>
+            </a:r>
+            <a:endParaRPr b="0" lang="fr-CH" sz="1800" spc="-1" strike="noStrike">
+              <a:latin typeface="Arial"/>
+            </a:endParaRPr>
+          </a:p>
+        </p:txBody>
+      </p:sp>
+      <p:sp>
+        <p:nvSpPr>
+          <p:cNvPr id="126" name=""/>
+          <p:cNvSpPr/>
+          <p:nvPr/>
+        </p:nvSpPr>
+        <p:spPr>
+          <a:xfrm>
+            <a:off x="7740000" y="3960000"/>
+            <a:ext cx="2159640" cy="359640"/>
+          </a:xfrm>
+          <a:prstGeom prst="rect">
+            <a:avLst/>
+          </a:prstGeom>
+          <a:solidFill>
+            <a:srgbClr val="5983b0"/>
+          </a:solidFill>
+          <a:ln w="0">
+            <a:solidFill>
+              <a:srgbClr val="3465a4"/>
+            </a:solidFill>
+          </a:ln>
+        </p:spPr>
+        <p:style>
+          <a:lnRef idx="0"/>
+          <a:fillRef idx="0"/>
+          <a:effectRef idx="0"/>
+          <a:fontRef idx="minor"/>
+        </p:style>
+        <p:txBody>
+          <a:bodyPr lIns="90000" rIns="90000" tIns="45000" bIns="45000" anchor="ctr">
+            <a:noAutofit/>
+          </a:bodyPr>
+          <a:p>
+            <a:pPr algn="ctr">
+              <a:lnSpc>
+                <a:spcPct val="100000"/>
+              </a:lnSpc>
+              <a:buNone/>
+            </a:pPr>
+            <a:r>
+              <a:rPr b="0" lang="zxx" sz="1800" spc="-1" strike="noStrike">
+                <a:solidFill>
+                  <a:srgbClr val="000000"/>
+                </a:solidFill>
+                <a:latin typeface="Arial"/>
+                <a:ea typeface="DejaVu Sans"/>
+              </a:rPr>
+              <a:t>project_tab</a:t>
+            </a:r>
+            <a:endParaRPr b="0" lang="fr-CH" sz="1800" spc="-1" strike="noStrike">
+              <a:latin typeface="Arial"/>
+            </a:endParaRPr>
+          </a:p>
+        </p:txBody>
+      </p:sp>
+      <p:sp>
+        <p:nvSpPr>
+          <p:cNvPr id="127" name=""/>
+          <p:cNvSpPr/>
+          <p:nvPr/>
+        </p:nvSpPr>
+        <p:spPr>
+          <a:xfrm>
+            <a:off x="7740000" y="4320000"/>
+            <a:ext cx="2159640" cy="359640"/>
+          </a:xfrm>
+          <a:prstGeom prst="rect">
+            <a:avLst/>
+          </a:prstGeom>
+          <a:solidFill>
+            <a:srgbClr val="b4c7dc"/>
+          </a:solidFill>
+          <a:ln w="0">
+            <a:solidFill>
+              <a:srgbClr val="3465a4"/>
+            </a:solidFill>
+          </a:ln>
+        </p:spPr>
+        <p:style>
+          <a:lnRef idx="0"/>
+          <a:fillRef idx="0"/>
+          <a:effectRef idx="0"/>
+          <a:fontRef idx="minor"/>
+        </p:style>
+        <p:txBody>
+          <a:bodyPr lIns="90000" rIns="90000" tIns="45000" bIns="45000" anchor="ctr">
+            <a:noAutofit/>
+          </a:bodyPr>
+          <a:p>
+            <a:pPr algn="ctr">
+              <a:lnSpc>
+                <a:spcPct val="100000"/>
+              </a:lnSpc>
+              <a:buNone/>
+            </a:pPr>
+            <a:r>
+              <a:rPr b="0" lang="zxx" sz="1800" spc="-1" strike="noStrike">
+                <a:solidFill>
+                  <a:srgbClr val="000000"/>
+                </a:solidFill>
+                <a:latin typeface="Arial"/>
+                <a:ea typeface="DejaVu Sans"/>
+              </a:rPr>
+              <a:t>meta_json_id*</a:t>
+            </a:r>
+            <a:endParaRPr b="0" lang="fr-CH" sz="1800" spc="-1" strike="noStrike">
+              <a:latin typeface="Arial"/>
+            </a:endParaRPr>
+          </a:p>
+        </p:txBody>
+      </p:sp>
+      <p:sp>
+        <p:nvSpPr>
+          <p:cNvPr id="128" name=""/>
+          <p:cNvSpPr/>
+          <p:nvPr/>
+        </p:nvSpPr>
+        <p:spPr>
+          <a:xfrm>
+            <a:off x="7740000" y="4680000"/>
+            <a:ext cx="2159640" cy="359640"/>
+          </a:xfrm>
+          <a:prstGeom prst="rect">
+            <a:avLst/>
+          </a:prstGeom>
+          <a:solidFill>
+            <a:srgbClr val="b4c7dc"/>
+          </a:solidFill>
+          <a:ln w="0">
+            <a:solidFill>
+              <a:srgbClr val="3465a4"/>
+            </a:solidFill>
+          </a:ln>
+        </p:spPr>
+        <p:style>
+          <a:lnRef idx="0"/>
+          <a:fillRef idx="0"/>
+          <a:effectRef idx="0"/>
+          <a:fontRef idx="minor"/>
+        </p:style>
+        <p:txBody>
+          <a:bodyPr lIns="90000" rIns="90000" tIns="45000" bIns="45000" anchor="ctr">
+            <a:noAutofit/>
+          </a:bodyPr>
+          <a:p>
+            <a:pPr algn="ctr">
+              <a:lnSpc>
+                <a:spcPct val="100000"/>
+              </a:lnSpc>
+              <a:buNone/>
+            </a:pPr>
+            <a:r>
+              <a:rPr b="0" lang="zxx" sz="1800" spc="-1" strike="noStrike">
+                <a:solidFill>
+                  <a:srgbClr val="000000"/>
+                </a:solidFill>
+                <a:latin typeface="Arial"/>
+                <a:ea typeface="DejaVu Sans"/>
+              </a:rPr>
+              <a:t>meta_json_filepath</a:t>
+            </a:r>
+            <a:endParaRPr b="0" lang="fr-CH" sz="1800" spc="-1" strike="noStrike">
+              <a:latin typeface="Arial"/>
+            </a:endParaRPr>
+          </a:p>
+        </p:txBody>
+      </p:sp>
+      <p:sp>
+        <p:nvSpPr>
+          <p:cNvPr id="129" name=""/>
+          <p:cNvSpPr/>
+          <p:nvPr/>
+        </p:nvSpPr>
+        <p:spPr>
+          <a:xfrm>
+            <a:off x="5580000" y="720000"/>
+            <a:ext cx="1979640" cy="359640"/>
+          </a:xfrm>
+          <a:prstGeom prst="rect">
+            <a:avLst/>
+          </a:prstGeom>
+          <a:solidFill>
+            <a:srgbClr val="5983b0"/>
+          </a:solidFill>
+          <a:ln w="0">
+            <a:solidFill>
+              <a:srgbClr val="3465a4"/>
+            </a:solidFill>
+          </a:ln>
+        </p:spPr>
+        <p:style>
+          <a:lnRef idx="0"/>
+          <a:fillRef idx="0"/>
+          <a:effectRef idx="0"/>
+          <a:fontRef idx="minor"/>
+        </p:style>
+        <p:txBody>
+          <a:bodyPr lIns="90000" rIns="90000" tIns="45000" bIns="45000" anchor="ctr">
+            <a:noAutofit/>
+          </a:bodyPr>
+          <a:p>
+            <a:pPr algn="ctr">
+              <a:lnSpc>
+                <a:spcPct val="100000"/>
+              </a:lnSpc>
+              <a:buNone/>
+            </a:pPr>
+            <a:r>
+              <a:rPr b="0" lang="zxx" sz="1800" spc="-1" strike="noStrike">
+                <a:solidFill>
+                  <a:srgbClr val="000000"/>
+                </a:solidFill>
+                <a:latin typeface="Arial"/>
+                <a:ea typeface="DejaVu Sans"/>
+              </a:rPr>
+              <a:t>user_instrument</a:t>
+            </a:r>
+            <a:endParaRPr b="0" lang="fr-CH" sz="1800" spc="-1" strike="noStrike">
+              <a:latin typeface="Arial"/>
+            </a:endParaRPr>
+          </a:p>
+        </p:txBody>
+      </p:sp>
+      <p:sp>
+        <p:nvSpPr>
+          <p:cNvPr id="130" name=""/>
+          <p:cNvSpPr/>
+          <p:nvPr/>
+        </p:nvSpPr>
+        <p:spPr>
+          <a:xfrm>
+            <a:off x="5580000" y="1080000"/>
+            <a:ext cx="1979640" cy="359640"/>
+          </a:xfrm>
+          <a:prstGeom prst="rect">
+            <a:avLst/>
+          </a:prstGeom>
+          <a:solidFill>
+            <a:srgbClr val="b4c7dc"/>
+          </a:solidFill>
+          <a:ln w="0">
+            <a:solidFill>
+              <a:srgbClr val="3465a4"/>
+            </a:solidFill>
+          </a:ln>
+        </p:spPr>
+        <p:style>
+          <a:lnRef idx="0"/>
+          <a:fillRef idx="0"/>
+          <a:effectRef idx="0"/>
+          <a:fontRef idx="minor"/>
+        </p:style>
+        <p:txBody>
+          <a:bodyPr lIns="90000" rIns="90000" tIns="45000" bIns="45000" anchor="ctr">
+            <a:noAutofit/>
+          </a:bodyPr>
+          <a:p>
+            <a:pPr algn="ctr">
+              <a:lnSpc>
+                <a:spcPct val="100000"/>
+              </a:lnSpc>
+              <a:buNone/>
+            </a:pPr>
+            <a:r>
+              <a:rPr b="0" lang="zxx" sz="1800" spc="-1" strike="noStrike">
+                <a:solidFill>
+                  <a:srgbClr val="000000"/>
+                </a:solidFill>
+                <a:latin typeface="Arial"/>
+                <a:ea typeface="DejaVu Sans"/>
+              </a:rPr>
+              <a:t>user</a:t>
+            </a:r>
+            <a:endParaRPr b="0" lang="fr-CH" sz="1800" spc="-1" strike="noStrike">
+              <a:latin typeface="Arial"/>
+            </a:endParaRPr>
+          </a:p>
+        </p:txBody>
+      </p:sp>
+      <p:sp>
+        <p:nvSpPr>
+          <p:cNvPr id="131" name=""/>
+          <p:cNvSpPr/>
+          <p:nvPr/>
+        </p:nvSpPr>
+        <p:spPr>
+          <a:xfrm>
+            <a:off x="5580000" y="1440000"/>
+            <a:ext cx="1979640" cy="359640"/>
+          </a:xfrm>
+          <a:prstGeom prst="rect">
+            <a:avLst/>
+          </a:prstGeom>
+          <a:solidFill>
+            <a:srgbClr val="b4c7dc"/>
+          </a:solidFill>
+          <a:ln w="0">
+            <a:solidFill>
+              <a:srgbClr val="3465a4"/>
+            </a:solidFill>
+          </a:ln>
+        </p:spPr>
+        <p:style>
+          <a:lnRef idx="0"/>
+          <a:fillRef idx="0"/>
+          <a:effectRef idx="0"/>
+          <a:fontRef idx="minor"/>
+        </p:style>
+        <p:txBody>
+          <a:bodyPr lIns="90000" rIns="90000" tIns="45000" bIns="45000" anchor="ctr">
+            <a:noAutofit/>
+          </a:bodyPr>
+          <a:p>
+            <a:pPr algn="ctr">
+              <a:lnSpc>
+                <a:spcPct val="100000"/>
+              </a:lnSpc>
+              <a:buNone/>
+            </a:pPr>
+            <a:r>
+              <a:rPr b="0" lang="zxx" sz="1800" spc="-1" strike="noStrike">
+                <a:solidFill>
+                  <a:srgbClr val="000000"/>
+                </a:solidFill>
+                <a:latin typeface="Arial"/>
+                <a:ea typeface="DejaVu Sans"/>
+              </a:rPr>
+              <a:t>instrument</a:t>
+            </a:r>
+            <a:endParaRPr b="0" lang="fr-CH" sz="1800" spc="-1" strike="noStrike">
+              <a:latin typeface="Arial"/>
+            </a:endParaRPr>
+          </a:p>
+        </p:txBody>
+      </p:sp>
+      <p:sp>
+        <p:nvSpPr>
+          <p:cNvPr id="132" name=""/>
+          <p:cNvSpPr/>
+          <p:nvPr/>
+        </p:nvSpPr>
+        <p:spPr>
+          <a:xfrm>
+            <a:off x="7920000" y="720000"/>
+            <a:ext cx="1979640" cy="359640"/>
+          </a:xfrm>
+          <a:prstGeom prst="rect">
+            <a:avLst/>
+          </a:prstGeom>
+          <a:solidFill>
+            <a:srgbClr val="5983b0"/>
+          </a:solidFill>
+          <a:ln w="0">
+            <a:solidFill>
+              <a:srgbClr val="3465a4"/>
+            </a:solidFill>
+          </a:ln>
+        </p:spPr>
+        <p:style>
+          <a:lnRef idx="0"/>
+          <a:fillRef idx="0"/>
+          <a:effectRef idx="0"/>
+          <a:fontRef idx="minor"/>
+        </p:style>
+        <p:txBody>
+          <a:bodyPr lIns="90000" rIns="90000" tIns="45000" bIns="45000" anchor="ctr">
+            <a:noAutofit/>
+          </a:bodyPr>
+          <a:p>
+            <a:pPr algn="ctr">
+              <a:lnSpc>
+                <a:spcPct val="100000"/>
+              </a:lnSpc>
+              <a:buNone/>
+            </a:pPr>
+            <a:r>
+              <a:rPr b="0" lang="zxx" sz="1800" spc="-1" strike="noStrike">
+                <a:solidFill>
+                  <a:srgbClr val="000000"/>
+                </a:solidFill>
+                <a:latin typeface="Arial"/>
+                <a:ea typeface="DejaVu Sans"/>
+              </a:rPr>
+              <a:t>instrument_tab</a:t>
+            </a:r>
+            <a:endParaRPr b="0" lang="fr-CH" sz="1800" spc="-1" strike="noStrike">
+              <a:latin typeface="Arial"/>
+            </a:endParaRPr>
+          </a:p>
+        </p:txBody>
+      </p:sp>
+      <p:sp>
+        <p:nvSpPr>
+          <p:cNvPr id="133" name=""/>
+          <p:cNvSpPr/>
+          <p:nvPr/>
+        </p:nvSpPr>
+        <p:spPr>
+          <a:xfrm>
+            <a:off x="7920000" y="1080000"/>
+            <a:ext cx="1979640" cy="359640"/>
+          </a:xfrm>
+          <a:prstGeom prst="rect">
+            <a:avLst/>
+          </a:prstGeom>
+          <a:solidFill>
+            <a:srgbClr val="b4c7dc"/>
+          </a:solidFill>
+          <a:ln w="0">
+            <a:solidFill>
+              <a:srgbClr val="3465a4"/>
+            </a:solidFill>
+          </a:ln>
+        </p:spPr>
+        <p:style>
+          <a:lnRef idx="0"/>
+          <a:fillRef idx="0"/>
+          <a:effectRef idx="0"/>
+          <a:fontRef idx="minor"/>
+        </p:style>
+        <p:txBody>
+          <a:bodyPr lIns="90000" rIns="90000" tIns="45000" bIns="45000" anchor="ctr">
+            <a:noAutofit/>
+          </a:bodyPr>
+          <a:p>
+            <a:pPr algn="ctr">
+              <a:lnSpc>
+                <a:spcPct val="100000"/>
+              </a:lnSpc>
+              <a:buNone/>
+            </a:pPr>
+            <a:r>
+              <a:rPr b="0" lang="zxx" sz="1800" spc="-1" strike="noStrike">
+                <a:solidFill>
+                  <a:srgbClr val="000000"/>
+                </a:solidFill>
+                <a:latin typeface="Arial"/>
+                <a:ea typeface="DejaVu Sans"/>
+              </a:rPr>
+              <a:t>instrument_id</a:t>
+            </a:r>
+            <a:endParaRPr b="0" lang="fr-CH" sz="1800" spc="-1" strike="noStrike">
+              <a:latin typeface="Arial"/>
+            </a:endParaRPr>
+          </a:p>
+        </p:txBody>
+      </p:sp>
+      <p:sp>
+        <p:nvSpPr>
+          <p:cNvPr id="134" name=""/>
+          <p:cNvSpPr/>
+          <p:nvPr/>
+        </p:nvSpPr>
+        <p:spPr>
+          <a:xfrm>
+            <a:off x="7920000" y="1440000"/>
+            <a:ext cx="1979640" cy="359640"/>
+          </a:xfrm>
+          <a:prstGeom prst="rect">
+            <a:avLst/>
+          </a:prstGeom>
+          <a:solidFill>
+            <a:srgbClr val="b4c7dc"/>
+          </a:solidFill>
+          <a:ln w="0">
+            <a:solidFill>
+              <a:srgbClr val="3465a4"/>
+            </a:solidFill>
+          </a:ln>
+        </p:spPr>
+        <p:style>
+          <a:lnRef idx="0"/>
+          <a:fillRef idx="0"/>
+          <a:effectRef idx="0"/>
+          <a:fontRef idx="minor"/>
+        </p:style>
+        <p:txBody>
+          <a:bodyPr lIns="90000" rIns="90000" tIns="45000" bIns="45000" anchor="ctr">
+            <a:noAutofit/>
+          </a:bodyPr>
+          <a:p>
+            <a:pPr algn="ctr">
+              <a:lnSpc>
+                <a:spcPct val="100000"/>
+              </a:lnSpc>
+              <a:buNone/>
+            </a:pPr>
+            <a:r>
+              <a:rPr b="0" lang="zxx" sz="1800" spc="-1" strike="noStrike">
+                <a:solidFill>
+                  <a:srgbClr val="000000"/>
+                </a:solidFill>
+                <a:latin typeface="Arial"/>
+                <a:ea typeface="DejaVu Sans"/>
+              </a:rPr>
+              <a:t>instrument_name</a:t>
+            </a:r>
+            <a:endParaRPr b="0" lang="fr-CH" sz="1800" spc="-1" strike="noStrike">
+              <a:latin typeface="Arial"/>
+            </a:endParaRPr>
+          </a:p>
+        </p:txBody>
+      </p:sp>
+      <p:sp>
+        <p:nvSpPr>
+          <p:cNvPr id="135" name=""/>
+          <p:cNvSpPr/>
+          <p:nvPr/>
+        </p:nvSpPr>
+        <p:spPr>
+          <a:xfrm>
+            <a:off x="7920000" y="1800000"/>
+            <a:ext cx="1979640" cy="359640"/>
+          </a:xfrm>
+          <a:prstGeom prst="rect">
+            <a:avLst/>
+          </a:prstGeom>
+          <a:solidFill>
+            <a:srgbClr val="b4c7dc"/>
+          </a:solidFill>
+          <a:ln w="0">
+            <a:solidFill>
+              <a:srgbClr val="3465a4"/>
+            </a:solidFill>
+          </a:ln>
+        </p:spPr>
+        <p:style>
+          <a:lnRef idx="0"/>
+          <a:fillRef idx="0"/>
+          <a:effectRef idx="0"/>
+          <a:fontRef idx="minor"/>
+        </p:style>
+        <p:txBody>
+          <a:bodyPr lIns="90000" rIns="90000" tIns="45000" bIns="45000" anchor="ctr">
+            <a:noAutofit/>
+          </a:bodyPr>
+          <a:p>
+            <a:pPr algn="ctr">
+              <a:lnSpc>
+                <a:spcPct val="100000"/>
+              </a:lnSpc>
+              <a:buNone/>
+            </a:pPr>
+            <a:r>
+              <a:rPr b="0" lang="zxx" sz="1800" spc="-1" strike="noStrike">
+                <a:solidFill>
+                  <a:srgbClr val="000000"/>
+                </a:solidFill>
+                <a:latin typeface="Arial"/>
+                <a:ea typeface="DejaVu Sans"/>
+              </a:rPr>
+              <a:t>instrument_type</a:t>
+            </a:r>
+            <a:endParaRPr b="0" lang="fr-CH" sz="1800" spc="-1" strike="noStrike">
+              <a:latin typeface="Arial"/>
+            </a:endParaRPr>
+          </a:p>
+        </p:txBody>
+      </p:sp>
+      <p:sp>
+        <p:nvSpPr>
+          <p:cNvPr id="136" name=""/>
+          <p:cNvSpPr/>
+          <p:nvPr/>
+        </p:nvSpPr>
+        <p:spPr>
+          <a:xfrm>
+            <a:off x="7920000" y="2160000"/>
+            <a:ext cx="1979640" cy="359640"/>
+          </a:xfrm>
+          <a:prstGeom prst="rect">
+            <a:avLst/>
+          </a:prstGeom>
+          <a:solidFill>
+            <a:srgbClr val="b4c7dc"/>
+          </a:solidFill>
+          <a:ln w="0">
+            <a:solidFill>
+              <a:srgbClr val="3465a4"/>
+            </a:solidFill>
+          </a:ln>
+        </p:spPr>
+        <p:style>
+          <a:lnRef idx="0"/>
+          <a:fillRef idx="0"/>
+          <a:effectRef idx="0"/>
+          <a:fontRef idx="minor"/>
+        </p:style>
+        <p:txBody>
+          <a:bodyPr lIns="90000" rIns="90000" tIns="45000" bIns="45000" anchor="ctr">
+            <a:noAutofit/>
+          </a:bodyPr>
+          <a:p>
+            <a:pPr algn="ctr">
+              <a:lnSpc>
+                <a:spcPct val="100000"/>
+              </a:lnSpc>
+              <a:buNone/>
+            </a:pPr>
+            <a:r>
+              <a:rPr b="0" lang="zxx" sz="1800" spc="-1" strike="noStrike">
+                <a:solidFill>
+                  <a:srgbClr val="000000"/>
+                </a:solidFill>
+                <a:latin typeface="Arial"/>
+                <a:ea typeface="DejaVu Sans"/>
+              </a:rPr>
+              <a:t>instrument_path</a:t>
+            </a:r>
+            <a:endParaRPr b="0" lang="fr-CH" sz="1800" spc="-1" strike="noStrike">
+              <a:latin typeface="Arial"/>
+            </a:endParaRPr>
+          </a:p>
+        </p:txBody>
+      </p:sp>
+      <p:sp>
+        <p:nvSpPr>
+          <p:cNvPr id="137" name=""/>
+          <p:cNvSpPr/>
+          <p:nvPr/>
+        </p:nvSpPr>
+        <p:spPr>
+          <a:xfrm>
+            <a:off x="0" y="0"/>
+            <a:ext cx="360" cy="360"/>
+          </a:xfrm>
+          <a:prstGeom prst="line">
+            <a:avLst/>
+          </a:prstGeom>
+          <a:ln w="0">
+            <a:solidFill>
+              <a:srgbClr val="3465a4"/>
+            </a:solidFill>
+          </a:ln>
+        </p:spPr>
+        <p:style>
+          <a:lnRef idx="0"/>
+          <a:fillRef idx="0"/>
+          <a:effectRef idx="0"/>
+          <a:fontRef idx="minor"/>
+        </p:style>
+      </p:sp>
+      <p:sp>
+        <p:nvSpPr>
+          <p:cNvPr id="138" name=""/>
+          <p:cNvSpPr/>
+          <p:nvPr/>
+        </p:nvSpPr>
+        <p:spPr>
+          <a:xfrm>
+            <a:off x="0" y="0"/>
+            <a:ext cx="360" cy="360"/>
+          </a:xfrm>
+          <a:prstGeom prst="line">
+            <a:avLst/>
+          </a:prstGeom>
+          <a:ln w="0">
+            <a:solidFill>
+              <a:srgbClr val="3465a4"/>
+            </a:solidFill>
+          </a:ln>
+        </p:spPr>
+        <p:style>
+          <a:lnRef idx="0"/>
+          <a:fillRef idx="0"/>
+          <a:effectRef idx="0"/>
+          <a:fontRef idx="minor"/>
+        </p:style>
+      </p:sp>
+      <p:sp>
+        <p:nvSpPr>
+          <p:cNvPr id="139" name=""/>
+          <p:cNvSpPr/>
+          <p:nvPr/>
+        </p:nvSpPr>
+        <p:spPr>
+          <a:xfrm>
+            <a:off x="0" y="0"/>
+            <a:ext cx="360" cy="360"/>
+          </a:xfrm>
+          <a:prstGeom prst="line">
+            <a:avLst/>
+          </a:prstGeom>
+          <a:ln w="0">
+            <a:solidFill>
+              <a:srgbClr val="3465a4"/>
+            </a:solidFill>
+          </a:ln>
+        </p:spPr>
+        <p:style>
+          <a:lnRef idx="0"/>
+          <a:fillRef idx="0"/>
+          <a:effectRef idx="0"/>
+          <a:fontRef idx="minor"/>
+        </p:style>
+      </p:sp>
+      <p:sp>
+        <p:nvSpPr>
+          <p:cNvPr id="140" name=""/>
+          <p:cNvSpPr/>
+          <p:nvPr/>
+        </p:nvSpPr>
+        <p:spPr>
+          <a:xfrm>
+            <a:off x="0" y="0"/>
+            <a:ext cx="360" cy="360"/>
+          </a:xfrm>
+          <a:prstGeom prst="line">
+            <a:avLst/>
+          </a:prstGeom>
+          <a:ln w="0">
+            <a:solidFill>
+              <a:srgbClr val="3465a4"/>
+            </a:solidFill>
+          </a:ln>
+        </p:spPr>
+        <p:style>
+          <a:lnRef idx="0"/>
+          <a:fillRef idx="0"/>
+          <a:effectRef idx="0"/>
+          <a:fontRef idx="minor"/>
+        </p:style>
+      </p:sp>
+      <p:sp>
+        <p:nvSpPr>
+          <p:cNvPr id="141" name=""/>
+          <p:cNvSpPr/>
+          <p:nvPr/>
+        </p:nvSpPr>
+        <p:spPr>
+          <a:xfrm>
+            <a:off x="0" y="0"/>
+            <a:ext cx="360" cy="360"/>
+          </a:xfrm>
+          <a:prstGeom prst="line">
+            <a:avLst/>
+          </a:prstGeom>
+          <a:ln w="0">
+            <a:solidFill>
+              <a:srgbClr val="3465a4"/>
+            </a:solidFill>
+          </a:ln>
+        </p:spPr>
+        <p:style>
+          <a:lnRef idx="0"/>
+          <a:fillRef idx="0"/>
+          <a:effectRef idx="0"/>
+          <a:fontRef idx="minor"/>
+        </p:style>
+      </p:sp>
+      <p:sp>
+        <p:nvSpPr>
+          <p:cNvPr id="142" name=""/>
+          <p:cNvSpPr/>
+          <p:nvPr/>
+        </p:nvSpPr>
+        <p:spPr>
+          <a:xfrm>
+            <a:off x="3240000" y="4320000"/>
+            <a:ext cx="1979640" cy="359640"/>
+          </a:xfrm>
+          <a:prstGeom prst="rect">
+            <a:avLst/>
+          </a:prstGeom>
+          <a:solidFill>
+            <a:srgbClr val="b4c7dc"/>
+          </a:solidFill>
+          <a:ln w="0">
+            <a:solidFill>
+              <a:srgbClr val="3465a4"/>
+            </a:solidFill>
+          </a:ln>
+        </p:spPr>
+        <p:style>
+          <a:lnRef idx="0"/>
+          <a:fillRef idx="0"/>
+          <a:effectRef idx="0"/>
+          <a:fontRef idx="minor"/>
+        </p:style>
+        <p:txBody>
+          <a:bodyPr lIns="90000" rIns="90000" tIns="45000" bIns="45000" anchor="ctr">
+            <a:noAutofit/>
+          </a:bodyPr>
+          <a:p>
+            <a:pPr algn="ctr">
+              <a:lnSpc>
+                <a:spcPct val="100000"/>
+              </a:lnSpc>
+              <a:buNone/>
+            </a:pPr>
+            <a:r>
+              <a:rPr b="0" lang="zxx" sz="1800" spc="-1" strike="noStrike">
+                <a:solidFill>
+                  <a:srgbClr val="000000"/>
+                </a:solidFill>
+                <a:latin typeface="Arial"/>
+                <a:ea typeface="DejaVu Sans"/>
+              </a:rPr>
+              <a:t>user</a:t>
+            </a:r>
+            <a:endParaRPr b="0" lang="fr-CH" sz="1800" spc="-1" strike="noStrike">
+              <a:latin typeface="Arial"/>
+            </a:endParaRPr>
+          </a:p>
+        </p:txBody>
+      </p:sp>
+      <p:sp>
+        <p:nvSpPr>
+          <p:cNvPr id="143" name=""/>
+          <p:cNvSpPr/>
+          <p:nvPr/>
+        </p:nvSpPr>
+        <p:spPr>
+          <a:xfrm>
+            <a:off x="540000" y="720000"/>
+            <a:ext cx="1979640" cy="359640"/>
+          </a:xfrm>
+          <a:prstGeom prst="rect">
+            <a:avLst/>
+          </a:prstGeom>
+          <a:solidFill>
+            <a:srgbClr val="5983b0"/>
+          </a:solidFill>
+          <a:ln w="0">
+            <a:solidFill>
+              <a:srgbClr val="3465a4"/>
+            </a:solidFill>
+          </a:ln>
+        </p:spPr>
+        <p:style>
+          <a:lnRef idx="0"/>
+          <a:fillRef idx="0"/>
+          <a:effectRef idx="0"/>
+          <a:fontRef idx="minor"/>
+        </p:style>
+        <p:txBody>
+          <a:bodyPr lIns="90000" rIns="90000" tIns="45000" bIns="45000" anchor="ctr">
+            <a:noAutofit/>
+          </a:bodyPr>
+          <a:p>
+            <a:pPr algn="ctr">
+              <a:lnSpc>
+                <a:spcPct val="100000"/>
+              </a:lnSpc>
+              <a:buNone/>
+            </a:pPr>
+            <a:r>
+              <a:rPr b="0" lang="zxx" sz="1800" spc="-1" strike="noStrike">
+                <a:solidFill>
+                  <a:srgbClr val="000000"/>
+                </a:solidFill>
+                <a:latin typeface="Arial"/>
+                <a:ea typeface="DejaVu Sans"/>
+              </a:rPr>
+              <a:t>user_rg</a:t>
+            </a:r>
+            <a:endParaRPr b="0" lang="fr-CH" sz="1800" spc="-1" strike="noStrike">
+              <a:latin typeface="Arial"/>
+            </a:endParaRPr>
+          </a:p>
+        </p:txBody>
+      </p:sp>
+      <p:sp>
+        <p:nvSpPr>
+          <p:cNvPr id="144" name=""/>
+          <p:cNvSpPr/>
+          <p:nvPr/>
+        </p:nvSpPr>
+        <p:spPr>
+          <a:xfrm>
+            <a:off x="540000" y="1080000"/>
+            <a:ext cx="1979640" cy="359640"/>
+          </a:xfrm>
+          <a:prstGeom prst="rect">
+            <a:avLst/>
+          </a:prstGeom>
+          <a:solidFill>
+            <a:srgbClr val="b4c7dc"/>
+          </a:solidFill>
+          <a:ln w="0">
+            <a:solidFill>
+              <a:srgbClr val="3465a4"/>
+            </a:solidFill>
+          </a:ln>
+        </p:spPr>
+        <p:style>
+          <a:lnRef idx="0"/>
+          <a:fillRef idx="0"/>
+          <a:effectRef idx="0"/>
+          <a:fontRef idx="minor"/>
+        </p:style>
+        <p:txBody>
+          <a:bodyPr lIns="90000" rIns="90000" tIns="45000" bIns="45000" anchor="ctr">
+            <a:noAutofit/>
+          </a:bodyPr>
+          <a:p>
+            <a:pPr algn="ctr">
+              <a:lnSpc>
+                <a:spcPct val="100000"/>
+              </a:lnSpc>
+              <a:buNone/>
+            </a:pPr>
+            <a:r>
+              <a:rPr b="0" lang="zxx" sz="1800" spc="-1" strike="noStrike">
+                <a:solidFill>
+                  <a:srgbClr val="000000"/>
+                </a:solidFill>
+                <a:latin typeface="Arial"/>
+                <a:ea typeface="DejaVu Sans"/>
+              </a:rPr>
+              <a:t>user</a:t>
+            </a:r>
+            <a:endParaRPr b="0" lang="fr-CH" sz="1800" spc="-1" strike="noStrike">
+              <a:latin typeface="Arial"/>
+            </a:endParaRPr>
+          </a:p>
+        </p:txBody>
+      </p:sp>
+      <p:sp>
+        <p:nvSpPr>
+          <p:cNvPr id="145" name=""/>
+          <p:cNvSpPr/>
+          <p:nvPr/>
+        </p:nvSpPr>
+        <p:spPr>
+          <a:xfrm>
+            <a:off x="540000" y="1440000"/>
+            <a:ext cx="1979640" cy="359640"/>
+          </a:xfrm>
+          <a:prstGeom prst="rect">
+            <a:avLst/>
+          </a:prstGeom>
+          <a:solidFill>
+            <a:srgbClr val="b4c7dc"/>
+          </a:solidFill>
+          <a:ln w="0">
+            <a:solidFill>
+              <a:srgbClr val="3465a4"/>
+            </a:solidFill>
+          </a:ln>
+        </p:spPr>
+        <p:style>
+          <a:lnRef idx="0"/>
+          <a:fillRef idx="0"/>
+          <a:effectRef idx="0"/>
+          <a:fontRef idx="minor"/>
+        </p:style>
+        <p:txBody>
+          <a:bodyPr lIns="90000" rIns="90000" tIns="45000" bIns="45000" anchor="ctr">
+            <a:noAutofit/>
+          </a:bodyPr>
+          <a:p>
+            <a:pPr algn="ctr">
+              <a:lnSpc>
+                <a:spcPct val="100000"/>
+              </a:lnSpc>
+              <a:buNone/>
+            </a:pPr>
+            <a:r>
+              <a:rPr b="0" lang="zxx" sz="1800" spc="-1" strike="noStrike">
+                <a:solidFill>
+                  <a:srgbClr val="000000"/>
+                </a:solidFill>
+                <a:latin typeface="Arial"/>
+                <a:ea typeface="DejaVu Sans"/>
+              </a:rPr>
+              <a:t>rg</a:t>
+            </a:r>
+            <a:endParaRPr b="0" lang="fr-CH" sz="1800" spc="-1" strike="noStrike">
+              <a:latin typeface="Arial"/>
+            </a:endParaRPr>
+          </a:p>
+        </p:txBody>
+      </p:sp>
+      <p:sp>
+        <p:nvSpPr>
+          <p:cNvPr id="146" name=""/>
+          <p:cNvSpPr/>
+          <p:nvPr/>
+        </p:nvSpPr>
+        <p:spPr>
+          <a:xfrm>
+            <a:off x="0" y="0"/>
+            <a:ext cx="360" cy="360"/>
+          </a:xfrm>
+          <a:prstGeom prst="line">
+            <a:avLst/>
+          </a:prstGeom>
+          <a:ln w="0">
+            <a:solidFill>
+              <a:srgbClr val="3465a4"/>
+            </a:solidFill>
+          </a:ln>
+        </p:spPr>
+        <p:style>
+          <a:lnRef idx="0"/>
+          <a:fillRef idx="0"/>
+          <a:effectRef idx="0"/>
+          <a:fontRef idx="minor"/>
+        </p:style>
+      </p:sp>
+      <p:sp>
+        <p:nvSpPr>
+          <p:cNvPr id="147" name=""/>
+          <p:cNvSpPr/>
+          <p:nvPr/>
+        </p:nvSpPr>
+        <p:spPr>
+          <a:xfrm>
+            <a:off x="5580000" y="2160000"/>
+            <a:ext cx="1979640" cy="359640"/>
+          </a:xfrm>
+          <a:prstGeom prst="rect">
+            <a:avLst/>
+          </a:prstGeom>
+          <a:solidFill>
+            <a:srgbClr val="5983b0"/>
+          </a:solidFill>
+          <a:ln w="0">
+            <a:solidFill>
+              <a:srgbClr val="3465a4"/>
+            </a:solidFill>
+          </a:ln>
+        </p:spPr>
+        <p:style>
+          <a:lnRef idx="0"/>
+          <a:fillRef idx="0"/>
+          <a:effectRef idx="0"/>
+          <a:fontRef idx="minor"/>
+        </p:style>
+        <p:txBody>
+          <a:bodyPr lIns="90000" rIns="90000" tIns="45000" bIns="45000" anchor="ctr">
+            <a:noAutofit/>
+          </a:bodyPr>
+          <a:p>
+            <a:pPr algn="ctr">
+              <a:lnSpc>
+                <a:spcPct val="100000"/>
+              </a:lnSpc>
+              <a:buNone/>
+            </a:pPr>
+            <a:r>
+              <a:rPr b="0" lang="zxx" sz="1800" spc="-1" strike="noStrike">
+                <a:solidFill>
+                  <a:srgbClr val="000000"/>
+                </a:solidFill>
+                <a:latin typeface="Arial"/>
+                <a:ea typeface="DejaVu Sans"/>
+              </a:rPr>
+              <a:t>user_sample</a:t>
+            </a:r>
+            <a:endParaRPr b="0" lang="fr-CH" sz="1800" spc="-1" strike="noStrike">
+              <a:latin typeface="Arial"/>
+            </a:endParaRPr>
+          </a:p>
+        </p:txBody>
+      </p:sp>
+      <p:sp>
+        <p:nvSpPr>
+          <p:cNvPr id="148" name=""/>
+          <p:cNvSpPr/>
+          <p:nvPr/>
+        </p:nvSpPr>
+        <p:spPr>
+          <a:xfrm>
+            <a:off x="5580000" y="2520000"/>
+            <a:ext cx="1979640" cy="359640"/>
+          </a:xfrm>
+          <a:prstGeom prst="rect">
+            <a:avLst/>
+          </a:prstGeom>
+          <a:solidFill>
+            <a:srgbClr val="b4c7dc"/>
+          </a:solidFill>
+          <a:ln w="0">
+            <a:solidFill>
+              <a:srgbClr val="3465a4"/>
+            </a:solidFill>
+          </a:ln>
+        </p:spPr>
+        <p:style>
+          <a:lnRef idx="0"/>
+          <a:fillRef idx="0"/>
+          <a:effectRef idx="0"/>
+          <a:fontRef idx="minor"/>
+        </p:style>
+        <p:txBody>
+          <a:bodyPr lIns="90000" rIns="90000" tIns="45000" bIns="45000" anchor="ctr">
+            <a:noAutofit/>
+          </a:bodyPr>
+          <a:p>
+            <a:pPr algn="ctr">
+              <a:lnSpc>
+                <a:spcPct val="100000"/>
+              </a:lnSpc>
+              <a:buNone/>
+            </a:pPr>
+            <a:r>
+              <a:rPr b="0" lang="zxx" sz="1800" spc="-1" strike="noStrike">
+                <a:solidFill>
+                  <a:srgbClr val="000000"/>
+                </a:solidFill>
+                <a:latin typeface="Arial"/>
+                <a:ea typeface="DejaVu Sans"/>
+              </a:rPr>
+              <a:t>user</a:t>
+            </a:r>
+            <a:endParaRPr b="0" lang="fr-CH" sz="1800" spc="-1" strike="noStrike">
+              <a:latin typeface="Arial"/>
+            </a:endParaRPr>
+          </a:p>
+        </p:txBody>
+      </p:sp>
+      <p:sp>
+        <p:nvSpPr>
+          <p:cNvPr id="149" name=""/>
+          <p:cNvSpPr/>
+          <p:nvPr/>
+        </p:nvSpPr>
+        <p:spPr>
+          <a:xfrm>
+            <a:off x="5580000" y="2880000"/>
+            <a:ext cx="1979640" cy="359640"/>
+          </a:xfrm>
+          <a:prstGeom prst="rect">
+            <a:avLst/>
+          </a:prstGeom>
+          <a:solidFill>
+            <a:srgbClr val="b4c7dc"/>
+          </a:solidFill>
+          <a:ln w="0">
+            <a:solidFill>
+              <a:srgbClr val="3465a4"/>
+            </a:solidFill>
+          </a:ln>
+        </p:spPr>
+        <p:style>
+          <a:lnRef idx="0"/>
+          <a:fillRef idx="0"/>
+          <a:effectRef idx="0"/>
+          <a:fontRef idx="minor"/>
+        </p:style>
+        <p:txBody>
+          <a:bodyPr lIns="90000" rIns="90000" tIns="45000" bIns="45000" anchor="ctr">
+            <a:noAutofit/>
+          </a:bodyPr>
+          <a:p>
+            <a:pPr algn="ctr">
+              <a:lnSpc>
+                <a:spcPct val="100000"/>
+              </a:lnSpc>
+              <a:buNone/>
+            </a:pPr>
+            <a:r>
+              <a:rPr b="0" lang="zxx" sz="1800" spc="-1" strike="noStrike">
+                <a:solidFill>
+                  <a:srgbClr val="000000"/>
+                </a:solidFill>
+                <a:latin typeface="Arial"/>
+                <a:ea typeface="DejaVu Sans"/>
+              </a:rPr>
+              <a:t>sample</a:t>
+            </a:r>
+            <a:endParaRPr b="0" lang="fr-CH" sz="1800" spc="-1" strike="noStrike">
+              <a:latin typeface="Arial"/>
+            </a:endParaRPr>
+          </a:p>
+        </p:txBody>
+      </p:sp>
+      <p:sp>
+        <p:nvSpPr>
+          <p:cNvPr id="150" name=""/>
+          <p:cNvSpPr/>
+          <p:nvPr/>
+        </p:nvSpPr>
+        <p:spPr>
+          <a:xfrm>
+            <a:off x="0" y="0"/>
+            <a:ext cx="360" cy="360"/>
+          </a:xfrm>
+          <a:prstGeom prst="line">
+            <a:avLst/>
+          </a:prstGeom>
+          <a:ln w="0">
+            <a:solidFill>
+              <a:srgbClr val="3465a4"/>
+            </a:solidFill>
+          </a:ln>
+        </p:spPr>
+        <p:style>
+          <a:lnRef idx="0"/>
+          <a:fillRef idx="0"/>
+          <a:effectRef idx="0"/>
+          <a:fontRef idx="minor"/>
+        </p:style>
+      </p:sp>
+      <p:sp>
+        <p:nvSpPr>
+          <p:cNvPr id="151" name=""/>
+          <p:cNvSpPr/>
+          <p:nvPr/>
+        </p:nvSpPr>
+        <p:spPr>
+          <a:xfrm>
+            <a:off x="0" y="0"/>
+            <a:ext cx="360" cy="360"/>
+          </a:xfrm>
+          <a:prstGeom prst="line">
+            <a:avLst/>
+          </a:prstGeom>
+          <a:ln w="0">
+            <a:solidFill>
+              <a:srgbClr val="3465a4"/>
+            </a:solidFill>
+          </a:ln>
+        </p:spPr>
+        <p:style>
+          <a:lnRef idx="0"/>
+          <a:fillRef idx="0"/>
+          <a:effectRef idx="0"/>
+          <a:fontRef idx="minor"/>
+        </p:style>
+      </p:sp>
+      <p:sp>
+        <p:nvSpPr>
+          <p:cNvPr id="152" name=""/>
+          <p:cNvSpPr/>
+          <p:nvPr/>
+        </p:nvSpPr>
+        <p:spPr>
+          <a:xfrm>
+            <a:off x="7920000" y="2520000"/>
+            <a:ext cx="1979640" cy="359640"/>
+          </a:xfrm>
+          <a:prstGeom prst="rect">
+            <a:avLst/>
+          </a:prstGeom>
+          <a:solidFill>
+            <a:srgbClr val="b4c7dc"/>
+          </a:solidFill>
+          <a:ln w="0">
+            <a:solidFill>
+              <a:srgbClr val="3465a4"/>
+            </a:solidFill>
+          </a:ln>
+        </p:spPr>
+        <p:style>
+          <a:lnRef idx="0"/>
+          <a:fillRef idx="0"/>
+          <a:effectRef idx="0"/>
+          <a:fontRef idx="minor"/>
+        </p:style>
+        <p:txBody>
+          <a:bodyPr lIns="90000" rIns="90000" tIns="45000" bIns="45000" anchor="ctr">
+            <a:noAutofit/>
+          </a:bodyPr>
+          <a:p>
+            <a:pPr algn="ctr">
+              <a:lnSpc>
+                <a:spcPct val="100000"/>
+              </a:lnSpc>
+              <a:buNone/>
+            </a:pPr>
+            <a:r>
+              <a:rPr b="0" lang="zxx" sz="1800" spc="-1" strike="noStrike">
+                <a:solidFill>
+                  <a:srgbClr val="000000"/>
+                </a:solidFill>
+                <a:latin typeface="Arial"/>
+                <a:ea typeface="DejaVu Sans"/>
+              </a:rPr>
+              <a:t>observation_type</a:t>
+            </a:r>
+            <a:endParaRPr b="0" lang="fr-CH" sz="1800" spc="-1" strike="noStrike">
+              <a:latin typeface="Arial"/>
+            </a:endParaRPr>
+          </a:p>
+        </p:txBody>
+      </p:sp>
+    </p:spTree>
+  </p:cSld>
+  <mc:AlternateContent>
+    <mc:Choice Requires="p14">
+      <p:transition spd="slow" p14:dur="2000"/>
+    </mc:Choice>
+    <mc:Fallback>
+      <p:transition spd="slow"/>
+    </mc:Fallback>
+  </mc:AlternateContent>
+</p:sld>
+</file>
+
+<file path=ppt/slides/slide4.xml><?xml version="1.0" encoding="utf-8"?>
+<p:sld xmlns:a="http://schemas.openxmlformats.org/drawingml/2006/main" xmlns:p="http://schemas.openxmlformats.org/presentationml/2006/main" xmlns:r="http://schemas.openxmlformats.org/officeDocument/2006/relationships" xmlns:p14="http://schemas.microsoft.com/office/powerpoint/2010/main" xmlns:p15="http://schemas.microsoft.com/office/powerpoint/2012/main" xmlns:mc="http://schemas.openxmlformats.org/markup-compatibility/2006">
+  <p:cSld>
+    <p:spTree>
+      <p:nvGrpSpPr>
+        <p:cNvPr id="1" name=""/>
+        <p:cNvGrpSpPr/>
+        <p:nvPr/>
+      </p:nvGrpSpPr>
+      <p:grpSpPr>
+        <a:xfrm>
+          <a:off x="0" y="0"/>
+          <a:ext cx="0" cy="0"/>
+          <a:chOff x="0" y="0"/>
+          <a:chExt cx="0" cy="0"/>
+        </a:xfrm>
+      </p:grpSpPr>
+      <p:sp>
+        <p:nvSpPr>
+          <p:cNvPr id="153" name=""/>
+          <p:cNvSpPr/>
+          <p:nvPr/>
+        </p:nvSpPr>
+        <p:spPr>
+          <a:xfrm>
+            <a:off x="180000" y="180000"/>
+            <a:ext cx="2856600" cy="345960"/>
+          </a:xfrm>
+          <a:prstGeom prst="rect">
+            <a:avLst/>
+          </a:prstGeom>
+          <a:noFill/>
+          <a:ln w="0">
+            <a:noFill/>
+          </a:ln>
+        </p:spPr>
+        <p:style>
+          <a:lnRef idx="0"/>
+          <a:fillRef idx="0"/>
+          <a:effectRef idx="0"/>
+          <a:fontRef idx="minor"/>
+        </p:style>
+        <p:txBody>
           <a:bodyPr lIns="90000" rIns="90000" tIns="45000" bIns="45000" anchor="t">
             <a:noAutofit/>
           </a:bodyPr>
@@ -8288,12 +9312,43 @@
               <a:rPr b="0" lang="zxx" sz="1800" spc="-1" strike="noStrike">
                 <a:latin typeface="Arial"/>
               </a:rPr>
-              <a:t>{"meta_json_name": "some-name.json", "name", "description",</a:t>
+              <a:t>meta_json schematic V0.1</a:t>
             </a:r>
             <a:endParaRPr b="0" lang="fr-CH" sz="1800" spc="-1" strike="noStrike">
               <a:latin typeface="Arial"/>
             </a:endParaRPr>
           </a:p>
+        </p:txBody>
+      </p:sp>
+      <p:sp>
+        <p:nvSpPr>
+          <p:cNvPr id="154" name=""/>
+          <p:cNvSpPr/>
+          <p:nvPr/>
+        </p:nvSpPr>
+        <p:spPr>
+          <a:xfrm>
+            <a:off x="180000" y="876960"/>
+            <a:ext cx="9522360" cy="1369800"/>
+          </a:xfrm>
+          <a:prstGeom prst="rect">
+            <a:avLst/>
+          </a:prstGeom>
+          <a:noFill/>
+          <a:ln w="0">
+            <a:noFill/>
+          </a:ln>
+        </p:spPr>
+        <p:style>
+          <a:lnRef idx="0"/>
+          <a:fillRef idx="0"/>
+          <a:effectRef idx="0"/>
+          <a:fontRef idx="minor"/>
+        </p:style>
+        <p:txBody>
+          <a:bodyPr lIns="90000" rIns="90000" tIns="45000" bIns="45000" anchor="t">
+            <a:noAutofit/>
+          </a:bodyPr>
           <a:p>
             <a:pPr>
               <a:lnSpc>
@@ -8301,6 +9356,12 @@
               </a:lnSpc>
               <a:buNone/>
             </a:pPr>
+            <a:r>
+              <a:rPr b="0" lang="zxx" sz="1800" spc="-1" strike="noStrike">
+                <a:latin typeface="Arial"/>
+              </a:rPr>
+              <a:t>{"meta_json_name": "some-name.json", "name", "description",</a:t>
+            </a:r>
             <a:endParaRPr b="0" lang="fr-CH" sz="1800" spc="-1" strike="noStrike">
               <a:latin typeface="Arial"/>
             </a:endParaRPr>
@@ -8312,12 +9373,6 @@
               </a:lnSpc>
               <a:buNone/>
             </a:pPr>
-            <a:r>
-              <a:rPr b="0" lang="zxx" sz="1800" spc="-1" strike="noStrike">
-                <a:latin typeface="Arial"/>
-              </a:rPr>
-              <a:t>"observation_1": {"@type": "Dataset", "timeCreated": "20241115_110527", "instrument_type",</a:t>
-            </a:r>
             <a:endParaRPr b="0" lang="fr-CH" sz="1800" spc="-1" strike="noStrike">
               <a:latin typeface="Arial"/>
             </a:endParaRPr>
@@ -8333,31 +9388,7 @@
               <a:rPr b="0" lang="zxx" sz="1800" spc="-1" strike="noStrike">
                 <a:latin typeface="Arial"/>
               </a:rPr>
-              <a:t>	</a:t>
-            </a:r>
-            <a:r>
-              <a:rPr b="0" lang="zxx" sz="1800" spc="-1" strike="noStrike">
-                <a:latin typeface="Arial"/>
-              </a:rPr>
-              <a:t>	</a:t>
-            </a:r>
-            <a:r>
-              <a:rPr b="0" lang="zxx" sz="1800" spc="-1" strike="noStrike">
-                <a:latin typeface="Arial"/>
-              </a:rPr>
-              <a:t>	</a:t>
-            </a:r>
-            <a:r>
-              <a:rPr b="0" lang="zxx" sz="1800" spc="-1" strike="noStrike">
-                <a:latin typeface="Arial"/>
-              </a:rPr>
-              <a:t>	</a:t>
-            </a:r>
-            <a:r>
-              <a:rPr b="0" lang="zxx" sz="1800" spc="-1" strike="noStrike">
-                <a:latin typeface="Arial"/>
-              </a:rPr>
-              <a:t>"operator", "observation_filename", "sample", "meta_tag_1", etc...}</a:t>
+              <a:t>"observation_1": {"@type": "Dataset", "timeCreated": "20241115_110527", "instrument_type",</a:t>
             </a:r>
             <a:endParaRPr b="0" lang="fr-CH" sz="1800" spc="-1" strike="noStrike">
               <a:latin typeface="Arial"/>
@@ -8374,6 +9405,47 @@
               <a:rPr b="0" lang="zxx" sz="1800" spc="-1" strike="noStrike">
                 <a:latin typeface="Arial"/>
               </a:rPr>
+              <a:t>	</a:t>
+            </a:r>
+            <a:r>
+              <a:rPr b="0" lang="zxx" sz="1800" spc="-1" strike="noStrike">
+                <a:latin typeface="Arial"/>
+              </a:rPr>
+              <a:t>	</a:t>
+            </a:r>
+            <a:r>
+              <a:rPr b="0" lang="zxx" sz="1800" spc="-1" strike="noStrike">
+                <a:latin typeface="Arial"/>
+              </a:rPr>
+              <a:t>	</a:t>
+            </a:r>
+            <a:r>
+              <a:rPr b="0" lang="zxx" sz="1800" spc="-1" strike="noStrike">
+                <a:latin typeface="Arial"/>
+              </a:rPr>
+              <a:t>	</a:t>
+            </a:r>
+            <a:r>
+              <a:rPr b="0" lang="zxx" sz="1800" spc="-1" strike="noStrike">
+                <a:latin typeface="Arial"/>
+              </a:rPr>
+              <a:t>"operator", "observation_filename", "sample", "meta_tag_1", etc...}</a:t>
+            </a:r>
+            <a:endParaRPr b="0" lang="fr-CH" sz="1800" spc="-1" strike="noStrike">
+              <a:latin typeface="Arial"/>
+            </a:endParaRPr>
+          </a:p>
+          <a:p>
+            <a:pPr>
+              <a:lnSpc>
+                <a:spcPct val="100000"/>
+              </a:lnSpc>
+              <a:buNone/>
+            </a:pPr>
+            <a:r>
+              <a:rPr b="0" lang="zxx" sz="1800" spc="-1" strike="noStrike">
+                <a:latin typeface="Arial"/>
+              </a:rPr>
               <a:t>}</a:t>
             </a:r>
             <a:endParaRPr b="0" lang="fr-CH" sz="1800" spc="-1" strike="noStrike">
@@ -8384,7 +9456,7 @@
       </p:sp>
       <p:sp>
         <p:nvSpPr>
-          <p:cNvPr id="136" name=""/>
+          <p:cNvPr id="155" name=""/>
           <p:cNvSpPr/>
           <p:nvPr/>
         </p:nvSpPr>

--- a/project_schematics.pptx
+++ b/project_schematics.pptx
@@ -67,7 +67,7 @@
         <p:txBody>
           <a:bodyPr/>
           <a:p>
-            <a:fld id="{D75EE9D0-3D15-4A54-AC60-819ABFFF00BB}" type="slidenum">
+            <a:fld id="{E9143F72-3B56-4CE2-954D-A75AAB73AE2E}" type="slidenum">
               <a:t>&lt;#&gt;</a:t>
             </a:fld>
           </a:p>
@@ -255,7 +255,7 @@
         <p:txBody>
           <a:bodyPr/>
           <a:p>
-            <a:fld id="{FEAA1100-FB0E-4481-AF2C-40871F6291CC}" type="slidenum">
+            <a:fld id="{69BAD695-5010-445C-A10C-BA834E978605}" type="slidenum">
               <a:t>&lt;#&gt;</a:t>
             </a:fld>
           </a:p>
@@ -511,7 +511,7 @@
         <p:txBody>
           <a:bodyPr/>
           <a:p>
-            <a:fld id="{82714320-C2B7-4F89-9121-51611818F660}" type="slidenum">
+            <a:fld id="{8EEA7A55-B418-4D04-A174-2F2948FE0482}" type="slidenum">
               <a:t>&lt;#&gt;</a:t>
             </a:fld>
           </a:p>
@@ -835,7 +835,7 @@
         <p:txBody>
           <a:bodyPr/>
           <a:p>
-            <a:fld id="{20D39DFE-17CE-473F-BEED-42F4881CBCF1}" type="slidenum">
+            <a:fld id="{FA69A8A9-68B8-43FE-AC41-A524218472FC}" type="slidenum">
               <a:t>&lt;#&gt;</a:t>
             </a:fld>
           </a:p>
@@ -918,7 +918,7 @@
         <p:txBody>
           <a:bodyPr/>
           <a:p>
-            <a:fld id="{7034CED8-D6E8-4574-A156-BC14332661B4}" type="slidenum">
+            <a:fld id="{D47A9AF9-EDD3-4266-B363-2C8FCB2CB964}" type="slidenum">
               <a:t>&lt;#&gt;</a:t>
             </a:fld>
           </a:p>
@@ -1075,7 +1075,7 @@
         <p:txBody>
           <a:bodyPr/>
           <a:p>
-            <a:fld id="{C1CA0E4A-F442-4428-922A-BE48B0E017C5}" type="slidenum">
+            <a:fld id="{306E17D7-B4EA-4BAC-AC3A-3A9EA6A6B85C}" type="slidenum">
               <a:t>&lt;#&gt;</a:t>
             </a:fld>
           </a:p>
@@ -1229,7 +1229,7 @@
         <p:txBody>
           <a:bodyPr/>
           <a:p>
-            <a:fld id="{12E5805C-B40A-43B1-B7B0-3B54E510CD70}" type="slidenum">
+            <a:fld id="{32358653-2EA6-41F2-AA31-272E6F982EBD}" type="slidenum">
               <a:t>&lt;#&gt;</a:t>
             </a:fld>
           </a:p>
@@ -1417,7 +1417,7 @@
         <p:txBody>
           <a:bodyPr/>
           <a:p>
-            <a:fld id="{C8C3F642-97A8-4F98-AC9C-31A44E7B4048}" type="slidenum">
+            <a:fld id="{B2900A2B-1491-4403-9818-94DEE1ABB374}" type="slidenum">
               <a:t>&lt;#&gt;</a:t>
             </a:fld>
           </a:p>
@@ -1537,7 +1537,7 @@
         <p:txBody>
           <a:bodyPr/>
           <a:p>
-            <a:fld id="{C0D31027-2265-4279-8224-BB7A21BF7D56}" type="slidenum">
+            <a:fld id="{F3C960C2-533F-42A8-91E7-F11F96F307B6}" type="slidenum">
               <a:t>&lt;#&gt;</a:t>
             </a:fld>
           </a:p>
@@ -1657,7 +1657,7 @@
         <p:txBody>
           <a:bodyPr/>
           <a:p>
-            <a:fld id="{EEF36F1C-4FF8-4A4E-AD6F-DB337D45057B}" type="slidenum">
+            <a:fld id="{1993EF89-4AFC-4EA5-9940-0A8F9A82EAF6}" type="slidenum">
               <a:t>&lt;#&gt;</a:t>
             </a:fld>
           </a:p>
@@ -1879,7 +1879,7 @@
         <p:txBody>
           <a:bodyPr/>
           <a:p>
-            <a:fld id="{6C403590-3CB1-4CC0-A7B1-E72E25E20751}" type="slidenum">
+            <a:fld id="{5159181A-A62A-4326-A6FC-8674A99E5458}" type="slidenum">
               <a:t>&lt;#&gt;</a:t>
             </a:fld>
           </a:p>
@@ -2036,7 +2036,7 @@
         <p:txBody>
           <a:bodyPr/>
           <a:p>
-            <a:fld id="{927C9FE6-1D55-4FC1-AD34-571530AF58C5}" type="slidenum">
+            <a:fld id="{B5AE7685-861B-4FBA-B4C8-72B2414DB986}" type="slidenum">
               <a:t>&lt;#&gt;</a:t>
             </a:fld>
           </a:p>
@@ -2258,7 +2258,7 @@
         <p:txBody>
           <a:bodyPr/>
           <a:p>
-            <a:fld id="{A39014D3-74B2-4F7C-B9D6-EDF744F17A4D}" type="slidenum">
+            <a:fld id="{53422003-91A5-4D96-98C7-51D5055E67A0}" type="slidenum">
               <a:t>&lt;#&gt;</a:t>
             </a:fld>
           </a:p>
@@ -2480,7 +2480,7 @@
         <p:txBody>
           <a:bodyPr/>
           <a:p>
-            <a:fld id="{A811D470-02FE-49A5-A910-9E658495C6DB}" type="slidenum">
+            <a:fld id="{12B8C05A-FE16-4831-9173-C4B359514870}" type="slidenum">
               <a:t>&lt;#&gt;</a:t>
             </a:fld>
           </a:p>
@@ -2668,7 +2668,7 @@
         <p:txBody>
           <a:bodyPr/>
           <a:p>
-            <a:fld id="{E19B47AC-C053-4FA2-B9D3-92E3BC321C0A}" type="slidenum">
+            <a:fld id="{E6E6F63B-43A9-467F-ABE5-E5F8790ADF37}" type="slidenum">
               <a:t>&lt;#&gt;</a:t>
             </a:fld>
           </a:p>
@@ -2924,7 +2924,7 @@
         <p:txBody>
           <a:bodyPr/>
           <a:p>
-            <a:fld id="{7EF95E25-6609-472F-BAC2-DD6ED14E4DEE}" type="slidenum">
+            <a:fld id="{9A25A4B8-A2E3-4CD7-9E28-4E5B28660091}" type="slidenum">
               <a:t>&lt;#&gt;</a:t>
             </a:fld>
           </a:p>
@@ -3248,7 +3248,7 @@
         <p:txBody>
           <a:bodyPr/>
           <a:p>
-            <a:fld id="{C61DCFB9-EDA1-43BD-ACD5-3BBB64FBDAF6}" type="slidenum">
+            <a:fld id="{73C8A3CB-7063-4485-8085-CB4A8E6DA35E}" type="slidenum">
               <a:t>&lt;#&gt;</a:t>
             </a:fld>
           </a:p>
@@ -3402,7 +3402,7 @@
         <p:txBody>
           <a:bodyPr/>
           <a:p>
-            <a:fld id="{628FC271-FCC3-47D6-ADDA-CF162BDE0321}" type="slidenum">
+            <a:fld id="{6BDCED27-E754-45FD-B00F-9610471BE7B9}" type="slidenum">
               <a:t>&lt;#&gt;</a:t>
             </a:fld>
           </a:p>
@@ -3590,7 +3590,7 @@
         <p:txBody>
           <a:bodyPr/>
           <a:p>
-            <a:fld id="{BA7A9608-0435-4CF1-8341-ED406E707543}" type="slidenum">
+            <a:fld id="{CD954E55-68E7-4897-9061-82E4FAB40C9A}" type="slidenum">
               <a:t>&lt;#&gt;</a:t>
             </a:fld>
           </a:p>
@@ -3710,7 +3710,7 @@
         <p:txBody>
           <a:bodyPr/>
           <a:p>
-            <a:fld id="{48091C26-1B7B-4E1A-88CE-D4E757095445}" type="slidenum">
+            <a:fld id="{FC4F6B72-2D3C-461A-999D-EE2DB437120F}" type="slidenum">
               <a:t>&lt;#&gt;</a:t>
             </a:fld>
           </a:p>
@@ -3830,7 +3830,7 @@
         <p:txBody>
           <a:bodyPr/>
           <a:p>
-            <a:fld id="{FD346D7C-8737-4D27-8497-ED4FE2C7150F}" type="slidenum">
+            <a:fld id="{E0FD2D08-4F3B-4C37-B648-35BF1498FAD1}" type="slidenum">
               <a:t>&lt;#&gt;</a:t>
             </a:fld>
           </a:p>
@@ -4052,7 +4052,7 @@
         <p:txBody>
           <a:bodyPr/>
           <a:p>
-            <a:fld id="{E1398FC9-7EEB-4886-8187-F6535B30588C}" type="slidenum">
+            <a:fld id="{219523B1-D382-45A0-87C0-6785065AE665}" type="slidenum">
               <a:t>&lt;#&gt;</a:t>
             </a:fld>
           </a:p>
@@ -4274,7 +4274,7 @@
         <p:txBody>
           <a:bodyPr/>
           <a:p>
-            <a:fld id="{B7FABC7E-96CF-4605-9BA4-E62248429D54}" type="slidenum">
+            <a:fld id="{37527B4C-96B1-4677-8A6C-F6245EF35F8F}" type="slidenum">
               <a:t>&lt;#&gt;</a:t>
             </a:fld>
           </a:p>
@@ -4496,7 +4496,7 @@
         <p:txBody>
           <a:bodyPr/>
           <a:p>
-            <a:fld id="{9367E706-4D5E-4278-90E3-B1F8363C74D0}" type="slidenum">
+            <a:fld id="{329091A7-7C7F-44DA-9475-36F16E4142BC}" type="slidenum">
               <a:t>&lt;#&gt;</a:t>
             </a:fld>
           </a:p>
@@ -4577,13 +4577,7 @@
               <a:rPr b="0" lang="fr-CH" sz="1800" spc="-1" strike="noStrike">
                 <a:latin typeface="Arial"/>
               </a:rPr>
-              <a:t>Click to edit the </a:t>
-            </a:r>
-            <a:r>
-              <a:rPr b="0" lang="fr-CH" sz="1800" spc="-1" strike="noStrike">
-                <a:latin typeface="Arial"/>
-              </a:rPr>
-              <a:t>title text format</a:t>
+              <a:t>Click to edit the title text format</a:t>
             </a:r>
             <a:endParaRPr b="0" lang="fr-CH" sz="1800" spc="-1" strike="noStrike">
               <a:latin typeface="Arial"/>
@@ -4640,7 +4634,7 @@
               <a:rPr b="0" lang="fr-CH" sz="1400" spc="-1" strike="noStrike">
                 <a:latin typeface="Times New Roman"/>
               </a:rPr>
-              <a:t>&lt;footer&gt;</a:t>
+              <a:t> </a:t>
             </a:r>
             <a:endParaRPr b="0" lang="fr-CH" sz="1400" spc="-1" strike="noStrike">
               <a:latin typeface="Times New Roman"/>
@@ -4693,11 +4687,11 @@
               </a:lnSpc>
               <a:buNone/>
             </a:pPr>
-            <a:fld id="{E19BF323-D567-402D-8D6D-B33B53B64FD2}" type="slidenum">
+            <a:fld id="{4F42CE00-2726-4BA5-B906-D19B93F30245}" type="slidenum">
               <a:rPr b="0" lang="fr-CH" sz="1400" spc="-1" strike="noStrike">
                 <a:latin typeface="Times New Roman"/>
               </a:rPr>
-              <a:t>&lt;number&gt;</a:t>
+              <a:t>3</a:t>
             </a:fld>
             <a:endParaRPr b="0" lang="fr-CH" sz="1400" spc="-1" strike="noStrike">
               <a:latin typeface="Times New Roman"/>
@@ -4744,7 +4738,7 @@
               <a:rPr b="0" lang="fr-CH" sz="1400" spc="-1" strike="noStrike">
                 <a:latin typeface="Times New Roman"/>
               </a:rPr>
-              <a:t>&lt;date/time&gt;</a:t>
+              <a:t> </a:t>
             </a:r>
             <a:endParaRPr b="0" lang="fr-CH" sz="1400" spc="-1" strike="noStrike">
               <a:latin typeface="Times New Roman"/>
@@ -5004,13 +4998,7 @@
               <a:rPr b="0" lang="fr-CH" sz="1800" spc="-1" strike="noStrike">
                 <a:latin typeface="Arial"/>
               </a:rPr>
-              <a:t>Click to edit the </a:t>
-            </a:r>
-            <a:r>
-              <a:rPr b="0" lang="fr-CH" sz="1800" spc="-1" strike="noStrike">
-                <a:latin typeface="Arial"/>
-              </a:rPr>
-              <a:t>title text format</a:t>
+              <a:t>Click to edit the title text format</a:t>
             </a:r>
             <a:endParaRPr b="0" lang="fr-CH" sz="1800" spc="-1" strike="noStrike">
               <a:latin typeface="Arial"/>
@@ -5303,7 +5291,7 @@
               </a:lnSpc>
               <a:buNone/>
             </a:pPr>
-            <a:fld id="{B24F3E8C-CB64-41C0-92E8-E4095BE62744}" type="slidenum">
+            <a:fld id="{5FC721EB-563F-4A3F-9A90-1ABABEA90B6D}" type="slidenum">
               <a:rPr b="0" lang="fr-CH" sz="1400" spc="-1" strike="noStrike">
                 <a:latin typeface="Times New Roman"/>
               </a:rPr>
@@ -6047,43 +6035,7 @@
               <a:rPr b="0" i="1" lang="fr-CH" sz="1800" spc="-1" strike="noStrike">
                 <a:latin typeface="Arial"/>
               </a:rPr>
-              <a:t>Ideally </a:t>
-            </a:r>
-            <a:r>
-              <a:rPr b="0" i="1" lang="fr-CH" sz="1800" spc="-1" strike="noStrike">
-                <a:latin typeface="Arial"/>
-              </a:rPr>
-              <a:t>measurement </a:t>
-            </a:r>
-            <a:r>
-              <a:rPr b="0" i="1" lang="fr-CH" sz="1800" spc="-1" strike="noStrike">
-                <a:latin typeface="Arial"/>
-              </a:rPr>
-              <a:t>batch module is </a:t>
-            </a:r>
-            <a:r>
-              <a:rPr b="0" i="1" lang="fr-CH" sz="1800" spc="-1" strike="noStrike">
-                <a:latin typeface="Arial"/>
-              </a:rPr>
-              <a:t>the only thing that </a:t>
-            </a:r>
-            <a:r>
-              <a:rPr b="0" i="1" lang="fr-CH" sz="1800" spc="-1" strike="noStrike">
-                <a:latin typeface="Arial"/>
-              </a:rPr>
-              <a:t>interacts with </a:t>
-            </a:r>
-            <a:r>
-              <a:rPr b="0" i="1" lang="fr-CH" sz="1800" spc="-1" strike="noStrike">
-                <a:latin typeface="Arial"/>
-              </a:rPr>
-              <a:t>more than one </a:t>
-            </a:r>
-            <a:r>
-              <a:rPr b="0" i="1" lang="fr-CH" sz="1800" spc="-1" strike="noStrike">
-                <a:latin typeface="Arial"/>
-              </a:rPr>
-              <a:t>other module</a:t>
+              <a:t>Ideally measurement batch module is the only thing that interacts with more than one other module</a:t>
             </a:r>
             <a:endParaRPr b="0" lang="fr-CH" sz="1800" spc="-1" strike="noStrike">
               <a:latin typeface="Arial"/>
@@ -6821,7 +6773,7 @@
                 <a:latin typeface="Arial"/>
                 <a:ea typeface="DejaVu Sans"/>
               </a:rPr>
-              <a:t>meta_json_id*</a:t>
+              <a:t>project_id*</a:t>
             </a:r>
             <a:endParaRPr b="0" lang="fr-CH" sz="1800" spc="-1" strike="noStrike">
               <a:latin typeface="Arial"/>
@@ -8066,7 +8018,7 @@
                 <a:latin typeface="Arial"/>
                 <a:ea typeface="DejaVu Sans"/>
               </a:rPr>
-              <a:t>meta_json_id*</a:t>
+              <a:t>project_id*</a:t>
             </a:r>
             <a:endParaRPr b="0" lang="fr-CH" sz="1800" spc="-1" strike="noStrike">
               <a:latin typeface="Arial"/>

--- a/project_schematics.pptx
+++ b/project_schematics.pptx
@@ -67,7 +67,7 @@
         <p:txBody>
           <a:bodyPr/>
           <a:p>
-            <a:fld id="{E9143F72-3B56-4CE2-954D-A75AAB73AE2E}" type="slidenum">
+            <a:fld id="{113D9047-C9A6-4541-9BDD-9867CD9BC87C}" type="slidenum">
               <a:t>&lt;#&gt;</a:t>
             </a:fld>
           </a:p>
@@ -255,7 +255,7 @@
         <p:txBody>
           <a:bodyPr/>
           <a:p>
-            <a:fld id="{69BAD695-5010-445C-A10C-BA834E978605}" type="slidenum">
+            <a:fld id="{284DB841-881E-4AE5-9B69-F382F33A50D5}" type="slidenum">
               <a:t>&lt;#&gt;</a:t>
             </a:fld>
           </a:p>
@@ -511,7 +511,7 @@
         <p:txBody>
           <a:bodyPr/>
           <a:p>
-            <a:fld id="{8EEA7A55-B418-4D04-A174-2F2948FE0482}" type="slidenum">
+            <a:fld id="{5FE12DD5-1DEA-4511-98C3-967233E12A6E}" type="slidenum">
               <a:t>&lt;#&gt;</a:t>
             </a:fld>
           </a:p>
@@ -835,7 +835,7 @@
         <p:txBody>
           <a:bodyPr/>
           <a:p>
-            <a:fld id="{FA69A8A9-68B8-43FE-AC41-A524218472FC}" type="slidenum">
+            <a:fld id="{D9A09356-A7C8-43FA-A703-43BF6FB74646}" type="slidenum">
               <a:t>&lt;#&gt;</a:t>
             </a:fld>
           </a:p>
@@ -918,7 +918,7 @@
         <p:txBody>
           <a:bodyPr/>
           <a:p>
-            <a:fld id="{D47A9AF9-EDD3-4266-B363-2C8FCB2CB964}" type="slidenum">
+            <a:fld id="{349991F9-1E07-4743-A8C3-53AD2EAC755D}" type="slidenum">
               <a:t>&lt;#&gt;</a:t>
             </a:fld>
           </a:p>
@@ -1075,7 +1075,7 @@
         <p:txBody>
           <a:bodyPr/>
           <a:p>
-            <a:fld id="{306E17D7-B4EA-4BAC-AC3A-3A9EA6A6B85C}" type="slidenum">
+            <a:fld id="{3B99C301-9182-4BB0-A21D-ECCE3A57757D}" type="slidenum">
               <a:t>&lt;#&gt;</a:t>
             </a:fld>
           </a:p>
@@ -1229,7 +1229,7 @@
         <p:txBody>
           <a:bodyPr/>
           <a:p>
-            <a:fld id="{32358653-2EA6-41F2-AA31-272E6F982EBD}" type="slidenum">
+            <a:fld id="{6EFCCF04-BB89-477C-AB72-68DEB237B6FB}" type="slidenum">
               <a:t>&lt;#&gt;</a:t>
             </a:fld>
           </a:p>
@@ -1417,7 +1417,7 @@
         <p:txBody>
           <a:bodyPr/>
           <a:p>
-            <a:fld id="{B2900A2B-1491-4403-9818-94DEE1ABB374}" type="slidenum">
+            <a:fld id="{6AEB63A8-C4F3-4C0A-9E26-5A0925B81099}" type="slidenum">
               <a:t>&lt;#&gt;</a:t>
             </a:fld>
           </a:p>
@@ -1537,7 +1537,7 @@
         <p:txBody>
           <a:bodyPr/>
           <a:p>
-            <a:fld id="{F3C960C2-533F-42A8-91E7-F11F96F307B6}" type="slidenum">
+            <a:fld id="{C153759A-7DEA-4852-8074-6383194300F1}" type="slidenum">
               <a:t>&lt;#&gt;</a:t>
             </a:fld>
           </a:p>
@@ -1657,7 +1657,7 @@
         <p:txBody>
           <a:bodyPr/>
           <a:p>
-            <a:fld id="{1993EF89-4AFC-4EA5-9940-0A8F9A82EAF6}" type="slidenum">
+            <a:fld id="{AEE0B000-89B3-4E3F-AF40-5E4B3BFA9166}" type="slidenum">
               <a:t>&lt;#&gt;</a:t>
             </a:fld>
           </a:p>
@@ -1879,7 +1879,7 @@
         <p:txBody>
           <a:bodyPr/>
           <a:p>
-            <a:fld id="{5159181A-A62A-4326-A6FC-8674A99E5458}" type="slidenum">
+            <a:fld id="{380779CE-BA42-4442-9530-D8D36D5E3971}" type="slidenum">
               <a:t>&lt;#&gt;</a:t>
             </a:fld>
           </a:p>
@@ -2036,7 +2036,7 @@
         <p:txBody>
           <a:bodyPr/>
           <a:p>
-            <a:fld id="{B5AE7685-861B-4FBA-B4C8-72B2414DB986}" type="slidenum">
+            <a:fld id="{296EC72F-6EAD-40C2-9904-F4CC4EFD0EC8}" type="slidenum">
               <a:t>&lt;#&gt;</a:t>
             </a:fld>
           </a:p>
@@ -2258,7 +2258,7 @@
         <p:txBody>
           <a:bodyPr/>
           <a:p>
-            <a:fld id="{53422003-91A5-4D96-98C7-51D5055E67A0}" type="slidenum">
+            <a:fld id="{AD551CEF-7F6F-41FC-9B7A-D748186D8688}" type="slidenum">
               <a:t>&lt;#&gt;</a:t>
             </a:fld>
           </a:p>
@@ -2480,7 +2480,7 @@
         <p:txBody>
           <a:bodyPr/>
           <a:p>
-            <a:fld id="{12B8C05A-FE16-4831-9173-C4B359514870}" type="slidenum">
+            <a:fld id="{BB048CCF-023D-472C-A0B9-33E8540E31C9}" type="slidenum">
               <a:t>&lt;#&gt;</a:t>
             </a:fld>
           </a:p>
@@ -2668,7 +2668,7 @@
         <p:txBody>
           <a:bodyPr/>
           <a:p>
-            <a:fld id="{E6E6F63B-43A9-467F-ABE5-E5F8790ADF37}" type="slidenum">
+            <a:fld id="{AE09E075-1BA4-4CC0-AC36-FB21AAE7730D}" type="slidenum">
               <a:t>&lt;#&gt;</a:t>
             </a:fld>
           </a:p>
@@ -2924,7 +2924,7 @@
         <p:txBody>
           <a:bodyPr/>
           <a:p>
-            <a:fld id="{9A25A4B8-A2E3-4CD7-9E28-4E5B28660091}" type="slidenum">
+            <a:fld id="{B01AE02D-1BB0-4F3F-9258-7EAC753F29C6}" type="slidenum">
               <a:t>&lt;#&gt;</a:t>
             </a:fld>
           </a:p>
@@ -3248,7 +3248,7 @@
         <p:txBody>
           <a:bodyPr/>
           <a:p>
-            <a:fld id="{73C8A3CB-7063-4485-8085-CB4A8E6DA35E}" type="slidenum">
+            <a:fld id="{125EBE72-07C5-407F-BE50-B26DF8CE5CBD}" type="slidenum">
               <a:t>&lt;#&gt;</a:t>
             </a:fld>
           </a:p>
@@ -3402,7 +3402,7 @@
         <p:txBody>
           <a:bodyPr/>
           <a:p>
-            <a:fld id="{6BDCED27-E754-45FD-B00F-9610471BE7B9}" type="slidenum">
+            <a:fld id="{7C748E2C-751C-4659-A498-6D93A59B3428}" type="slidenum">
               <a:t>&lt;#&gt;</a:t>
             </a:fld>
           </a:p>
@@ -3590,7 +3590,7 @@
         <p:txBody>
           <a:bodyPr/>
           <a:p>
-            <a:fld id="{CD954E55-68E7-4897-9061-82E4FAB40C9A}" type="slidenum">
+            <a:fld id="{B2D793E5-AFEF-48E3-BC40-31B339907DA7}" type="slidenum">
               <a:t>&lt;#&gt;</a:t>
             </a:fld>
           </a:p>
@@ -3710,7 +3710,7 @@
         <p:txBody>
           <a:bodyPr/>
           <a:p>
-            <a:fld id="{FC4F6B72-2D3C-461A-999D-EE2DB437120F}" type="slidenum">
+            <a:fld id="{E924EE6B-6D48-4A9C-8883-AD746904F64F}" type="slidenum">
               <a:t>&lt;#&gt;</a:t>
             </a:fld>
           </a:p>
@@ -3830,7 +3830,7 @@
         <p:txBody>
           <a:bodyPr/>
           <a:p>
-            <a:fld id="{E0FD2D08-4F3B-4C37-B648-35BF1498FAD1}" type="slidenum">
+            <a:fld id="{FAF88683-07A8-41C2-95C6-021A61E603D8}" type="slidenum">
               <a:t>&lt;#&gt;</a:t>
             </a:fld>
           </a:p>
@@ -4052,7 +4052,7 @@
         <p:txBody>
           <a:bodyPr/>
           <a:p>
-            <a:fld id="{219523B1-D382-45A0-87C0-6785065AE665}" type="slidenum">
+            <a:fld id="{90AA9F5C-8E2F-4B46-B423-90671DE4E0DB}" type="slidenum">
               <a:t>&lt;#&gt;</a:t>
             </a:fld>
           </a:p>
@@ -4274,7 +4274,7 @@
         <p:txBody>
           <a:bodyPr/>
           <a:p>
-            <a:fld id="{37527B4C-96B1-4677-8A6C-F6245EF35F8F}" type="slidenum">
+            <a:fld id="{8E0FF6AA-62C6-498B-852D-99EFC7C7C459}" type="slidenum">
               <a:t>&lt;#&gt;</a:t>
             </a:fld>
           </a:p>
@@ -4496,7 +4496,7 @@
         <p:txBody>
           <a:bodyPr/>
           <a:p>
-            <a:fld id="{329091A7-7C7F-44DA-9475-36F16E4142BC}" type="slidenum">
+            <a:fld id="{70B3C4D3-F8D7-4D2A-A4B7-CBE0CB730BBF}" type="slidenum">
               <a:t>&lt;#&gt;</a:t>
             </a:fld>
           </a:p>
@@ -4577,7 +4577,13 @@
               <a:rPr b="0" lang="fr-CH" sz="1800" spc="-1" strike="noStrike">
                 <a:latin typeface="Arial"/>
               </a:rPr>
-              <a:t>Click to edit the title text format</a:t>
+              <a:t>Click to edit the </a:t>
+            </a:r>
+            <a:r>
+              <a:rPr b="0" lang="fr-CH" sz="1800" spc="-1" strike="noStrike">
+                <a:latin typeface="Arial"/>
+              </a:rPr>
+              <a:t>title text format</a:t>
             </a:r>
             <a:endParaRPr b="0" lang="fr-CH" sz="1800" spc="-1" strike="noStrike">
               <a:latin typeface="Arial"/>
@@ -4634,7 +4640,7 @@
               <a:rPr b="0" lang="fr-CH" sz="1400" spc="-1" strike="noStrike">
                 <a:latin typeface="Times New Roman"/>
               </a:rPr>
-              <a:t> </a:t>
+              <a:t>&lt;footer&gt;</a:t>
             </a:r>
             <a:endParaRPr b="0" lang="fr-CH" sz="1400" spc="-1" strike="noStrike">
               <a:latin typeface="Times New Roman"/>
@@ -4687,11 +4693,11 @@
               </a:lnSpc>
               <a:buNone/>
             </a:pPr>
-            <a:fld id="{4F42CE00-2726-4BA5-B906-D19B93F30245}" type="slidenum">
+            <a:fld id="{143056E5-70C5-4E9C-9709-D2B4EFE30FB3}" type="slidenum">
               <a:rPr b="0" lang="fr-CH" sz="1400" spc="-1" strike="noStrike">
                 <a:latin typeface="Times New Roman"/>
               </a:rPr>
-              <a:t>3</a:t>
+              <a:t>&lt;number&gt;</a:t>
             </a:fld>
             <a:endParaRPr b="0" lang="fr-CH" sz="1400" spc="-1" strike="noStrike">
               <a:latin typeface="Times New Roman"/>
@@ -4738,7 +4744,7 @@
               <a:rPr b="0" lang="fr-CH" sz="1400" spc="-1" strike="noStrike">
                 <a:latin typeface="Times New Roman"/>
               </a:rPr>
-              <a:t> </a:t>
+              <a:t>&lt;date/time&gt;</a:t>
             </a:r>
             <a:endParaRPr b="0" lang="fr-CH" sz="1400" spc="-1" strike="noStrike">
               <a:latin typeface="Times New Roman"/>
@@ -4998,7 +5004,13 @@
               <a:rPr b="0" lang="fr-CH" sz="1800" spc="-1" strike="noStrike">
                 <a:latin typeface="Arial"/>
               </a:rPr>
-              <a:t>Click to edit the title text format</a:t>
+              <a:t>Click to edit the </a:t>
+            </a:r>
+            <a:r>
+              <a:rPr b="0" lang="fr-CH" sz="1800" spc="-1" strike="noStrike">
+                <a:latin typeface="Arial"/>
+              </a:rPr>
+              <a:t>title text format</a:t>
             </a:r>
             <a:endParaRPr b="0" lang="fr-CH" sz="1800" spc="-1" strike="noStrike">
               <a:latin typeface="Arial"/>
@@ -5291,7 +5303,7 @@
               </a:lnSpc>
               <a:buNone/>
             </a:pPr>
-            <a:fld id="{5FC721EB-563F-4A3F-9A90-1ABABEA90B6D}" type="slidenum">
+            <a:fld id="{0E0A5C96-A127-4378-8918-4A847DC0163D}" type="slidenum">
               <a:rPr b="0" lang="fr-CH" sz="1400" spc="-1" strike="noStrike">
                 <a:latin typeface="Times New Roman"/>
               </a:rPr>
@@ -6035,7 +6047,43 @@
               <a:rPr b="0" i="1" lang="fr-CH" sz="1800" spc="-1" strike="noStrike">
                 <a:latin typeface="Arial"/>
               </a:rPr>
-              <a:t>Ideally measurement batch module is the only thing that interacts with more than one other module</a:t>
+              <a:t>Ideally </a:t>
+            </a:r>
+            <a:r>
+              <a:rPr b="0" i="1" lang="fr-CH" sz="1800" spc="-1" strike="noStrike">
+                <a:latin typeface="Arial"/>
+              </a:rPr>
+              <a:t>measurement </a:t>
+            </a:r>
+            <a:r>
+              <a:rPr b="0" i="1" lang="fr-CH" sz="1800" spc="-1" strike="noStrike">
+                <a:latin typeface="Arial"/>
+              </a:rPr>
+              <a:t>batch module is </a:t>
+            </a:r>
+            <a:r>
+              <a:rPr b="0" i="1" lang="fr-CH" sz="1800" spc="-1" strike="noStrike">
+                <a:latin typeface="Arial"/>
+              </a:rPr>
+              <a:t>the only thing that </a:t>
+            </a:r>
+            <a:r>
+              <a:rPr b="0" i="1" lang="fr-CH" sz="1800" spc="-1" strike="noStrike">
+                <a:latin typeface="Arial"/>
+              </a:rPr>
+              <a:t>interacts with </a:t>
+            </a:r>
+            <a:r>
+              <a:rPr b="0" i="1" lang="fr-CH" sz="1800" spc="-1" strike="noStrike">
+                <a:latin typeface="Arial"/>
+              </a:rPr>
+              <a:t>more than one </a:t>
+            </a:r>
+            <a:r>
+              <a:rPr b="0" i="1" lang="fr-CH" sz="1800" spc="-1" strike="noStrike">
+                <a:latin typeface="Arial"/>
+              </a:rPr>
+              <a:t>other module</a:t>
             </a:r>
             <a:endParaRPr b="0" lang="fr-CH" sz="1800" spc="-1" strike="noStrike">
               <a:latin typeface="Arial"/>
@@ -6885,7 +6933,7 @@
                 <a:latin typeface="Arial"/>
                 <a:ea typeface="DejaVu Sans"/>
               </a:rPr>
-              <a:t>instrument</a:t>
+              <a:t>instrument_tab</a:t>
             </a:r>
             <a:endParaRPr b="0" lang="fr-CH" sz="1800" spc="-1" strike="noStrike">
               <a:latin typeface="Arial"/>
@@ -7089,7 +7137,19 @@
               <a:rPr b="0" lang="fr-CH" sz="1800" spc="-1" strike="noStrike">
                 <a:latin typeface="Arial"/>
               </a:rPr>
-              <a:t>This version has no connections between tables. </a:t>
+              <a:t>This version has </a:t>
+            </a:r>
+            <a:r>
+              <a:rPr b="0" lang="fr-CH" sz="1800" spc="-1" strike="noStrike">
+                <a:latin typeface="Arial"/>
+              </a:rPr>
+              <a:t>no connections </a:t>
+            </a:r>
+            <a:r>
+              <a:rPr b="0" lang="fr-CH" sz="1800" spc="-1" strike="noStrike">
+                <a:latin typeface="Arial"/>
+              </a:rPr>
+              <a:t>between tables. </a:t>
             </a:r>
             <a:endParaRPr b="0" lang="fr-CH" sz="1800" spc="-1" strike="noStrike">
               <a:latin typeface="Arial"/>
@@ -7100,7 +7160,31 @@
               <a:rPr b="0" lang="fr-CH" sz="1800" spc="-1" strike="noStrike">
                 <a:latin typeface="Arial"/>
               </a:rPr>
-              <a:t>The point is to have something to connect to for MetaCapturer dev</a:t>
+              <a:t>The point is to </a:t>
+            </a:r>
+            <a:r>
+              <a:rPr b="0" lang="fr-CH" sz="1800" spc="-1" strike="noStrike">
+                <a:latin typeface="Arial"/>
+              </a:rPr>
+              <a:t>have something </a:t>
+            </a:r>
+            <a:r>
+              <a:rPr b="0" lang="fr-CH" sz="1800" spc="-1" strike="noStrike">
+                <a:latin typeface="Arial"/>
+              </a:rPr>
+              <a:t>to connect to for </a:t>
+            </a:r>
+            <a:r>
+              <a:rPr b="0" lang="fr-CH" sz="1800" spc="-1" strike="noStrike">
+                <a:latin typeface="Arial"/>
+              </a:rPr>
+              <a:t>MetaCapturer </a:t>
+            </a:r>
+            <a:r>
+              <a:rPr b="0" lang="fr-CH" sz="1800" spc="-1" strike="noStrike">
+                <a:latin typeface="Arial"/>
+              </a:rPr>
+              <a:t>dev</a:t>
             </a:r>
             <a:endParaRPr b="0" lang="fr-CH" sz="1800" spc="-1" strike="noStrike">
               <a:latin typeface="Arial"/>
